--- a/Presentation.pptx
+++ b/Presentation.pptx
@@ -5,18 +5,20 @@
     <p:sldMasterId id="2147483648" r:id="rId1"/>
   </p:sldMasterIdLst>
   <p:notesMasterIdLst>
-    <p:notesMasterId r:id="rId9"/>
+    <p:notesMasterId r:id="rId11"/>
   </p:notesMasterIdLst>
   <p:handoutMasterIdLst>
-    <p:handoutMasterId r:id="rId10"/>
+    <p:handoutMasterId r:id="rId12"/>
   </p:handoutMasterIdLst>
   <p:sldIdLst>
     <p:sldId id="257" r:id="rId3"/>
     <p:sldId id="256" r:id="rId4"/>
     <p:sldId id="258" r:id="rId5"/>
-    <p:sldId id="260" r:id="rId6"/>
-    <p:sldId id="263" r:id="rId7"/>
-    <p:sldId id="259" r:id="rId8"/>
+    <p:sldId id="264" r:id="rId6"/>
+    <p:sldId id="265" r:id="rId7"/>
+    <p:sldId id="260" r:id="rId8"/>
+    <p:sldId id="263" r:id="rId9"/>
+    <p:sldId id="259" r:id="rId10"/>
   </p:sldIdLst>
   <p:sldSz cx="12192000" cy="6858000"/>
   <p:notesSz cx="7103745" cy="10234295"/>
@@ -3499,7 +3501,9 @@
           <p:nvPr/>
         </p:nvPicPr>
         <p:blipFill>
-          <a:blip r:embed="rId1"/>
+          <a:blip r:embed="rId1">
+            <a:lum bright="-36000"/>
+          </a:blip>
           <a:stretch>
             <a:fillRect/>
           </a:stretch>
@@ -3571,7 +3575,7 @@
         </p:blipFill>
         <p:spPr>
           <a:xfrm>
-            <a:off x="136525" y="25400"/>
+            <a:off x="165100" y="25400"/>
             <a:ext cx="11948160" cy="6807200"/>
           </a:xfrm>
           <a:prstGeom prst="rect">
@@ -3606,9 +3610,9 @@
             <a:noAutofit/>
           </a:bodyPr>
           <a:p>
-            <a:pPr algn="ctr"/>
-            <a:r>
-              <a:rPr lang="x-none" altLang="en-US">
+            <a:pPr algn="r"/>
+            <a:r>
+              <a:rPr lang="x-none" altLang="en-US" b="1">
                 <a:ln w="10160">
                   <a:solidFill>
                     <a:schemeClr val="accent5"/>
@@ -3628,9 +3632,9 @@
                 <a:latin typeface="Fira Code" panose="020B0609050000020004" charset="0"/>
                 <a:cs typeface="Fira Code" panose="020B0609050000020004" charset="0"/>
               </a:rPr>
-              <a:t>A Gentle Introduction to GDAL and Grass GIS</a:t>
-            </a:r>
-            <a:endParaRPr lang="x-none" altLang="en-US">
+              <a:t>AN INTRODUCTION TO GDAL AND GRASS GIS</a:t>
+            </a:r>
+            <a:endParaRPr lang="x-none" altLang="en-US" b="1">
               <a:ln w="10160">
                 <a:solidFill>
                   <a:schemeClr val="accent5"/>
@@ -3653,52 +3657,6 @@
           </a:p>
         </p:txBody>
       </p:sp>
-      <p:sp>
-        <p:nvSpPr>
-          <p:cNvPr id="3" name="Subtitle 2"/>
-          <p:cNvSpPr>
-            <a:spLocks noGrp="1"/>
-          </p:cNvSpPr>
-          <p:nvPr>
-            <p:ph type="subTitle" idx="1"/>
-          </p:nvPr>
-        </p:nvSpPr>
-        <p:spPr>
-          <a:xfrm>
-            <a:off x="2969260" y="6461760"/>
-            <a:ext cx="9144000" cy="371475"/>
-          </a:xfrm>
-        </p:spPr>
-        <p:txBody>
-          <a:bodyPr/>
-          <a:p>
-            <a:pPr algn="r"/>
-            <a:r>
-              <a:rPr lang="x-none" altLang="en-US" i="1">
-                <a:solidFill>
-                  <a:schemeClr val="accent6">
-                    <a:lumMod val="40000"/>
-                    <a:lumOff val="60000"/>
-                  </a:schemeClr>
-                </a:solidFill>
-                <a:latin typeface="Fira Code" panose="020B0609050000020004" charset="0"/>
-                <a:cs typeface="Fira Code" panose="020B0609050000020004" charset="0"/>
-              </a:rPr>
-              <a:t>by  Brian and Da Vince</a:t>
-            </a:r>
-            <a:endParaRPr lang="x-none" altLang="en-US" i="1">
-              <a:solidFill>
-                <a:schemeClr val="accent6">
-                  <a:lumMod val="40000"/>
-                  <a:lumOff val="60000"/>
-                </a:schemeClr>
-              </a:solidFill>
-              <a:latin typeface="Fira Code" panose="020B0609050000020004" charset="0"/>
-              <a:cs typeface="Fira Code" panose="020B0609050000020004" charset="0"/>
-            </a:endParaRPr>
-          </a:p>
-        </p:txBody>
-      </p:sp>
       <p:pic>
         <p:nvPicPr>
           <p:cNvPr id="11" name="Picture 10" descr="drawing (copy)_1_1"/>
@@ -3708,15 +3666,17 @@
           <p:nvPr/>
         </p:nvPicPr>
         <p:blipFill>
-          <a:blip r:embed="rId1"/>
+          <a:blip r:embed="rId1">
+            <a:lum bright="-24000"/>
+          </a:blip>
           <a:stretch>
             <a:fillRect/>
           </a:stretch>
         </p:blipFill>
         <p:spPr>
           <a:xfrm>
-            <a:off x="136525" y="68580"/>
-            <a:ext cx="3994785" cy="6764020"/>
+            <a:off x="4445" y="25400"/>
+            <a:ext cx="4335145" cy="6503670"/>
           </a:xfrm>
           <a:prstGeom prst="rect">
             <a:avLst/>
@@ -3735,6 +3695,52 @@
           </a:effectLst>
         </p:spPr>
       </p:pic>
+      <p:sp>
+        <p:nvSpPr>
+          <p:cNvPr id="3" name="Subtitle 2"/>
+          <p:cNvSpPr>
+            <a:spLocks noGrp="1"/>
+          </p:cNvSpPr>
+          <p:nvPr>
+            <p:ph type="subTitle" idx="1"/>
+          </p:nvPr>
+        </p:nvSpPr>
+        <p:spPr>
+          <a:xfrm>
+            <a:off x="2969260" y="6461760"/>
+            <a:ext cx="9144000" cy="371475"/>
+          </a:xfrm>
+        </p:spPr>
+        <p:txBody>
+          <a:bodyPr/>
+          <a:p>
+            <a:pPr algn="r"/>
+            <a:r>
+              <a:rPr lang="x-none" altLang="en-US" i="1">
+                <a:solidFill>
+                  <a:schemeClr val="accent6">
+                    <a:lumMod val="40000"/>
+                    <a:lumOff val="60000"/>
+                  </a:schemeClr>
+                </a:solidFill>
+                <a:latin typeface="Fira Code" panose="020B0609050000020004" charset="0"/>
+                <a:cs typeface="Fira Code" panose="020B0609050000020004" charset="0"/>
+              </a:rPr>
+              <a:t>by  Brian and Da Vince</a:t>
+            </a:r>
+            <a:endParaRPr lang="x-none" altLang="en-US" i="1">
+              <a:solidFill>
+                <a:schemeClr val="accent6">
+                  <a:lumMod val="40000"/>
+                  <a:lumOff val="60000"/>
+                </a:schemeClr>
+              </a:solidFill>
+              <a:latin typeface="Fira Code" panose="020B0609050000020004" charset="0"/>
+              <a:cs typeface="Fira Code" panose="020B0609050000020004" charset="0"/>
+            </a:endParaRPr>
+          </a:p>
+        </p:txBody>
+      </p:sp>
     </p:spTree>
   </p:cSld>
   <p:clrMapOvr>
@@ -3784,7 +3790,7 @@
                 </a:srgbClr>
               </a:clrTo>
             </a:clrChange>
-            <a:lum bright="-78000"/>
+            <a:lum bright="-84000"/>
           </a:blip>
           <a:stretch>
             <a:fillRect/>
@@ -4171,20 +4177,64 @@
         <p:nvPr/>
       </p:nvGrpSpPr>
       <p:grpSpPr/>
-      <p:sp>
-        <p:nvSpPr>
-          <p:cNvPr id="5" name="Title 4"/>
-          <p:cNvSpPr>
-            <a:spLocks noGrp="1"/>
-          </p:cNvSpPr>
-          <p:nvPr>
-            <p:ph type="title"/>
-          </p:nvPr>
-        </p:nvSpPr>
+      <p:pic>
+        <p:nvPicPr>
+          <p:cNvPr id="12" name="Picture 11" descr="drawing (copy)_1_1"/>
+          <p:cNvPicPr>
+            <a:picLocks noChangeAspect="1"/>
+          </p:cNvPicPr>
+          <p:nvPr/>
+        </p:nvPicPr>
+        <p:blipFill>
+          <a:blip r:embed="rId1">
+            <a:clrChange>
+              <a:clrFrom>
+                <a:srgbClr val="96FADD">
+                  <a:alpha val="100000"/>
+                </a:srgbClr>
+              </a:clrFrom>
+              <a:clrTo>
+                <a:srgbClr val="96FADD">
+                  <a:alpha val="100000"/>
+                  <a:alpha val="0"/>
+                </a:srgbClr>
+              </a:clrTo>
+            </a:clrChange>
+            <a:lum bright="-84000" contrast="6000"/>
+          </a:blip>
+          <a:stretch>
+            <a:fillRect/>
+          </a:stretch>
+        </p:blipFill>
         <p:spPr>
           <a:xfrm>
-            <a:off x="136525" y="178435"/>
-            <a:ext cx="10515600" cy="1075055"/>
+            <a:off x="136525" y="25400"/>
+            <a:ext cx="11948160" cy="6807200"/>
+          </a:xfrm>
+          <a:prstGeom prst="rect">
+            <a:avLst/>
+          </a:prstGeom>
+          <a:noFill/>
+          <a:ln>
+            <a:noFill/>
+          </a:ln>
+          <a:effectLst/>
+        </p:spPr>
+      </p:pic>
+      <p:sp>
+        <p:nvSpPr>
+          <p:cNvPr id="5" name="Title 4"/>
+          <p:cNvSpPr>
+            <a:spLocks noGrp="1"/>
+          </p:cNvSpPr>
+          <p:nvPr>
+            <p:ph type="title"/>
+          </p:nvPr>
+        </p:nvSpPr>
+        <p:spPr>
+          <a:xfrm>
+            <a:off x="136525" y="25400"/>
+            <a:ext cx="10515600" cy="594360"/>
           </a:xfrm>
         </p:spPr>
         <p:txBody>
@@ -4205,7 +4255,1193 @@
                 <a:latin typeface="Fira Code" panose="020B0609050000020004" charset="0"/>
                 <a:cs typeface="Fira Code" panose="020B0609050000020004" charset="0"/>
               </a:rPr>
-              <a:t>Speakers</a:t>
+              <a:t>Introduction.</a:t>
+            </a:r>
+            <a:endParaRPr lang="x-none" altLang="en-US">
+              <a:solidFill>
+                <a:srgbClr val="53F22E"/>
+              </a:solidFill>
+              <a:effectLst>
+                <a:outerShdw blurRad="38100" dist="19050" dir="2700000" algn="tl" rotWithShape="0">
+                  <a:schemeClr val="dk1">
+                    <a:alpha val="40000"/>
+                  </a:schemeClr>
+                </a:outerShdw>
+              </a:effectLst>
+              <a:latin typeface="Fira Code" panose="020B0609050000020004" charset="0"/>
+              <a:cs typeface="Fira Code" panose="020B0609050000020004" charset="0"/>
+            </a:endParaRPr>
+          </a:p>
+        </p:txBody>
+      </p:sp>
+      <p:sp>
+        <p:nvSpPr>
+          <p:cNvPr id="8" name="Content Placeholder 7"/>
+          <p:cNvSpPr>
+            <a:spLocks noGrp="1"/>
+          </p:cNvSpPr>
+          <p:nvPr>
+            <p:ph sz="half" idx="2"/>
+          </p:nvPr>
+        </p:nvSpPr>
+        <p:spPr>
+          <a:xfrm>
+            <a:off x="136525" y="551815"/>
+            <a:ext cx="11749405" cy="6209030"/>
+          </a:xfrm>
+          <a:effectLst>
+            <a:outerShdw blurRad="50800" dist="50800" dir="5400000" sx="98000" sy="98000" algn="ctr" rotWithShape="0">
+              <a:srgbClr val="000000">
+                <a:alpha val="100000"/>
+              </a:srgbClr>
+            </a:outerShdw>
+          </a:effectLst>
+        </p:spPr>
+        <p:txBody>
+          <a:bodyPr>
+            <a:noAutofit/>
+          </a:bodyPr>
+          <a:p>
+            <a:pPr marL="0" indent="0">
+              <a:buNone/>
+            </a:pPr>
+            <a:r>
+              <a:rPr lang="x-none" altLang="en-US">
+                <a:solidFill>
+                  <a:schemeClr val="accent6">
+                    <a:lumMod val="60000"/>
+                    <a:lumOff val="40000"/>
+                  </a:schemeClr>
+                </a:solidFill>
+                <a:latin typeface="Fira Code" panose="020B0609050000020004" charset="0"/>
+                <a:cs typeface="Fira Code" panose="020B0609050000020004" charset="0"/>
+                <a:sym typeface="+mn-ea"/>
+              </a:rPr>
+              <a:t>WHAT IS </a:t>
+            </a:r>
+            <a:r>
+              <a:rPr lang="x-none" altLang="en-US">
+                <a:solidFill>
+                  <a:schemeClr val="accent6">
+                    <a:lumMod val="60000"/>
+                    <a:lumOff val="40000"/>
+                  </a:schemeClr>
+                </a:solidFill>
+                <a:latin typeface="Fira Code" panose="020B0609050000020004" charset="0"/>
+                <a:cs typeface="Fira Code" panose="020B0609050000020004" charset="0"/>
+                <a:sym typeface="+mn-ea"/>
+              </a:rPr>
+              <a:t>GRASS GIS AND </a:t>
+            </a:r>
+            <a:r>
+              <a:rPr lang="x-none" altLang="en-US">
+                <a:solidFill>
+                  <a:schemeClr val="accent6">
+                    <a:lumMod val="60000"/>
+                    <a:lumOff val="40000"/>
+                  </a:schemeClr>
+                </a:solidFill>
+                <a:latin typeface="Fira Code" panose="020B0609050000020004" charset="0"/>
+                <a:cs typeface="Fira Code" panose="020B0609050000020004" charset="0"/>
+                <a:sym typeface="+mn-ea"/>
+              </a:rPr>
+              <a:t>GDAL ANYWAY? WHY CARE ABOUT THEM?</a:t>
+            </a:r>
+            <a:endParaRPr lang="x-none" altLang="en-US" sz="1800">
+              <a:solidFill>
+                <a:schemeClr val="accent6">
+                  <a:lumMod val="40000"/>
+                  <a:lumOff val="60000"/>
+                </a:schemeClr>
+              </a:solidFill>
+              <a:latin typeface="Fira Code" panose="020B0609050000020004" charset="0"/>
+              <a:cs typeface="Fira Code" panose="020B0609050000020004" charset="0"/>
+            </a:endParaRPr>
+          </a:p>
+          <a:p>
+            <a:pPr marL="0" indent="0">
+              <a:buNone/>
+            </a:pPr>
+            <a:r>
+              <a:rPr lang="x-none" altLang="en-US" sz="1800">
+                <a:solidFill>
+                  <a:srgbClr val="92D050"/>
+                </a:solidFill>
+                <a:latin typeface="Fira Code" panose="020B0609050000020004" charset="0"/>
+                <a:cs typeface="Fira Code" panose="020B0609050000020004" charset="0"/>
+              </a:rPr>
+              <a:t>    &gt; Let's get the abbreviations out of the way.</a:t>
+            </a:r>
+            <a:endParaRPr lang="x-none" altLang="en-US" sz="1800">
+              <a:solidFill>
+                <a:srgbClr val="92D050"/>
+              </a:solidFill>
+              <a:latin typeface="Fira Code" panose="020B0609050000020004" charset="0"/>
+              <a:cs typeface="Fira Code" panose="020B0609050000020004" charset="0"/>
+            </a:endParaRPr>
+          </a:p>
+          <a:p>
+            <a:pPr marL="0" indent="0">
+              <a:buNone/>
+            </a:pPr>
+            <a:r>
+              <a:rPr lang="x-none" altLang="en-US" sz="1800">
+                <a:solidFill>
+                  <a:srgbClr val="92D050"/>
+                </a:solidFill>
+                <a:latin typeface="Fira Code" panose="020B0609050000020004" charset="0"/>
+                <a:cs typeface="Fira Code" panose="020B0609050000020004" charset="0"/>
+              </a:rPr>
+              <a:t>        &gt;&gt; GRASS GIS: </a:t>
+            </a:r>
+            <a:r>
+              <a:rPr lang="x-none" altLang="en-US" sz="1600" i="1">
+                <a:solidFill>
+                  <a:schemeClr val="accent6">
+                    <a:lumMod val="75000"/>
+                  </a:schemeClr>
+                </a:solidFill>
+                <a:latin typeface="Fira Code" panose="020B0609050000020004" charset="0"/>
+                <a:cs typeface="Fira Code" panose="020B0609050000020004" charset="0"/>
+                <a:sym typeface="+mn-ea"/>
+              </a:rPr>
+              <a:t>Geospatial Data Abstraction Library</a:t>
+            </a:r>
+            <a:endParaRPr lang="x-none" altLang="en-US" sz="1600">
+              <a:solidFill>
+                <a:srgbClr val="92D050"/>
+              </a:solidFill>
+              <a:latin typeface="Fira Code" panose="020B0609050000020004" charset="0"/>
+              <a:cs typeface="Fira Code" panose="020B0609050000020004" charset="0"/>
+            </a:endParaRPr>
+          </a:p>
+          <a:p>
+            <a:pPr marL="0" indent="0">
+              <a:buNone/>
+            </a:pPr>
+            <a:r>
+              <a:rPr lang="x-none" altLang="en-US" sz="1800">
+                <a:solidFill>
+                  <a:srgbClr val="92D050"/>
+                </a:solidFill>
+                <a:latin typeface="Fira Code" panose="020B0609050000020004" charset="0"/>
+                <a:cs typeface="Fira Code" panose="020B0609050000020004" charset="0"/>
+              </a:rPr>
+              <a:t>        &gt;&gt; GDAL: </a:t>
+            </a:r>
+            <a:r>
+              <a:rPr lang="x-none" altLang="en-US" sz="1600" i="1">
+                <a:solidFill>
+                  <a:schemeClr val="accent6">
+                    <a:lumMod val="75000"/>
+                  </a:schemeClr>
+                </a:solidFill>
+                <a:latin typeface="Fira Code" panose="020B0609050000020004" charset="0"/>
+                <a:cs typeface="Fira Code" panose="020B0609050000020004" charset="0"/>
+                <a:sym typeface="+mn-ea"/>
+              </a:rPr>
+              <a:t>Geographic Resource Analysis Support System</a:t>
+            </a:r>
+            <a:endParaRPr lang="x-none" altLang="en-US" sz="1600" i="1">
+              <a:solidFill>
+                <a:schemeClr val="accent6">
+                  <a:lumMod val="75000"/>
+                </a:schemeClr>
+              </a:solidFill>
+              <a:latin typeface="Fira Code" panose="020B0609050000020004" charset="0"/>
+              <a:cs typeface="Fira Code" panose="020B0609050000020004" charset="0"/>
+              <a:sym typeface="+mn-ea"/>
+            </a:endParaRPr>
+          </a:p>
+          <a:p>
+            <a:pPr marL="0" indent="0">
+              <a:buNone/>
+            </a:pPr>
+            <a:r>
+              <a:rPr lang="x-none" altLang="en-US" sz="1800" b="1">
+                <a:solidFill>
+                  <a:srgbClr val="92D050"/>
+                </a:solidFill>
+                <a:latin typeface="Fira Code" panose="020B0609050000020004" charset="0"/>
+                <a:cs typeface="Fira Code" panose="020B0609050000020004" charset="0"/>
+                <a:sym typeface="+mn-ea"/>
+              </a:rPr>
+              <a:t>        &gt;&gt; OGR:</a:t>
+            </a:r>
+            <a:r>
+              <a:rPr lang="x-none" altLang="en-US" sz="1800" i="1">
+                <a:solidFill>
+                  <a:schemeClr val="accent6">
+                    <a:lumMod val="75000"/>
+                  </a:schemeClr>
+                </a:solidFill>
+                <a:latin typeface="Fira Code" panose="020B0609050000020004" charset="0"/>
+                <a:cs typeface="Fira Code" panose="020B0609050000020004" charset="0"/>
+                <a:sym typeface="+mn-ea"/>
+              </a:rPr>
+              <a:t> </a:t>
+            </a:r>
+            <a:r>
+              <a:rPr lang="x-none" altLang="en-US" sz="1600" i="1">
+                <a:solidFill>
+                  <a:schemeClr val="accent6">
+                    <a:lumMod val="75000"/>
+                  </a:schemeClr>
+                </a:solidFill>
+                <a:latin typeface="Fira Code" panose="020B0609050000020004" charset="0"/>
+                <a:cs typeface="Fira Code" panose="020B0609050000020004" charset="0"/>
+                <a:sym typeface="+mn-ea"/>
+              </a:rPr>
+              <a:t>OGR Simple Feature Library (</a:t>
+            </a:r>
+            <a:r>
+              <a:rPr lang="x-none" altLang="en-US" sz="1600" i="1">
+                <a:solidFill>
+                  <a:schemeClr val="accent6">
+                    <a:lumMod val="50000"/>
+                  </a:schemeClr>
+                </a:solidFill>
+                <a:latin typeface="Fira Code" panose="020B0609050000020004" charset="0"/>
+                <a:cs typeface="Fira Code" panose="020B0609050000020004" charset="0"/>
+                <a:sym typeface="+mn-ea"/>
+              </a:rPr>
+              <a:t>OpenGIS Simple Feature Reference Implementation)</a:t>
+            </a:r>
+            <a:endParaRPr lang="x-none" altLang="en-US" sz="1600">
+              <a:solidFill>
+                <a:schemeClr val="accent6">
+                  <a:lumMod val="50000"/>
+                </a:schemeClr>
+              </a:solidFill>
+              <a:latin typeface="Fira Code" panose="020B0609050000020004" charset="0"/>
+              <a:cs typeface="Fira Code" panose="020B0609050000020004" charset="0"/>
+            </a:endParaRPr>
+          </a:p>
+          <a:p>
+            <a:pPr marL="0" indent="0">
+              <a:buNone/>
+            </a:pPr>
+            <a:r>
+              <a:rPr lang="x-none" altLang="en-US" sz="1600">
+                <a:solidFill>
+                  <a:schemeClr val="accent6">
+                    <a:lumMod val="50000"/>
+                  </a:schemeClr>
+                </a:solidFill>
+                <a:latin typeface="Fira Code" panose="020B0609050000020004" charset="0"/>
+                <a:cs typeface="Fira Code" panose="020B0609050000020004" charset="0"/>
+              </a:rPr>
+              <a:t>    &gt; </a:t>
+            </a:r>
+            <a:r>
+              <a:rPr lang="x-none" altLang="en-US" sz="1600">
+                <a:solidFill>
+                  <a:schemeClr val="accent6">
+                    <a:lumMod val="75000"/>
+                  </a:schemeClr>
+                </a:solidFill>
+                <a:latin typeface="Fira Code" panose="020B0609050000020004" charset="0"/>
+                <a:cs typeface="Fira Code" panose="020B0609050000020004" charset="0"/>
+              </a:rPr>
+              <a:t>Both GDAL and GRASS GIS are member/projects under the Open Source Geospatial Foundation</a:t>
+            </a:r>
+            <a:endParaRPr lang="x-none" altLang="en-US" sz="1600">
+              <a:solidFill>
+                <a:schemeClr val="accent6">
+                  <a:lumMod val="75000"/>
+                </a:schemeClr>
+              </a:solidFill>
+              <a:latin typeface="Fira Code" panose="020B0609050000020004" charset="0"/>
+              <a:cs typeface="Fira Code" panose="020B0609050000020004" charset="0"/>
+            </a:endParaRPr>
+          </a:p>
+          <a:p>
+            <a:pPr marL="0" indent="0">
+              <a:buNone/>
+            </a:pPr>
+            <a:r>
+              <a:rPr lang="x-none" altLang="en-US" sz="1400">
+                <a:solidFill>
+                  <a:schemeClr val="accent6">
+                    <a:lumMod val="50000"/>
+                  </a:schemeClr>
+                </a:solidFill>
+                <a:latin typeface="Fira Code" panose="020B0609050000020004" charset="0"/>
+                <a:cs typeface="Fira Code" panose="020B0609050000020004" charset="0"/>
+              </a:rPr>
+              <a:t>     &gt; </a:t>
+            </a:r>
+            <a:r>
+              <a:rPr lang="x-none" altLang="en-US" sz="1400">
+                <a:solidFill>
+                  <a:schemeClr val="accent6">
+                    <a:lumMod val="75000"/>
+                  </a:schemeClr>
+                </a:solidFill>
+                <a:latin typeface="Fira Code" panose="020B0609050000020004" charset="0"/>
+                <a:cs typeface="Fira Code" panose="020B0609050000020004" charset="0"/>
+              </a:rPr>
+              <a:t>Free and open source cross-platform and runs on major operating systems </a:t>
+            </a:r>
+            <a:r>
+              <a:rPr lang="x-none" altLang="en-US" sz="1600">
+                <a:solidFill>
+                  <a:schemeClr val="accent6">
+                    <a:lumMod val="75000"/>
+                  </a:schemeClr>
+                </a:solidFill>
+                <a:latin typeface="Fira Code" panose="020B0609050000020004" charset="0"/>
+                <a:cs typeface="Fira Code" panose="020B0609050000020004" charset="0"/>
+              </a:rPr>
+              <a:t>written in</a:t>
+            </a:r>
+            <a:r>
+              <a:rPr lang="x-none" altLang="en-US" sz="1600">
+                <a:solidFill>
+                  <a:schemeClr val="accent6">
+                    <a:lumMod val="50000"/>
+                  </a:schemeClr>
+                </a:solidFill>
+                <a:latin typeface="Fira Code" panose="020B0609050000020004" charset="0"/>
+                <a:cs typeface="Fira Code" panose="020B0609050000020004" charset="0"/>
+              </a:rPr>
+              <a:t> </a:t>
+            </a:r>
+            <a:r>
+              <a:rPr lang="x-none" altLang="en-US" sz="1600">
+                <a:solidFill>
+                  <a:srgbClr val="92D050"/>
+                </a:solidFill>
+                <a:latin typeface="Fira Code" panose="020B0609050000020004" charset="0"/>
+                <a:cs typeface="Fira Code" panose="020B0609050000020004" charset="0"/>
+              </a:rPr>
+              <a:t>C, C++</a:t>
+            </a:r>
+            <a:r>
+              <a:rPr lang="x-none" altLang="en-US" sz="1600">
+                <a:solidFill>
+                  <a:schemeClr val="accent6">
+                    <a:lumMod val="50000"/>
+                  </a:schemeClr>
+                </a:solidFill>
+                <a:latin typeface="Fira Code" panose="020B0609050000020004" charset="0"/>
+                <a:cs typeface="Fira Code" panose="020B0609050000020004" charset="0"/>
+              </a:rPr>
+              <a:t> </a:t>
+            </a:r>
+            <a:r>
+              <a:rPr lang="x-none" altLang="en-US" sz="1600">
+                <a:solidFill>
+                  <a:schemeClr val="accent6">
+                    <a:lumMod val="75000"/>
+                  </a:schemeClr>
+                </a:solidFill>
+                <a:latin typeface="Fira Code" panose="020B0609050000020004" charset="0"/>
+                <a:cs typeface="Fira Code" panose="020B0609050000020004" charset="0"/>
+              </a:rPr>
+              <a:t>with      great</a:t>
+            </a:r>
+            <a:r>
+              <a:rPr lang="x-none" altLang="en-US" sz="1600">
+                <a:solidFill>
+                  <a:schemeClr val="accent6">
+                    <a:lumMod val="50000"/>
+                  </a:schemeClr>
+                </a:solidFill>
+                <a:latin typeface="Fira Code" panose="020B0609050000020004" charset="0"/>
+                <a:cs typeface="Fira Code" panose="020B0609050000020004" charset="0"/>
+              </a:rPr>
+              <a:t> </a:t>
+            </a:r>
+            <a:r>
+              <a:rPr lang="x-none" altLang="en-US" sz="1600">
+                <a:solidFill>
+                  <a:srgbClr val="92D050"/>
+                </a:solidFill>
+                <a:latin typeface="Fira Code" panose="020B0609050000020004" charset="0"/>
+                <a:cs typeface="Fira Code" panose="020B0609050000020004" charset="0"/>
+              </a:rPr>
+              <a:t>python</a:t>
+            </a:r>
+            <a:r>
+              <a:rPr lang="x-none" altLang="en-US" sz="1600">
+                <a:solidFill>
+                  <a:schemeClr val="accent6">
+                    <a:lumMod val="50000"/>
+                  </a:schemeClr>
+                </a:solidFill>
+                <a:latin typeface="Fira Code" panose="020B0609050000020004" charset="0"/>
+                <a:cs typeface="Fira Code" panose="020B0609050000020004" charset="0"/>
+              </a:rPr>
+              <a:t> </a:t>
+            </a:r>
+            <a:r>
+              <a:rPr lang="x-none" altLang="en-US" sz="1600">
+                <a:solidFill>
+                  <a:schemeClr val="accent6">
+                    <a:lumMod val="75000"/>
+                  </a:schemeClr>
+                </a:solidFill>
+                <a:latin typeface="Fira Code" panose="020B0609050000020004" charset="0"/>
+                <a:cs typeface="Fira Code" panose="020B0609050000020004" charset="0"/>
+              </a:rPr>
+              <a:t>api wrapper</a:t>
+            </a:r>
+            <a:endParaRPr lang="x-none" altLang="en-US" sz="1600">
+              <a:solidFill>
+                <a:schemeClr val="accent6">
+                  <a:lumMod val="50000"/>
+                </a:schemeClr>
+              </a:solidFill>
+              <a:latin typeface="Fira Code" panose="020B0609050000020004" charset="0"/>
+              <a:cs typeface="Fira Code" panose="020B0609050000020004" charset="0"/>
+            </a:endParaRPr>
+          </a:p>
+          <a:p>
+            <a:pPr marL="0" indent="0">
+              <a:buNone/>
+            </a:pPr>
+            <a:r>
+              <a:rPr lang="x-none" altLang="en-US" sz="1600">
+                <a:solidFill>
+                  <a:schemeClr val="accent6">
+                    <a:lumMod val="50000"/>
+                  </a:schemeClr>
+                </a:solidFill>
+                <a:latin typeface="Fira Code" panose="020B0609050000020004" charset="0"/>
+                <a:cs typeface="Fira Code" panose="020B0609050000020004" charset="0"/>
+              </a:rPr>
+              <a:t>    &gt; </a:t>
+            </a:r>
+            <a:r>
+              <a:rPr lang="x-none" altLang="en-US" sz="1600">
+                <a:solidFill>
+                  <a:schemeClr val="accent6">
+                    <a:lumMod val="75000"/>
+                  </a:schemeClr>
+                </a:solidFill>
+                <a:latin typeface="Fira Code" panose="020B0609050000020004" charset="0"/>
+                <a:cs typeface="Fira Code" panose="020B0609050000020004" charset="0"/>
+              </a:rPr>
+              <a:t>Not as popular as QGIS and ArcGIS is with desktop users. Maybe cause they are more</a:t>
+            </a:r>
+            <a:r>
+              <a:rPr lang="x-none" altLang="en-US" sz="1600">
+                <a:solidFill>
+                  <a:schemeClr val="accent6">
+                    <a:lumMod val="50000"/>
+                  </a:schemeClr>
+                </a:solidFill>
+                <a:latin typeface="Fira Code" panose="020B0609050000020004" charset="0"/>
+                <a:cs typeface="Fira Code" panose="020B0609050000020004" charset="0"/>
+              </a:rPr>
+              <a:t> </a:t>
+            </a:r>
+            <a:r>
+              <a:rPr lang="x-none" altLang="en-US" sz="1600">
+                <a:solidFill>
+                  <a:srgbClr val="92D050"/>
+                </a:solidFill>
+                <a:latin typeface="Fira Code" panose="020B0609050000020004" charset="0"/>
+                <a:cs typeface="Fira Code" panose="020B0609050000020004" charset="0"/>
+              </a:rPr>
+              <a:t>CLI </a:t>
+            </a:r>
+            <a:r>
+              <a:rPr lang="x-none" altLang="en-US" sz="1600">
+                <a:solidFill>
+                  <a:schemeClr val="accent6">
+                    <a:lumMod val="75000"/>
+                  </a:schemeClr>
+                </a:solidFill>
+                <a:latin typeface="Fira Code" panose="020B0609050000020004" charset="0"/>
+                <a:cs typeface="Fira Code" panose="020B0609050000020004" charset="0"/>
+              </a:rPr>
+              <a:t>oriented? but grass offers a GUI through</a:t>
+            </a:r>
+            <a:r>
+              <a:rPr lang="x-none" altLang="en-US" sz="1600">
+                <a:solidFill>
+                  <a:schemeClr val="accent6">
+                    <a:lumMod val="50000"/>
+                  </a:schemeClr>
+                </a:solidFill>
+                <a:latin typeface="Fira Code" panose="020B0609050000020004" charset="0"/>
+                <a:cs typeface="Fira Code" panose="020B0609050000020004" charset="0"/>
+              </a:rPr>
+              <a:t> </a:t>
+            </a:r>
+            <a:r>
+              <a:rPr lang="x-none" altLang="en-US" sz="1600">
+                <a:solidFill>
+                  <a:srgbClr val="92D050"/>
+                </a:solidFill>
+                <a:latin typeface="Fira Code" panose="020B0609050000020004" charset="0"/>
+                <a:cs typeface="Fira Code" panose="020B0609050000020004" charset="0"/>
+              </a:rPr>
+              <a:t>WxWidgets</a:t>
+            </a:r>
+            <a:r>
+              <a:rPr lang="x-none" altLang="en-US" sz="1600">
+                <a:solidFill>
+                  <a:schemeClr val="accent6">
+                    <a:lumMod val="50000"/>
+                  </a:schemeClr>
+                </a:solidFill>
+                <a:latin typeface="Fira Code" panose="020B0609050000020004" charset="0"/>
+                <a:cs typeface="Fira Code" panose="020B0609050000020004" charset="0"/>
+              </a:rPr>
+              <a:t> </a:t>
+            </a:r>
+            <a:r>
+              <a:rPr lang="x-none" altLang="en-US" sz="1600">
+                <a:solidFill>
+                  <a:schemeClr val="accent6">
+                    <a:lumMod val="75000"/>
+                  </a:schemeClr>
+                </a:solidFill>
+                <a:latin typeface="Fira Code" panose="020B0609050000020004" charset="0"/>
+                <a:cs typeface="Fira Code" panose="020B0609050000020004" charset="0"/>
+              </a:rPr>
+              <a:t>python api</a:t>
+            </a:r>
+            <a:endParaRPr lang="x-none" altLang="en-US" sz="1600">
+              <a:solidFill>
+                <a:schemeClr val="accent6">
+                  <a:lumMod val="75000"/>
+                </a:schemeClr>
+              </a:solidFill>
+              <a:latin typeface="Fira Code" panose="020B0609050000020004" charset="0"/>
+              <a:cs typeface="Fira Code" panose="020B0609050000020004" charset="0"/>
+            </a:endParaRPr>
+          </a:p>
+          <a:p>
+            <a:pPr marL="0" indent="0">
+              <a:buNone/>
+            </a:pPr>
+            <a:r>
+              <a:rPr lang="x-none" altLang="en-US" sz="1600">
+                <a:solidFill>
+                  <a:schemeClr val="accent6">
+                    <a:lumMod val="75000"/>
+                  </a:schemeClr>
+                </a:solidFill>
+                <a:latin typeface="Fira Code" panose="020B0609050000020004" charset="0"/>
+                <a:cs typeface="Fira Code" panose="020B0609050000020004" charset="0"/>
+              </a:rPr>
+              <a:t>    &gt; Provide tools for both </a:t>
+            </a:r>
+            <a:r>
+              <a:rPr lang="x-none" altLang="en-US" sz="1600">
+                <a:solidFill>
+                  <a:srgbClr val="92D050"/>
+                </a:solidFill>
+                <a:latin typeface="Fira Code" panose="020B0609050000020004" charset="0"/>
+                <a:cs typeface="Fira Code" panose="020B0609050000020004" charset="0"/>
+              </a:rPr>
+              <a:t>raster</a:t>
+            </a:r>
+            <a:r>
+              <a:rPr lang="x-none" altLang="en-US" sz="1600">
+                <a:solidFill>
+                  <a:schemeClr val="accent6">
+                    <a:lumMod val="75000"/>
+                  </a:schemeClr>
+                </a:solidFill>
+                <a:latin typeface="Fira Code" panose="020B0609050000020004" charset="0"/>
+                <a:cs typeface="Fira Code" panose="020B0609050000020004" charset="0"/>
+              </a:rPr>
+              <a:t> and </a:t>
+            </a:r>
+            <a:r>
+              <a:rPr lang="x-none" altLang="en-US" sz="1600">
+                <a:solidFill>
+                  <a:srgbClr val="92D050"/>
+                </a:solidFill>
+                <a:latin typeface="Fira Code" panose="020B0609050000020004" charset="0"/>
+                <a:cs typeface="Fira Code" panose="020B0609050000020004" charset="0"/>
+              </a:rPr>
+              <a:t>vector</a:t>
+            </a:r>
+            <a:r>
+              <a:rPr lang="x-none" altLang="en-US" sz="1600">
+                <a:solidFill>
+                  <a:schemeClr val="accent6">
+                    <a:lumMod val="75000"/>
+                  </a:schemeClr>
+                </a:solidFill>
+                <a:latin typeface="Fira Code" panose="020B0609050000020004" charset="0"/>
+                <a:cs typeface="Fira Code" panose="020B0609050000020004" charset="0"/>
+              </a:rPr>
+              <a:t> data reading, manipulation and processing</a:t>
+            </a:r>
+            <a:endParaRPr lang="x-none" altLang="en-US" sz="1600">
+              <a:solidFill>
+                <a:schemeClr val="accent6">
+                  <a:lumMod val="75000"/>
+                </a:schemeClr>
+              </a:solidFill>
+              <a:latin typeface="Fira Code" panose="020B0609050000020004" charset="0"/>
+              <a:cs typeface="Fira Code" panose="020B0609050000020004" charset="0"/>
+            </a:endParaRPr>
+          </a:p>
+          <a:p>
+            <a:pPr marL="0" indent="0">
+              <a:buNone/>
+            </a:pPr>
+            <a:endParaRPr lang="x-none" altLang="en-US" sz="1600" i="1">
+              <a:solidFill>
+                <a:schemeClr val="accent6">
+                  <a:lumMod val="75000"/>
+                </a:schemeClr>
+              </a:solidFill>
+              <a:latin typeface="Fira Code" panose="020B0609050000020004" charset="0"/>
+              <a:cs typeface="Fira Code" panose="020B0609050000020004" charset="0"/>
+            </a:endParaRPr>
+          </a:p>
+        </p:txBody>
+      </p:sp>
+    </p:spTree>
+  </p:cSld>
+  <p:clrMapOvr>
+    <a:masterClrMapping/>
+  </p:clrMapOvr>
+</p:sld>
+</file>
+
+<file path=ppt/slides/slide5.xml><?xml version="1.0" encoding="utf-8"?>
+<p:sld xmlns:a="http://schemas.openxmlformats.org/drawingml/2006/main" xmlns:r="http://schemas.openxmlformats.org/officeDocument/2006/relationships" xmlns:p="http://schemas.openxmlformats.org/presentationml/2006/main">
+  <p:cSld>
+    <p:bg>
+      <p:bgPr>
+        <a:solidFill>
+          <a:schemeClr val="tx1"/>
+        </a:solidFill>
+        <a:effectLst/>
+      </p:bgPr>
+    </p:bg>
+    <p:spTree>
+      <p:nvGrpSpPr>
+        <p:cNvPr id="1" name=""/>
+        <p:cNvGrpSpPr/>
+        <p:nvPr/>
+      </p:nvGrpSpPr>
+      <p:grpSpPr/>
+      <p:pic>
+        <p:nvPicPr>
+          <p:cNvPr id="12" name="Picture 11" descr="drawing (copy)_1_1"/>
+          <p:cNvPicPr>
+            <a:picLocks noChangeAspect="1"/>
+          </p:cNvPicPr>
+          <p:nvPr/>
+        </p:nvPicPr>
+        <p:blipFill>
+          <a:blip r:embed="rId1">
+            <a:clrChange>
+              <a:clrFrom>
+                <a:srgbClr val="96FADD">
+                  <a:alpha val="100000"/>
+                </a:srgbClr>
+              </a:clrFrom>
+              <a:clrTo>
+                <a:srgbClr val="96FADD">
+                  <a:alpha val="100000"/>
+                  <a:alpha val="0"/>
+                </a:srgbClr>
+              </a:clrTo>
+            </a:clrChange>
+            <a:lum bright="-84000" contrast="6000"/>
+          </a:blip>
+          <a:stretch>
+            <a:fillRect/>
+          </a:stretch>
+        </p:blipFill>
+        <p:spPr>
+          <a:xfrm>
+            <a:off x="136525" y="25400"/>
+            <a:ext cx="11948160" cy="6807200"/>
+          </a:xfrm>
+          <a:prstGeom prst="rect">
+            <a:avLst/>
+          </a:prstGeom>
+          <a:noFill/>
+          <a:ln>
+            <a:noFill/>
+          </a:ln>
+          <a:effectLst/>
+        </p:spPr>
+      </p:pic>
+      <p:sp>
+        <p:nvSpPr>
+          <p:cNvPr id="5" name="Title 4"/>
+          <p:cNvSpPr>
+            <a:spLocks noGrp="1"/>
+          </p:cNvSpPr>
+          <p:nvPr>
+            <p:ph type="title"/>
+          </p:nvPr>
+        </p:nvSpPr>
+        <p:spPr>
+          <a:xfrm>
+            <a:off x="136525" y="25400"/>
+            <a:ext cx="10515600" cy="594360"/>
+          </a:xfrm>
+        </p:spPr>
+        <p:txBody>
+          <a:bodyPr/>
+          <a:p>
+            <a:r>
+              <a:rPr lang="x-none" altLang="en-US" sz="3200">
+                <a:solidFill>
+                  <a:srgbClr val="53F22E"/>
+                </a:solidFill>
+                <a:effectLst>
+                  <a:outerShdw blurRad="38100" dist="19050" dir="2700000" algn="tl" rotWithShape="0">
+                    <a:schemeClr val="dk1">
+                      <a:alpha val="40000"/>
+                    </a:schemeClr>
+                  </a:outerShdw>
+                </a:effectLst>
+                <a:latin typeface="Fira Code" panose="020B0609050000020004" charset="0"/>
+                <a:cs typeface="Fira Code" panose="020B0609050000020004" charset="0"/>
+              </a:rPr>
+              <a:t>cont'd.</a:t>
+            </a:r>
+            <a:endParaRPr lang="x-none" altLang="en-US">
+              <a:solidFill>
+                <a:srgbClr val="53F22E"/>
+              </a:solidFill>
+              <a:effectLst>
+                <a:outerShdw blurRad="38100" dist="19050" dir="2700000" algn="tl" rotWithShape="0">
+                  <a:schemeClr val="dk1">
+                    <a:alpha val="40000"/>
+                  </a:schemeClr>
+                </a:outerShdw>
+              </a:effectLst>
+              <a:latin typeface="Fira Code" panose="020B0609050000020004" charset="0"/>
+              <a:cs typeface="Fira Code" panose="020B0609050000020004" charset="0"/>
+            </a:endParaRPr>
+          </a:p>
+        </p:txBody>
+      </p:sp>
+      <p:sp>
+        <p:nvSpPr>
+          <p:cNvPr id="8" name="Content Placeholder 7"/>
+          <p:cNvSpPr>
+            <a:spLocks noGrp="1"/>
+          </p:cNvSpPr>
+          <p:nvPr>
+            <p:ph sz="half" idx="2"/>
+          </p:nvPr>
+        </p:nvSpPr>
+        <p:spPr>
+          <a:xfrm>
+            <a:off x="136525" y="551815"/>
+            <a:ext cx="11749405" cy="6209030"/>
+          </a:xfrm>
+          <a:effectLst>
+            <a:outerShdw blurRad="50800" dist="50800" dir="5400000" sx="98000" sy="98000" algn="ctr" rotWithShape="0">
+              <a:srgbClr val="000000">
+                <a:alpha val="100000"/>
+              </a:srgbClr>
+            </a:outerShdw>
+          </a:effectLst>
+        </p:spPr>
+        <p:txBody>
+          <a:bodyPr>
+            <a:noAutofit/>
+          </a:bodyPr>
+          <a:p>
+            <a:pPr marL="0" indent="0">
+              <a:buNone/>
+            </a:pPr>
+            <a:r>
+              <a:rPr lang="x-none" altLang="en-US" sz="1800">
+                <a:solidFill>
+                  <a:srgbClr val="92D050"/>
+                </a:solidFill>
+                <a:latin typeface="Fira Code" panose="020B0609050000020004" charset="0"/>
+                <a:cs typeface="Fira Code" panose="020B0609050000020004" charset="0"/>
+              </a:rPr>
+              <a:t>    &gt; Enjoy the benefits.</a:t>
+            </a:r>
+            <a:endParaRPr lang="x-none" altLang="en-US" sz="1600">
+              <a:solidFill>
+                <a:schemeClr val="accent6">
+                  <a:lumMod val="50000"/>
+                </a:schemeClr>
+              </a:solidFill>
+              <a:latin typeface="Fira Code" panose="020B0609050000020004" charset="0"/>
+              <a:cs typeface="Fira Code" panose="020B0609050000020004" charset="0"/>
+            </a:endParaRPr>
+          </a:p>
+          <a:p>
+            <a:pPr marL="0" indent="0">
+              <a:buNone/>
+            </a:pPr>
+            <a:r>
+              <a:rPr lang="x-none" altLang="en-US" sz="1600">
+                <a:solidFill>
+                  <a:schemeClr val="accent6">
+                    <a:lumMod val="50000"/>
+                  </a:schemeClr>
+                </a:solidFill>
+                <a:latin typeface="Fira Code" panose="020B0609050000020004" charset="0"/>
+                <a:cs typeface="Fira Code" panose="020B0609050000020004" charset="0"/>
+              </a:rPr>
+              <a:t>        &gt;&gt; </a:t>
+            </a:r>
+            <a:r>
+              <a:rPr lang="x-none" altLang="en-US" sz="1600">
+                <a:solidFill>
+                  <a:schemeClr val="accent6">
+                    <a:lumMod val="75000"/>
+                  </a:schemeClr>
+                </a:solidFill>
+                <a:latin typeface="Fira Code" panose="020B0609050000020004" charset="0"/>
+                <a:cs typeface="Fira Code" panose="020B0609050000020004" charset="0"/>
+              </a:rPr>
+              <a:t>Fast, free, flexible and extensible</a:t>
+            </a:r>
+            <a:endParaRPr lang="x-none" altLang="en-US" sz="1600">
+              <a:solidFill>
+                <a:schemeClr val="accent6">
+                  <a:lumMod val="75000"/>
+                </a:schemeClr>
+              </a:solidFill>
+              <a:latin typeface="Fira Code" panose="020B0609050000020004" charset="0"/>
+              <a:cs typeface="Fira Code" panose="020B0609050000020004" charset="0"/>
+            </a:endParaRPr>
+          </a:p>
+          <a:p>
+            <a:pPr marL="0" indent="0">
+              <a:buNone/>
+            </a:pPr>
+            <a:r>
+              <a:rPr lang="x-none" altLang="en-US" sz="1400">
+                <a:solidFill>
+                  <a:schemeClr val="accent6">
+                    <a:lumMod val="50000"/>
+                  </a:schemeClr>
+                </a:solidFill>
+                <a:latin typeface="Fira Code" panose="020B0609050000020004" charset="0"/>
+                <a:cs typeface="Fira Code" panose="020B0609050000020004" charset="0"/>
+              </a:rPr>
+              <a:t>         &gt;&gt; </a:t>
+            </a:r>
+            <a:r>
+              <a:rPr lang="x-none" altLang="en-US" sz="1400">
+                <a:solidFill>
+                  <a:schemeClr val="accent6">
+                    <a:lumMod val="75000"/>
+                  </a:schemeClr>
+                </a:solidFill>
+                <a:latin typeface="Fira Code" panose="020B0609050000020004" charset="0"/>
+                <a:cs typeface="Fira Code" panose="020B0609050000020004" charset="0"/>
+              </a:rPr>
+              <a:t>Support and Interoperable with other OSGeo member projects</a:t>
+            </a:r>
+            <a:endParaRPr lang="x-none" altLang="en-US" sz="1600">
+              <a:solidFill>
+                <a:schemeClr val="accent6">
+                  <a:lumMod val="50000"/>
+                </a:schemeClr>
+              </a:solidFill>
+              <a:latin typeface="Fira Code" panose="020B0609050000020004" charset="0"/>
+              <a:cs typeface="Fira Code" panose="020B0609050000020004" charset="0"/>
+            </a:endParaRPr>
+          </a:p>
+          <a:p>
+            <a:pPr marL="0" indent="0">
+              <a:buNone/>
+            </a:pPr>
+            <a:r>
+              <a:rPr lang="x-none" altLang="en-US" sz="1600">
+                <a:solidFill>
+                  <a:schemeClr val="accent6">
+                    <a:lumMod val="50000"/>
+                  </a:schemeClr>
+                </a:solidFill>
+                <a:latin typeface="Fira Code" panose="020B0609050000020004" charset="0"/>
+                <a:cs typeface="Fira Code" panose="020B0609050000020004" charset="0"/>
+              </a:rPr>
+              <a:t>    &gt; </a:t>
+            </a:r>
+            <a:r>
+              <a:rPr lang="x-none" altLang="en-US" sz="1600">
+                <a:solidFill>
+                  <a:schemeClr val="accent6">
+                    <a:lumMod val="75000"/>
+                  </a:schemeClr>
+                </a:solidFill>
+                <a:latin typeface="Fira Code" panose="020B0609050000020004" charset="0"/>
+                <a:cs typeface="Fira Code" panose="020B0609050000020004" charset="0"/>
+              </a:rPr>
+              <a:t>Not as popular as QGIS and ArcGIS is with desktop users. Maybe cause they are more</a:t>
+            </a:r>
+            <a:r>
+              <a:rPr lang="x-none" altLang="en-US" sz="1600">
+                <a:solidFill>
+                  <a:schemeClr val="accent6">
+                    <a:lumMod val="50000"/>
+                  </a:schemeClr>
+                </a:solidFill>
+                <a:latin typeface="Fira Code" panose="020B0609050000020004" charset="0"/>
+                <a:cs typeface="Fira Code" panose="020B0609050000020004" charset="0"/>
+              </a:rPr>
+              <a:t> </a:t>
+            </a:r>
+            <a:r>
+              <a:rPr lang="x-none" altLang="en-US" sz="1600">
+                <a:solidFill>
+                  <a:srgbClr val="92D050"/>
+                </a:solidFill>
+                <a:latin typeface="Fira Code" panose="020B0609050000020004" charset="0"/>
+                <a:cs typeface="Fira Code" panose="020B0609050000020004" charset="0"/>
+              </a:rPr>
+              <a:t>CLI </a:t>
+            </a:r>
+            <a:r>
+              <a:rPr lang="x-none" altLang="en-US" sz="1600">
+                <a:solidFill>
+                  <a:schemeClr val="accent6">
+                    <a:lumMod val="75000"/>
+                  </a:schemeClr>
+                </a:solidFill>
+                <a:latin typeface="Fira Code" panose="020B0609050000020004" charset="0"/>
+                <a:cs typeface="Fira Code" panose="020B0609050000020004" charset="0"/>
+              </a:rPr>
+              <a:t>oriented? but grass offers a GUI through</a:t>
+            </a:r>
+            <a:r>
+              <a:rPr lang="x-none" altLang="en-US" sz="1600">
+                <a:solidFill>
+                  <a:schemeClr val="accent6">
+                    <a:lumMod val="50000"/>
+                  </a:schemeClr>
+                </a:solidFill>
+                <a:latin typeface="Fira Code" panose="020B0609050000020004" charset="0"/>
+                <a:cs typeface="Fira Code" panose="020B0609050000020004" charset="0"/>
+              </a:rPr>
+              <a:t> </a:t>
+            </a:r>
+            <a:r>
+              <a:rPr lang="x-none" altLang="en-US" sz="1600">
+                <a:solidFill>
+                  <a:srgbClr val="92D050"/>
+                </a:solidFill>
+                <a:latin typeface="Fira Code" panose="020B0609050000020004" charset="0"/>
+                <a:cs typeface="Fira Code" panose="020B0609050000020004" charset="0"/>
+              </a:rPr>
+              <a:t>WxWidgets</a:t>
+            </a:r>
+            <a:r>
+              <a:rPr lang="x-none" altLang="en-US" sz="1600">
+                <a:solidFill>
+                  <a:schemeClr val="accent6">
+                    <a:lumMod val="50000"/>
+                  </a:schemeClr>
+                </a:solidFill>
+                <a:latin typeface="Fira Code" panose="020B0609050000020004" charset="0"/>
+                <a:cs typeface="Fira Code" panose="020B0609050000020004" charset="0"/>
+              </a:rPr>
+              <a:t> </a:t>
+            </a:r>
+            <a:r>
+              <a:rPr lang="x-none" altLang="en-US" sz="1600">
+                <a:solidFill>
+                  <a:schemeClr val="accent6">
+                    <a:lumMod val="75000"/>
+                  </a:schemeClr>
+                </a:solidFill>
+                <a:latin typeface="Fira Code" panose="020B0609050000020004" charset="0"/>
+                <a:cs typeface="Fira Code" panose="020B0609050000020004" charset="0"/>
+              </a:rPr>
+              <a:t>python api</a:t>
+            </a:r>
+            <a:endParaRPr lang="x-none" altLang="en-US" sz="1600">
+              <a:solidFill>
+                <a:schemeClr val="accent6">
+                  <a:lumMod val="75000"/>
+                </a:schemeClr>
+              </a:solidFill>
+              <a:latin typeface="Fira Code" panose="020B0609050000020004" charset="0"/>
+              <a:cs typeface="Fira Code" panose="020B0609050000020004" charset="0"/>
+            </a:endParaRPr>
+          </a:p>
+          <a:p>
+            <a:pPr marL="0" indent="0">
+              <a:buNone/>
+            </a:pPr>
+            <a:r>
+              <a:rPr lang="x-none" altLang="en-US" sz="1600">
+                <a:solidFill>
+                  <a:schemeClr val="accent6">
+                    <a:lumMod val="75000"/>
+                  </a:schemeClr>
+                </a:solidFill>
+                <a:latin typeface="Fira Code" panose="020B0609050000020004" charset="0"/>
+                <a:cs typeface="Fira Code" panose="020B0609050000020004" charset="0"/>
+              </a:rPr>
+              <a:t>    &gt; Provide tools for both </a:t>
+            </a:r>
+            <a:r>
+              <a:rPr lang="x-none" altLang="en-US" sz="1600">
+                <a:solidFill>
+                  <a:srgbClr val="92D050"/>
+                </a:solidFill>
+                <a:latin typeface="Fira Code" panose="020B0609050000020004" charset="0"/>
+                <a:cs typeface="Fira Code" panose="020B0609050000020004" charset="0"/>
+              </a:rPr>
+              <a:t>raster</a:t>
+            </a:r>
+            <a:r>
+              <a:rPr lang="x-none" altLang="en-US" sz="1600">
+                <a:solidFill>
+                  <a:schemeClr val="accent6">
+                    <a:lumMod val="75000"/>
+                  </a:schemeClr>
+                </a:solidFill>
+                <a:latin typeface="Fira Code" panose="020B0609050000020004" charset="0"/>
+                <a:cs typeface="Fira Code" panose="020B0609050000020004" charset="0"/>
+              </a:rPr>
+              <a:t> and </a:t>
+            </a:r>
+            <a:r>
+              <a:rPr lang="x-none" altLang="en-US" sz="1600">
+                <a:solidFill>
+                  <a:srgbClr val="92D050"/>
+                </a:solidFill>
+                <a:latin typeface="Fira Code" panose="020B0609050000020004" charset="0"/>
+                <a:cs typeface="Fira Code" panose="020B0609050000020004" charset="0"/>
+              </a:rPr>
+              <a:t>vector</a:t>
+            </a:r>
+            <a:r>
+              <a:rPr lang="x-none" altLang="en-US" sz="1600">
+                <a:solidFill>
+                  <a:schemeClr val="accent6">
+                    <a:lumMod val="75000"/>
+                  </a:schemeClr>
+                </a:solidFill>
+                <a:latin typeface="Fira Code" panose="020B0609050000020004" charset="0"/>
+                <a:cs typeface="Fira Code" panose="020B0609050000020004" charset="0"/>
+              </a:rPr>
+              <a:t> data processing</a:t>
+            </a:r>
+            <a:endParaRPr lang="x-none" altLang="en-US" sz="1600">
+              <a:solidFill>
+                <a:schemeClr val="accent6">
+                  <a:lumMod val="75000"/>
+                </a:schemeClr>
+              </a:solidFill>
+              <a:latin typeface="Fira Code" panose="020B0609050000020004" charset="0"/>
+              <a:cs typeface="Fira Code" panose="020B0609050000020004" charset="0"/>
+            </a:endParaRPr>
+          </a:p>
+          <a:p>
+            <a:pPr marL="0" indent="0">
+              <a:buNone/>
+            </a:pPr>
+            <a:endParaRPr lang="x-none" altLang="en-US" sz="1600" i="1">
+              <a:solidFill>
+                <a:schemeClr val="accent6">
+                  <a:lumMod val="75000"/>
+                </a:schemeClr>
+              </a:solidFill>
+              <a:latin typeface="Fira Code" panose="020B0609050000020004" charset="0"/>
+              <a:cs typeface="Fira Code" panose="020B0609050000020004" charset="0"/>
+            </a:endParaRPr>
+          </a:p>
+        </p:txBody>
+      </p:sp>
+    </p:spTree>
+  </p:cSld>
+  <p:clrMapOvr>
+    <a:masterClrMapping/>
+  </p:clrMapOvr>
+</p:sld>
+</file>
+
+<file path=ppt/slides/slide6.xml><?xml version="1.0" encoding="utf-8"?>
+<p:sld xmlns:a="http://schemas.openxmlformats.org/drawingml/2006/main" xmlns:r="http://schemas.openxmlformats.org/officeDocument/2006/relationships" xmlns:p="http://schemas.openxmlformats.org/presentationml/2006/main">
+  <p:cSld>
+    <p:bg>
+      <p:bgPr>
+        <a:solidFill>
+          <a:schemeClr val="tx1"/>
+        </a:solidFill>
+        <a:effectLst/>
+      </p:bgPr>
+    </p:bg>
+    <p:spTree>
+      <p:nvGrpSpPr>
+        <p:cNvPr id="1" name=""/>
+        <p:cNvGrpSpPr/>
+        <p:nvPr/>
+      </p:nvGrpSpPr>
+      <p:grpSpPr/>
+      <p:pic>
+        <p:nvPicPr>
+          <p:cNvPr id="2" name="Picture 1" descr="grasshd_p"/>
+          <p:cNvPicPr>
+            <a:picLocks noChangeAspect="1"/>
+          </p:cNvPicPr>
+          <p:nvPr/>
+        </p:nvPicPr>
+        <p:blipFill>
+          <a:blip r:embed="rId1">
+            <a:lum bright="-78000"/>
+          </a:blip>
+          <a:stretch>
+            <a:fillRect/>
+          </a:stretch>
+        </p:blipFill>
+        <p:spPr>
+          <a:xfrm>
+            <a:off x="1085850" y="131445"/>
+            <a:ext cx="9909175" cy="6595110"/>
+          </a:xfrm>
+          <a:prstGeom prst="rect">
+            <a:avLst/>
+          </a:prstGeom>
+        </p:spPr>
+      </p:pic>
+      <p:sp>
+        <p:nvSpPr>
+          <p:cNvPr id="5" name="Title 4"/>
+          <p:cNvSpPr>
+            <a:spLocks noGrp="1"/>
+          </p:cNvSpPr>
+          <p:nvPr>
+            <p:ph type="title"/>
+          </p:nvPr>
+        </p:nvSpPr>
+        <p:spPr>
+          <a:xfrm>
+            <a:off x="136525" y="178435"/>
+            <a:ext cx="10515600" cy="1075055"/>
+          </a:xfrm>
+        </p:spPr>
+        <p:txBody>
+          <a:bodyPr/>
+          <a:p>
+            <a:r>
+              <a:rPr lang="x-none" altLang="en-US" sz="3200">
+                <a:solidFill>
+                  <a:srgbClr val="53F22E"/>
+                </a:solidFill>
+                <a:effectLst>
+                  <a:outerShdw blurRad="38100" dist="19050" dir="2700000" algn="tl" rotWithShape="0">
+                    <a:schemeClr val="dk1">
+                      <a:alpha val="40000"/>
+                    </a:schemeClr>
+                  </a:outerShdw>
+                </a:effectLst>
+                <a:latin typeface="Fira Code" panose="020B0609050000020004" charset="0"/>
+                <a:cs typeface="Fira Code" panose="020B0609050000020004" charset="0"/>
+              </a:rPr>
+              <a:t>Grass temp</a:t>
             </a:r>
             <a:r>
               <a:rPr lang="x-none" altLang="en-US">
@@ -4519,7 +5755,7 @@
 </p:sld>
 </file>
 
-<file path=ppt/slides/slide5.xml><?xml version="1.0" encoding="utf-8"?>
+<file path=ppt/slides/slide7.xml><?xml version="1.0" encoding="utf-8"?>
 <p:sld xmlns:a="http://schemas.openxmlformats.org/drawingml/2006/main" xmlns:r="http://schemas.openxmlformats.org/officeDocument/2006/relationships" xmlns:p="http://schemas.openxmlformats.org/presentationml/2006/main">
   <p:cSld>
     <p:bg>
@@ -4677,8 +5913,8 @@
         </p:blipFill>
         <p:spPr>
           <a:xfrm>
-            <a:off x="137160" y="397510"/>
-            <a:ext cx="11914505" cy="6474460"/>
+            <a:off x="1953260" y="114935"/>
+            <a:ext cx="8382635" cy="6757670"/>
           </a:xfrm>
           <a:prstGeom prst="rect">
             <a:avLst/>
@@ -4963,7 +6199,7 @@
 </p:sld>
 </file>
 
-<file path=ppt/slides/slide6.xml><?xml version="1.0" encoding="utf-8"?>
+<file path=ppt/slides/slide8.xml><?xml version="1.0" encoding="utf-8"?>
 <p:sld xmlns:a="http://schemas.openxmlformats.org/drawingml/2006/main" xmlns:r="http://schemas.openxmlformats.org/officeDocument/2006/relationships" xmlns:p="http://schemas.openxmlformats.org/presentationml/2006/main">
   <p:cSld>
     <p:bg>

--- a/Presentation.pptx
+++ b/Presentation.pptx
@@ -5,10 +5,10 @@
     <p:sldMasterId id="2147483648" r:id="rId1"/>
   </p:sldMasterIdLst>
   <p:notesMasterIdLst>
-    <p:notesMasterId r:id="rId11"/>
+    <p:notesMasterId r:id="rId12"/>
   </p:notesMasterIdLst>
   <p:handoutMasterIdLst>
-    <p:handoutMasterId r:id="rId12"/>
+    <p:handoutMasterId r:id="rId13"/>
   </p:handoutMasterIdLst>
   <p:sldIdLst>
     <p:sldId id="257" r:id="rId3"/>
@@ -16,9 +16,10 @@
     <p:sldId id="258" r:id="rId5"/>
     <p:sldId id="264" r:id="rId6"/>
     <p:sldId id="265" r:id="rId7"/>
-    <p:sldId id="260" r:id="rId8"/>
-    <p:sldId id="263" r:id="rId9"/>
-    <p:sldId id="259" r:id="rId10"/>
+    <p:sldId id="266" r:id="rId8"/>
+    <p:sldId id="260" r:id="rId9"/>
+    <p:sldId id="263" r:id="rId10"/>
+    <p:sldId id="259" r:id="rId11"/>
   </p:sldIdLst>
   <p:sldSz cx="12192000" cy="6858000"/>
   <p:notesSz cx="7103745" cy="10234295"/>
@@ -3502,7 +3503,7 @@
         </p:nvPicPr>
         <p:blipFill>
           <a:blip r:embed="rId1">
-            <a:lum bright="-36000"/>
+            <a:lum bright="-48000"/>
           </a:blip>
           <a:stretch>
             <a:fillRect/>
@@ -3567,7 +3568,7 @@
                 </a:srgbClr>
               </a:clrTo>
             </a:clrChange>
-            <a:lum bright="-78000" contrast="-66000"/>
+            <a:lum bright="-84000" contrast="-66000"/>
           </a:blip>
           <a:stretch>
             <a:fillRect/>
@@ -3575,8 +3576,8 @@
         </p:blipFill>
         <p:spPr>
           <a:xfrm>
-            <a:off x="165100" y="25400"/>
-            <a:ext cx="11948160" cy="6807200"/>
+            <a:off x="77470" y="25400"/>
+            <a:ext cx="12037695" cy="6807200"/>
           </a:xfrm>
           <a:prstGeom prst="rect">
             <a:avLst/>
@@ -3667,7 +3668,7 @@
         </p:nvPicPr>
         <p:blipFill>
           <a:blip r:embed="rId1">
-            <a:lum bright="-24000"/>
+            <a:lum bright="-42000"/>
           </a:blip>
           <a:stretch>
             <a:fillRect/>
@@ -3676,7 +3677,7 @@
         <p:spPr>
           <a:xfrm>
             <a:off x="4445" y="25400"/>
-            <a:ext cx="4335145" cy="6503670"/>
+            <a:ext cx="4514215" cy="6503670"/>
           </a:xfrm>
           <a:prstGeom prst="rect">
             <a:avLst/>
@@ -3726,9 +3727,126 @@
                 <a:latin typeface="Fira Code" panose="020B0609050000020004" charset="0"/>
                 <a:cs typeface="Fira Code" panose="020B0609050000020004" charset="0"/>
               </a:rPr>
-              <a:t>by  Brian and Da Vince</a:t>
-            </a:r>
-            <a:endParaRPr lang="x-none" altLang="en-US" i="1">
+              <a:t>by  </a:t>
+            </a:r>
+            <a:r>
+              <a:rPr lang="x-none" altLang="en-US" i="1" u="sng">
+                <a:solidFill>
+                  <a:schemeClr val="accent6">
+                    <a:lumMod val="40000"/>
+                    <a:lumOff val="60000"/>
+                  </a:schemeClr>
+                </a:solidFill>
+                <a:latin typeface="Fira Code" panose="020B0609050000020004" charset="0"/>
+                <a:cs typeface="Fira Code" panose="020B0609050000020004" charset="0"/>
+              </a:rPr>
+              <a:t>Brian</a:t>
+            </a:r>
+            <a:r>
+              <a:rPr lang="x-none" altLang="en-US" i="1">
+                <a:solidFill>
+                  <a:schemeClr val="accent6">
+                    <a:lumMod val="40000"/>
+                    <a:lumOff val="60000"/>
+                  </a:schemeClr>
+                </a:solidFill>
+                <a:latin typeface="Fira Code" panose="020B0609050000020004" charset="0"/>
+                <a:cs typeface="Fira Code" panose="020B0609050000020004" charset="0"/>
+              </a:rPr>
+              <a:t> </a:t>
+            </a:r>
+            <a:r>
+              <a:rPr lang="x-none" altLang="en-US" i="1" u="sng">
+                <a:solidFill>
+                  <a:schemeClr val="accent6">
+                    <a:lumMod val="40000"/>
+                    <a:lumOff val="60000"/>
+                  </a:schemeClr>
+                </a:solidFill>
+                <a:latin typeface="Fira Code" panose="020B0609050000020004" charset="0"/>
+                <a:cs typeface="Fira Code" panose="020B0609050000020004" charset="0"/>
+              </a:rPr>
+              <a:t>Pondi</a:t>
+            </a:r>
+            <a:r>
+              <a:rPr lang="x-none" altLang="en-US" i="1">
+                <a:solidFill>
+                  <a:schemeClr val="accent6">
+                    <a:lumMod val="40000"/>
+                    <a:lumOff val="60000"/>
+                  </a:schemeClr>
+                </a:solidFill>
+                <a:latin typeface="Fira Code" panose="020B0609050000020004" charset="0"/>
+                <a:cs typeface="Fira Code" panose="020B0609050000020004" charset="0"/>
+              </a:rPr>
+              <a:t> </a:t>
+            </a:r>
+            <a:r>
+              <a:rPr lang="x-none" altLang="en-US" i="1" u="sng">
+                <a:solidFill>
+                  <a:schemeClr val="accent6">
+                    <a:lumMod val="40000"/>
+                    <a:lumOff val="60000"/>
+                  </a:schemeClr>
+                </a:solidFill>
+                <a:latin typeface="Fira Code" panose="020B0609050000020004" charset="0"/>
+                <a:cs typeface="Fira Code" panose="020B0609050000020004" charset="0"/>
+              </a:rPr>
+              <a:t>and</a:t>
+            </a:r>
+            <a:r>
+              <a:rPr lang="x-none" altLang="en-US" i="1">
+                <a:solidFill>
+                  <a:schemeClr val="accent6">
+                    <a:lumMod val="40000"/>
+                    <a:lumOff val="60000"/>
+                  </a:schemeClr>
+                </a:solidFill>
+                <a:latin typeface="Fira Code" panose="020B0609050000020004" charset="0"/>
+                <a:cs typeface="Fira Code" panose="020B0609050000020004" charset="0"/>
+              </a:rPr>
+              <a:t> </a:t>
+            </a:r>
+            <a:r>
+              <a:rPr lang="x-none" altLang="en-US" i="1" u="sng">
+                <a:solidFill>
+                  <a:schemeClr val="accent6">
+                    <a:lumMod val="40000"/>
+                    <a:lumOff val="60000"/>
+                  </a:schemeClr>
+                </a:solidFill>
+                <a:latin typeface="Fira Code" panose="020B0609050000020004" charset="0"/>
+                <a:cs typeface="Fira Code" panose="020B0609050000020004" charset="0"/>
+              </a:rPr>
+              <a:t>Da</a:t>
+            </a:r>
+            <a:r>
+              <a:rPr lang="x-none" altLang="en-US" i="1">
+                <a:solidFill>
+                  <a:schemeClr val="accent6">
+                    <a:lumMod val="40000"/>
+                    <a:lumOff val="60000"/>
+                  </a:schemeClr>
+                </a:solidFill>
+                <a:latin typeface="Fira Code" panose="020B0609050000020004" charset="0"/>
+                <a:cs typeface="Fira Code" panose="020B0609050000020004" charset="0"/>
+              </a:rPr>
+              <a:t> </a:t>
+            </a:r>
+            <a:r>
+              <a:rPr lang="x-none" altLang="en-US" i="1" u="sng">
+                <a:solidFill>
+                  <a:schemeClr val="accent6">
+                    <a:lumMod val="40000"/>
+                    <a:lumOff val="60000"/>
+                  </a:schemeClr>
+                </a:solidFill>
+                <a:latin typeface="Fira Code" panose="020B0609050000020004" charset="0"/>
+                <a:cs typeface="Fira Code" panose="020B0609050000020004" charset="0"/>
+              </a:rPr>
+              <a:t>Vince</a:t>
+            </a:r>
+            <a:endParaRPr lang="x-none" altLang="en-US" i="1" u="sng">
               <a:solidFill>
                 <a:schemeClr val="accent6">
                   <a:lumMod val="40000"/>
@@ -3974,7 +4092,31 @@
                 <a:latin typeface="Fira Code" panose="020B0609050000020004" charset="0"/>
                 <a:cs typeface="Fira Code" panose="020B0609050000020004" charset="0"/>
               </a:rPr>
-              <a:t>Da Vince Koyo:</a:t>
+              <a:t>Da Vince Koyo(</a:t>
+            </a:r>
+            <a:r>
+              <a:rPr lang="x-none" altLang="en-US">
+                <a:solidFill>
+                  <a:srgbClr val="92D050"/>
+                </a:solidFill>
+                <a:latin typeface="Fira Code" panose="020B0609050000020004" charset="0"/>
+                <a:cs typeface="Fira Code" panose="020B0609050000020004" charset="0"/>
+                <a:sym typeface="+mn-ea"/>
+              </a:rPr>
+              <a:t>@koyo_jakanees</a:t>
+            </a:r>
+            <a:r>
+              <a:rPr lang="x-none" altLang="en-US" b="1" u="sng">
+                <a:solidFill>
+                  <a:schemeClr val="accent6">
+                    <a:lumMod val="40000"/>
+                    <a:lumOff val="60000"/>
+                  </a:schemeClr>
+                </a:solidFill>
+                <a:latin typeface="Fira Code" panose="020B0609050000020004" charset="0"/>
+                <a:cs typeface="Fira Code" panose="020B0609050000020004" charset="0"/>
+              </a:rPr>
+              <a:t>)</a:t>
             </a:r>
             <a:endParaRPr lang="x-none" altLang="en-US" sz="1800">
               <a:solidFill>
@@ -4095,7 +4237,7 @@
                 <a:latin typeface="Fira Code" panose="020B0609050000020004" charset="0"/>
                 <a:cs typeface="Fira Code" panose="020B0609050000020004" charset="0"/>
               </a:rPr>
-              <a:t>Consulting and studying</a:t>
+              <a:t>Consulting, VGI and studying</a:t>
             </a:r>
             <a:endParaRPr lang="x-none" altLang="en-US" sz="1800" i="1">
               <a:solidFill>
@@ -4141,6 +4283,18 @@
               </a:rPr>
               <a:t> </a:t>
             </a:r>
+            <a:endParaRPr lang="x-none" altLang="en-US" sz="1800" i="1">
+              <a:solidFill>
+                <a:schemeClr val="accent6">
+                  <a:lumMod val="75000"/>
+                </a:schemeClr>
+              </a:solidFill>
+            </a:endParaRPr>
+          </a:p>
+          <a:p>
+            <a:pPr marL="0" indent="0">
+              <a:buNone/>
+            </a:pPr>
             <a:endParaRPr lang="x-none" altLang="en-US" sz="1800" i="1">
               <a:solidFill>
                 <a:schemeClr val="accent6">
@@ -4405,7 +4559,18 @@
                 <a:cs typeface="Fira Code" panose="020B0609050000020004" charset="0"/>
                 <a:sym typeface="+mn-ea"/>
               </a:rPr>
-              <a:t>Geospatial Data Abstraction Library</a:t>
+              <a:t>Geospatial Data Abstraction Library </a:t>
+            </a:r>
+            <a:r>
+              <a:rPr lang="x-none" altLang="en-US" sz="1600" i="1">
+                <a:solidFill>
+                  <a:srgbClr val="1B2910"/>
+                </a:solidFill>
+                <a:latin typeface="Fira Code" panose="020B0609050000020004" charset="0"/>
+                <a:cs typeface="Fira Code" panose="020B0609050000020004" charset="0"/>
+                <a:sym typeface="+mn-ea"/>
+              </a:rPr>
+              <a:t>[released in 1984]</a:t>
             </a:r>
             <a:endParaRPr lang="x-none" altLang="en-US" sz="1600">
               <a:solidFill>
@@ -4440,9 +4605,129 @@
                 <a:cs typeface="Fira Code" panose="020B0609050000020004" charset="0"/>
                 <a:sym typeface="+mn-ea"/>
               </a:rPr>
-              <a:t>Geographic Resource Analysis Support System</a:t>
+              <a:t>Geographic Resource Analysis Support System </a:t>
+            </a:r>
+            <a:r>
+              <a:rPr lang="x-none" altLang="en-US" sz="1600" i="1">
+                <a:solidFill>
+                  <a:srgbClr val="1B2910"/>
+                </a:solidFill>
+                <a:latin typeface="Fira Code" panose="020B0609050000020004" charset="0"/>
+                <a:cs typeface="Fira Code" panose="020B0609050000020004" charset="0"/>
+                <a:sym typeface="+mn-ea"/>
+              </a:rPr>
+              <a:t>[released in 1998]</a:t>
             </a:r>
             <a:endParaRPr lang="x-none" altLang="en-US" sz="1600" i="1">
+              <a:solidFill>
+                <a:schemeClr val="accent6">
+                  <a:lumMod val="50000"/>
+                </a:schemeClr>
+              </a:solidFill>
+              <a:latin typeface="Fira Code" panose="020B0609050000020004" charset="0"/>
+              <a:cs typeface="Fira Code" panose="020B0609050000020004" charset="0"/>
+              <a:sym typeface="+mn-ea"/>
+            </a:endParaRPr>
+          </a:p>
+          <a:p>
+            <a:pPr marL="0" indent="0">
+              <a:buNone/>
+            </a:pPr>
+            <a:r>
+              <a:rPr lang="x-none" altLang="en-US" sz="1800" b="1">
+                <a:solidFill>
+                  <a:srgbClr val="92D050"/>
+                </a:solidFill>
+                <a:latin typeface="Fira Code" panose="020B0609050000020004" charset="0"/>
+                <a:cs typeface="Fira Code" panose="020B0609050000020004" charset="0"/>
+                <a:sym typeface="+mn-ea"/>
+              </a:rPr>
+              <a:t>        &gt;&gt; OGR:</a:t>
+            </a:r>
+            <a:r>
+              <a:rPr lang="x-none" altLang="en-US" sz="1800" i="1">
+                <a:solidFill>
+                  <a:schemeClr val="accent6">
+                    <a:lumMod val="75000"/>
+                  </a:schemeClr>
+                </a:solidFill>
+                <a:latin typeface="Fira Code" panose="020B0609050000020004" charset="0"/>
+                <a:cs typeface="Fira Code" panose="020B0609050000020004" charset="0"/>
+                <a:sym typeface="+mn-ea"/>
+              </a:rPr>
+              <a:t> </a:t>
+            </a:r>
+            <a:r>
+              <a:rPr lang="x-none" altLang="en-US" sz="1600" i="1">
+                <a:solidFill>
+                  <a:schemeClr val="accent6">
+                    <a:lumMod val="75000"/>
+                  </a:schemeClr>
+                </a:solidFill>
+                <a:latin typeface="Fira Code" panose="020B0609050000020004" charset="0"/>
+                <a:cs typeface="Fira Code" panose="020B0609050000020004" charset="0"/>
+                <a:sym typeface="+mn-ea"/>
+              </a:rPr>
+              <a:t>OGR Simple Feature Library, comes with GDAL </a:t>
+            </a:r>
+            <a:r>
+              <a:rPr lang="x-none" altLang="en-US" sz="1600" i="1">
+                <a:solidFill>
+                  <a:srgbClr val="1B2910"/>
+                </a:solidFill>
+                <a:latin typeface="Fira Code" panose="020B0609050000020004" charset="0"/>
+                <a:cs typeface="Fira Code" panose="020B0609050000020004" charset="0"/>
+                <a:sym typeface="+mn-ea"/>
+              </a:rPr>
+              <a:t>(OpenGIS Simple Feature Reference Implementation)</a:t>
+            </a:r>
+            <a:endParaRPr lang="x-none" altLang="en-US" sz="1600">
+              <a:solidFill>
+                <a:srgbClr val="1B2910"/>
+              </a:solidFill>
+              <a:latin typeface="Fira Code" panose="020B0609050000020004" charset="0"/>
+              <a:cs typeface="Fira Code" panose="020B0609050000020004" charset="0"/>
+            </a:endParaRPr>
+          </a:p>
+          <a:p>
+            <a:pPr marL="0" indent="0">
+              <a:buNone/>
+            </a:pPr>
+            <a:r>
+              <a:rPr lang="x-none" altLang="en-US" sz="1600">
+                <a:solidFill>
+                  <a:schemeClr val="accent6">
+                    <a:lumMod val="50000"/>
+                  </a:schemeClr>
+                </a:solidFill>
+                <a:latin typeface="Fira Code" panose="020B0609050000020004" charset="0"/>
+                <a:cs typeface="Fira Code" panose="020B0609050000020004" charset="0"/>
+              </a:rPr>
+              <a:t>    &gt; </a:t>
+            </a:r>
+            <a:r>
+              <a:rPr lang="x-none" altLang="en-US" sz="1600">
+                <a:solidFill>
+                  <a:schemeClr val="accent6">
+                    <a:lumMod val="75000"/>
+                  </a:schemeClr>
+                </a:solidFill>
+                <a:latin typeface="Fira Code" panose="020B0609050000020004" charset="0"/>
+                <a:cs typeface="Fira Code" panose="020B0609050000020004" charset="0"/>
+              </a:rPr>
+              <a:t>Both GDAL and GRASS GIS are member/projects under the Open Source Geospatial Foundation</a:t>
+            </a:r>
+            <a:r>
+              <a:rPr lang="x-none" altLang="en-US" sz="1600">
+                <a:solidFill>
+                  <a:srgbClr val="92D050"/>
+                </a:solidFill>
+                <a:latin typeface="Fira Code" panose="020B0609050000020004" charset="0"/>
+                <a:cs typeface="Fira Code" panose="020B0609050000020004" charset="0"/>
+              </a:rPr>
+              <a:t>(OSGeo)</a:t>
+            </a:r>
+            <a:endParaRPr lang="x-none" altLang="en-US" sz="1600">
               <a:solidFill>
                 <a:schemeClr val="accent6">
                   <a:lumMod val="75000"/>
@@ -4450,7 +4735,6 @@
               </a:solidFill>
               <a:latin typeface="Fira Code" panose="020B0609050000020004" charset="0"/>
               <a:cs typeface="Fira Code" panose="020B0609050000020004" charset="0"/>
-              <a:sym typeface="+mn-ea"/>
             </a:endParaRPr>
           </a:p>
           <a:p>
@@ -4458,18 +4742,77 @@
               <a:buNone/>
             </a:pPr>
             <a:r>
-              <a:rPr lang="x-none" altLang="en-US" sz="1800" b="1">
+              <a:rPr lang="x-none" altLang="en-US" sz="1400">
+                <a:solidFill>
+                  <a:schemeClr val="accent6">
+                    <a:lumMod val="50000"/>
+                  </a:schemeClr>
+                </a:solidFill>
+                <a:latin typeface="Fira Code" panose="020B0609050000020004" charset="0"/>
+                <a:cs typeface="Fira Code" panose="020B0609050000020004" charset="0"/>
+              </a:rPr>
+              <a:t>     &gt; </a:t>
+            </a:r>
+            <a:r>
+              <a:rPr lang="x-none" altLang="en-US" sz="1400">
+                <a:solidFill>
+                  <a:schemeClr val="accent6">
+                    <a:lumMod val="75000"/>
+                  </a:schemeClr>
+                </a:solidFill>
+                <a:latin typeface="Fira Code" panose="020B0609050000020004" charset="0"/>
+                <a:cs typeface="Fira Code" panose="020B0609050000020004" charset="0"/>
+              </a:rPr>
+              <a:t>Free and open source cross-platform and runs on major operating systems </a:t>
+            </a:r>
+            <a:r>
+              <a:rPr lang="x-none" altLang="en-US" sz="1600">
+                <a:solidFill>
+                  <a:schemeClr val="accent6">
+                    <a:lumMod val="75000"/>
+                  </a:schemeClr>
+                </a:solidFill>
+                <a:latin typeface="Fira Code" panose="020B0609050000020004" charset="0"/>
+                <a:cs typeface="Fira Code" panose="020B0609050000020004" charset="0"/>
+              </a:rPr>
+              <a:t>written in</a:t>
+            </a:r>
+            <a:r>
+              <a:rPr lang="x-none" altLang="en-US" sz="1600">
+                <a:solidFill>
+                  <a:schemeClr val="accent6">
+                    <a:lumMod val="50000"/>
+                  </a:schemeClr>
+                </a:solidFill>
+                <a:latin typeface="Fira Code" panose="020B0609050000020004" charset="0"/>
+                <a:cs typeface="Fira Code" panose="020B0609050000020004" charset="0"/>
+              </a:rPr>
+              <a:t> </a:t>
+            </a:r>
+            <a:r>
+              <a:rPr lang="x-none" altLang="en-US" sz="1600">
                 <a:solidFill>
                   <a:srgbClr val="92D050"/>
                 </a:solidFill>
                 <a:latin typeface="Fira Code" panose="020B0609050000020004" charset="0"/>
                 <a:cs typeface="Fira Code" panose="020B0609050000020004" charset="0"/>
-                <a:sym typeface="+mn-ea"/>
-              </a:rPr>
-              <a:t>        &gt;&gt; OGR:</a:t>
-            </a:r>
-            <a:r>
-              <a:rPr lang="x-none" altLang="en-US" sz="1800" i="1">
+              </a:rPr>
+              <a:t>C, C++</a:t>
+            </a:r>
+            <a:r>
+              <a:rPr lang="x-none" altLang="en-US" sz="1600">
+                <a:solidFill>
+                  <a:schemeClr val="accent6">
+                    <a:lumMod val="50000"/>
+                  </a:schemeClr>
+                </a:solidFill>
+                <a:latin typeface="Fira Code" panose="020B0609050000020004" charset="0"/>
+                <a:cs typeface="Fira Code" panose="020B0609050000020004" charset="0"/>
+              </a:rPr>
+              <a:t> </a:t>
+            </a:r>
+            <a:r>
+              <a:rPr lang="x-none" altLang="en-US" sz="1600">
                 <a:solidFill>
                   <a:schemeClr val="accent6">
                     <a:lumMod val="75000"/>
@@ -4477,12 +4820,45 @@
                 </a:solidFill>
                 <a:latin typeface="Fira Code" panose="020B0609050000020004" charset="0"/>
                 <a:cs typeface="Fira Code" panose="020B0609050000020004" charset="0"/>
-                <a:sym typeface="+mn-ea"/>
+              </a:rPr>
+              <a:t>with      great</a:t>
+            </a:r>
+            <a:r>
+              <a:rPr lang="x-none" altLang="en-US" sz="1600">
+                <a:solidFill>
+                  <a:schemeClr val="accent6">
+                    <a:lumMod val="50000"/>
+                  </a:schemeClr>
+                </a:solidFill>
+                <a:latin typeface="Fira Code" panose="020B0609050000020004" charset="0"/>
+                <a:cs typeface="Fira Code" panose="020B0609050000020004" charset="0"/>
               </a:rPr>
               <a:t> </a:t>
             </a:r>
             <a:r>
-              <a:rPr lang="x-none" altLang="en-US" sz="1600" i="1">
+              <a:rPr lang="x-none" altLang="en-US" sz="1600">
+                <a:solidFill>
+                  <a:srgbClr val="92D050"/>
+                </a:solidFill>
+                <a:latin typeface="Fira Code" panose="020B0609050000020004" charset="0"/>
+                <a:cs typeface="Fira Code" panose="020B0609050000020004" charset="0"/>
+              </a:rPr>
+              <a:t>python</a:t>
+            </a:r>
+            <a:r>
+              <a:rPr lang="x-none" altLang="en-US" sz="1600">
+                <a:solidFill>
+                  <a:schemeClr val="accent6">
+                    <a:lumMod val="50000"/>
+                  </a:schemeClr>
+                </a:solidFill>
+                <a:latin typeface="Fira Code" panose="020B0609050000020004" charset="0"/>
+                <a:cs typeface="Fira Code" panose="020B0609050000020004" charset="0"/>
+              </a:rPr>
+              <a:t> </a:t>
+            </a:r>
+            <a:r>
+              <a:rPr lang="x-none" altLang="en-US" sz="1600">
                 <a:solidFill>
                   <a:schemeClr val="accent6">
                     <a:lumMod val="75000"/>
@@ -4490,22 +4866,8 @@
                 </a:solidFill>
                 <a:latin typeface="Fira Code" panose="020B0609050000020004" charset="0"/>
                 <a:cs typeface="Fira Code" panose="020B0609050000020004" charset="0"/>
-                <a:sym typeface="+mn-ea"/>
-              </a:rPr>
-              <a:t>OGR Simple Feature Library (</a:t>
-            </a:r>
-            <a:r>
-              <a:rPr lang="x-none" altLang="en-US" sz="1600" i="1">
-                <a:solidFill>
-                  <a:schemeClr val="accent6">
-                    <a:lumMod val="50000"/>
-                  </a:schemeClr>
-                </a:solidFill>
-                <a:latin typeface="Fira Code" panose="020B0609050000020004" charset="0"/>
-                <a:cs typeface="Fira Code" panose="020B0609050000020004" charset="0"/>
-                <a:sym typeface="+mn-ea"/>
-              </a:rPr>
-              <a:t>OpenGIS Simple Feature Reference Implementation)</a:t>
+              </a:rPr>
+              <a:t>api bindings and wrappers</a:t>
             </a:r>
             <a:endParaRPr lang="x-none" altLang="en-US" sz="1600">
               <a:solidFill>
@@ -4543,24 +4905,10 @@
                 <a:latin typeface="Fira Code" panose="020B0609050000020004" charset="0"/>
                 <a:cs typeface="Fira Code" panose="020B0609050000020004" charset="0"/>
               </a:rPr>
-              <a:t>Both GDAL and GRASS GIS are member/projects under the Open Source Geospatial Foundation</a:t>
-            </a:r>
-            <a:endParaRPr lang="x-none" altLang="en-US" sz="1600">
-              <a:solidFill>
-                <a:schemeClr val="accent6">
-                  <a:lumMod val="75000"/>
-                </a:schemeClr>
-              </a:solidFill>
-              <a:latin typeface="Fira Code" panose="020B0609050000020004" charset="0"/>
-              <a:cs typeface="Fira Code" panose="020B0609050000020004" charset="0"/>
-            </a:endParaRPr>
-          </a:p>
-          <a:p>
-            <a:pPr marL="0" indent="0">
-              <a:buNone/>
-            </a:pPr>
-            <a:r>
-              <a:rPr lang="x-none" altLang="en-US" sz="1400">
+              <a:t>Not as popular as QGIS and ArcGIS is with desktop users. Maybe cause they are more</a:t>
+            </a:r>
+            <a:r>
+              <a:rPr lang="x-none" altLang="en-US" sz="1600">
                 <a:solidFill>
                   <a:schemeClr val="accent6">
                     <a:lumMod val="50000"/>
@@ -4569,10 +4917,20 @@
                 <a:latin typeface="Fira Code" panose="020B0609050000020004" charset="0"/>
                 <a:cs typeface="Fira Code" panose="020B0609050000020004" charset="0"/>
               </a:rPr>
-              <a:t>     &gt; </a:t>
-            </a:r>
-            <a:r>
-              <a:rPr lang="x-none" altLang="en-US" sz="1400">
+              <a:t> </a:t>
+            </a:r>
+            <a:r>
+              <a:rPr lang="x-none" altLang="en-US" sz="1600">
+                <a:solidFill>
+                  <a:srgbClr val="92D050"/>
+                </a:solidFill>
+                <a:latin typeface="Fira Code" panose="020B0609050000020004" charset="0"/>
+                <a:cs typeface="Fira Code" panose="020B0609050000020004" charset="0"/>
+              </a:rPr>
+              <a:t>CLI </a:t>
+            </a:r>
+            <a:r>
+              <a:rPr lang="x-none" altLang="en-US" sz="1600">
                 <a:solidFill>
                   <a:schemeClr val="accent6">
                     <a:lumMod val="75000"/>
@@ -4581,183 +4939,7 @@
                 <a:latin typeface="Fira Code" panose="020B0609050000020004" charset="0"/>
                 <a:cs typeface="Fira Code" panose="020B0609050000020004" charset="0"/>
               </a:rPr>
-              <a:t>Free and open source cross-platform and runs on major operating systems </a:t>
-            </a:r>
-            <a:r>
-              <a:rPr lang="x-none" altLang="en-US" sz="1600">
-                <a:solidFill>
-                  <a:schemeClr val="accent6">
-                    <a:lumMod val="75000"/>
-                  </a:schemeClr>
-                </a:solidFill>
-                <a:latin typeface="Fira Code" panose="020B0609050000020004" charset="0"/>
-                <a:cs typeface="Fira Code" panose="020B0609050000020004" charset="0"/>
-              </a:rPr>
-              <a:t>written in</a:t>
-            </a:r>
-            <a:r>
-              <a:rPr lang="x-none" altLang="en-US" sz="1600">
-                <a:solidFill>
-                  <a:schemeClr val="accent6">
-                    <a:lumMod val="50000"/>
-                  </a:schemeClr>
-                </a:solidFill>
-                <a:latin typeface="Fira Code" panose="020B0609050000020004" charset="0"/>
-                <a:cs typeface="Fira Code" panose="020B0609050000020004" charset="0"/>
-              </a:rPr>
-              <a:t> </a:t>
-            </a:r>
-            <a:r>
-              <a:rPr lang="x-none" altLang="en-US" sz="1600">
-                <a:solidFill>
-                  <a:srgbClr val="92D050"/>
-                </a:solidFill>
-                <a:latin typeface="Fira Code" panose="020B0609050000020004" charset="0"/>
-                <a:cs typeface="Fira Code" panose="020B0609050000020004" charset="0"/>
-              </a:rPr>
-              <a:t>C, C++</a:t>
-            </a:r>
-            <a:r>
-              <a:rPr lang="x-none" altLang="en-US" sz="1600">
-                <a:solidFill>
-                  <a:schemeClr val="accent6">
-                    <a:lumMod val="50000"/>
-                  </a:schemeClr>
-                </a:solidFill>
-                <a:latin typeface="Fira Code" panose="020B0609050000020004" charset="0"/>
-                <a:cs typeface="Fira Code" panose="020B0609050000020004" charset="0"/>
-              </a:rPr>
-              <a:t> </a:t>
-            </a:r>
-            <a:r>
-              <a:rPr lang="x-none" altLang="en-US" sz="1600">
-                <a:solidFill>
-                  <a:schemeClr val="accent6">
-                    <a:lumMod val="75000"/>
-                  </a:schemeClr>
-                </a:solidFill>
-                <a:latin typeface="Fira Code" panose="020B0609050000020004" charset="0"/>
-                <a:cs typeface="Fira Code" panose="020B0609050000020004" charset="0"/>
-              </a:rPr>
-              <a:t>with      great</a:t>
-            </a:r>
-            <a:r>
-              <a:rPr lang="x-none" altLang="en-US" sz="1600">
-                <a:solidFill>
-                  <a:schemeClr val="accent6">
-                    <a:lumMod val="50000"/>
-                  </a:schemeClr>
-                </a:solidFill>
-                <a:latin typeface="Fira Code" panose="020B0609050000020004" charset="0"/>
-                <a:cs typeface="Fira Code" panose="020B0609050000020004" charset="0"/>
-              </a:rPr>
-              <a:t> </a:t>
-            </a:r>
-            <a:r>
-              <a:rPr lang="x-none" altLang="en-US" sz="1600">
-                <a:solidFill>
-                  <a:srgbClr val="92D050"/>
-                </a:solidFill>
-                <a:latin typeface="Fira Code" panose="020B0609050000020004" charset="0"/>
-                <a:cs typeface="Fira Code" panose="020B0609050000020004" charset="0"/>
-              </a:rPr>
-              <a:t>python</a:t>
-            </a:r>
-            <a:r>
-              <a:rPr lang="x-none" altLang="en-US" sz="1600">
-                <a:solidFill>
-                  <a:schemeClr val="accent6">
-                    <a:lumMod val="50000"/>
-                  </a:schemeClr>
-                </a:solidFill>
-                <a:latin typeface="Fira Code" panose="020B0609050000020004" charset="0"/>
-                <a:cs typeface="Fira Code" panose="020B0609050000020004" charset="0"/>
-              </a:rPr>
-              <a:t> </a:t>
-            </a:r>
-            <a:r>
-              <a:rPr lang="x-none" altLang="en-US" sz="1600">
-                <a:solidFill>
-                  <a:schemeClr val="accent6">
-                    <a:lumMod val="75000"/>
-                  </a:schemeClr>
-                </a:solidFill>
-                <a:latin typeface="Fira Code" panose="020B0609050000020004" charset="0"/>
-                <a:cs typeface="Fira Code" panose="020B0609050000020004" charset="0"/>
-              </a:rPr>
-              <a:t>api wrapper</a:t>
-            </a:r>
-            <a:endParaRPr lang="x-none" altLang="en-US" sz="1600">
-              <a:solidFill>
-                <a:schemeClr val="accent6">
-                  <a:lumMod val="50000"/>
-                </a:schemeClr>
-              </a:solidFill>
-              <a:latin typeface="Fira Code" panose="020B0609050000020004" charset="0"/>
-              <a:cs typeface="Fira Code" panose="020B0609050000020004" charset="0"/>
-            </a:endParaRPr>
-          </a:p>
-          <a:p>
-            <a:pPr marL="0" indent="0">
-              <a:buNone/>
-            </a:pPr>
-            <a:r>
-              <a:rPr lang="x-none" altLang="en-US" sz="1600">
-                <a:solidFill>
-                  <a:schemeClr val="accent6">
-                    <a:lumMod val="50000"/>
-                  </a:schemeClr>
-                </a:solidFill>
-                <a:latin typeface="Fira Code" panose="020B0609050000020004" charset="0"/>
-                <a:cs typeface="Fira Code" panose="020B0609050000020004" charset="0"/>
-              </a:rPr>
-              <a:t>    &gt; </a:t>
-            </a:r>
-            <a:r>
-              <a:rPr lang="x-none" altLang="en-US" sz="1600">
-                <a:solidFill>
-                  <a:schemeClr val="accent6">
-                    <a:lumMod val="75000"/>
-                  </a:schemeClr>
-                </a:solidFill>
-                <a:latin typeface="Fira Code" panose="020B0609050000020004" charset="0"/>
-                <a:cs typeface="Fira Code" panose="020B0609050000020004" charset="0"/>
-              </a:rPr>
-              <a:t>Not as popular as QGIS and ArcGIS is with desktop users. Maybe cause they are more</a:t>
-            </a:r>
-            <a:r>
-              <a:rPr lang="x-none" altLang="en-US" sz="1600">
-                <a:solidFill>
-                  <a:schemeClr val="accent6">
-                    <a:lumMod val="50000"/>
-                  </a:schemeClr>
-                </a:solidFill>
-                <a:latin typeface="Fira Code" panose="020B0609050000020004" charset="0"/>
-                <a:cs typeface="Fira Code" panose="020B0609050000020004" charset="0"/>
-              </a:rPr>
-              <a:t> </a:t>
-            </a:r>
-            <a:r>
-              <a:rPr lang="x-none" altLang="en-US" sz="1600">
-                <a:solidFill>
-                  <a:srgbClr val="92D050"/>
-                </a:solidFill>
-                <a:latin typeface="Fira Code" panose="020B0609050000020004" charset="0"/>
-                <a:cs typeface="Fira Code" panose="020B0609050000020004" charset="0"/>
-              </a:rPr>
-              <a:t>CLI </a:t>
-            </a:r>
-            <a:r>
-              <a:rPr lang="x-none" altLang="en-US" sz="1600">
-                <a:solidFill>
-                  <a:schemeClr val="accent6">
-                    <a:lumMod val="75000"/>
-                  </a:schemeClr>
-                </a:solidFill>
-                <a:latin typeface="Fira Code" panose="020B0609050000020004" charset="0"/>
-                <a:cs typeface="Fira Code" panose="020B0609050000020004" charset="0"/>
-              </a:rPr>
-              <a:t>oriented? but grass offers a GUI through</a:t>
+              <a:t>oriented? Although grass offers a GUI through</a:t>
             </a:r>
             <a:r>
               <a:rPr lang="x-none" altLang="en-US" sz="1600">
@@ -4984,11 +5166,13 @@
         <p:spPr>
           <a:xfrm>
             <a:off x="136525" y="25400"/>
-            <a:ext cx="10515600" cy="594360"/>
+            <a:ext cx="10515600" cy="415925"/>
           </a:xfrm>
         </p:spPr>
         <p:txBody>
-          <a:bodyPr/>
+          <a:bodyPr>
+            <a:normAutofit fontScale="90000"/>
+          </a:bodyPr>
           <a:p>
             <a:r>
               <a:rPr lang="x-none" altLang="en-US" sz="3200">
@@ -5036,8 +5220,8 @@
         </p:nvSpPr>
         <p:spPr>
           <a:xfrm>
-            <a:off x="136525" y="551815"/>
-            <a:ext cx="11749405" cy="6209030"/>
+            <a:off x="136525" y="-83185"/>
+            <a:ext cx="11749405" cy="6915785"/>
           </a:xfrm>
           <a:effectLst>
             <a:outerShdw blurRad="50800" dist="50800" dir="5400000" sx="98000" sy="98000" algn="ctr" rotWithShape="0">
@@ -5063,7 +5247,7 @@
                 <a:latin typeface="Fira Code" panose="020B0609050000020004" charset="0"/>
                 <a:cs typeface="Fira Code" panose="020B0609050000020004" charset="0"/>
               </a:rPr>
-              <a:t>    &gt; Enjoy the benefits.</a:t>
+              <a:t>    &gt; You probably have been using them.</a:t>
             </a:r>
             <a:endParaRPr lang="x-none" altLang="en-US" sz="1600">
               <a:solidFill>
@@ -5101,7 +5285,7 @@
                 <a:latin typeface="Fira Code" panose="020B0609050000020004" charset="0"/>
                 <a:cs typeface="Fira Code" panose="020B0609050000020004" charset="0"/>
               </a:rPr>
-              <a:t>Fast, free, flexible and extensible</a:t>
+              <a:t>Fast, free, open, flexible and extensible software</a:t>
             </a:r>
             <a:endParaRPr lang="x-none" altLang="en-US" sz="1600">
               <a:solidFill>
@@ -5139,7 +5323,85 @@
                 <a:latin typeface="Fira Code" panose="020B0609050000020004" charset="0"/>
                 <a:cs typeface="Fira Code" panose="020B0609050000020004" charset="0"/>
               </a:rPr>
-              <a:t>Support and Interoperable with other OSGeo member projects</a:t>
+              <a:t>Support and Interoperable with other OSGeo member projects such as QGIS, PostGIS among others.</a:t>
+            </a:r>
+            <a:endParaRPr lang="x-none" altLang="en-US" sz="1400">
+              <a:solidFill>
+                <a:schemeClr val="accent6">
+                  <a:lumMod val="75000"/>
+                </a:schemeClr>
+              </a:solidFill>
+              <a:latin typeface="Fira Code" panose="020B0609050000020004" charset="0"/>
+              <a:cs typeface="Fira Code" panose="020B0609050000020004" charset="0"/>
+            </a:endParaRPr>
+          </a:p>
+          <a:p>
+            <a:pPr marL="0" indent="0">
+              <a:buNone/>
+            </a:pPr>
+            <a:r>
+              <a:rPr lang="x-none" altLang="en-US" sz="1400">
+                <a:solidFill>
+                  <a:schemeClr val="accent6">
+                    <a:lumMod val="75000"/>
+                  </a:schemeClr>
+                </a:solidFill>
+                <a:latin typeface="Fira Code" panose="020B0609050000020004" charset="0"/>
+                <a:cs typeface="Fira Code" panose="020B0609050000020004" charset="0"/>
+              </a:rPr>
+              <a:t>         &gt;&gt; Supported by some GIS service providers and incorporated in their solution stack.</a:t>
+            </a:r>
+            <a:endParaRPr lang="x-none" altLang="en-US" sz="1400">
+              <a:solidFill>
+                <a:schemeClr val="accent6">
+                  <a:lumMod val="75000"/>
+                </a:schemeClr>
+              </a:solidFill>
+              <a:latin typeface="Fira Code" panose="020B0609050000020004" charset="0"/>
+              <a:cs typeface="Fira Code" panose="020B0609050000020004" charset="0"/>
+            </a:endParaRPr>
+          </a:p>
+          <a:p>
+            <a:pPr marL="0" indent="0">
+              <a:buNone/>
+            </a:pPr>
+            <a:r>
+              <a:rPr lang="x-none" altLang="en-US" sz="1400">
+                <a:solidFill>
+                  <a:schemeClr val="accent6">
+                    <a:lumMod val="75000"/>
+                  </a:schemeClr>
+                </a:solidFill>
+                <a:latin typeface="Fira Code" panose="020B0609050000020004" charset="0"/>
+                <a:cs typeface="Fira Code" panose="020B0609050000020004" charset="0"/>
+              </a:rPr>
+              <a:t>         &gt;&gt; Feature rich scriptable using CLI utilities</a:t>
+            </a:r>
+            <a:endParaRPr lang="x-none" altLang="en-US" sz="1400">
+              <a:solidFill>
+                <a:schemeClr val="accent6">
+                  <a:lumMod val="75000"/>
+                </a:schemeClr>
+              </a:solidFill>
+              <a:latin typeface="Fira Code" panose="020B0609050000020004" charset="0"/>
+              <a:cs typeface="Fira Code" panose="020B0609050000020004" charset="0"/>
+            </a:endParaRPr>
+          </a:p>
+          <a:p>
+            <a:pPr marL="0" indent="0">
+              <a:buNone/>
+            </a:pPr>
+            <a:r>
+              <a:rPr lang="x-none" altLang="en-US" sz="1400">
+                <a:solidFill>
+                  <a:schemeClr val="accent6">
+                    <a:lumMod val="75000"/>
+                  </a:schemeClr>
+                </a:solidFill>
+                <a:latin typeface="Fira Code" panose="020B0609050000020004" charset="0"/>
+                <a:cs typeface="Fira Code" panose="020B0609050000020004" charset="0"/>
+              </a:rPr>
+              <a:t>         &gt;&gt; Run batch and bulk processes, a plus if familiar with any cli scripting language. Bash, Python, tcl, perl, php</a:t>
             </a:r>
             <a:endParaRPr lang="x-none" altLang="en-US" sz="1600">
               <a:solidFill>
@@ -5165,11 +5427,46 @@
                 <a:latin typeface="Fira Code" panose="020B0609050000020004" charset="0"/>
                 <a:cs typeface="Fira Code" panose="020B0609050000020004" charset="0"/>
               </a:rPr>
-              <a:t>    &gt; </a:t>
+              <a:t>    </a:t>
             </a:r>
             <a:r>
               <a:rPr lang="x-none" altLang="en-US" sz="1600">
                 <a:solidFill>
+                  <a:srgbClr val="92D050"/>
+                </a:solidFill>
+                <a:latin typeface="Fira Code" panose="020B0609050000020004" charset="0"/>
+                <a:cs typeface="Fira Code" panose="020B0609050000020004" charset="0"/>
+                <a:sym typeface="+mn-ea"/>
+              </a:rPr>
+              <a:t>&gt; What the talk is not about.</a:t>
+            </a:r>
+            <a:endParaRPr lang="x-none" altLang="en-US" sz="1600">
+              <a:solidFill>
+                <a:srgbClr val="92D050"/>
+              </a:solidFill>
+              <a:latin typeface="Fira Code" panose="020B0609050000020004" charset="0"/>
+              <a:cs typeface="Fira Code" panose="020B0609050000020004" charset="0"/>
+              <a:sym typeface="+mn-ea"/>
+            </a:endParaRPr>
+          </a:p>
+          <a:p>
+            <a:pPr marL="0" indent="0">
+              <a:buNone/>
+            </a:pPr>
+            <a:r>
+              <a:rPr lang="x-none" altLang="en-US" sz="1600">
+                <a:solidFill>
+                  <a:srgbClr val="92D050"/>
+                </a:solidFill>
+                <a:latin typeface="Fira Code" panose="020B0609050000020004" charset="0"/>
+                <a:cs typeface="Fira Code" panose="020B0609050000020004" charset="0"/>
+                <a:sym typeface="+mn-ea"/>
+              </a:rPr>
+              <a:t>        </a:t>
+            </a:r>
+            <a:r>
+              <a:rPr lang="x-none" altLang="en-US" sz="1600">
+                <a:solidFill>
                   <a:schemeClr val="accent6">
                     <a:lumMod val="75000"/>
                   </a:schemeClr>
@@ -5177,87 +5474,7 @@
                 <a:latin typeface="Fira Code" panose="020B0609050000020004" charset="0"/>
                 <a:cs typeface="Fira Code" panose="020B0609050000020004" charset="0"/>
               </a:rPr>
-              <a:t>Not as popular as QGIS and ArcGIS is with desktop users. Maybe cause they are more</a:t>
-            </a:r>
-            <a:r>
-              <a:rPr lang="x-none" altLang="en-US" sz="1600">
-                <a:solidFill>
-                  <a:schemeClr val="accent6">
-                    <a:lumMod val="50000"/>
-                  </a:schemeClr>
-                </a:solidFill>
-                <a:latin typeface="Fira Code" panose="020B0609050000020004" charset="0"/>
-                <a:cs typeface="Fira Code" panose="020B0609050000020004" charset="0"/>
-              </a:rPr>
-              <a:t> </a:t>
-            </a:r>
-            <a:r>
-              <a:rPr lang="x-none" altLang="en-US" sz="1600">
-                <a:solidFill>
-                  <a:srgbClr val="92D050"/>
-                </a:solidFill>
-                <a:latin typeface="Fira Code" panose="020B0609050000020004" charset="0"/>
-                <a:cs typeface="Fira Code" panose="020B0609050000020004" charset="0"/>
-              </a:rPr>
-              <a:t>CLI </a:t>
-            </a:r>
-            <a:r>
-              <a:rPr lang="x-none" altLang="en-US" sz="1600">
-                <a:solidFill>
-                  <a:schemeClr val="accent6">
-                    <a:lumMod val="75000"/>
-                  </a:schemeClr>
-                </a:solidFill>
-                <a:latin typeface="Fira Code" panose="020B0609050000020004" charset="0"/>
-                <a:cs typeface="Fira Code" panose="020B0609050000020004" charset="0"/>
-              </a:rPr>
-              <a:t>oriented? but grass offers a GUI through</a:t>
-            </a:r>
-            <a:r>
-              <a:rPr lang="x-none" altLang="en-US" sz="1600">
-                <a:solidFill>
-                  <a:schemeClr val="accent6">
-                    <a:lumMod val="50000"/>
-                  </a:schemeClr>
-                </a:solidFill>
-                <a:latin typeface="Fira Code" panose="020B0609050000020004" charset="0"/>
-                <a:cs typeface="Fira Code" panose="020B0609050000020004" charset="0"/>
-              </a:rPr>
-              <a:t> </a:t>
-            </a:r>
-            <a:r>
-              <a:rPr lang="x-none" altLang="en-US" sz="1600">
-                <a:solidFill>
-                  <a:srgbClr val="92D050"/>
-                </a:solidFill>
-                <a:latin typeface="Fira Code" panose="020B0609050000020004" charset="0"/>
-                <a:cs typeface="Fira Code" panose="020B0609050000020004" charset="0"/>
-              </a:rPr>
-              <a:t>WxWidgets</a:t>
-            </a:r>
-            <a:r>
-              <a:rPr lang="x-none" altLang="en-US" sz="1600">
-                <a:solidFill>
-                  <a:schemeClr val="accent6">
-                    <a:lumMod val="50000"/>
-                  </a:schemeClr>
-                </a:solidFill>
-                <a:latin typeface="Fira Code" panose="020B0609050000020004" charset="0"/>
-                <a:cs typeface="Fira Code" panose="020B0609050000020004" charset="0"/>
-              </a:rPr>
-              <a:t> </a:t>
-            </a:r>
-            <a:r>
-              <a:rPr lang="x-none" altLang="en-US" sz="1600">
-                <a:solidFill>
-                  <a:schemeClr val="accent6">
-                    <a:lumMod val="75000"/>
-                  </a:schemeClr>
-                </a:solidFill>
-                <a:latin typeface="Fira Code" panose="020B0609050000020004" charset="0"/>
-                <a:cs typeface="Fira Code" panose="020B0609050000020004" charset="0"/>
-              </a:rPr>
-              <a:t>python api</a:t>
+              <a:t>&gt;&gt; A comparison between the two software</a:t>
             </a:r>
             <a:endParaRPr lang="x-none" altLang="en-US" sz="1600">
               <a:solidFill>
@@ -5283,18 +5500,59 @@
                 <a:latin typeface="Fira Code" panose="020B0609050000020004" charset="0"/>
                 <a:cs typeface="Fira Code" panose="020B0609050000020004" charset="0"/>
               </a:rPr>
-              <a:t>    &gt; Provide tools for both </a:t>
-            </a:r>
+              <a:t>        &gt;&gt; Promoting their use compared to others stack </a:t>
+            </a:r>
+            <a:endParaRPr lang="x-none" altLang="en-US" sz="1600">
+              <a:solidFill>
+                <a:schemeClr val="accent6">
+                  <a:lumMod val="75000"/>
+                </a:schemeClr>
+              </a:solidFill>
+              <a:latin typeface="Fira Code" panose="020B0609050000020004" charset="0"/>
+              <a:cs typeface="Fira Code" panose="020B0609050000020004" charset="0"/>
+            </a:endParaRPr>
+          </a:p>
+          <a:p>
+            <a:pPr marL="0" indent="0">
+              <a:buNone/>
+            </a:pPr>
             <a:r>
               <a:rPr lang="x-none" altLang="en-US" sz="1600">
                 <a:solidFill>
+                  <a:schemeClr val="accent6">
+                    <a:lumMod val="75000"/>
+                  </a:schemeClr>
+                </a:solidFill>
+                <a:latin typeface="Fira Code" panose="020B0609050000020004" charset="0"/>
+                <a:cs typeface="Fira Code" panose="020B0609050000020004" charset="0"/>
+              </a:rPr>
+              <a:t>    </a:t>
+            </a:r>
+            <a:r>
+              <a:rPr lang="x-none" altLang="en-US" sz="1600">
+                <a:solidFill>
                   <a:srgbClr val="92D050"/>
                 </a:solidFill>
                 <a:latin typeface="Fira Code" panose="020B0609050000020004" charset="0"/>
                 <a:cs typeface="Fira Code" panose="020B0609050000020004" charset="0"/>
-              </a:rPr>
-              <a:t>raster</a:t>
-            </a:r>
+                <a:sym typeface="+mn-ea"/>
+              </a:rPr>
+              <a:t>&gt; Who is without a flaw?</a:t>
+            </a:r>
+            <a:endParaRPr lang="x-none" altLang="en-US" sz="1600">
+              <a:solidFill>
+                <a:schemeClr val="accent6">
+                  <a:lumMod val="75000"/>
+                </a:schemeClr>
+              </a:solidFill>
+              <a:latin typeface="Fira Code" panose="020B0609050000020004" charset="0"/>
+              <a:cs typeface="Fira Code" panose="020B0609050000020004" charset="0"/>
+            </a:endParaRPr>
+          </a:p>
+          <a:p>
+            <a:pPr marL="0" indent="0">
+              <a:buNone/>
+            </a:pPr>
             <a:r>
               <a:rPr lang="x-none" altLang="en-US" sz="1600">
                 <a:solidFill>
@@ -5305,18 +5563,48 @@
                 <a:latin typeface="Fira Code" panose="020B0609050000020004" charset="0"/>
                 <a:cs typeface="Fira Code" panose="020B0609050000020004" charset="0"/>
               </a:rPr>
-              <a:t> and </a:t>
-            </a:r>
+              <a:t>        &gt;&gt; Not really many articles/docs on the direct usage. The most common ones are using bindings or wrappers using other languages python, R, java, javascript</a:t>
+            </a:r>
+            <a:endParaRPr lang="x-none" altLang="en-US" sz="1600">
+              <a:solidFill>
+                <a:schemeClr val="accent6">
+                  <a:lumMod val="75000"/>
+                </a:schemeClr>
+              </a:solidFill>
+              <a:latin typeface="Fira Code" panose="020B0609050000020004" charset="0"/>
+              <a:cs typeface="Fira Code" panose="020B0609050000020004" charset="0"/>
+            </a:endParaRPr>
+          </a:p>
+          <a:p>
+            <a:pPr marL="0" indent="0">
+              <a:buNone/>
+            </a:pPr>
             <a:r>
               <a:rPr lang="x-none" altLang="en-US" sz="1600">
                 <a:solidFill>
-                  <a:srgbClr val="92D050"/>
-                </a:solidFill>
-                <a:latin typeface="Fira Code" panose="020B0609050000020004" charset="0"/>
-                <a:cs typeface="Fira Code" panose="020B0609050000020004" charset="0"/>
-              </a:rPr>
-              <a:t>vector</a:t>
-            </a:r>
+                  <a:schemeClr val="accent6">
+                    <a:lumMod val="75000"/>
+                  </a:schemeClr>
+                </a:solidFill>
+                <a:latin typeface="Fira Code" panose="020B0609050000020004" charset="0"/>
+                <a:cs typeface="Fira Code" panose="020B0609050000020004" charset="0"/>
+              </a:rPr>
+              <a:t>        &gt;&gt; The CLI/text based interfaces can be daunting to beginners</a:t>
+            </a:r>
+            <a:endParaRPr lang="x-none" altLang="en-US" sz="1600">
+              <a:solidFill>
+                <a:schemeClr val="accent6">
+                  <a:lumMod val="75000"/>
+                </a:schemeClr>
+              </a:solidFill>
+              <a:latin typeface="Fira Code" panose="020B0609050000020004" charset="0"/>
+              <a:cs typeface="Fira Code" panose="020B0609050000020004" charset="0"/>
+            </a:endParaRPr>
+          </a:p>
+          <a:p>
+            <a:pPr marL="0" indent="0">
+              <a:buNone/>
+            </a:pPr>
             <a:r>
               <a:rPr lang="x-none" altLang="en-US" sz="1600">
                 <a:solidFill>
@@ -5327,7 +5615,7 @@
                 <a:latin typeface="Fira Code" panose="020B0609050000020004" charset="0"/>
                 <a:cs typeface="Fira Code" panose="020B0609050000020004" charset="0"/>
               </a:rPr>
-              <a:t> data processing</a:t>
+              <a:t>        &gt;&gt; Grass GUI and workflow  o</a:t>
             </a:r>
             <a:endParaRPr lang="x-none" altLang="en-US" sz="1600">
               <a:solidFill>
@@ -5364,6 +5652,532 @@
 </file>
 
 <file path=ppt/slides/slide6.xml><?xml version="1.0" encoding="utf-8"?>
+<p:sld xmlns:a="http://schemas.openxmlformats.org/drawingml/2006/main" xmlns:r="http://schemas.openxmlformats.org/officeDocument/2006/relationships" xmlns:p="http://schemas.openxmlformats.org/presentationml/2006/main">
+  <p:cSld>
+    <p:bg>
+      <p:bgPr>
+        <a:solidFill>
+          <a:schemeClr val="tx1"/>
+        </a:solidFill>
+        <a:effectLst/>
+      </p:bgPr>
+    </p:bg>
+    <p:spTree>
+      <p:nvGrpSpPr>
+        <p:cNvPr id="1" name=""/>
+        <p:cNvGrpSpPr/>
+        <p:nvPr/>
+      </p:nvGrpSpPr>
+      <p:grpSpPr/>
+      <p:pic>
+        <p:nvPicPr>
+          <p:cNvPr id="12" name="Picture 11" descr="drawing (copy)_1_1"/>
+          <p:cNvPicPr>
+            <a:picLocks noChangeAspect="1"/>
+          </p:cNvPicPr>
+          <p:nvPr/>
+        </p:nvPicPr>
+        <p:blipFill>
+          <a:blip r:embed="rId1">
+            <a:clrChange>
+              <a:clrFrom>
+                <a:srgbClr val="96FADD">
+                  <a:alpha val="100000"/>
+                </a:srgbClr>
+              </a:clrFrom>
+              <a:clrTo>
+                <a:srgbClr val="96FADD">
+                  <a:alpha val="100000"/>
+                  <a:alpha val="0"/>
+                </a:srgbClr>
+              </a:clrTo>
+            </a:clrChange>
+            <a:lum bright="-84000" contrast="6000"/>
+          </a:blip>
+          <a:stretch>
+            <a:fillRect/>
+          </a:stretch>
+        </p:blipFill>
+        <p:spPr>
+          <a:xfrm>
+            <a:off x="136525" y="25400"/>
+            <a:ext cx="11948160" cy="6807200"/>
+          </a:xfrm>
+          <a:prstGeom prst="rect">
+            <a:avLst/>
+          </a:prstGeom>
+          <a:noFill/>
+          <a:ln>
+            <a:noFill/>
+          </a:ln>
+          <a:effectLst/>
+        </p:spPr>
+      </p:pic>
+      <p:sp>
+        <p:nvSpPr>
+          <p:cNvPr id="5" name="Title 4"/>
+          <p:cNvSpPr>
+            <a:spLocks noGrp="1"/>
+          </p:cNvSpPr>
+          <p:nvPr>
+            <p:ph type="title"/>
+          </p:nvPr>
+        </p:nvSpPr>
+        <p:spPr>
+          <a:xfrm>
+            <a:off x="136525" y="25400"/>
+            <a:ext cx="10515600" cy="415925"/>
+          </a:xfrm>
+        </p:spPr>
+        <p:txBody>
+          <a:bodyPr>
+            <a:normAutofit fontScale="90000"/>
+          </a:bodyPr>
+          <a:p>
+            <a:r>
+              <a:rPr lang="x-none" altLang="en-US" sz="3200">
+                <a:solidFill>
+                  <a:srgbClr val="53F22E"/>
+                </a:solidFill>
+                <a:effectLst>
+                  <a:outerShdw blurRad="38100" dist="19050" dir="2700000" algn="tl" rotWithShape="0">
+                    <a:schemeClr val="dk1">
+                      <a:alpha val="40000"/>
+                    </a:schemeClr>
+                  </a:outerShdw>
+                </a:effectLst>
+                <a:latin typeface="Fira Code" panose="020B0609050000020004" charset="0"/>
+                <a:cs typeface="Fira Code" panose="020B0609050000020004" charset="0"/>
+              </a:rPr>
+              <a:t>cont'd.</a:t>
+            </a:r>
+            <a:endParaRPr lang="x-none" altLang="en-US">
+              <a:solidFill>
+                <a:srgbClr val="53F22E"/>
+              </a:solidFill>
+              <a:effectLst>
+                <a:outerShdw blurRad="38100" dist="19050" dir="2700000" algn="tl" rotWithShape="0">
+                  <a:schemeClr val="dk1">
+                    <a:alpha val="40000"/>
+                  </a:schemeClr>
+                </a:outerShdw>
+              </a:effectLst>
+              <a:latin typeface="Fira Code" panose="020B0609050000020004" charset="0"/>
+              <a:cs typeface="Fira Code" panose="020B0609050000020004" charset="0"/>
+            </a:endParaRPr>
+          </a:p>
+        </p:txBody>
+      </p:sp>
+      <p:sp>
+        <p:nvSpPr>
+          <p:cNvPr id="8" name="Content Placeholder 7"/>
+          <p:cNvSpPr>
+            <a:spLocks noGrp="1"/>
+          </p:cNvSpPr>
+          <p:nvPr>
+            <p:ph sz="half" idx="2"/>
+          </p:nvPr>
+        </p:nvSpPr>
+        <p:spPr>
+          <a:xfrm>
+            <a:off x="136525" y="347980"/>
+            <a:ext cx="11749405" cy="6484620"/>
+          </a:xfrm>
+          <a:effectLst>
+            <a:outerShdw blurRad="50800" dist="50800" dir="5400000" sx="98000" sy="98000" algn="ctr" rotWithShape="0">
+              <a:srgbClr val="000000">
+                <a:alpha val="100000"/>
+              </a:srgbClr>
+            </a:outerShdw>
+          </a:effectLst>
+        </p:spPr>
+        <p:txBody>
+          <a:bodyPr>
+            <a:noAutofit/>
+          </a:bodyPr>
+          <a:p>
+            <a:pPr marL="0" indent="0">
+              <a:buNone/>
+            </a:pPr>
+            <a:r>
+              <a:rPr lang="x-none" altLang="en-US" sz="1800">
+                <a:solidFill>
+                  <a:srgbClr val="92D050"/>
+                </a:solidFill>
+                <a:latin typeface="Fira Code" panose="020B0609050000020004" charset="0"/>
+                <a:cs typeface="Fira Code" panose="020B0609050000020004" charset="0"/>
+              </a:rPr>
+              <a:t>    &gt; Expected outcome.</a:t>
+            </a:r>
+            <a:endParaRPr lang="x-none" altLang="en-US" sz="1600">
+              <a:solidFill>
+                <a:schemeClr val="accent6">
+                  <a:lumMod val="50000"/>
+                </a:schemeClr>
+              </a:solidFill>
+              <a:latin typeface="Fira Code" panose="020B0609050000020004" charset="0"/>
+              <a:cs typeface="Fira Code" panose="020B0609050000020004" charset="0"/>
+            </a:endParaRPr>
+          </a:p>
+          <a:p>
+            <a:pPr marL="0" indent="0">
+              <a:buNone/>
+            </a:pPr>
+            <a:r>
+              <a:rPr lang="x-none" altLang="en-US" sz="1600">
+                <a:solidFill>
+                  <a:schemeClr val="accent6">
+                    <a:lumMod val="50000"/>
+                  </a:schemeClr>
+                </a:solidFill>
+                <a:latin typeface="Fira Code" panose="020B0609050000020004" charset="0"/>
+                <a:cs typeface="Fira Code" panose="020B0609050000020004" charset="0"/>
+              </a:rPr>
+              <a:t>        &gt;&gt; </a:t>
+            </a:r>
+            <a:r>
+              <a:rPr lang="x-none" altLang="en-US" sz="1600">
+                <a:solidFill>
+                  <a:schemeClr val="accent6">
+                    <a:lumMod val="75000"/>
+                  </a:schemeClr>
+                </a:solidFill>
+                <a:latin typeface="Fira Code" panose="020B0609050000020004" charset="0"/>
+                <a:cs typeface="Fira Code" panose="020B0609050000020004" charset="0"/>
+              </a:rPr>
+              <a:t>To be comfortable with some of the common cmd</a:t>
+            </a:r>
+            <a:endParaRPr lang="x-none" altLang="en-US" sz="1600">
+              <a:solidFill>
+                <a:schemeClr val="accent6">
+                  <a:lumMod val="75000"/>
+                </a:schemeClr>
+              </a:solidFill>
+              <a:latin typeface="Fira Code" panose="020B0609050000020004" charset="0"/>
+              <a:cs typeface="Fira Code" panose="020B0609050000020004" charset="0"/>
+            </a:endParaRPr>
+          </a:p>
+          <a:p>
+            <a:pPr marL="0" indent="0">
+              <a:buNone/>
+            </a:pPr>
+            <a:r>
+              <a:rPr lang="x-none" altLang="en-US" sz="1400">
+                <a:solidFill>
+                  <a:schemeClr val="accent6">
+                    <a:lumMod val="50000"/>
+                  </a:schemeClr>
+                </a:solidFill>
+                <a:latin typeface="Fira Code" panose="020B0609050000020004" charset="0"/>
+                <a:cs typeface="Fira Code" panose="020B0609050000020004" charset="0"/>
+              </a:rPr>
+              <a:t>         &gt;&gt; </a:t>
+            </a:r>
+            <a:r>
+              <a:rPr lang="x-none" altLang="en-US" sz="1400">
+                <a:solidFill>
+                  <a:schemeClr val="accent6">
+                    <a:lumMod val="75000"/>
+                  </a:schemeClr>
+                </a:solidFill>
+                <a:latin typeface="Fira Code" panose="020B0609050000020004" charset="0"/>
+                <a:cs typeface="Fira Code" panose="020B0609050000020004" charset="0"/>
+              </a:rPr>
+              <a:t>Perform some of basic spatial operations using both tool</a:t>
+            </a:r>
+            <a:endParaRPr lang="x-none" altLang="en-US" sz="1400">
+              <a:solidFill>
+                <a:schemeClr val="accent6">
+                  <a:lumMod val="75000"/>
+                </a:schemeClr>
+              </a:solidFill>
+              <a:latin typeface="Fira Code" panose="020B0609050000020004" charset="0"/>
+              <a:cs typeface="Fira Code" panose="020B0609050000020004" charset="0"/>
+            </a:endParaRPr>
+          </a:p>
+          <a:p>
+            <a:pPr marL="0" indent="0">
+              <a:buNone/>
+            </a:pPr>
+            <a:r>
+              <a:rPr lang="x-none" altLang="en-US" sz="1400">
+                <a:solidFill>
+                  <a:schemeClr val="accent6">
+                    <a:lumMod val="75000"/>
+                  </a:schemeClr>
+                </a:solidFill>
+                <a:latin typeface="Fira Code" panose="020B0609050000020004" charset="0"/>
+                <a:cs typeface="Fira Code" panose="020B0609050000020004" charset="0"/>
+              </a:rPr>
+              <a:t>         &gt;&gt; Understanding of the various workflow.</a:t>
+            </a:r>
+            <a:endParaRPr lang="x-none" altLang="en-US" sz="1400">
+              <a:solidFill>
+                <a:schemeClr val="accent6">
+                  <a:lumMod val="75000"/>
+                </a:schemeClr>
+              </a:solidFill>
+              <a:latin typeface="Fira Code" panose="020B0609050000020004" charset="0"/>
+              <a:cs typeface="Fira Code" panose="020B0609050000020004" charset="0"/>
+            </a:endParaRPr>
+          </a:p>
+          <a:p>
+            <a:pPr marL="0" indent="0">
+              <a:buNone/>
+            </a:pPr>
+            <a:r>
+              <a:rPr lang="x-none" altLang="en-US" sz="1400">
+                <a:solidFill>
+                  <a:schemeClr val="accent6">
+                    <a:lumMod val="75000"/>
+                  </a:schemeClr>
+                </a:solidFill>
+                <a:latin typeface="Fira Code" panose="020B0609050000020004" charset="0"/>
+                <a:cs typeface="Fira Code" panose="020B0609050000020004" charset="0"/>
+              </a:rPr>
+              <a:t>         &gt;&gt; Be dangerous enough to make your colleague think you're a hacker</a:t>
+            </a:r>
+            <a:endParaRPr lang="x-none" altLang="en-US" sz="1600">
+              <a:solidFill>
+                <a:schemeClr val="accent6">
+                  <a:lumMod val="50000"/>
+                </a:schemeClr>
+              </a:solidFill>
+              <a:latin typeface="Fira Code" panose="020B0609050000020004" charset="0"/>
+              <a:cs typeface="Fira Code" panose="020B0609050000020004" charset="0"/>
+            </a:endParaRPr>
+          </a:p>
+          <a:p>
+            <a:pPr marL="0" indent="0">
+              <a:buNone/>
+            </a:pPr>
+            <a:r>
+              <a:rPr lang="x-none" altLang="en-US" sz="1600">
+                <a:solidFill>
+                  <a:schemeClr val="accent6">
+                    <a:lumMod val="50000"/>
+                  </a:schemeClr>
+                </a:solidFill>
+                <a:latin typeface="Fira Code" panose="020B0609050000020004" charset="0"/>
+                <a:cs typeface="Fira Code" panose="020B0609050000020004" charset="0"/>
+              </a:rPr>
+              <a:t>    </a:t>
+            </a:r>
+            <a:r>
+              <a:rPr lang="x-none" altLang="en-US" sz="1600">
+                <a:solidFill>
+                  <a:srgbClr val="92D050"/>
+                </a:solidFill>
+                <a:latin typeface="Fira Code" panose="020B0609050000020004" charset="0"/>
+                <a:cs typeface="Fira Code" panose="020B0609050000020004" charset="0"/>
+                <a:sym typeface="+mn-ea"/>
+              </a:rPr>
+              <a:t>&gt; What the talk is not about.</a:t>
+            </a:r>
+            <a:endParaRPr lang="x-none" altLang="en-US" sz="1600">
+              <a:solidFill>
+                <a:srgbClr val="92D050"/>
+              </a:solidFill>
+              <a:latin typeface="Fira Code" panose="020B0609050000020004" charset="0"/>
+              <a:cs typeface="Fira Code" panose="020B0609050000020004" charset="0"/>
+              <a:sym typeface="+mn-ea"/>
+            </a:endParaRPr>
+          </a:p>
+          <a:p>
+            <a:pPr marL="0" indent="0">
+              <a:buNone/>
+            </a:pPr>
+            <a:r>
+              <a:rPr lang="x-none" altLang="en-US" sz="1600">
+                <a:solidFill>
+                  <a:srgbClr val="92D050"/>
+                </a:solidFill>
+                <a:latin typeface="Fira Code" panose="020B0609050000020004" charset="0"/>
+                <a:cs typeface="Fira Code" panose="020B0609050000020004" charset="0"/>
+                <a:sym typeface="+mn-ea"/>
+              </a:rPr>
+              <a:t>        </a:t>
+            </a:r>
+            <a:r>
+              <a:rPr lang="x-none" altLang="en-US" sz="1600">
+                <a:solidFill>
+                  <a:schemeClr val="accent6">
+                    <a:lumMod val="75000"/>
+                  </a:schemeClr>
+                </a:solidFill>
+                <a:latin typeface="Fira Code" panose="020B0609050000020004" charset="0"/>
+                <a:cs typeface="Fira Code" panose="020B0609050000020004" charset="0"/>
+              </a:rPr>
+              <a:t>&gt;&gt; A comparison between the two software</a:t>
+            </a:r>
+            <a:endParaRPr lang="x-none" altLang="en-US" sz="1600">
+              <a:solidFill>
+                <a:schemeClr val="accent6">
+                  <a:lumMod val="75000"/>
+                </a:schemeClr>
+              </a:solidFill>
+              <a:latin typeface="Fira Code" panose="020B0609050000020004" charset="0"/>
+              <a:cs typeface="Fira Code" panose="020B0609050000020004" charset="0"/>
+            </a:endParaRPr>
+          </a:p>
+          <a:p>
+            <a:pPr marL="0" indent="0">
+              <a:buNone/>
+            </a:pPr>
+            <a:r>
+              <a:rPr lang="x-none" altLang="en-US" sz="1600">
+                <a:solidFill>
+                  <a:schemeClr val="accent6">
+                    <a:lumMod val="75000"/>
+                  </a:schemeClr>
+                </a:solidFill>
+                <a:latin typeface="Fira Code" panose="020B0609050000020004" charset="0"/>
+                <a:cs typeface="Fira Code" panose="020B0609050000020004" charset="0"/>
+              </a:rPr>
+              <a:t>        &gt;&gt; Promoting their use compared to others stack </a:t>
+            </a:r>
+            <a:endParaRPr lang="x-none" altLang="en-US" sz="1600">
+              <a:solidFill>
+                <a:schemeClr val="accent6">
+                  <a:lumMod val="75000"/>
+                </a:schemeClr>
+              </a:solidFill>
+              <a:latin typeface="Fira Code" panose="020B0609050000020004" charset="0"/>
+              <a:cs typeface="Fira Code" panose="020B0609050000020004" charset="0"/>
+            </a:endParaRPr>
+          </a:p>
+          <a:p>
+            <a:pPr marL="0" indent="0">
+              <a:buNone/>
+            </a:pPr>
+            <a:r>
+              <a:rPr lang="x-none" altLang="en-US" sz="1600">
+                <a:solidFill>
+                  <a:schemeClr val="accent6">
+                    <a:lumMod val="75000"/>
+                  </a:schemeClr>
+                </a:solidFill>
+                <a:latin typeface="Fira Code" panose="020B0609050000020004" charset="0"/>
+                <a:cs typeface="Fira Code" panose="020B0609050000020004" charset="0"/>
+              </a:rPr>
+              <a:t>    </a:t>
+            </a:r>
+            <a:r>
+              <a:rPr lang="x-none" altLang="en-US" sz="1600">
+                <a:solidFill>
+                  <a:srgbClr val="92D050"/>
+                </a:solidFill>
+                <a:latin typeface="Fira Code" panose="020B0609050000020004" charset="0"/>
+                <a:cs typeface="Fira Code" panose="020B0609050000020004" charset="0"/>
+                <a:sym typeface="+mn-ea"/>
+              </a:rPr>
+              <a:t>&gt; WExpectations</a:t>
+            </a:r>
+            <a:endParaRPr lang="x-none" altLang="en-US" sz="1600">
+              <a:solidFill>
+                <a:schemeClr val="accent6">
+                  <a:lumMod val="75000"/>
+                </a:schemeClr>
+              </a:solidFill>
+              <a:latin typeface="Fira Code" panose="020B0609050000020004" charset="0"/>
+              <a:cs typeface="Fira Code" panose="020B0609050000020004" charset="0"/>
+            </a:endParaRPr>
+          </a:p>
+          <a:p>
+            <a:pPr marL="0" indent="0">
+              <a:buNone/>
+            </a:pPr>
+            <a:r>
+              <a:rPr lang="x-none" altLang="en-US" sz="1600">
+                <a:solidFill>
+                  <a:schemeClr val="accent6">
+                    <a:lumMod val="75000"/>
+                  </a:schemeClr>
+                </a:solidFill>
+                <a:latin typeface="Fira Code" panose="020B0609050000020004" charset="0"/>
+                <a:cs typeface="Fira Code" panose="020B0609050000020004" charset="0"/>
+              </a:rPr>
+              <a:t>    &gt; Provide tools for both </a:t>
+            </a:r>
+            <a:r>
+              <a:rPr lang="x-none" altLang="en-US" sz="1600">
+                <a:solidFill>
+                  <a:srgbClr val="92D050"/>
+                </a:solidFill>
+                <a:latin typeface="Fira Code" panose="020B0609050000020004" charset="0"/>
+                <a:cs typeface="Fira Code" panose="020B0609050000020004" charset="0"/>
+              </a:rPr>
+              <a:t>raster</a:t>
+            </a:r>
+            <a:r>
+              <a:rPr lang="x-none" altLang="en-US" sz="1600">
+                <a:solidFill>
+                  <a:schemeClr val="accent6">
+                    <a:lumMod val="75000"/>
+                  </a:schemeClr>
+                </a:solidFill>
+                <a:latin typeface="Fira Code" panose="020B0609050000020004" charset="0"/>
+                <a:cs typeface="Fira Code" panose="020B0609050000020004" charset="0"/>
+              </a:rPr>
+              <a:t> and </a:t>
+            </a:r>
+            <a:r>
+              <a:rPr lang="x-none" altLang="en-US" sz="1600">
+                <a:solidFill>
+                  <a:srgbClr val="92D050"/>
+                </a:solidFill>
+                <a:latin typeface="Fira Code" panose="020B0609050000020004" charset="0"/>
+                <a:cs typeface="Fira Code" panose="020B0609050000020004" charset="0"/>
+              </a:rPr>
+              <a:t>vector</a:t>
+            </a:r>
+            <a:r>
+              <a:rPr lang="x-none" altLang="en-US" sz="1600">
+                <a:solidFill>
+                  <a:schemeClr val="accent6">
+                    <a:lumMod val="75000"/>
+                  </a:schemeClr>
+                </a:solidFill>
+                <a:latin typeface="Fira Code" panose="020B0609050000020004" charset="0"/>
+                <a:cs typeface="Fira Code" panose="020B0609050000020004" charset="0"/>
+              </a:rPr>
+              <a:t> data processing</a:t>
+            </a:r>
+            <a:endParaRPr lang="x-none" altLang="en-US" sz="1600">
+              <a:solidFill>
+                <a:schemeClr val="accent6">
+                  <a:lumMod val="75000"/>
+                </a:schemeClr>
+              </a:solidFill>
+              <a:latin typeface="Fira Code" panose="020B0609050000020004" charset="0"/>
+              <a:cs typeface="Fira Code" panose="020B0609050000020004" charset="0"/>
+            </a:endParaRPr>
+          </a:p>
+          <a:p>
+            <a:pPr marL="0" indent="0">
+              <a:buNone/>
+            </a:pPr>
+            <a:endParaRPr lang="x-none" altLang="en-US" sz="1600" i="1">
+              <a:solidFill>
+                <a:schemeClr val="accent6">
+                  <a:lumMod val="75000"/>
+                </a:schemeClr>
+              </a:solidFill>
+              <a:latin typeface="Fira Code" panose="020B0609050000020004" charset="0"/>
+              <a:cs typeface="Fira Code" panose="020B0609050000020004" charset="0"/>
+            </a:endParaRPr>
+          </a:p>
+        </p:txBody>
+      </p:sp>
+    </p:spTree>
+  </p:cSld>
+  <p:clrMapOvr>
+    <a:masterClrMapping/>
+  </p:clrMapOvr>
+</p:sld>
+</file>
+
+<file path=ppt/slides/slide7.xml><?xml version="1.0" encoding="utf-8"?>
 <p:sld xmlns:a="http://schemas.openxmlformats.org/drawingml/2006/main" xmlns:r="http://schemas.openxmlformats.org/officeDocument/2006/relationships" xmlns:p="http://schemas.openxmlformats.org/presentationml/2006/main">
   <p:cSld>
     <p:bg>
@@ -5755,7 +6569,7 @@
 </p:sld>
 </file>
 
-<file path=ppt/slides/slide7.xml><?xml version="1.0" encoding="utf-8"?>
+<file path=ppt/slides/slide8.xml><?xml version="1.0" encoding="utf-8"?>
 <p:sld xmlns:a="http://schemas.openxmlformats.org/drawingml/2006/main" xmlns:r="http://schemas.openxmlformats.org/officeDocument/2006/relationships" xmlns:p="http://schemas.openxmlformats.org/presentationml/2006/main">
   <p:cSld>
     <p:bg>
@@ -6199,7 +7013,7 @@
 </p:sld>
 </file>
 
-<file path=ppt/slides/slide8.xml><?xml version="1.0" encoding="utf-8"?>
+<file path=ppt/slides/slide9.xml><?xml version="1.0" encoding="utf-8"?>
 <p:sld xmlns:a="http://schemas.openxmlformats.org/drawingml/2006/main" xmlns:r="http://schemas.openxmlformats.org/officeDocument/2006/relationships" xmlns:p="http://schemas.openxmlformats.org/presentationml/2006/main">
   <p:cSld>
     <p:bg>

--- a/Presentation.pptx
+++ b/Presentation.pptx
@@ -5537,7 +5537,7 @@
                 <a:cs typeface="Fira Code" panose="020B0609050000020004" charset="0"/>
                 <a:sym typeface="+mn-ea"/>
               </a:rPr>
-              <a:t>&gt; Who is without a flaw?</a:t>
+              <a:t>&gt; Who is without a flaw(s)?</a:t>
             </a:r>
             <a:endParaRPr lang="x-none" altLang="en-US" sz="1600">
               <a:solidFill>
@@ -5615,7 +5615,7 @@
                 <a:latin typeface="Fira Code" panose="020B0609050000020004" charset="0"/>
                 <a:cs typeface="Fira Code" panose="020B0609050000020004" charset="0"/>
               </a:rPr>
-              <a:t>        &gt;&gt; Grass GUI and workflow  o</a:t>
+              <a:t>        &gt;&gt; Grass GUI and workflow can be involving if not used to it.</a:t>
             </a:r>
             <a:endParaRPr lang="x-none" altLang="en-US" sz="1600">
               <a:solidFill>
@@ -5937,6 +5937,32 @@
               </a:rPr>
               <a:t>         &gt;&gt; Be dangerous enough to make your colleague think you're a hacker</a:t>
             </a:r>
+            <a:endParaRPr lang="x-none" altLang="en-US" sz="1400">
+              <a:solidFill>
+                <a:schemeClr val="accent6">
+                  <a:lumMod val="75000"/>
+                </a:schemeClr>
+              </a:solidFill>
+              <a:latin typeface="Fira Code" panose="020B0609050000020004" charset="0"/>
+              <a:cs typeface="Fira Code" panose="020B0609050000020004" charset="0"/>
+            </a:endParaRPr>
+          </a:p>
+          <a:p>
+            <a:pPr marL="0" indent="0">
+              <a:buNone/>
+            </a:pPr>
+            <a:r>
+              <a:rPr lang="x-none" altLang="en-US" sz="1400">
+                <a:solidFill>
+                  <a:schemeClr val="accent6">
+                    <a:lumMod val="75000"/>
+                  </a:schemeClr>
+                </a:solidFill>
+                <a:latin typeface="Fira Code" panose="020B0609050000020004" charset="0"/>
+                <a:cs typeface="Fira Code" panose="020B0609050000020004" charset="0"/>
+              </a:rPr>
+              <a:t>         &gt;&gt; Desirable: start chaining your analysis and processing into reproducible programs or scripts</a:t>
+            </a:r>
             <a:endParaRPr lang="x-none" altLang="en-US" sz="1600">
               <a:solidFill>
                 <a:schemeClr val="accent6">
@@ -6071,7 +6097,7 @@
                 <a:cs typeface="Fira Code" panose="020B0609050000020004" charset="0"/>
                 <a:sym typeface="+mn-ea"/>
               </a:rPr>
-              <a:t>&gt; WExpectations</a:t>
+              <a:t>&gt; What to bring or consider: </a:t>
             </a:r>
             <a:endParaRPr lang="x-none" altLang="en-US" sz="1600">
               <a:solidFill>
@@ -6097,18 +6123,48 @@
                 <a:latin typeface="Fira Code" panose="020B0609050000020004" charset="0"/>
                 <a:cs typeface="Fira Code" panose="020B0609050000020004" charset="0"/>
               </a:rPr>
-              <a:t>    &gt; Provide tools for both </a:t>
-            </a:r>
+              <a:t>       &gt;&gt; Be aware of others           &gt;&gt; Be open to all questions and viewpoints</a:t>
+            </a:r>
+            <a:endParaRPr lang="x-none" altLang="en-US" sz="1600">
+              <a:solidFill>
+                <a:schemeClr val="accent6">
+                  <a:lumMod val="75000"/>
+                </a:schemeClr>
+              </a:solidFill>
+              <a:latin typeface="Fira Code" panose="020B0609050000020004" charset="0"/>
+              <a:cs typeface="Fira Code" panose="020B0609050000020004" charset="0"/>
+            </a:endParaRPr>
+          </a:p>
+          <a:p>
+            <a:pPr marL="0" indent="0">
+              <a:buNone/>
+            </a:pPr>
             <a:r>
               <a:rPr lang="x-none" altLang="en-US" sz="1600">
                 <a:solidFill>
-                  <a:srgbClr val="92D050"/>
-                </a:solidFill>
-                <a:latin typeface="Fira Code" panose="020B0609050000020004" charset="0"/>
-                <a:cs typeface="Fira Code" panose="020B0609050000020004" charset="0"/>
-              </a:rPr>
-              <a:t>raster</a:t>
-            </a:r>
+                  <a:schemeClr val="accent6">
+                    <a:lumMod val="75000"/>
+                  </a:schemeClr>
+                </a:solidFill>
+                <a:latin typeface="Fira Code" panose="020B0609050000020004" charset="0"/>
+                <a:cs typeface="Fira Code" panose="020B0609050000020004" charset="0"/>
+              </a:rPr>
+              <a:t>       &gt;&gt; Be friendly and patient      &gt;&gt; Be understanding of differences </a:t>
+            </a:r>
+            <a:endParaRPr lang="x-none" altLang="en-US" sz="1600">
+              <a:solidFill>
+                <a:schemeClr val="accent6">
+                  <a:lumMod val="75000"/>
+                </a:schemeClr>
+              </a:solidFill>
+              <a:latin typeface="Fira Code" panose="020B0609050000020004" charset="0"/>
+              <a:cs typeface="Fira Code" panose="020B0609050000020004" charset="0"/>
+            </a:endParaRPr>
+          </a:p>
+          <a:p>
+            <a:pPr marL="0" indent="0">
+              <a:buNone/>
+            </a:pPr>
             <a:r>
               <a:rPr lang="x-none" altLang="en-US" sz="1600">
                 <a:solidFill>
@@ -6119,29 +6175,7 @@
                 <a:latin typeface="Fira Code" panose="020B0609050000020004" charset="0"/>
                 <a:cs typeface="Fira Code" panose="020B0609050000020004" charset="0"/>
               </a:rPr>
-              <a:t> and </a:t>
-            </a:r>
-            <a:r>
-              <a:rPr lang="x-none" altLang="en-US" sz="1600">
-                <a:solidFill>
-                  <a:srgbClr val="92D050"/>
-                </a:solidFill>
-                <a:latin typeface="Fira Code" panose="020B0609050000020004" charset="0"/>
-                <a:cs typeface="Fira Code" panose="020B0609050000020004" charset="0"/>
-              </a:rPr>
-              <a:t>vector</a:t>
-            </a:r>
-            <a:r>
-              <a:rPr lang="x-none" altLang="en-US" sz="1600">
-                <a:solidFill>
-                  <a:schemeClr val="accent6">
-                    <a:lumMod val="75000"/>
-                  </a:schemeClr>
-                </a:solidFill>
-                <a:latin typeface="Fira Code" panose="020B0609050000020004" charset="0"/>
-                <a:cs typeface="Fira Code" panose="020B0609050000020004" charset="0"/>
-              </a:rPr>
-              <a:t> data processing</a:t>
+              <a:t>       &gt;&gt; Be welcoming and respectful  &gt;&gt; Be Kind and considerate to others</a:t>
             </a:r>
             <a:endParaRPr lang="x-none" altLang="en-US" sz="1600">
               <a:solidFill>

--- a/Presentation.pptx
+++ b/Presentation.pptx
@@ -5,10 +5,10 @@
     <p:sldMasterId id="2147483648" r:id="rId1"/>
   </p:sldMasterIdLst>
   <p:notesMasterIdLst>
-    <p:notesMasterId r:id="rId12"/>
+    <p:notesMasterId r:id="rId13"/>
   </p:notesMasterIdLst>
   <p:handoutMasterIdLst>
-    <p:handoutMasterId r:id="rId13"/>
+    <p:handoutMasterId r:id="rId14"/>
   </p:handoutMasterIdLst>
   <p:sldIdLst>
     <p:sldId id="257" r:id="rId3"/>
@@ -17,9 +17,10 @@
     <p:sldId id="264" r:id="rId6"/>
     <p:sldId id="265" r:id="rId7"/>
     <p:sldId id="266" r:id="rId8"/>
-    <p:sldId id="260" r:id="rId9"/>
-    <p:sldId id="263" r:id="rId10"/>
-    <p:sldId id="259" r:id="rId11"/>
+    <p:sldId id="270" r:id="rId9"/>
+    <p:sldId id="260" r:id="rId10"/>
+    <p:sldId id="263" r:id="rId11"/>
+    <p:sldId id="259" r:id="rId12"/>
   </p:sldIdLst>
   <p:sldSz cx="12192000" cy="6858000"/>
   <p:notesSz cx="7103745" cy="10234295"/>
@@ -3527,6 +3528,35 @@
 </p:sld>
 </file>
 
+<file path=ppt/slides/slide10.xml><?xml version="1.0" encoding="utf-8"?>
+<p:sld xmlns:a="http://schemas.openxmlformats.org/drawingml/2006/main" xmlns:r="http://schemas.openxmlformats.org/officeDocument/2006/relationships" xmlns:p="http://schemas.openxmlformats.org/presentationml/2006/main">
+  <p:cSld>
+    <p:bg>
+      <p:bgPr>
+        <a:blipFill rotWithShape="1">
+          <a:blip r:embed="rId1"/>
+          <a:stretch>
+            <a:fillRect/>
+          </a:stretch>
+        </a:blipFill>
+        <a:effectLst/>
+      </p:bgPr>
+    </p:bg>
+    <p:spTree>
+      <p:nvGrpSpPr>
+        <p:cNvPr id="1" name=""/>
+        <p:cNvGrpSpPr/>
+        <p:nvPr/>
+      </p:nvGrpSpPr>
+      <p:grpSpPr/>
+    </p:spTree>
+  </p:cSld>
+  <p:clrMapOvr>
+    <a:masterClrMapping/>
+  </p:clrMapOvr>
+</p:sld>
+</file>
+
 <file path=ppt/slides/slide2.xml><?xml version="1.0" encoding="utf-8"?>
 <p:sld xmlns:a="http://schemas.openxmlformats.org/drawingml/2006/main" xmlns:r="http://schemas.openxmlformats.org/officeDocument/2006/relationships" xmlns:p="http://schemas.openxmlformats.org/presentationml/2006/main">
   <p:cSld>
@@ -4471,35 +4501,7 @@
                 <a:cs typeface="Fira Code" panose="020B0609050000020004" charset="0"/>
                 <a:sym typeface="+mn-ea"/>
               </a:rPr>
-              <a:t>WHAT IS </a:t>
-            </a:r>
-            <a:r>
-              <a:rPr lang="x-none" altLang="en-US">
-                <a:solidFill>
-                  <a:schemeClr val="accent6">
-                    <a:lumMod val="60000"/>
-                    <a:lumOff val="40000"/>
-                  </a:schemeClr>
-                </a:solidFill>
-                <a:latin typeface="Fira Code" panose="020B0609050000020004" charset="0"/>
-                <a:cs typeface="Fira Code" panose="020B0609050000020004" charset="0"/>
-                <a:sym typeface="+mn-ea"/>
-              </a:rPr>
-              <a:t>GRASS GIS AND </a:t>
-            </a:r>
-            <a:r>
-              <a:rPr lang="x-none" altLang="en-US">
-                <a:solidFill>
-                  <a:schemeClr val="accent6">
-                    <a:lumMod val="60000"/>
-                    <a:lumOff val="40000"/>
-                  </a:schemeClr>
-                </a:solidFill>
-                <a:latin typeface="Fira Code" panose="020B0609050000020004" charset="0"/>
-                <a:cs typeface="Fira Code" panose="020B0609050000020004" charset="0"/>
-                <a:sym typeface="+mn-ea"/>
-              </a:rPr>
-              <a:t>GDAL ANYWAY? WHY CARE ABOUT THEM?</a:t>
+              <a:t>WHAT IS GRASS GIS AND GDAL ANYWAY? WHY CARE ABOUT THEM?</a:t>
             </a:r>
             <a:endParaRPr lang="x-none" altLang="en-US" sz="1800">
               <a:solidFill>
@@ -5155,61 +5157,6 @@
       </p:pic>
       <p:sp>
         <p:nvSpPr>
-          <p:cNvPr id="5" name="Title 4"/>
-          <p:cNvSpPr>
-            <a:spLocks noGrp="1"/>
-          </p:cNvSpPr>
-          <p:nvPr>
-            <p:ph type="title"/>
-          </p:nvPr>
-        </p:nvSpPr>
-        <p:spPr>
-          <a:xfrm>
-            <a:off x="136525" y="25400"/>
-            <a:ext cx="10515600" cy="415925"/>
-          </a:xfrm>
-        </p:spPr>
-        <p:txBody>
-          <a:bodyPr>
-            <a:normAutofit fontScale="90000"/>
-          </a:bodyPr>
-          <a:p>
-            <a:r>
-              <a:rPr lang="x-none" altLang="en-US" sz="3200">
-                <a:solidFill>
-                  <a:srgbClr val="53F22E"/>
-                </a:solidFill>
-                <a:effectLst>
-                  <a:outerShdw blurRad="38100" dist="19050" dir="2700000" algn="tl" rotWithShape="0">
-                    <a:schemeClr val="dk1">
-                      <a:alpha val="40000"/>
-                    </a:schemeClr>
-                  </a:outerShdw>
-                </a:effectLst>
-                <a:latin typeface="Fira Code" panose="020B0609050000020004" charset="0"/>
-                <a:cs typeface="Fira Code" panose="020B0609050000020004" charset="0"/>
-              </a:rPr>
-              <a:t>cont'd.</a:t>
-            </a:r>
-            <a:endParaRPr lang="x-none" altLang="en-US">
-              <a:solidFill>
-                <a:srgbClr val="53F22E"/>
-              </a:solidFill>
-              <a:effectLst>
-                <a:outerShdw blurRad="38100" dist="19050" dir="2700000" algn="tl" rotWithShape="0">
-                  <a:schemeClr val="dk1">
-                    <a:alpha val="40000"/>
-                  </a:schemeClr>
-                </a:outerShdw>
-              </a:effectLst>
-              <a:latin typeface="Fira Code" panose="020B0609050000020004" charset="0"/>
-              <a:cs typeface="Fira Code" panose="020B0609050000020004" charset="0"/>
-            </a:endParaRPr>
-          </a:p>
-        </p:txBody>
-      </p:sp>
-      <p:sp>
-        <p:nvSpPr>
           <p:cNvPr id="8" name="Content Placeholder 7"/>
           <p:cNvSpPr>
             <a:spLocks noGrp="1"/>
@@ -5220,8 +5167,8 @@
         </p:nvSpPr>
         <p:spPr>
           <a:xfrm>
-            <a:off x="136525" y="-83185"/>
-            <a:ext cx="11749405" cy="6915785"/>
+            <a:off x="39370" y="26035"/>
+            <a:ext cx="12045315" cy="6806565"/>
           </a:xfrm>
           <a:effectLst>
             <a:outerShdw blurRad="50800" dist="50800" dir="5400000" sx="98000" sy="98000" algn="ctr" rotWithShape="0">
@@ -6231,6 +6178,4578 @@
       <p:grpSpPr/>
       <p:pic>
         <p:nvPicPr>
+          <p:cNvPr id="12" name="Picture 11" descr="drawing (copy)_1_1"/>
+          <p:cNvPicPr>
+            <a:picLocks noChangeAspect="1"/>
+          </p:cNvPicPr>
+          <p:nvPr/>
+        </p:nvPicPr>
+        <p:blipFill>
+          <a:blip r:embed="rId1">
+            <a:clrChange>
+              <a:clrFrom>
+                <a:srgbClr val="96FADD">
+                  <a:alpha val="100000"/>
+                </a:srgbClr>
+              </a:clrFrom>
+              <a:clrTo>
+                <a:srgbClr val="96FADD">
+                  <a:alpha val="100000"/>
+                  <a:alpha val="0"/>
+                </a:srgbClr>
+              </a:clrTo>
+            </a:clrChange>
+            <a:lum bright="-84000" contrast="6000"/>
+          </a:blip>
+          <a:stretch>
+            <a:fillRect/>
+          </a:stretch>
+        </p:blipFill>
+        <p:spPr>
+          <a:xfrm>
+            <a:off x="136525" y="25400"/>
+            <a:ext cx="11948160" cy="6807200"/>
+          </a:xfrm>
+          <a:prstGeom prst="rect">
+            <a:avLst/>
+          </a:prstGeom>
+          <a:noFill/>
+          <a:ln>
+            <a:noFill/>
+          </a:ln>
+          <a:effectLst/>
+        </p:spPr>
+      </p:pic>
+      <p:sp>
+        <p:nvSpPr>
+          <p:cNvPr id="5" name="Title 4"/>
+          <p:cNvSpPr>
+            <a:spLocks noGrp="1"/>
+          </p:cNvSpPr>
+          <p:nvPr>
+            <p:ph type="title"/>
+          </p:nvPr>
+        </p:nvSpPr>
+        <p:spPr>
+          <a:xfrm>
+            <a:off x="136525" y="25400"/>
+            <a:ext cx="10515600" cy="415925"/>
+          </a:xfrm>
+        </p:spPr>
+        <p:txBody>
+          <a:bodyPr>
+            <a:normAutofit fontScale="90000"/>
+          </a:bodyPr>
+          <a:p>
+            <a:r>
+              <a:rPr lang="x-none" altLang="en-US" sz="3200">
+                <a:solidFill>
+                  <a:srgbClr val="53F22E"/>
+                </a:solidFill>
+                <a:effectLst>
+                  <a:outerShdw blurRad="38100" dist="19050" dir="2700000" algn="tl" rotWithShape="0">
+                    <a:schemeClr val="dk1">
+                      <a:alpha val="40000"/>
+                    </a:schemeClr>
+                  </a:outerShdw>
+                </a:effectLst>
+                <a:latin typeface="Fira Code" panose="020B0609050000020004" charset="0"/>
+                <a:cs typeface="Fira Code" panose="020B0609050000020004" charset="0"/>
+              </a:rPr>
+              <a:t>cont'd.</a:t>
+            </a:r>
+            <a:endParaRPr lang="x-none" altLang="en-US">
+              <a:solidFill>
+                <a:srgbClr val="53F22E"/>
+              </a:solidFill>
+              <a:effectLst>
+                <a:outerShdw blurRad="38100" dist="19050" dir="2700000" algn="tl" rotWithShape="0">
+                  <a:schemeClr val="dk1">
+                    <a:alpha val="40000"/>
+                  </a:schemeClr>
+                </a:outerShdw>
+              </a:effectLst>
+              <a:latin typeface="Fira Code" panose="020B0609050000020004" charset="0"/>
+              <a:cs typeface="Fira Code" panose="020B0609050000020004" charset="0"/>
+            </a:endParaRPr>
+          </a:p>
+        </p:txBody>
+      </p:sp>
+      <p:sp>
+        <p:nvSpPr>
+          <p:cNvPr id="8" name="Content Placeholder 7"/>
+          <p:cNvSpPr>
+            <a:spLocks noGrp="1"/>
+          </p:cNvSpPr>
+          <p:nvPr>
+            <p:ph sz="half" idx="2"/>
+          </p:nvPr>
+        </p:nvSpPr>
+        <p:spPr>
+          <a:xfrm>
+            <a:off x="136525" y="347980"/>
+            <a:ext cx="11749405" cy="6484620"/>
+          </a:xfrm>
+          <a:effectLst>
+            <a:outerShdw blurRad="50800" dist="50800" dir="5400000" sx="98000" sy="98000" algn="ctr" rotWithShape="0">
+              <a:srgbClr val="000000">
+                <a:alpha val="100000"/>
+              </a:srgbClr>
+            </a:outerShdw>
+          </a:effectLst>
+        </p:spPr>
+        <p:txBody>
+          <a:bodyPr>
+            <a:noAutofit/>
+          </a:bodyPr>
+          <a:p>
+            <a:pPr marL="0" indent="0">
+              <a:buNone/>
+            </a:pPr>
+            <a:r>
+              <a:rPr lang="x-none" altLang="en-US" sz="1800">
+                <a:solidFill>
+                  <a:srgbClr val="92D050"/>
+                </a:solidFill>
+                <a:latin typeface="Fira Code" panose="020B0609050000020004" charset="0"/>
+                <a:cs typeface="Fira Code" panose="020B0609050000020004" charset="0"/>
+              </a:rPr>
+              <a:t>    &gt; Expected outcome.</a:t>
+            </a:r>
+            <a:endParaRPr lang="x-none" altLang="en-US" sz="1600">
+              <a:solidFill>
+                <a:schemeClr val="accent6">
+                  <a:lumMod val="50000"/>
+                </a:schemeClr>
+              </a:solidFill>
+              <a:latin typeface="Fira Code" panose="020B0609050000020004" charset="0"/>
+              <a:cs typeface="Fira Code" panose="020B0609050000020004" charset="0"/>
+            </a:endParaRPr>
+          </a:p>
+          <a:p>
+            <a:pPr marL="0" indent="0">
+              <a:buNone/>
+            </a:pPr>
+            <a:r>
+              <a:rPr lang="x-none" altLang="en-US" sz="1600">
+                <a:solidFill>
+                  <a:schemeClr val="accent6">
+                    <a:lumMod val="50000"/>
+                  </a:schemeClr>
+                </a:solidFill>
+                <a:latin typeface="Fira Code" panose="020B0609050000020004" charset="0"/>
+                <a:cs typeface="Fira Code" panose="020B0609050000020004" charset="0"/>
+              </a:rPr>
+              <a:t>        &gt;&gt; </a:t>
+            </a:r>
+            <a:r>
+              <a:rPr lang="x-none" altLang="en-US" sz="1600">
+                <a:solidFill>
+                  <a:schemeClr val="accent6">
+                    <a:lumMod val="75000"/>
+                  </a:schemeClr>
+                </a:solidFill>
+                <a:latin typeface="Fira Code" panose="020B0609050000020004" charset="0"/>
+                <a:cs typeface="Fira Code" panose="020B0609050000020004" charset="0"/>
+              </a:rPr>
+              <a:t>To be comfortable with some of the common cmd</a:t>
+            </a:r>
+            <a:endParaRPr lang="x-none" altLang="en-US" sz="1600">
+              <a:solidFill>
+                <a:schemeClr val="accent6">
+                  <a:lumMod val="75000"/>
+                </a:schemeClr>
+              </a:solidFill>
+              <a:latin typeface="Fira Code" panose="020B0609050000020004" charset="0"/>
+              <a:cs typeface="Fira Code" panose="020B0609050000020004" charset="0"/>
+            </a:endParaRPr>
+          </a:p>
+          <a:p>
+            <a:pPr marL="0" indent="0">
+              <a:buNone/>
+            </a:pPr>
+            <a:r>
+              <a:rPr lang="x-none" altLang="en-US" sz="1400">
+                <a:solidFill>
+                  <a:schemeClr val="accent6">
+                    <a:lumMod val="50000"/>
+                  </a:schemeClr>
+                </a:solidFill>
+                <a:latin typeface="Fira Code" panose="020B0609050000020004" charset="0"/>
+                <a:cs typeface="Fira Code" panose="020B0609050000020004" charset="0"/>
+              </a:rPr>
+              <a:t>         &gt;&gt; </a:t>
+            </a:r>
+            <a:r>
+              <a:rPr lang="x-none" altLang="en-US" sz="1400">
+                <a:solidFill>
+                  <a:schemeClr val="accent6">
+                    <a:lumMod val="75000"/>
+                  </a:schemeClr>
+                </a:solidFill>
+                <a:latin typeface="Fira Code" panose="020B0609050000020004" charset="0"/>
+                <a:cs typeface="Fira Code" panose="020B0609050000020004" charset="0"/>
+              </a:rPr>
+              <a:t>Perform some of basic spatial operations using both tool</a:t>
+            </a:r>
+            <a:endParaRPr lang="x-none" altLang="en-US" sz="1400">
+              <a:solidFill>
+                <a:schemeClr val="accent6">
+                  <a:lumMod val="75000"/>
+                </a:schemeClr>
+              </a:solidFill>
+              <a:latin typeface="Fira Code" panose="020B0609050000020004" charset="0"/>
+              <a:cs typeface="Fira Code" panose="020B0609050000020004" charset="0"/>
+            </a:endParaRPr>
+          </a:p>
+          <a:p>
+            <a:pPr marL="0" indent="0">
+              <a:buNone/>
+            </a:pPr>
+            <a:r>
+              <a:rPr lang="x-none" altLang="en-US" sz="1400">
+                <a:solidFill>
+                  <a:schemeClr val="accent6">
+                    <a:lumMod val="75000"/>
+                  </a:schemeClr>
+                </a:solidFill>
+                <a:latin typeface="Fira Code" panose="020B0609050000020004" charset="0"/>
+                <a:cs typeface="Fira Code" panose="020B0609050000020004" charset="0"/>
+              </a:rPr>
+              <a:t>         &gt;&gt; Understanding of the various workflow.</a:t>
+            </a:r>
+            <a:endParaRPr lang="x-none" altLang="en-US" sz="1400">
+              <a:solidFill>
+                <a:schemeClr val="accent6">
+                  <a:lumMod val="75000"/>
+                </a:schemeClr>
+              </a:solidFill>
+              <a:latin typeface="Fira Code" panose="020B0609050000020004" charset="0"/>
+              <a:cs typeface="Fira Code" panose="020B0609050000020004" charset="0"/>
+            </a:endParaRPr>
+          </a:p>
+          <a:p>
+            <a:pPr marL="0" indent="0">
+              <a:buNone/>
+            </a:pPr>
+            <a:r>
+              <a:rPr lang="x-none" altLang="en-US" sz="1400">
+                <a:solidFill>
+                  <a:schemeClr val="accent6">
+                    <a:lumMod val="75000"/>
+                  </a:schemeClr>
+                </a:solidFill>
+                <a:latin typeface="Fira Code" panose="020B0609050000020004" charset="0"/>
+                <a:cs typeface="Fira Code" panose="020B0609050000020004" charset="0"/>
+              </a:rPr>
+              <a:t>         &gt;&gt; Be dangerous enough to make your colleague think you're a hacker</a:t>
+            </a:r>
+            <a:endParaRPr lang="x-none" altLang="en-US" sz="1400">
+              <a:solidFill>
+                <a:schemeClr val="accent6">
+                  <a:lumMod val="75000"/>
+                </a:schemeClr>
+              </a:solidFill>
+              <a:latin typeface="Fira Code" panose="020B0609050000020004" charset="0"/>
+              <a:cs typeface="Fira Code" panose="020B0609050000020004" charset="0"/>
+            </a:endParaRPr>
+          </a:p>
+          <a:p>
+            <a:pPr marL="0" indent="0">
+              <a:buNone/>
+            </a:pPr>
+            <a:r>
+              <a:rPr lang="x-none" altLang="en-US" sz="1400">
+                <a:solidFill>
+                  <a:schemeClr val="accent6">
+                    <a:lumMod val="75000"/>
+                  </a:schemeClr>
+                </a:solidFill>
+                <a:latin typeface="Fira Code" panose="020B0609050000020004" charset="0"/>
+                <a:cs typeface="Fira Code" panose="020B0609050000020004" charset="0"/>
+              </a:rPr>
+              <a:t>         &gt;&gt; Desirable: start chaining your analysis and processing into reproducible programs or scripts</a:t>
+            </a:r>
+            <a:endParaRPr lang="x-none" altLang="en-US" sz="1600">
+              <a:solidFill>
+                <a:schemeClr val="accent6">
+                  <a:lumMod val="50000"/>
+                </a:schemeClr>
+              </a:solidFill>
+              <a:latin typeface="Fira Code" panose="020B0609050000020004" charset="0"/>
+              <a:cs typeface="Fira Code" panose="020B0609050000020004" charset="0"/>
+            </a:endParaRPr>
+          </a:p>
+          <a:p>
+            <a:pPr marL="0" indent="0">
+              <a:buNone/>
+            </a:pPr>
+            <a:r>
+              <a:rPr lang="x-none" altLang="en-US" sz="1600">
+                <a:solidFill>
+                  <a:schemeClr val="accent6">
+                    <a:lumMod val="50000"/>
+                  </a:schemeClr>
+                </a:solidFill>
+                <a:latin typeface="Fira Code" panose="020B0609050000020004" charset="0"/>
+                <a:cs typeface="Fira Code" panose="020B0609050000020004" charset="0"/>
+              </a:rPr>
+              <a:t>    </a:t>
+            </a:r>
+            <a:r>
+              <a:rPr lang="x-none" altLang="en-US" sz="1600">
+                <a:solidFill>
+                  <a:srgbClr val="92D050"/>
+                </a:solidFill>
+                <a:latin typeface="Fira Code" panose="020B0609050000020004" charset="0"/>
+                <a:cs typeface="Fira Code" panose="020B0609050000020004" charset="0"/>
+                <a:sym typeface="+mn-ea"/>
+              </a:rPr>
+              <a:t>&gt; What the talk is not about.</a:t>
+            </a:r>
+            <a:endParaRPr lang="x-none" altLang="en-US" sz="1600">
+              <a:solidFill>
+                <a:srgbClr val="92D050"/>
+              </a:solidFill>
+              <a:latin typeface="Fira Code" panose="020B0609050000020004" charset="0"/>
+              <a:cs typeface="Fira Code" panose="020B0609050000020004" charset="0"/>
+              <a:sym typeface="+mn-ea"/>
+            </a:endParaRPr>
+          </a:p>
+          <a:p>
+            <a:pPr marL="0" indent="0">
+              <a:buNone/>
+            </a:pPr>
+            <a:r>
+              <a:rPr lang="x-none" altLang="en-US" sz="1600">
+                <a:solidFill>
+                  <a:srgbClr val="92D050"/>
+                </a:solidFill>
+                <a:latin typeface="Fira Code" panose="020B0609050000020004" charset="0"/>
+                <a:cs typeface="Fira Code" panose="020B0609050000020004" charset="0"/>
+                <a:sym typeface="+mn-ea"/>
+              </a:rPr>
+              <a:t>        </a:t>
+            </a:r>
+            <a:r>
+              <a:rPr lang="x-none" altLang="en-US" sz="1600">
+                <a:solidFill>
+                  <a:schemeClr val="accent6">
+                    <a:lumMod val="75000"/>
+                  </a:schemeClr>
+                </a:solidFill>
+                <a:latin typeface="Fira Code" panose="020B0609050000020004" charset="0"/>
+                <a:cs typeface="Fira Code" panose="020B0609050000020004" charset="0"/>
+              </a:rPr>
+              <a:t>&gt;&gt; A comparison between the two software</a:t>
+            </a:r>
+            <a:endParaRPr lang="x-none" altLang="en-US" sz="1600">
+              <a:solidFill>
+                <a:schemeClr val="accent6">
+                  <a:lumMod val="75000"/>
+                </a:schemeClr>
+              </a:solidFill>
+              <a:latin typeface="Fira Code" panose="020B0609050000020004" charset="0"/>
+              <a:cs typeface="Fira Code" panose="020B0609050000020004" charset="0"/>
+            </a:endParaRPr>
+          </a:p>
+          <a:p>
+            <a:pPr marL="0" indent="0">
+              <a:buNone/>
+            </a:pPr>
+            <a:r>
+              <a:rPr lang="x-none" altLang="en-US" sz="1600">
+                <a:solidFill>
+                  <a:schemeClr val="accent6">
+                    <a:lumMod val="75000"/>
+                  </a:schemeClr>
+                </a:solidFill>
+                <a:latin typeface="Fira Code" panose="020B0609050000020004" charset="0"/>
+                <a:cs typeface="Fira Code" panose="020B0609050000020004" charset="0"/>
+              </a:rPr>
+              <a:t>        &gt;&gt; Promoting their use compared to others stack </a:t>
+            </a:r>
+            <a:endParaRPr lang="x-none" altLang="en-US" sz="1600">
+              <a:solidFill>
+                <a:schemeClr val="accent6">
+                  <a:lumMod val="75000"/>
+                </a:schemeClr>
+              </a:solidFill>
+              <a:latin typeface="Fira Code" panose="020B0609050000020004" charset="0"/>
+              <a:cs typeface="Fira Code" panose="020B0609050000020004" charset="0"/>
+            </a:endParaRPr>
+          </a:p>
+          <a:p>
+            <a:pPr marL="0" indent="0">
+              <a:buNone/>
+            </a:pPr>
+            <a:r>
+              <a:rPr lang="x-none" altLang="en-US" sz="1600">
+                <a:solidFill>
+                  <a:schemeClr val="accent6">
+                    <a:lumMod val="75000"/>
+                  </a:schemeClr>
+                </a:solidFill>
+                <a:latin typeface="Fira Code" panose="020B0609050000020004" charset="0"/>
+                <a:cs typeface="Fira Code" panose="020B0609050000020004" charset="0"/>
+              </a:rPr>
+              <a:t>    </a:t>
+            </a:r>
+            <a:r>
+              <a:rPr lang="x-none" altLang="en-US" sz="1600">
+                <a:solidFill>
+                  <a:srgbClr val="92D050"/>
+                </a:solidFill>
+                <a:latin typeface="Fira Code" panose="020B0609050000020004" charset="0"/>
+                <a:cs typeface="Fira Code" panose="020B0609050000020004" charset="0"/>
+                <a:sym typeface="+mn-ea"/>
+              </a:rPr>
+              <a:t>&gt; What to bring or consider: </a:t>
+            </a:r>
+            <a:endParaRPr lang="x-none" altLang="en-US" sz="1600">
+              <a:solidFill>
+                <a:schemeClr val="accent6">
+                  <a:lumMod val="75000"/>
+                </a:schemeClr>
+              </a:solidFill>
+              <a:latin typeface="Fira Code" panose="020B0609050000020004" charset="0"/>
+              <a:cs typeface="Fira Code" panose="020B0609050000020004" charset="0"/>
+            </a:endParaRPr>
+          </a:p>
+          <a:p>
+            <a:pPr marL="0" indent="0">
+              <a:buNone/>
+            </a:pPr>
+            <a:r>
+              <a:rPr lang="x-none" altLang="en-US" sz="1600">
+                <a:solidFill>
+                  <a:schemeClr val="accent6">
+                    <a:lumMod val="75000"/>
+                  </a:schemeClr>
+                </a:solidFill>
+                <a:latin typeface="Fira Code" panose="020B0609050000020004" charset="0"/>
+                <a:cs typeface="Fira Code" panose="020B0609050000020004" charset="0"/>
+              </a:rPr>
+              <a:t>       &gt;&gt; Be aware of others           &gt;&gt; Be open to all questions and viewpoints</a:t>
+            </a:r>
+            <a:endParaRPr lang="x-none" altLang="en-US" sz="1600">
+              <a:solidFill>
+                <a:schemeClr val="accent6">
+                  <a:lumMod val="75000"/>
+                </a:schemeClr>
+              </a:solidFill>
+              <a:latin typeface="Fira Code" panose="020B0609050000020004" charset="0"/>
+              <a:cs typeface="Fira Code" panose="020B0609050000020004" charset="0"/>
+            </a:endParaRPr>
+          </a:p>
+          <a:p>
+            <a:pPr marL="0" indent="0">
+              <a:buNone/>
+            </a:pPr>
+            <a:r>
+              <a:rPr lang="x-none" altLang="en-US" sz="1600">
+                <a:solidFill>
+                  <a:schemeClr val="accent6">
+                    <a:lumMod val="75000"/>
+                  </a:schemeClr>
+                </a:solidFill>
+                <a:latin typeface="Fira Code" panose="020B0609050000020004" charset="0"/>
+                <a:cs typeface="Fira Code" panose="020B0609050000020004" charset="0"/>
+              </a:rPr>
+              <a:t>       &gt;&gt; Be friendly and patient      &gt;&gt; Be understanding of differences </a:t>
+            </a:r>
+            <a:endParaRPr lang="x-none" altLang="en-US" sz="1600">
+              <a:solidFill>
+                <a:schemeClr val="accent6">
+                  <a:lumMod val="75000"/>
+                </a:schemeClr>
+              </a:solidFill>
+              <a:latin typeface="Fira Code" panose="020B0609050000020004" charset="0"/>
+              <a:cs typeface="Fira Code" panose="020B0609050000020004" charset="0"/>
+            </a:endParaRPr>
+          </a:p>
+          <a:p>
+            <a:pPr marL="0" indent="0">
+              <a:buNone/>
+            </a:pPr>
+            <a:r>
+              <a:rPr lang="x-none" altLang="en-US" sz="1600">
+                <a:solidFill>
+                  <a:schemeClr val="accent6">
+                    <a:lumMod val="75000"/>
+                  </a:schemeClr>
+                </a:solidFill>
+                <a:latin typeface="Fira Code" panose="020B0609050000020004" charset="0"/>
+                <a:cs typeface="Fira Code" panose="020B0609050000020004" charset="0"/>
+              </a:rPr>
+              <a:t>       &gt;&gt; Be welcoming and respectful  &gt;&gt; Be Kind and considerate to others</a:t>
+            </a:r>
+            <a:endParaRPr lang="x-none" altLang="en-US" sz="1600">
+              <a:solidFill>
+                <a:schemeClr val="accent6">
+                  <a:lumMod val="75000"/>
+                </a:schemeClr>
+              </a:solidFill>
+              <a:latin typeface="Fira Code" panose="020B0609050000020004" charset="0"/>
+              <a:cs typeface="Fira Code" panose="020B0609050000020004" charset="0"/>
+            </a:endParaRPr>
+          </a:p>
+          <a:p>
+            <a:pPr marL="0" indent="0">
+              <a:buNone/>
+            </a:pPr>
+            <a:r>
+              <a:rPr lang="x-none" altLang="en-US" sz="1600" i="1">
+                <a:solidFill>
+                  <a:schemeClr val="accent6">
+                    <a:lumMod val="75000"/>
+                  </a:schemeClr>
+                </a:solidFill>
+                <a:latin typeface="Fira Code" panose="020B0609050000020004" charset="0"/>
+                <a:cs typeface="Fira Code" panose="020B0609050000020004" charset="0"/>
+              </a:rPr>
+              <a:t>Traditionally, the name "GDAL" was used to refer to the raster-related half of the library, while "OGR" referred to the vector part. You may commonly hear people use both "GDAL" and "GDAL/OGR" to refer to this library - but in all cases, the toolset being referenced is the same.</a:t>
+            </a:r>
+            <a:endParaRPr lang="x-none" altLang="en-US" sz="1600" i="1">
+              <a:solidFill>
+                <a:schemeClr val="accent6">
+                  <a:lumMod val="75000"/>
+                </a:schemeClr>
+              </a:solidFill>
+              <a:latin typeface="Fira Code" panose="020B0609050000020004" charset="0"/>
+              <a:cs typeface="Fira Code" panose="020B0609050000020004" charset="0"/>
+            </a:endParaRPr>
+          </a:p>
+          <a:p>
+            <a:pPr marL="0" indent="0">
+              <a:buNone/>
+            </a:pPr>
+            <a:r>
+              <a:rPr lang="x-none" altLang="en-US" sz="1600" i="1">
+                <a:solidFill>
+                  <a:schemeClr val="accent6">
+                    <a:lumMod val="75000"/>
+                  </a:schemeClr>
+                </a:solidFill>
+                <a:latin typeface="Fira Code" panose="020B0609050000020004" charset="0"/>
+                <a:cs typeface="Fira Code" panose="020B0609050000020004" charset="0"/>
+              </a:rPr>
+              <a:t>Installation</a:t>
+            </a:r>
+            <a:endParaRPr lang="x-none" altLang="en-US" sz="1600" i="1">
+              <a:solidFill>
+                <a:schemeClr val="accent6">
+                  <a:lumMod val="75000"/>
+                </a:schemeClr>
+              </a:solidFill>
+              <a:latin typeface="Fira Code" panose="020B0609050000020004" charset="0"/>
+              <a:cs typeface="Fira Code" panose="020B0609050000020004" charset="0"/>
+            </a:endParaRPr>
+          </a:p>
+          <a:p>
+            <a:pPr marL="0" indent="0">
+              <a:buNone/>
+            </a:pPr>
+            <a:endParaRPr lang="x-none" altLang="en-US" sz="1600" i="1">
+              <a:solidFill>
+                <a:schemeClr val="accent6">
+                  <a:lumMod val="75000"/>
+                </a:schemeClr>
+              </a:solidFill>
+              <a:latin typeface="Fira Code" panose="020B0609050000020004" charset="0"/>
+              <a:cs typeface="Fira Code" panose="020B0609050000020004" charset="0"/>
+            </a:endParaRPr>
+          </a:p>
+          <a:p>
+            <a:pPr marL="0" indent="0">
+              <a:buNone/>
+            </a:pPr>
+            <a:r>
+              <a:rPr lang="x-none" altLang="en-US" sz="1600" i="1">
+                <a:solidFill>
+                  <a:schemeClr val="accent6">
+                    <a:lumMod val="75000"/>
+                  </a:schemeClr>
+                </a:solidFill>
+                <a:latin typeface="Fira Code" panose="020B0609050000020004" charset="0"/>
+                <a:cs typeface="Fira Code" panose="020B0609050000020004" charset="0"/>
+              </a:rPr>
+              <a:t>Visit this page for installation &amp; setup instructions. When you're finished, come back to this page to learn more.</a:t>
+            </a:r>
+            <a:endParaRPr lang="x-none" altLang="en-US" sz="1600" i="1">
+              <a:solidFill>
+                <a:schemeClr val="accent6">
+                  <a:lumMod val="75000"/>
+                </a:schemeClr>
+              </a:solidFill>
+              <a:latin typeface="Fira Code" panose="020B0609050000020004" charset="0"/>
+              <a:cs typeface="Fira Code" panose="020B0609050000020004" charset="0"/>
+            </a:endParaRPr>
+          </a:p>
+          <a:p>
+            <a:pPr marL="0" indent="0">
+              <a:buNone/>
+            </a:pPr>
+            <a:r>
+              <a:rPr lang="x-none" altLang="en-US" sz="1600" i="1">
+                <a:solidFill>
+                  <a:schemeClr val="accent6">
+                    <a:lumMod val="75000"/>
+                  </a:schemeClr>
+                </a:solidFill>
+                <a:latin typeface="Fira Code" panose="020B0609050000020004" charset="0"/>
+                <a:cs typeface="Fira Code" panose="020B0609050000020004" charset="0"/>
+              </a:rPr>
+              <a:t>Commonly-used commands</a:t>
+            </a:r>
+            <a:endParaRPr lang="x-none" altLang="en-US" sz="1600" i="1">
+              <a:solidFill>
+                <a:schemeClr val="accent6">
+                  <a:lumMod val="75000"/>
+                </a:schemeClr>
+              </a:solidFill>
+              <a:latin typeface="Fira Code" panose="020B0609050000020004" charset="0"/>
+              <a:cs typeface="Fira Code" panose="020B0609050000020004" charset="0"/>
+            </a:endParaRPr>
+          </a:p>
+          <a:p>
+            <a:pPr marL="0" indent="0">
+              <a:buNone/>
+            </a:pPr>
+            <a:endParaRPr lang="x-none" altLang="en-US" sz="1600" i="1">
+              <a:solidFill>
+                <a:schemeClr val="accent6">
+                  <a:lumMod val="75000"/>
+                </a:schemeClr>
+              </a:solidFill>
+              <a:latin typeface="Fira Code" panose="020B0609050000020004" charset="0"/>
+              <a:cs typeface="Fira Code" panose="020B0609050000020004" charset="0"/>
+            </a:endParaRPr>
+          </a:p>
+          <a:p>
+            <a:pPr marL="0" indent="0">
+              <a:buNone/>
+            </a:pPr>
+            <a:r>
+              <a:rPr lang="x-none" altLang="en-US" sz="1600" i="1">
+                <a:solidFill>
+                  <a:schemeClr val="accent6">
+                    <a:lumMod val="75000"/>
+                  </a:schemeClr>
+                </a:solidFill>
+                <a:latin typeface="Fira Code" panose="020B0609050000020004" charset="0"/>
+                <a:cs typeface="Fira Code" panose="020B0609050000020004" charset="0"/>
+              </a:rPr>
+              <a:t>Once you've verified GDAL has been installed successfully, let's take a look at the different CLI commands you will use in this tutorial:</a:t>
+            </a:r>
+            <a:endParaRPr lang="x-none" altLang="en-US" sz="1600" i="1">
+              <a:solidFill>
+                <a:schemeClr val="accent6">
+                  <a:lumMod val="75000"/>
+                </a:schemeClr>
+              </a:solidFill>
+              <a:latin typeface="Fira Code" panose="020B0609050000020004" charset="0"/>
+              <a:cs typeface="Fira Code" panose="020B0609050000020004" charset="0"/>
+            </a:endParaRPr>
+          </a:p>
+          <a:p>
+            <a:pPr marL="0" indent="0">
+              <a:buNone/>
+            </a:pPr>
+            <a:endParaRPr lang="x-none" altLang="en-US" sz="1600" i="1">
+              <a:solidFill>
+                <a:schemeClr val="accent6">
+                  <a:lumMod val="75000"/>
+                </a:schemeClr>
+              </a:solidFill>
+              <a:latin typeface="Fira Code" panose="020B0609050000020004" charset="0"/>
+              <a:cs typeface="Fira Code" panose="020B0609050000020004" charset="0"/>
+            </a:endParaRPr>
+          </a:p>
+          <a:p>
+            <a:pPr marL="0" indent="0">
+              <a:buNone/>
+            </a:pPr>
+            <a:r>
+              <a:rPr lang="x-none" altLang="en-US" sz="1600" i="1">
+                <a:solidFill>
+                  <a:schemeClr val="accent6">
+                    <a:lumMod val="75000"/>
+                  </a:schemeClr>
+                </a:solidFill>
+                <a:latin typeface="Fira Code" panose="020B0609050000020004" charset="0"/>
+                <a:cs typeface="Fira Code" panose="020B0609050000020004" charset="0"/>
+              </a:rPr>
+              <a:t>    ogrinfo Get information about a vector dataset</a:t>
+            </a:r>
+            <a:endParaRPr lang="x-none" altLang="en-US" sz="1600" i="1">
+              <a:solidFill>
+                <a:schemeClr val="accent6">
+                  <a:lumMod val="75000"/>
+                </a:schemeClr>
+              </a:solidFill>
+              <a:latin typeface="Fira Code" panose="020B0609050000020004" charset="0"/>
+              <a:cs typeface="Fira Code" panose="020B0609050000020004" charset="0"/>
+            </a:endParaRPr>
+          </a:p>
+          <a:p>
+            <a:pPr marL="0" indent="0">
+              <a:buNone/>
+            </a:pPr>
+            <a:r>
+              <a:rPr lang="x-none" altLang="en-US" sz="1600" i="1">
+                <a:solidFill>
+                  <a:schemeClr val="accent6">
+                    <a:lumMod val="75000"/>
+                  </a:schemeClr>
+                </a:solidFill>
+                <a:latin typeface="Fira Code" panose="020B0609050000020004" charset="0"/>
+                <a:cs typeface="Fira Code" panose="020B0609050000020004" charset="0"/>
+              </a:rPr>
+              <a:t>    gdalinfo Get information about a raster dataset</a:t>
+            </a:r>
+            <a:endParaRPr lang="x-none" altLang="en-US" sz="1600" i="1">
+              <a:solidFill>
+                <a:schemeClr val="accent6">
+                  <a:lumMod val="75000"/>
+                </a:schemeClr>
+              </a:solidFill>
+              <a:latin typeface="Fira Code" panose="020B0609050000020004" charset="0"/>
+              <a:cs typeface="Fira Code" panose="020B0609050000020004" charset="0"/>
+            </a:endParaRPr>
+          </a:p>
+          <a:p>
+            <a:pPr marL="0" indent="0">
+              <a:buNone/>
+            </a:pPr>
+            <a:r>
+              <a:rPr lang="x-none" altLang="en-US" sz="1600" i="1">
+                <a:solidFill>
+                  <a:schemeClr val="accent6">
+                    <a:lumMod val="75000"/>
+                  </a:schemeClr>
+                </a:solidFill>
+                <a:latin typeface="Fira Code" panose="020B0609050000020004" charset="0"/>
+                <a:cs typeface="Fira Code" panose="020B0609050000020004" charset="0"/>
+              </a:rPr>
+              <a:t>    ogr2ogr Convert vector data between file formats</a:t>
+            </a:r>
+            <a:endParaRPr lang="x-none" altLang="en-US" sz="1600" i="1">
+              <a:solidFill>
+                <a:schemeClr val="accent6">
+                  <a:lumMod val="75000"/>
+                </a:schemeClr>
+              </a:solidFill>
+              <a:latin typeface="Fira Code" panose="020B0609050000020004" charset="0"/>
+              <a:cs typeface="Fira Code" panose="020B0609050000020004" charset="0"/>
+            </a:endParaRPr>
+          </a:p>
+          <a:p>
+            <a:pPr marL="0" indent="0">
+              <a:buNone/>
+            </a:pPr>
+            <a:r>
+              <a:rPr lang="x-none" altLang="en-US" sz="1600" i="1">
+                <a:solidFill>
+                  <a:schemeClr val="accent6">
+                    <a:lumMod val="75000"/>
+                  </a:schemeClr>
+                </a:solidFill>
+                <a:latin typeface="Fira Code" panose="020B0609050000020004" charset="0"/>
+                <a:cs typeface="Fira Code" panose="020B0609050000020004" charset="0"/>
+              </a:rPr>
+              <a:t>    gdal_translate Convert raster data between file formats</a:t>
+            </a:r>
+            <a:endParaRPr lang="x-none" altLang="en-US" sz="1600" i="1">
+              <a:solidFill>
+                <a:schemeClr val="accent6">
+                  <a:lumMod val="75000"/>
+                </a:schemeClr>
+              </a:solidFill>
+              <a:latin typeface="Fira Code" panose="020B0609050000020004" charset="0"/>
+              <a:cs typeface="Fira Code" panose="020B0609050000020004" charset="0"/>
+            </a:endParaRPr>
+          </a:p>
+          <a:p>
+            <a:pPr marL="0" indent="0">
+              <a:buNone/>
+            </a:pPr>
+            <a:endParaRPr lang="x-none" altLang="en-US" sz="1600" i="1">
+              <a:solidFill>
+                <a:schemeClr val="accent6">
+                  <a:lumMod val="75000"/>
+                </a:schemeClr>
+              </a:solidFill>
+              <a:latin typeface="Fira Code" panose="020B0609050000020004" charset="0"/>
+              <a:cs typeface="Fira Code" panose="020B0609050000020004" charset="0"/>
+            </a:endParaRPr>
+          </a:p>
+          <a:p>
+            <a:pPr marL="0" indent="0">
+              <a:buNone/>
+            </a:pPr>
+            <a:r>
+              <a:rPr lang="x-none" altLang="en-US" sz="1600" i="1">
+                <a:solidFill>
+                  <a:schemeClr val="accent6">
+                    <a:lumMod val="75000"/>
+                  </a:schemeClr>
+                </a:solidFill>
+                <a:latin typeface="Fira Code" panose="020B0609050000020004" charset="0"/>
+                <a:cs typeface="Fira Code" panose="020B0609050000020004" charset="0"/>
+              </a:rPr>
+              <a:t>There are other commands available, but these four are the most common. We'll start by learning some of the most-common ways you might use these commands.</a:t>
+            </a:r>
+            <a:endParaRPr lang="x-none" altLang="en-US" sz="1600" i="1">
+              <a:solidFill>
+                <a:schemeClr val="accent6">
+                  <a:lumMod val="75000"/>
+                </a:schemeClr>
+              </a:solidFill>
+              <a:latin typeface="Fira Code" panose="020B0609050000020004" charset="0"/>
+              <a:cs typeface="Fira Code" panose="020B0609050000020004" charset="0"/>
+            </a:endParaRPr>
+          </a:p>
+          <a:p>
+            <a:pPr marL="0" indent="0">
+              <a:buNone/>
+            </a:pPr>
+            <a:r>
+              <a:rPr lang="x-none" altLang="en-US" sz="1600" i="1">
+                <a:solidFill>
+                  <a:schemeClr val="accent6">
+                    <a:lumMod val="75000"/>
+                  </a:schemeClr>
+                </a:solidFill>
+                <a:latin typeface="Fira Code" panose="020B0609050000020004" charset="0"/>
+                <a:cs typeface="Fira Code" panose="020B0609050000020004" charset="0"/>
+              </a:rPr>
+              <a:t>Examples</a:t>
+            </a:r>
+            <a:endParaRPr lang="x-none" altLang="en-US" sz="1600" i="1">
+              <a:solidFill>
+                <a:schemeClr val="accent6">
+                  <a:lumMod val="75000"/>
+                </a:schemeClr>
+              </a:solidFill>
+              <a:latin typeface="Fira Code" panose="020B0609050000020004" charset="0"/>
+              <a:cs typeface="Fira Code" panose="020B0609050000020004" charset="0"/>
+            </a:endParaRPr>
+          </a:p>
+          <a:p>
+            <a:pPr marL="0" indent="0">
+              <a:buNone/>
+            </a:pPr>
+            <a:endParaRPr lang="x-none" altLang="en-US" sz="1600" i="1">
+              <a:solidFill>
+                <a:schemeClr val="accent6">
+                  <a:lumMod val="75000"/>
+                </a:schemeClr>
+              </a:solidFill>
+              <a:latin typeface="Fira Code" panose="020B0609050000020004" charset="0"/>
+              <a:cs typeface="Fira Code" panose="020B0609050000020004" charset="0"/>
+            </a:endParaRPr>
+          </a:p>
+          <a:p>
+            <a:pPr marL="0" indent="0">
+              <a:buNone/>
+            </a:pPr>
+            <a:r>
+              <a:rPr lang="x-none" altLang="en-US" sz="1600" i="1">
+                <a:solidFill>
+                  <a:schemeClr val="accent6">
+                    <a:lumMod val="75000"/>
+                  </a:schemeClr>
+                </a:solidFill>
+                <a:latin typeface="Fira Code" panose="020B0609050000020004" charset="0"/>
+                <a:cs typeface="Fira Code" panose="020B0609050000020004" charset="0"/>
+              </a:rPr>
+              <a:t>Because GDAL is a CLI, all of your interaction with it will be via your command line (or Terminal). For Windows users who followed this tutorial's installation instructions, you'll use the OSGeo4W Shell here.</a:t>
+            </a:r>
+            <a:endParaRPr lang="x-none" altLang="en-US" sz="1600" i="1">
+              <a:solidFill>
+                <a:schemeClr val="accent6">
+                  <a:lumMod val="75000"/>
+                </a:schemeClr>
+              </a:solidFill>
+              <a:latin typeface="Fira Code" panose="020B0609050000020004" charset="0"/>
+              <a:cs typeface="Fira Code" panose="020B0609050000020004" charset="0"/>
+            </a:endParaRPr>
+          </a:p>
+          <a:p>
+            <a:pPr marL="0" indent="0">
+              <a:buNone/>
+            </a:pPr>
+            <a:endParaRPr lang="x-none" altLang="en-US" sz="1600" i="1">
+              <a:solidFill>
+                <a:schemeClr val="accent6">
+                  <a:lumMod val="75000"/>
+                </a:schemeClr>
+              </a:solidFill>
+              <a:latin typeface="Fira Code" panose="020B0609050000020004" charset="0"/>
+              <a:cs typeface="Fira Code" panose="020B0609050000020004" charset="0"/>
+            </a:endParaRPr>
+          </a:p>
+          <a:p>
+            <a:pPr marL="0" indent="0">
+              <a:buNone/>
+            </a:pPr>
+            <a:r>
+              <a:rPr lang="x-none" altLang="en-US" sz="1600" i="1">
+                <a:solidFill>
+                  <a:schemeClr val="accent6">
+                    <a:lumMod val="75000"/>
+                  </a:schemeClr>
+                </a:solidFill>
+                <a:latin typeface="Fira Code" panose="020B0609050000020004" charset="0"/>
+                <a:cs typeface="Fira Code" panose="020B0609050000020004" charset="0"/>
+              </a:rPr>
+              <a:t>If you need a refresher course on types of geospatial data, check out this tutorial.</a:t>
+            </a:r>
+            <a:endParaRPr lang="x-none" altLang="en-US" sz="1600" i="1">
+              <a:solidFill>
+                <a:schemeClr val="accent6">
+                  <a:lumMod val="75000"/>
+                </a:schemeClr>
+              </a:solidFill>
+              <a:latin typeface="Fira Code" panose="020B0609050000020004" charset="0"/>
+              <a:cs typeface="Fira Code" panose="020B0609050000020004" charset="0"/>
+            </a:endParaRPr>
+          </a:p>
+          <a:p>
+            <a:pPr marL="0" indent="0">
+              <a:buNone/>
+            </a:pPr>
+            <a:r>
+              <a:rPr lang="x-none" altLang="en-US" sz="1600" i="1">
+                <a:solidFill>
+                  <a:schemeClr val="accent6">
+                    <a:lumMod val="75000"/>
+                  </a:schemeClr>
+                </a:solidFill>
+                <a:latin typeface="Fira Code" panose="020B0609050000020004" charset="0"/>
+                <a:cs typeface="Fira Code" panose="020B0609050000020004" charset="0"/>
+              </a:rPr>
+              <a:t>Working with vector data</a:t>
+            </a:r>
+            <a:endParaRPr lang="x-none" altLang="en-US" sz="1600" i="1">
+              <a:solidFill>
+                <a:schemeClr val="accent6">
+                  <a:lumMod val="75000"/>
+                </a:schemeClr>
+              </a:solidFill>
+              <a:latin typeface="Fira Code" panose="020B0609050000020004" charset="0"/>
+              <a:cs typeface="Fira Code" panose="020B0609050000020004" charset="0"/>
+            </a:endParaRPr>
+          </a:p>
+          <a:p>
+            <a:pPr marL="0" indent="0">
+              <a:buNone/>
+            </a:pPr>
+            <a:endParaRPr lang="x-none" altLang="en-US" sz="1600" i="1">
+              <a:solidFill>
+                <a:schemeClr val="accent6">
+                  <a:lumMod val="75000"/>
+                </a:schemeClr>
+              </a:solidFill>
+              <a:latin typeface="Fira Code" panose="020B0609050000020004" charset="0"/>
+              <a:cs typeface="Fira Code" panose="020B0609050000020004" charset="0"/>
+            </a:endParaRPr>
+          </a:p>
+          <a:p>
+            <a:pPr marL="0" indent="0">
+              <a:buNone/>
+            </a:pPr>
+            <a:r>
+              <a:rPr lang="x-none" altLang="en-US" sz="1600" i="1">
+                <a:solidFill>
+                  <a:schemeClr val="accent6">
+                    <a:lumMod val="75000"/>
+                  </a:schemeClr>
+                </a:solidFill>
+                <a:latin typeface="Fira Code" panose="020B0609050000020004" charset="0"/>
+                <a:cs typeface="Fira Code" panose="020B0609050000020004" charset="0"/>
+              </a:rPr>
+              <a:t>GDAL can read dozens of file types. To see a full list of the vector data filetypes supported by your current GDAL installation, do:</a:t>
+            </a:r>
+            <a:endParaRPr lang="x-none" altLang="en-US" sz="1600" i="1">
+              <a:solidFill>
+                <a:schemeClr val="accent6">
+                  <a:lumMod val="75000"/>
+                </a:schemeClr>
+              </a:solidFill>
+              <a:latin typeface="Fira Code" panose="020B0609050000020004" charset="0"/>
+              <a:cs typeface="Fira Code" panose="020B0609050000020004" charset="0"/>
+            </a:endParaRPr>
+          </a:p>
+          <a:p>
+            <a:pPr marL="0" indent="0">
+              <a:buNone/>
+            </a:pPr>
+            <a:endParaRPr lang="x-none" altLang="en-US" sz="1600" i="1">
+              <a:solidFill>
+                <a:schemeClr val="accent6">
+                  <a:lumMod val="75000"/>
+                </a:schemeClr>
+              </a:solidFill>
+              <a:latin typeface="Fira Code" panose="020B0609050000020004" charset="0"/>
+              <a:cs typeface="Fira Code" panose="020B0609050000020004" charset="0"/>
+            </a:endParaRPr>
+          </a:p>
+          <a:p>
+            <a:pPr marL="0" indent="0">
+              <a:buNone/>
+            </a:pPr>
+            <a:r>
+              <a:rPr lang="x-none" altLang="en-US" sz="1600" i="1">
+                <a:solidFill>
+                  <a:schemeClr val="accent6">
+                    <a:lumMod val="75000"/>
+                  </a:schemeClr>
+                </a:solidFill>
+                <a:latin typeface="Fira Code" panose="020B0609050000020004" charset="0"/>
+                <a:cs typeface="Fira Code" panose="020B0609050000020004" charset="0"/>
+              </a:rPr>
+              <a:t>ogrinfo --formats</a:t>
+            </a:r>
+            <a:endParaRPr lang="x-none" altLang="en-US" sz="1600" i="1">
+              <a:solidFill>
+                <a:schemeClr val="accent6">
+                  <a:lumMod val="75000"/>
+                </a:schemeClr>
+              </a:solidFill>
+              <a:latin typeface="Fira Code" panose="020B0609050000020004" charset="0"/>
+              <a:cs typeface="Fira Code" panose="020B0609050000020004" charset="0"/>
+            </a:endParaRPr>
+          </a:p>
+          <a:p>
+            <a:pPr marL="0" indent="0">
+              <a:buNone/>
+            </a:pPr>
+            <a:endParaRPr lang="x-none" altLang="en-US" sz="1600" i="1">
+              <a:solidFill>
+                <a:schemeClr val="accent6">
+                  <a:lumMod val="75000"/>
+                </a:schemeClr>
+              </a:solidFill>
+              <a:latin typeface="Fira Code" panose="020B0609050000020004" charset="0"/>
+              <a:cs typeface="Fira Code" panose="020B0609050000020004" charset="0"/>
+            </a:endParaRPr>
+          </a:p>
+          <a:p>
+            <a:pPr marL="0" indent="0">
+              <a:buNone/>
+            </a:pPr>
+            <a:r>
+              <a:rPr lang="x-none" altLang="en-US" sz="1600" i="1">
+                <a:solidFill>
+                  <a:schemeClr val="accent6">
+                    <a:lumMod val="75000"/>
+                  </a:schemeClr>
+                </a:solidFill>
+                <a:latin typeface="Fira Code" panose="020B0609050000020004" charset="0"/>
+                <a:cs typeface="Fira Code" panose="020B0609050000020004" charset="0"/>
+              </a:rPr>
+              <a:t>In the following examples, we'll use GeoJSON files -- but you could also read KML, Shapefile, Geopackage, and more.</a:t>
+            </a:r>
+            <a:endParaRPr lang="x-none" altLang="en-US" sz="1600" i="1">
+              <a:solidFill>
+                <a:schemeClr val="accent6">
+                  <a:lumMod val="75000"/>
+                </a:schemeClr>
+              </a:solidFill>
+              <a:latin typeface="Fira Code" panose="020B0609050000020004" charset="0"/>
+              <a:cs typeface="Fira Code" panose="020B0609050000020004" charset="0"/>
+            </a:endParaRPr>
+          </a:p>
+          <a:p>
+            <a:pPr marL="0" indent="0">
+              <a:buNone/>
+            </a:pPr>
+            <a:r>
+              <a:rPr lang="x-none" altLang="en-US" sz="1600" i="1">
+                <a:solidFill>
+                  <a:schemeClr val="accent6">
+                    <a:lumMod val="75000"/>
+                  </a:schemeClr>
+                </a:solidFill>
+                <a:latin typeface="Fira Code" panose="020B0609050000020004" charset="0"/>
+                <a:cs typeface="Fira Code" panose="020B0609050000020004" charset="0"/>
+              </a:rPr>
+              <a:t>Exploring data</a:t>
+            </a:r>
+            <a:endParaRPr lang="x-none" altLang="en-US" sz="1600" i="1">
+              <a:solidFill>
+                <a:schemeClr val="accent6">
+                  <a:lumMod val="75000"/>
+                </a:schemeClr>
+              </a:solidFill>
+              <a:latin typeface="Fira Code" panose="020B0609050000020004" charset="0"/>
+              <a:cs typeface="Fira Code" panose="020B0609050000020004" charset="0"/>
+            </a:endParaRPr>
+          </a:p>
+          <a:p>
+            <a:pPr marL="0" indent="0">
+              <a:buNone/>
+            </a:pPr>
+            <a:endParaRPr lang="x-none" altLang="en-US" sz="1600" i="1">
+              <a:solidFill>
+                <a:schemeClr val="accent6">
+                  <a:lumMod val="75000"/>
+                </a:schemeClr>
+              </a:solidFill>
+              <a:latin typeface="Fira Code" panose="020B0609050000020004" charset="0"/>
+              <a:cs typeface="Fira Code" panose="020B0609050000020004" charset="0"/>
+            </a:endParaRPr>
+          </a:p>
+          <a:p>
+            <a:pPr marL="0" indent="0">
+              <a:buNone/>
+            </a:pPr>
+            <a:r>
+              <a:rPr lang="x-none" altLang="en-US" sz="1600" i="1">
+                <a:solidFill>
+                  <a:schemeClr val="accent6">
+                    <a:lumMod val="75000"/>
+                  </a:schemeClr>
+                </a:solidFill>
+                <a:latin typeface="Fira Code" panose="020B0609050000020004" charset="0"/>
+                <a:cs typeface="Fira Code" panose="020B0609050000020004" charset="0"/>
+              </a:rPr>
+              <a:t>To get basic information about your dataset, do:</a:t>
+            </a:r>
+            <a:endParaRPr lang="x-none" altLang="en-US" sz="1600" i="1">
+              <a:solidFill>
+                <a:schemeClr val="accent6">
+                  <a:lumMod val="75000"/>
+                </a:schemeClr>
+              </a:solidFill>
+              <a:latin typeface="Fira Code" panose="020B0609050000020004" charset="0"/>
+              <a:cs typeface="Fira Code" panose="020B0609050000020004" charset="0"/>
+            </a:endParaRPr>
+          </a:p>
+          <a:p>
+            <a:pPr marL="0" indent="0">
+              <a:buNone/>
+            </a:pPr>
+            <a:endParaRPr lang="x-none" altLang="en-US" sz="1600" i="1">
+              <a:solidFill>
+                <a:schemeClr val="accent6">
+                  <a:lumMod val="75000"/>
+                </a:schemeClr>
+              </a:solidFill>
+              <a:latin typeface="Fira Code" panose="020B0609050000020004" charset="0"/>
+              <a:cs typeface="Fira Code" panose="020B0609050000020004" charset="0"/>
+            </a:endParaRPr>
+          </a:p>
+          <a:p>
+            <a:pPr marL="0" indent="0">
+              <a:buNone/>
+            </a:pPr>
+            <a:r>
+              <a:rPr lang="x-none" altLang="en-US" sz="1600" i="1">
+                <a:solidFill>
+                  <a:schemeClr val="accent6">
+                    <a:lumMod val="75000"/>
+                  </a:schemeClr>
+                </a:solidFill>
+                <a:latin typeface="Fira Code" panose="020B0609050000020004" charset="0"/>
+                <a:cs typeface="Fira Code" panose="020B0609050000020004" charset="0"/>
+              </a:rPr>
+              <a:t>ogrinfo mydata.geojson</a:t>
+            </a:r>
+            <a:endParaRPr lang="x-none" altLang="en-US" sz="1600" i="1">
+              <a:solidFill>
+                <a:schemeClr val="accent6">
+                  <a:lumMod val="75000"/>
+                </a:schemeClr>
+              </a:solidFill>
+              <a:latin typeface="Fira Code" panose="020B0609050000020004" charset="0"/>
+              <a:cs typeface="Fira Code" panose="020B0609050000020004" charset="0"/>
+            </a:endParaRPr>
+          </a:p>
+          <a:p>
+            <a:pPr marL="0" indent="0">
+              <a:buNone/>
+            </a:pPr>
+            <a:endParaRPr lang="x-none" altLang="en-US" sz="1600" i="1">
+              <a:solidFill>
+                <a:schemeClr val="accent6">
+                  <a:lumMod val="75000"/>
+                </a:schemeClr>
+              </a:solidFill>
+              <a:latin typeface="Fira Code" panose="020B0609050000020004" charset="0"/>
+              <a:cs typeface="Fira Code" panose="020B0609050000020004" charset="0"/>
+            </a:endParaRPr>
+          </a:p>
+          <a:p>
+            <a:pPr marL="0" indent="0">
+              <a:buNone/>
+            </a:pPr>
+            <a:r>
+              <a:rPr lang="x-none" altLang="en-US" sz="1600" i="1">
+                <a:solidFill>
+                  <a:schemeClr val="accent6">
+                    <a:lumMod val="75000"/>
+                  </a:schemeClr>
+                </a:solidFill>
+                <a:latin typeface="Fira Code" panose="020B0609050000020004" charset="0"/>
+                <a:cs typeface="Fira Code" panose="020B0609050000020004" charset="0"/>
+              </a:rPr>
+              <a:t>Which will return something like this:</a:t>
+            </a:r>
+            <a:endParaRPr lang="x-none" altLang="en-US" sz="1600" i="1">
+              <a:solidFill>
+                <a:schemeClr val="accent6">
+                  <a:lumMod val="75000"/>
+                </a:schemeClr>
+              </a:solidFill>
+              <a:latin typeface="Fira Code" panose="020B0609050000020004" charset="0"/>
+              <a:cs typeface="Fira Code" panose="020B0609050000020004" charset="0"/>
+            </a:endParaRPr>
+          </a:p>
+          <a:p>
+            <a:pPr marL="0" indent="0">
+              <a:buNone/>
+            </a:pPr>
+            <a:endParaRPr lang="x-none" altLang="en-US" sz="1600" i="1">
+              <a:solidFill>
+                <a:schemeClr val="accent6">
+                  <a:lumMod val="75000"/>
+                </a:schemeClr>
+              </a:solidFill>
+              <a:latin typeface="Fira Code" panose="020B0609050000020004" charset="0"/>
+              <a:cs typeface="Fira Code" panose="020B0609050000020004" charset="0"/>
+            </a:endParaRPr>
+          </a:p>
+          <a:p>
+            <a:pPr marL="0" indent="0">
+              <a:buNone/>
+            </a:pPr>
+            <a:r>
+              <a:rPr lang="x-none" altLang="en-US" sz="1600" i="1">
+                <a:solidFill>
+                  <a:schemeClr val="accent6">
+                    <a:lumMod val="75000"/>
+                  </a:schemeClr>
+                </a:solidFill>
+                <a:latin typeface="Fira Code" panose="020B0609050000020004" charset="0"/>
+                <a:cs typeface="Fira Code" panose="020B0609050000020004" charset="0"/>
+              </a:rPr>
+              <a:t>INFO: Open of `mydata.geojson'</a:t>
+            </a:r>
+            <a:endParaRPr lang="x-none" altLang="en-US" sz="1600" i="1">
+              <a:solidFill>
+                <a:schemeClr val="accent6">
+                  <a:lumMod val="75000"/>
+                </a:schemeClr>
+              </a:solidFill>
+              <a:latin typeface="Fira Code" panose="020B0609050000020004" charset="0"/>
+              <a:cs typeface="Fira Code" panose="020B0609050000020004" charset="0"/>
+            </a:endParaRPr>
+          </a:p>
+          <a:p>
+            <a:pPr marL="0" indent="0">
+              <a:buNone/>
+            </a:pPr>
+            <a:r>
+              <a:rPr lang="x-none" altLang="en-US" sz="1600" i="1">
+                <a:solidFill>
+                  <a:schemeClr val="accent6">
+                    <a:lumMod val="75000"/>
+                  </a:schemeClr>
+                </a:solidFill>
+                <a:latin typeface="Fira Code" panose="020B0609050000020004" charset="0"/>
+                <a:cs typeface="Fira Code" panose="020B0609050000020004" charset="0"/>
+              </a:rPr>
+              <a:t>  using driver `GeoJSON' successful.</a:t>
+            </a:r>
+            <a:endParaRPr lang="x-none" altLang="en-US" sz="1600" i="1">
+              <a:solidFill>
+                <a:schemeClr val="accent6">
+                  <a:lumMod val="75000"/>
+                </a:schemeClr>
+              </a:solidFill>
+              <a:latin typeface="Fira Code" panose="020B0609050000020004" charset="0"/>
+              <a:cs typeface="Fira Code" panose="020B0609050000020004" charset="0"/>
+            </a:endParaRPr>
+          </a:p>
+          <a:p>
+            <a:pPr marL="0" indent="0">
+              <a:buNone/>
+            </a:pPr>
+            <a:r>
+              <a:rPr lang="x-none" altLang="en-US" sz="1600" i="1">
+                <a:solidFill>
+                  <a:schemeClr val="accent6">
+                    <a:lumMod val="75000"/>
+                  </a:schemeClr>
+                </a:solidFill>
+                <a:latin typeface="Fira Code" panose="020B0609050000020004" charset="0"/>
+                <a:cs typeface="Fira Code" panose="020B0609050000020004" charset="0"/>
+              </a:rPr>
+              <a:t>1: mydata (Polygon)</a:t>
+            </a:r>
+            <a:endParaRPr lang="x-none" altLang="en-US" sz="1600" i="1">
+              <a:solidFill>
+                <a:schemeClr val="accent6">
+                  <a:lumMod val="75000"/>
+                </a:schemeClr>
+              </a:solidFill>
+              <a:latin typeface="Fira Code" panose="020B0609050000020004" charset="0"/>
+              <a:cs typeface="Fira Code" panose="020B0609050000020004" charset="0"/>
+            </a:endParaRPr>
+          </a:p>
+          <a:p>
+            <a:pPr marL="0" indent="0">
+              <a:buNone/>
+            </a:pPr>
+            <a:endParaRPr lang="x-none" altLang="en-US" sz="1600" i="1">
+              <a:solidFill>
+                <a:schemeClr val="accent6">
+                  <a:lumMod val="75000"/>
+                </a:schemeClr>
+              </a:solidFill>
+              <a:latin typeface="Fira Code" panose="020B0609050000020004" charset="0"/>
+              <a:cs typeface="Fira Code" panose="020B0609050000020004" charset="0"/>
+            </a:endParaRPr>
+          </a:p>
+          <a:p>
+            <a:pPr marL="0" indent="0">
+              <a:buNone/>
+            </a:pPr>
+            <a:r>
+              <a:rPr lang="x-none" altLang="en-US" sz="1600" i="1">
+                <a:solidFill>
+                  <a:schemeClr val="accent6">
+                    <a:lumMod val="75000"/>
+                  </a:schemeClr>
+                </a:solidFill>
+                <a:latin typeface="Fira Code" panose="020B0609050000020004" charset="0"/>
+                <a:cs typeface="Fira Code" panose="020B0609050000020004" charset="0"/>
+              </a:rPr>
+              <a:t>What this tells you:</a:t>
+            </a:r>
+            <a:endParaRPr lang="x-none" altLang="en-US" sz="1600" i="1">
+              <a:solidFill>
+                <a:schemeClr val="accent6">
+                  <a:lumMod val="75000"/>
+                </a:schemeClr>
+              </a:solidFill>
+              <a:latin typeface="Fira Code" panose="020B0609050000020004" charset="0"/>
+              <a:cs typeface="Fira Code" panose="020B0609050000020004" charset="0"/>
+            </a:endParaRPr>
+          </a:p>
+          <a:p>
+            <a:pPr marL="0" indent="0">
+              <a:buNone/>
+            </a:pPr>
+            <a:endParaRPr lang="x-none" altLang="en-US" sz="1600" i="1">
+              <a:solidFill>
+                <a:schemeClr val="accent6">
+                  <a:lumMod val="75000"/>
+                </a:schemeClr>
+              </a:solidFill>
+              <a:latin typeface="Fira Code" panose="020B0609050000020004" charset="0"/>
+              <a:cs typeface="Fira Code" panose="020B0609050000020004" charset="0"/>
+            </a:endParaRPr>
+          </a:p>
+          <a:p>
+            <a:pPr marL="0" indent="0">
+              <a:buNone/>
+            </a:pPr>
+            <a:r>
+              <a:rPr lang="x-none" altLang="en-US" sz="1600" i="1">
+                <a:solidFill>
+                  <a:schemeClr val="accent6">
+                    <a:lumMod val="75000"/>
+                  </a:schemeClr>
+                </a:solidFill>
+                <a:latin typeface="Fira Code" panose="020B0609050000020004" charset="0"/>
+                <a:cs typeface="Fira Code" panose="020B0609050000020004" charset="0"/>
+              </a:rPr>
+              <a:t>Your dataset, mydata.geojson, has one layer of data, called mydata, which contains Polygon features.</a:t>
+            </a:r>
+            <a:endParaRPr lang="x-none" altLang="en-US" sz="1600" i="1">
+              <a:solidFill>
+                <a:schemeClr val="accent6">
+                  <a:lumMod val="75000"/>
+                </a:schemeClr>
+              </a:solidFill>
+              <a:latin typeface="Fira Code" panose="020B0609050000020004" charset="0"/>
+              <a:cs typeface="Fira Code" panose="020B0609050000020004" charset="0"/>
+            </a:endParaRPr>
+          </a:p>
+          <a:p>
+            <a:pPr marL="0" indent="0">
+              <a:buNone/>
+            </a:pPr>
+            <a:endParaRPr lang="x-none" altLang="en-US" sz="1600" i="1">
+              <a:solidFill>
+                <a:schemeClr val="accent6">
+                  <a:lumMod val="75000"/>
+                </a:schemeClr>
+              </a:solidFill>
+              <a:latin typeface="Fira Code" panose="020B0609050000020004" charset="0"/>
+              <a:cs typeface="Fira Code" panose="020B0609050000020004" charset="0"/>
+            </a:endParaRPr>
+          </a:p>
+          <a:p>
+            <a:pPr marL="0" indent="0">
+              <a:buNone/>
+            </a:pPr>
+            <a:r>
+              <a:rPr lang="x-none" altLang="en-US" sz="1600" i="1">
+                <a:solidFill>
+                  <a:schemeClr val="accent6">
+                    <a:lumMod val="75000"/>
+                  </a:schemeClr>
+                </a:solidFill>
+                <a:latin typeface="Fira Code" panose="020B0609050000020004" charset="0"/>
+                <a:cs typeface="Fira Code" panose="020B0609050000020004" charset="0"/>
+              </a:rPr>
+              <a:t>To learn more about that layer of Polygon features, do:</a:t>
+            </a:r>
+            <a:endParaRPr lang="x-none" altLang="en-US" sz="1600" i="1">
+              <a:solidFill>
+                <a:schemeClr val="accent6">
+                  <a:lumMod val="75000"/>
+                </a:schemeClr>
+              </a:solidFill>
+              <a:latin typeface="Fira Code" panose="020B0609050000020004" charset="0"/>
+              <a:cs typeface="Fira Code" panose="020B0609050000020004" charset="0"/>
+            </a:endParaRPr>
+          </a:p>
+          <a:p>
+            <a:pPr marL="0" indent="0">
+              <a:buNone/>
+            </a:pPr>
+            <a:endParaRPr lang="x-none" altLang="en-US" sz="1600" i="1">
+              <a:solidFill>
+                <a:schemeClr val="accent6">
+                  <a:lumMod val="75000"/>
+                </a:schemeClr>
+              </a:solidFill>
+              <a:latin typeface="Fira Code" panose="020B0609050000020004" charset="0"/>
+              <a:cs typeface="Fira Code" panose="020B0609050000020004" charset="0"/>
+            </a:endParaRPr>
+          </a:p>
+          <a:p>
+            <a:pPr marL="0" indent="0">
+              <a:buNone/>
+            </a:pPr>
+            <a:r>
+              <a:rPr lang="x-none" altLang="en-US" sz="1600" i="1">
+                <a:solidFill>
+                  <a:schemeClr val="accent6">
+                    <a:lumMod val="75000"/>
+                  </a:schemeClr>
+                </a:solidFill>
+                <a:latin typeface="Fira Code" panose="020B0609050000020004" charset="0"/>
+                <a:cs typeface="Fira Code" panose="020B0609050000020004" charset="0"/>
+              </a:rPr>
+              <a:t>ogrinfo -so mydata.geojson mydata</a:t>
+            </a:r>
+            <a:endParaRPr lang="x-none" altLang="en-US" sz="1600" i="1">
+              <a:solidFill>
+                <a:schemeClr val="accent6">
+                  <a:lumMod val="75000"/>
+                </a:schemeClr>
+              </a:solidFill>
+              <a:latin typeface="Fira Code" panose="020B0609050000020004" charset="0"/>
+              <a:cs typeface="Fira Code" panose="020B0609050000020004" charset="0"/>
+            </a:endParaRPr>
+          </a:p>
+          <a:p>
+            <a:pPr marL="0" indent="0">
+              <a:buNone/>
+            </a:pPr>
+            <a:endParaRPr lang="x-none" altLang="en-US" sz="1600" i="1">
+              <a:solidFill>
+                <a:schemeClr val="accent6">
+                  <a:lumMod val="75000"/>
+                </a:schemeClr>
+              </a:solidFill>
+              <a:latin typeface="Fira Code" panose="020B0609050000020004" charset="0"/>
+              <a:cs typeface="Fira Code" panose="020B0609050000020004" charset="0"/>
+            </a:endParaRPr>
+          </a:p>
+          <a:p>
+            <a:pPr marL="0" indent="0">
+              <a:buNone/>
+            </a:pPr>
+            <a:r>
+              <a:rPr lang="x-none" altLang="en-US" sz="1600" i="1">
+                <a:solidFill>
+                  <a:schemeClr val="accent6">
+                    <a:lumMod val="75000"/>
+                  </a:schemeClr>
+                </a:solidFill>
+                <a:latin typeface="Fira Code" panose="020B0609050000020004" charset="0"/>
+                <a:cs typeface="Fira Code" panose="020B0609050000020004" charset="0"/>
+              </a:rPr>
+              <a:t>Which will return something like his:</a:t>
+            </a:r>
+            <a:endParaRPr lang="x-none" altLang="en-US" sz="1600" i="1">
+              <a:solidFill>
+                <a:schemeClr val="accent6">
+                  <a:lumMod val="75000"/>
+                </a:schemeClr>
+              </a:solidFill>
+              <a:latin typeface="Fira Code" panose="020B0609050000020004" charset="0"/>
+              <a:cs typeface="Fira Code" panose="020B0609050000020004" charset="0"/>
+            </a:endParaRPr>
+          </a:p>
+          <a:p>
+            <a:pPr marL="0" indent="0">
+              <a:buNone/>
+            </a:pPr>
+            <a:endParaRPr lang="x-none" altLang="en-US" sz="1600" i="1">
+              <a:solidFill>
+                <a:schemeClr val="accent6">
+                  <a:lumMod val="75000"/>
+                </a:schemeClr>
+              </a:solidFill>
+              <a:latin typeface="Fira Code" panose="020B0609050000020004" charset="0"/>
+              <a:cs typeface="Fira Code" panose="020B0609050000020004" charset="0"/>
+            </a:endParaRPr>
+          </a:p>
+          <a:p>
+            <a:pPr marL="0" indent="0">
+              <a:buNone/>
+            </a:pPr>
+            <a:r>
+              <a:rPr lang="x-none" altLang="en-US" sz="1600" i="1">
+                <a:solidFill>
+                  <a:schemeClr val="accent6">
+                    <a:lumMod val="75000"/>
+                  </a:schemeClr>
+                </a:solidFill>
+                <a:latin typeface="Fira Code" panose="020B0609050000020004" charset="0"/>
+                <a:cs typeface="Fira Code" panose="020B0609050000020004" charset="0"/>
+              </a:rPr>
+              <a:t>INFO: Open of `mydata.geojson'</a:t>
+            </a:r>
+            <a:endParaRPr lang="x-none" altLang="en-US" sz="1600" i="1">
+              <a:solidFill>
+                <a:schemeClr val="accent6">
+                  <a:lumMod val="75000"/>
+                </a:schemeClr>
+              </a:solidFill>
+              <a:latin typeface="Fira Code" panose="020B0609050000020004" charset="0"/>
+              <a:cs typeface="Fira Code" panose="020B0609050000020004" charset="0"/>
+            </a:endParaRPr>
+          </a:p>
+          <a:p>
+            <a:pPr marL="0" indent="0">
+              <a:buNone/>
+            </a:pPr>
+            <a:r>
+              <a:rPr lang="x-none" altLang="en-US" sz="1600" i="1">
+                <a:solidFill>
+                  <a:schemeClr val="accent6">
+                    <a:lumMod val="75000"/>
+                  </a:schemeClr>
+                </a:solidFill>
+                <a:latin typeface="Fira Code" panose="020B0609050000020004" charset="0"/>
+                <a:cs typeface="Fira Code" panose="020B0609050000020004" charset="0"/>
+              </a:rPr>
+              <a:t>      using driver `GeoJSON' successful.</a:t>
+            </a:r>
+            <a:endParaRPr lang="x-none" altLang="en-US" sz="1600" i="1">
+              <a:solidFill>
+                <a:schemeClr val="accent6">
+                  <a:lumMod val="75000"/>
+                </a:schemeClr>
+              </a:solidFill>
+              <a:latin typeface="Fira Code" panose="020B0609050000020004" charset="0"/>
+              <a:cs typeface="Fira Code" panose="020B0609050000020004" charset="0"/>
+            </a:endParaRPr>
+          </a:p>
+          <a:p>
+            <a:pPr marL="0" indent="0">
+              <a:buNone/>
+            </a:pPr>
+            <a:endParaRPr lang="x-none" altLang="en-US" sz="1600" i="1">
+              <a:solidFill>
+                <a:schemeClr val="accent6">
+                  <a:lumMod val="75000"/>
+                </a:schemeClr>
+              </a:solidFill>
+              <a:latin typeface="Fira Code" panose="020B0609050000020004" charset="0"/>
+              <a:cs typeface="Fira Code" panose="020B0609050000020004" charset="0"/>
+            </a:endParaRPr>
+          </a:p>
+          <a:p>
+            <a:pPr marL="0" indent="0">
+              <a:buNone/>
+            </a:pPr>
+            <a:r>
+              <a:rPr lang="x-none" altLang="en-US" sz="1600" i="1">
+                <a:solidFill>
+                  <a:schemeClr val="accent6">
+                    <a:lumMod val="75000"/>
+                  </a:schemeClr>
+                </a:solidFill>
+                <a:latin typeface="Fira Code" panose="020B0609050000020004" charset="0"/>
+                <a:cs typeface="Fira Code" panose="020B0609050000020004" charset="0"/>
+              </a:rPr>
+              <a:t>Layer name: mydata </a:t>
+            </a:r>
+            <a:endParaRPr lang="x-none" altLang="en-US" sz="1600" i="1">
+              <a:solidFill>
+                <a:schemeClr val="accent6">
+                  <a:lumMod val="75000"/>
+                </a:schemeClr>
+              </a:solidFill>
+              <a:latin typeface="Fira Code" panose="020B0609050000020004" charset="0"/>
+              <a:cs typeface="Fira Code" panose="020B0609050000020004" charset="0"/>
+            </a:endParaRPr>
+          </a:p>
+          <a:p>
+            <a:pPr marL="0" indent="0">
+              <a:buNone/>
+            </a:pPr>
+            <a:r>
+              <a:rPr lang="x-none" altLang="en-US" sz="1600" i="1">
+                <a:solidFill>
+                  <a:schemeClr val="accent6">
+                    <a:lumMod val="75000"/>
+                  </a:schemeClr>
+                </a:solidFill>
+                <a:latin typeface="Fira Code" panose="020B0609050000020004" charset="0"/>
+                <a:cs typeface="Fira Code" panose="020B0609050000020004" charset="0"/>
+              </a:rPr>
+              <a:t>Geometry: Polygon</a:t>
+            </a:r>
+            <a:endParaRPr lang="x-none" altLang="en-US" sz="1600" i="1">
+              <a:solidFill>
+                <a:schemeClr val="accent6">
+                  <a:lumMod val="75000"/>
+                </a:schemeClr>
+              </a:solidFill>
+              <a:latin typeface="Fira Code" panose="020B0609050000020004" charset="0"/>
+              <a:cs typeface="Fira Code" panose="020B0609050000020004" charset="0"/>
+            </a:endParaRPr>
+          </a:p>
+          <a:p>
+            <a:pPr marL="0" indent="0">
+              <a:buNone/>
+            </a:pPr>
+            <a:r>
+              <a:rPr lang="x-none" altLang="en-US" sz="1600" i="1">
+                <a:solidFill>
+                  <a:schemeClr val="accent6">
+                    <a:lumMod val="75000"/>
+                  </a:schemeClr>
+                </a:solidFill>
+                <a:latin typeface="Fira Code" panose="020B0609050000020004" charset="0"/>
+                <a:cs typeface="Fira Code" panose="020B0609050000020004" charset="0"/>
+              </a:rPr>
+              <a:t>Feature Count: 1</a:t>
+            </a:r>
+            <a:endParaRPr lang="x-none" altLang="en-US" sz="1600" i="1">
+              <a:solidFill>
+                <a:schemeClr val="accent6">
+                  <a:lumMod val="75000"/>
+                </a:schemeClr>
+              </a:solidFill>
+              <a:latin typeface="Fira Code" panose="020B0609050000020004" charset="0"/>
+              <a:cs typeface="Fira Code" panose="020B0609050000020004" charset="0"/>
+            </a:endParaRPr>
+          </a:p>
+          <a:p>
+            <a:pPr marL="0" indent="0">
+              <a:buNone/>
+            </a:pPr>
+            <a:r>
+              <a:rPr lang="x-none" altLang="en-US" sz="1600" i="1">
+                <a:solidFill>
+                  <a:schemeClr val="accent6">
+                    <a:lumMod val="75000"/>
+                  </a:schemeClr>
+                </a:solidFill>
+                <a:latin typeface="Fira Code" panose="020B0609050000020004" charset="0"/>
+                <a:cs typeface="Fira Code" panose="020B0609050000020004" charset="0"/>
+              </a:rPr>
+              <a:t>ExtentV: (-86.484375, 18.979026) - (-14.414062, 52.482780)</a:t>
+            </a:r>
+            <a:endParaRPr lang="x-none" altLang="en-US" sz="1600" i="1">
+              <a:solidFill>
+                <a:schemeClr val="accent6">
+                  <a:lumMod val="75000"/>
+                </a:schemeClr>
+              </a:solidFill>
+              <a:latin typeface="Fira Code" panose="020B0609050000020004" charset="0"/>
+              <a:cs typeface="Fira Code" panose="020B0609050000020004" charset="0"/>
+            </a:endParaRPr>
+          </a:p>
+          <a:p>
+            <a:pPr marL="0" indent="0">
+              <a:buNone/>
+            </a:pPr>
+            <a:r>
+              <a:rPr lang="x-none" altLang="en-US" sz="1600" i="1">
+                <a:solidFill>
+                  <a:schemeClr val="accent6">
+                    <a:lumMod val="75000"/>
+                  </a:schemeClr>
+                </a:solidFill>
+                <a:latin typeface="Fira Code" panose="020B0609050000020004" charset="0"/>
+                <a:cs typeface="Fira Code" panose="020B0609050000020004" charset="0"/>
+              </a:rPr>
+              <a:t>Layer SRS WKT:</a:t>
+            </a:r>
+            <a:endParaRPr lang="x-none" altLang="en-US" sz="1600" i="1">
+              <a:solidFill>
+                <a:schemeClr val="accent6">
+                  <a:lumMod val="75000"/>
+                </a:schemeClr>
+              </a:solidFill>
+              <a:latin typeface="Fira Code" panose="020B0609050000020004" charset="0"/>
+              <a:cs typeface="Fira Code" panose="020B0609050000020004" charset="0"/>
+            </a:endParaRPr>
+          </a:p>
+          <a:p>
+            <a:pPr marL="0" indent="0">
+              <a:buNone/>
+            </a:pPr>
+            <a:r>
+              <a:rPr lang="x-none" altLang="en-US" sz="1600" i="1">
+                <a:solidFill>
+                  <a:schemeClr val="accent6">
+                    <a:lumMod val="75000"/>
+                  </a:schemeClr>
+                </a:solidFill>
+                <a:latin typeface="Fira Code" panose="020B0609050000020004" charset="0"/>
+                <a:cs typeface="Fira Code" panose="020B0609050000020004" charset="0"/>
+              </a:rPr>
+              <a:t>GEOGCS["WGS 84",</a:t>
+            </a:r>
+            <a:endParaRPr lang="x-none" altLang="en-US" sz="1600" i="1">
+              <a:solidFill>
+                <a:schemeClr val="accent6">
+                  <a:lumMod val="75000"/>
+                </a:schemeClr>
+              </a:solidFill>
+              <a:latin typeface="Fira Code" panose="020B0609050000020004" charset="0"/>
+              <a:cs typeface="Fira Code" panose="020B0609050000020004" charset="0"/>
+            </a:endParaRPr>
+          </a:p>
+          <a:p>
+            <a:pPr marL="0" indent="0">
+              <a:buNone/>
+            </a:pPr>
+            <a:r>
+              <a:rPr lang="x-none" altLang="en-US" sz="1600" i="1">
+                <a:solidFill>
+                  <a:schemeClr val="accent6">
+                    <a:lumMod val="75000"/>
+                  </a:schemeClr>
+                </a:solidFill>
+                <a:latin typeface="Fira Code" panose="020B0609050000020004" charset="0"/>
+                <a:cs typeface="Fira Code" panose="020B0609050000020004" charset="0"/>
+              </a:rPr>
+              <a:t>    DATUM["WGS_1984",</a:t>
+            </a:r>
+            <a:endParaRPr lang="x-none" altLang="en-US" sz="1600" i="1">
+              <a:solidFill>
+                <a:schemeClr val="accent6">
+                  <a:lumMod val="75000"/>
+                </a:schemeClr>
+              </a:solidFill>
+              <a:latin typeface="Fira Code" panose="020B0609050000020004" charset="0"/>
+              <a:cs typeface="Fira Code" panose="020B0609050000020004" charset="0"/>
+            </a:endParaRPr>
+          </a:p>
+          <a:p>
+            <a:pPr marL="0" indent="0">
+              <a:buNone/>
+            </a:pPr>
+            <a:r>
+              <a:rPr lang="x-none" altLang="en-US" sz="1600" i="1">
+                <a:solidFill>
+                  <a:schemeClr val="accent6">
+                    <a:lumMod val="75000"/>
+                  </a:schemeClr>
+                </a:solidFill>
+                <a:latin typeface="Fira Code" panose="020B0609050000020004" charset="0"/>
+                <a:cs typeface="Fira Code" panose="020B0609050000020004" charset="0"/>
+              </a:rPr>
+              <a:t>        SPHEROID["WGS 84",6378137,298.257223563,</a:t>
+            </a:r>
+            <a:endParaRPr lang="x-none" altLang="en-US" sz="1600" i="1">
+              <a:solidFill>
+                <a:schemeClr val="accent6">
+                  <a:lumMod val="75000"/>
+                </a:schemeClr>
+              </a:solidFill>
+              <a:latin typeface="Fira Code" panose="020B0609050000020004" charset="0"/>
+              <a:cs typeface="Fira Code" panose="020B0609050000020004" charset="0"/>
+            </a:endParaRPr>
+          </a:p>
+          <a:p>
+            <a:pPr marL="0" indent="0">
+              <a:buNone/>
+            </a:pPr>
+            <a:r>
+              <a:rPr lang="x-none" altLang="en-US" sz="1600" i="1">
+                <a:solidFill>
+                  <a:schemeClr val="accent6">
+                    <a:lumMod val="75000"/>
+                  </a:schemeClr>
+                </a:solidFill>
+                <a:latin typeface="Fira Code" panose="020B0609050000020004" charset="0"/>
+                <a:cs typeface="Fira Code" panose="020B0609050000020004" charset="0"/>
+              </a:rPr>
+              <a:t>            AUTHORITY["EPSG","7030"]],</a:t>
+            </a:r>
+            <a:endParaRPr lang="x-none" altLang="en-US" sz="1600" i="1">
+              <a:solidFill>
+                <a:schemeClr val="accent6">
+                  <a:lumMod val="75000"/>
+                </a:schemeClr>
+              </a:solidFill>
+              <a:latin typeface="Fira Code" panose="020B0609050000020004" charset="0"/>
+              <a:cs typeface="Fira Code" panose="020B0609050000020004" charset="0"/>
+            </a:endParaRPr>
+          </a:p>
+          <a:p>
+            <a:pPr marL="0" indent="0">
+              <a:buNone/>
+            </a:pPr>
+            <a:r>
+              <a:rPr lang="x-none" altLang="en-US" sz="1600" i="1">
+                <a:solidFill>
+                  <a:schemeClr val="accent6">
+                    <a:lumMod val="75000"/>
+                  </a:schemeClr>
+                </a:solidFill>
+                <a:latin typeface="Fira Code" panose="020B0609050000020004" charset="0"/>
+                <a:cs typeface="Fira Code" panose="020B0609050000020004" charset="0"/>
+              </a:rPr>
+              <a:t>        AUTHORITY["EPSG","6326"]],</a:t>
+            </a:r>
+            <a:endParaRPr lang="x-none" altLang="en-US" sz="1600" i="1">
+              <a:solidFill>
+                <a:schemeClr val="accent6">
+                  <a:lumMod val="75000"/>
+                </a:schemeClr>
+              </a:solidFill>
+              <a:latin typeface="Fira Code" panose="020B0609050000020004" charset="0"/>
+              <a:cs typeface="Fira Code" panose="020B0609050000020004" charset="0"/>
+            </a:endParaRPr>
+          </a:p>
+          <a:p>
+            <a:pPr marL="0" indent="0">
+              <a:buNone/>
+            </a:pPr>
+            <a:r>
+              <a:rPr lang="x-none" altLang="en-US" sz="1600" i="1">
+                <a:solidFill>
+                  <a:schemeClr val="accent6">
+                    <a:lumMod val="75000"/>
+                  </a:schemeClr>
+                </a:solidFill>
+                <a:latin typeface="Fira Code" panose="020B0609050000020004" charset="0"/>
+                <a:cs typeface="Fira Code" panose="020B0609050000020004" charset="0"/>
+              </a:rPr>
+              <a:t>    PRIMEM["Greenwich",0,</a:t>
+            </a:r>
+            <a:endParaRPr lang="x-none" altLang="en-US" sz="1600" i="1">
+              <a:solidFill>
+                <a:schemeClr val="accent6">
+                  <a:lumMod val="75000"/>
+                </a:schemeClr>
+              </a:solidFill>
+              <a:latin typeface="Fira Code" panose="020B0609050000020004" charset="0"/>
+              <a:cs typeface="Fira Code" panose="020B0609050000020004" charset="0"/>
+            </a:endParaRPr>
+          </a:p>
+          <a:p>
+            <a:pPr marL="0" indent="0">
+              <a:buNone/>
+            </a:pPr>
+            <a:r>
+              <a:rPr lang="x-none" altLang="en-US" sz="1600" i="1">
+                <a:solidFill>
+                  <a:schemeClr val="accent6">
+                    <a:lumMod val="75000"/>
+                  </a:schemeClr>
+                </a:solidFill>
+                <a:latin typeface="Fira Code" panose="020B0609050000020004" charset="0"/>
+                <a:cs typeface="Fira Code" panose="020B0609050000020004" charset="0"/>
+              </a:rPr>
+              <a:t>        AUTHORITY["EPSG","8901"]],</a:t>
+            </a:r>
+            <a:endParaRPr lang="x-none" altLang="en-US" sz="1600" i="1">
+              <a:solidFill>
+                <a:schemeClr val="accent6">
+                  <a:lumMod val="75000"/>
+                </a:schemeClr>
+              </a:solidFill>
+              <a:latin typeface="Fira Code" panose="020B0609050000020004" charset="0"/>
+              <a:cs typeface="Fira Code" panose="020B0609050000020004" charset="0"/>
+            </a:endParaRPr>
+          </a:p>
+          <a:p>
+            <a:pPr marL="0" indent="0">
+              <a:buNone/>
+            </a:pPr>
+            <a:r>
+              <a:rPr lang="x-none" altLang="en-US" sz="1600" i="1">
+                <a:solidFill>
+                  <a:schemeClr val="accent6">
+                    <a:lumMod val="75000"/>
+                  </a:schemeClr>
+                </a:solidFill>
+                <a:latin typeface="Fira Code" panose="020B0609050000020004" charset="0"/>
+                <a:cs typeface="Fira Code" panose="020B0609050000020004" charset="0"/>
+              </a:rPr>
+              <a:t>    UNIT["degree",0.0174532925199433,</a:t>
+            </a:r>
+            <a:endParaRPr lang="x-none" altLang="en-US" sz="1600" i="1">
+              <a:solidFill>
+                <a:schemeClr val="accent6">
+                  <a:lumMod val="75000"/>
+                </a:schemeClr>
+              </a:solidFill>
+              <a:latin typeface="Fira Code" panose="020B0609050000020004" charset="0"/>
+              <a:cs typeface="Fira Code" panose="020B0609050000020004" charset="0"/>
+            </a:endParaRPr>
+          </a:p>
+          <a:p>
+            <a:pPr marL="0" indent="0">
+              <a:buNone/>
+            </a:pPr>
+            <a:r>
+              <a:rPr lang="x-none" altLang="en-US" sz="1600" i="1">
+                <a:solidFill>
+                  <a:schemeClr val="accent6">
+                    <a:lumMod val="75000"/>
+                  </a:schemeClr>
+                </a:solidFill>
+                <a:latin typeface="Fira Code" panose="020B0609050000020004" charset="0"/>
+                <a:cs typeface="Fira Code" panose="020B0609050000020004" charset="0"/>
+              </a:rPr>
+              <a:t>        AUTHORITY["EPSG","9122"]],</a:t>
+            </a:r>
+            <a:endParaRPr lang="x-none" altLang="en-US" sz="1600" i="1">
+              <a:solidFill>
+                <a:schemeClr val="accent6">
+                  <a:lumMod val="75000"/>
+                </a:schemeClr>
+              </a:solidFill>
+              <a:latin typeface="Fira Code" panose="020B0609050000020004" charset="0"/>
+              <a:cs typeface="Fira Code" panose="020B0609050000020004" charset="0"/>
+            </a:endParaRPr>
+          </a:p>
+          <a:p>
+            <a:pPr marL="0" indent="0">
+              <a:buNone/>
+            </a:pPr>
+            <a:r>
+              <a:rPr lang="x-none" altLang="en-US" sz="1600" i="1">
+                <a:solidFill>
+                  <a:schemeClr val="accent6">
+                    <a:lumMod val="75000"/>
+                  </a:schemeClr>
+                </a:solidFill>
+                <a:latin typeface="Fira Code" panose="020B0609050000020004" charset="0"/>
+                <a:cs typeface="Fira Code" panose="020B0609050000020004" charset="0"/>
+              </a:rPr>
+              <a:t>    AUTHORITY["EPSG","4326"]]</a:t>
+            </a:r>
+            <a:endParaRPr lang="x-none" altLang="en-US" sz="1600" i="1">
+              <a:solidFill>
+                <a:schemeClr val="accent6">
+                  <a:lumMod val="75000"/>
+                </a:schemeClr>
+              </a:solidFill>
+              <a:latin typeface="Fira Code" panose="020B0609050000020004" charset="0"/>
+              <a:cs typeface="Fira Code" panose="020B0609050000020004" charset="0"/>
+            </a:endParaRPr>
+          </a:p>
+          <a:p>
+            <a:pPr marL="0" indent="0">
+              <a:buNone/>
+            </a:pPr>
+            <a:endParaRPr lang="x-none" altLang="en-US" sz="1600" i="1">
+              <a:solidFill>
+                <a:schemeClr val="accent6">
+                  <a:lumMod val="75000"/>
+                </a:schemeClr>
+              </a:solidFill>
+              <a:latin typeface="Fira Code" panose="020B0609050000020004" charset="0"/>
+              <a:cs typeface="Fira Code" panose="020B0609050000020004" charset="0"/>
+            </a:endParaRPr>
+          </a:p>
+          <a:p>
+            <a:pPr marL="0" indent="0">
+              <a:buNone/>
+            </a:pPr>
+            <a:r>
+              <a:rPr lang="x-none" altLang="en-US" sz="1600" i="1">
+                <a:solidFill>
+                  <a:schemeClr val="accent6">
+                    <a:lumMod val="75000"/>
+                  </a:schemeClr>
+                </a:solidFill>
+                <a:latin typeface="Fira Code" panose="020B0609050000020004" charset="0"/>
+                <a:cs typeface="Fira Code" panose="020B0609050000020004" charset="0"/>
+              </a:rPr>
+              <a:t>What this tells you:</a:t>
+            </a:r>
+            <a:endParaRPr lang="x-none" altLang="en-US" sz="1600" i="1">
+              <a:solidFill>
+                <a:schemeClr val="accent6">
+                  <a:lumMod val="75000"/>
+                </a:schemeClr>
+              </a:solidFill>
+              <a:latin typeface="Fira Code" panose="020B0609050000020004" charset="0"/>
+              <a:cs typeface="Fira Code" panose="020B0609050000020004" charset="0"/>
+            </a:endParaRPr>
+          </a:p>
+          <a:p>
+            <a:pPr marL="0" indent="0">
+              <a:buNone/>
+            </a:pPr>
+            <a:endParaRPr lang="x-none" altLang="en-US" sz="1600" i="1">
+              <a:solidFill>
+                <a:schemeClr val="accent6">
+                  <a:lumMod val="75000"/>
+                </a:schemeClr>
+              </a:solidFill>
+              <a:latin typeface="Fira Code" panose="020B0609050000020004" charset="0"/>
+              <a:cs typeface="Fira Code" panose="020B0609050000020004" charset="0"/>
+            </a:endParaRPr>
+          </a:p>
+          <a:p>
+            <a:pPr marL="0" indent="0">
+              <a:buNone/>
+            </a:pPr>
+            <a:r>
+              <a:rPr lang="x-none" altLang="en-US" sz="1600" i="1">
+                <a:solidFill>
+                  <a:schemeClr val="accent6">
+                    <a:lumMod val="75000"/>
+                  </a:schemeClr>
+                </a:solidFill>
+                <a:latin typeface="Fira Code" panose="020B0609050000020004" charset="0"/>
+                <a:cs typeface="Fira Code" panose="020B0609050000020004" charset="0"/>
+              </a:rPr>
+              <a:t>    There is 1 feature (a single polygon) in this dataset's layer</a:t>
+            </a:r>
+            <a:endParaRPr lang="x-none" altLang="en-US" sz="1600" i="1">
+              <a:solidFill>
+                <a:schemeClr val="accent6">
+                  <a:lumMod val="75000"/>
+                </a:schemeClr>
+              </a:solidFill>
+              <a:latin typeface="Fira Code" panose="020B0609050000020004" charset="0"/>
+              <a:cs typeface="Fira Code" panose="020B0609050000020004" charset="0"/>
+            </a:endParaRPr>
+          </a:p>
+          <a:p>
+            <a:pPr marL="0" indent="0">
+              <a:buNone/>
+            </a:pPr>
+            <a:r>
+              <a:rPr lang="x-none" altLang="en-US" sz="1600" i="1">
+                <a:solidFill>
+                  <a:schemeClr val="accent6">
+                    <a:lumMod val="75000"/>
+                  </a:schemeClr>
+                </a:solidFill>
+                <a:latin typeface="Fira Code" panose="020B0609050000020004" charset="0"/>
+                <a:cs typeface="Fira Code" panose="020B0609050000020004" charset="0"/>
+              </a:rPr>
+              <a:t>    The Extent (bounding box) of the dataset is given as a coordinate pair</a:t>
+            </a:r>
+            <a:endParaRPr lang="x-none" altLang="en-US" sz="1600" i="1">
+              <a:solidFill>
+                <a:schemeClr val="accent6">
+                  <a:lumMod val="75000"/>
+                </a:schemeClr>
+              </a:solidFill>
+              <a:latin typeface="Fira Code" panose="020B0609050000020004" charset="0"/>
+              <a:cs typeface="Fira Code" panose="020B0609050000020004" charset="0"/>
+            </a:endParaRPr>
+          </a:p>
+          <a:p>
+            <a:pPr marL="0" indent="0">
+              <a:buNone/>
+            </a:pPr>
+            <a:r>
+              <a:rPr lang="x-none" altLang="en-US" sz="1600" i="1">
+                <a:solidFill>
+                  <a:schemeClr val="accent6">
+                    <a:lumMod val="75000"/>
+                  </a:schemeClr>
+                </a:solidFill>
+                <a:latin typeface="Fira Code" panose="020B0609050000020004" charset="0"/>
+                <a:cs typeface="Fira Code" panose="020B0609050000020004" charset="0"/>
+              </a:rPr>
+              <a:t>    The SRS (spatial reference) of this dataset, printed as WKT (Well-Known Text)</a:t>
+            </a:r>
+            <a:endParaRPr lang="x-none" altLang="en-US" sz="1600" i="1">
+              <a:solidFill>
+                <a:schemeClr val="accent6">
+                  <a:lumMod val="75000"/>
+                </a:schemeClr>
+              </a:solidFill>
+              <a:latin typeface="Fira Code" panose="020B0609050000020004" charset="0"/>
+              <a:cs typeface="Fira Code" panose="020B0609050000020004" charset="0"/>
+            </a:endParaRPr>
+          </a:p>
+          <a:p>
+            <a:pPr marL="0" indent="0">
+              <a:buNone/>
+            </a:pPr>
+            <a:endParaRPr lang="x-none" altLang="en-US" sz="1600" i="1">
+              <a:solidFill>
+                <a:schemeClr val="accent6">
+                  <a:lumMod val="75000"/>
+                </a:schemeClr>
+              </a:solidFill>
+              <a:latin typeface="Fira Code" panose="020B0609050000020004" charset="0"/>
+              <a:cs typeface="Fira Code" panose="020B0609050000020004" charset="0"/>
+            </a:endParaRPr>
+          </a:p>
+          <a:p>
+            <a:pPr marL="0" indent="0">
+              <a:buNone/>
+            </a:pPr>
+            <a:r>
+              <a:rPr lang="x-none" altLang="en-US" sz="1600" i="1">
+                <a:solidFill>
+                  <a:schemeClr val="accent6">
+                    <a:lumMod val="75000"/>
+                  </a:schemeClr>
+                </a:solidFill>
+                <a:latin typeface="Fira Code" panose="020B0609050000020004" charset="0"/>
+                <a:cs typeface="Fira Code" panose="020B0609050000020004" charset="0"/>
+              </a:rPr>
+              <a:t>Converting data</a:t>
+            </a:r>
+            <a:endParaRPr lang="x-none" altLang="en-US" sz="1600" i="1">
+              <a:solidFill>
+                <a:schemeClr val="accent6">
+                  <a:lumMod val="75000"/>
+                </a:schemeClr>
+              </a:solidFill>
+              <a:latin typeface="Fira Code" panose="020B0609050000020004" charset="0"/>
+              <a:cs typeface="Fira Code" panose="020B0609050000020004" charset="0"/>
+            </a:endParaRPr>
+          </a:p>
+          <a:p>
+            <a:pPr marL="0" indent="0">
+              <a:buNone/>
+            </a:pPr>
+            <a:endParaRPr lang="x-none" altLang="en-US" sz="1600" i="1">
+              <a:solidFill>
+                <a:schemeClr val="accent6">
+                  <a:lumMod val="75000"/>
+                </a:schemeClr>
+              </a:solidFill>
+              <a:latin typeface="Fira Code" panose="020B0609050000020004" charset="0"/>
+              <a:cs typeface="Fira Code" panose="020B0609050000020004" charset="0"/>
+            </a:endParaRPr>
+          </a:p>
+          <a:p>
+            <a:pPr marL="0" indent="0">
+              <a:buNone/>
+            </a:pPr>
+            <a:r>
+              <a:rPr lang="x-none" altLang="en-US" sz="1600" i="1">
+                <a:solidFill>
+                  <a:schemeClr val="accent6">
+                    <a:lumMod val="75000"/>
+                  </a:schemeClr>
+                </a:solidFill>
+                <a:latin typeface="Fira Code" panose="020B0609050000020004" charset="0"/>
+                <a:cs typeface="Fira Code" panose="020B0609050000020004" charset="0"/>
+              </a:rPr>
+              <a:t>One of the most convenient features of GDAL is its ability to quickly and painlessly convert data between file types. In fact, even if you use GDAL for nothing else, data conversion alone is worth the price of admission.</a:t>
+            </a:r>
+            <a:endParaRPr lang="x-none" altLang="en-US" sz="1600" i="1">
+              <a:solidFill>
+                <a:schemeClr val="accent6">
+                  <a:lumMod val="75000"/>
+                </a:schemeClr>
+              </a:solidFill>
+              <a:latin typeface="Fira Code" panose="020B0609050000020004" charset="0"/>
+              <a:cs typeface="Fira Code" panose="020B0609050000020004" charset="0"/>
+            </a:endParaRPr>
+          </a:p>
+          <a:p>
+            <a:pPr marL="0" indent="0">
+              <a:buNone/>
+            </a:pPr>
+            <a:endParaRPr lang="x-none" altLang="en-US" sz="1600" i="1">
+              <a:solidFill>
+                <a:schemeClr val="accent6">
+                  <a:lumMod val="75000"/>
+                </a:schemeClr>
+              </a:solidFill>
+              <a:latin typeface="Fira Code" panose="020B0609050000020004" charset="0"/>
+              <a:cs typeface="Fira Code" panose="020B0609050000020004" charset="0"/>
+            </a:endParaRPr>
+          </a:p>
+          <a:p>
+            <a:pPr marL="0" indent="0">
+              <a:buNone/>
+            </a:pPr>
+            <a:r>
+              <a:rPr lang="x-none" altLang="en-US" sz="1600" i="1">
+                <a:solidFill>
+                  <a:schemeClr val="accent6">
+                    <a:lumMod val="75000"/>
+                  </a:schemeClr>
+                </a:solidFill>
+                <a:latin typeface="Fira Code" panose="020B0609050000020004" charset="0"/>
+                <a:cs typeface="Fira Code" panose="020B0609050000020004" charset="0"/>
+              </a:rPr>
+              <a:t>To convert a vector dataset from one format to another, the basic command pattern is:</a:t>
+            </a:r>
+            <a:endParaRPr lang="x-none" altLang="en-US" sz="1600" i="1">
+              <a:solidFill>
+                <a:schemeClr val="accent6">
+                  <a:lumMod val="75000"/>
+                </a:schemeClr>
+              </a:solidFill>
+              <a:latin typeface="Fira Code" panose="020B0609050000020004" charset="0"/>
+              <a:cs typeface="Fira Code" panose="020B0609050000020004" charset="0"/>
+            </a:endParaRPr>
+          </a:p>
+          <a:p>
+            <a:pPr marL="0" indent="0">
+              <a:buNone/>
+            </a:pPr>
+            <a:endParaRPr lang="x-none" altLang="en-US" sz="1600" i="1">
+              <a:solidFill>
+                <a:schemeClr val="accent6">
+                  <a:lumMod val="75000"/>
+                </a:schemeClr>
+              </a:solidFill>
+              <a:latin typeface="Fira Code" panose="020B0609050000020004" charset="0"/>
+              <a:cs typeface="Fira Code" panose="020B0609050000020004" charset="0"/>
+            </a:endParaRPr>
+          </a:p>
+          <a:p>
+            <a:pPr marL="0" indent="0">
+              <a:buNone/>
+            </a:pPr>
+            <a:r>
+              <a:rPr lang="x-none" altLang="en-US" sz="1600" i="1">
+                <a:solidFill>
+                  <a:schemeClr val="accent6">
+                    <a:lumMod val="75000"/>
+                  </a:schemeClr>
+                </a:solidFill>
+                <a:latin typeface="Fira Code" panose="020B0609050000020004" charset="0"/>
+                <a:cs typeface="Fira Code" panose="020B0609050000020004" charset="0"/>
+              </a:rPr>
+              <a:t>ogr2ogr -f &lt;output format&gt; &lt;destination filename&gt; &lt;source filename&gt;</a:t>
+            </a:r>
+            <a:endParaRPr lang="x-none" altLang="en-US" sz="1600" i="1">
+              <a:solidFill>
+                <a:schemeClr val="accent6">
+                  <a:lumMod val="75000"/>
+                </a:schemeClr>
+              </a:solidFill>
+              <a:latin typeface="Fira Code" panose="020B0609050000020004" charset="0"/>
+              <a:cs typeface="Fira Code" panose="020B0609050000020004" charset="0"/>
+            </a:endParaRPr>
+          </a:p>
+          <a:p>
+            <a:pPr marL="0" indent="0">
+              <a:buNone/>
+            </a:pPr>
+            <a:endParaRPr lang="x-none" altLang="en-US" sz="1600" i="1">
+              <a:solidFill>
+                <a:schemeClr val="accent6">
+                  <a:lumMod val="75000"/>
+                </a:schemeClr>
+              </a:solidFill>
+              <a:latin typeface="Fira Code" panose="020B0609050000020004" charset="0"/>
+              <a:cs typeface="Fira Code" panose="020B0609050000020004" charset="0"/>
+            </a:endParaRPr>
+          </a:p>
+          <a:p>
+            <a:pPr marL="0" indent="0">
+              <a:buNone/>
+            </a:pPr>
+            <a:r>
+              <a:rPr lang="x-none" altLang="en-US" sz="1600" i="1">
+                <a:solidFill>
+                  <a:schemeClr val="accent6">
+                    <a:lumMod val="75000"/>
+                  </a:schemeClr>
+                </a:solidFill>
+                <a:latin typeface="Fira Code" panose="020B0609050000020004" charset="0"/>
+                <a:cs typeface="Fira Code" panose="020B0609050000020004" charset="0"/>
+              </a:rPr>
+              <a:t>To see a list of valid output formats, do:</a:t>
+            </a:r>
+            <a:endParaRPr lang="x-none" altLang="en-US" sz="1600" i="1">
+              <a:solidFill>
+                <a:schemeClr val="accent6">
+                  <a:lumMod val="75000"/>
+                </a:schemeClr>
+              </a:solidFill>
+              <a:latin typeface="Fira Code" panose="020B0609050000020004" charset="0"/>
+              <a:cs typeface="Fira Code" panose="020B0609050000020004" charset="0"/>
+            </a:endParaRPr>
+          </a:p>
+          <a:p>
+            <a:pPr marL="0" indent="0">
+              <a:buNone/>
+            </a:pPr>
+            <a:endParaRPr lang="x-none" altLang="en-US" sz="1600" i="1">
+              <a:solidFill>
+                <a:schemeClr val="accent6">
+                  <a:lumMod val="75000"/>
+                </a:schemeClr>
+              </a:solidFill>
+              <a:latin typeface="Fira Code" panose="020B0609050000020004" charset="0"/>
+              <a:cs typeface="Fira Code" panose="020B0609050000020004" charset="0"/>
+            </a:endParaRPr>
+          </a:p>
+          <a:p>
+            <a:pPr marL="0" indent="0">
+              <a:buNone/>
+            </a:pPr>
+            <a:r>
+              <a:rPr lang="x-none" altLang="en-US" sz="1600" i="1">
+                <a:solidFill>
+                  <a:schemeClr val="accent6">
+                    <a:lumMod val="75000"/>
+                  </a:schemeClr>
+                </a:solidFill>
+                <a:latin typeface="Fira Code" panose="020B0609050000020004" charset="0"/>
+                <a:cs typeface="Fira Code" panose="020B0609050000020004" charset="0"/>
+              </a:rPr>
+              <a:t>ogr2ogr --formats</a:t>
+            </a:r>
+            <a:endParaRPr lang="x-none" altLang="en-US" sz="1600" i="1">
+              <a:solidFill>
+                <a:schemeClr val="accent6">
+                  <a:lumMod val="75000"/>
+                </a:schemeClr>
+              </a:solidFill>
+              <a:latin typeface="Fira Code" panose="020B0609050000020004" charset="0"/>
+              <a:cs typeface="Fira Code" panose="020B0609050000020004" charset="0"/>
+            </a:endParaRPr>
+          </a:p>
+          <a:p>
+            <a:pPr marL="0" indent="0">
+              <a:buNone/>
+            </a:pPr>
+            <a:endParaRPr lang="x-none" altLang="en-US" sz="1600" i="1">
+              <a:solidFill>
+                <a:schemeClr val="accent6">
+                  <a:lumMod val="75000"/>
+                </a:schemeClr>
+              </a:solidFill>
+              <a:latin typeface="Fira Code" panose="020B0609050000020004" charset="0"/>
+              <a:cs typeface="Fira Code" panose="020B0609050000020004" charset="0"/>
+            </a:endParaRPr>
+          </a:p>
+          <a:p>
+            <a:pPr marL="0" indent="0">
+              <a:buNone/>
+            </a:pPr>
+            <a:r>
+              <a:rPr lang="x-none" altLang="en-US" sz="1600" i="1">
+                <a:solidFill>
+                  <a:schemeClr val="accent6">
+                    <a:lumMod val="75000"/>
+                  </a:schemeClr>
+                </a:solidFill>
+                <a:latin typeface="Fira Code" panose="020B0609050000020004" charset="0"/>
+                <a:cs typeface="Fira Code" panose="020B0609050000020004" charset="0"/>
+              </a:rPr>
+              <a:t>Note: the formats supported by a given GDAL instance can vary, depending on the installation process -- but generally, support for common filetypes like Shapefile, GeoJSON, etc. will always be available.</a:t>
+            </a:r>
+            <a:endParaRPr lang="x-none" altLang="en-US" sz="1600" i="1">
+              <a:solidFill>
+                <a:schemeClr val="accent6">
+                  <a:lumMod val="75000"/>
+                </a:schemeClr>
+              </a:solidFill>
+              <a:latin typeface="Fira Code" panose="020B0609050000020004" charset="0"/>
+              <a:cs typeface="Fira Code" panose="020B0609050000020004" charset="0"/>
+            </a:endParaRPr>
+          </a:p>
+          <a:p>
+            <a:pPr marL="0" indent="0">
+              <a:buNone/>
+            </a:pPr>
+            <a:endParaRPr lang="x-none" altLang="en-US" sz="1600" i="1">
+              <a:solidFill>
+                <a:schemeClr val="accent6">
+                  <a:lumMod val="75000"/>
+                </a:schemeClr>
+              </a:solidFill>
+              <a:latin typeface="Fira Code" panose="020B0609050000020004" charset="0"/>
+              <a:cs typeface="Fira Code" panose="020B0609050000020004" charset="0"/>
+            </a:endParaRPr>
+          </a:p>
+          <a:p>
+            <a:pPr marL="0" indent="0">
+              <a:buNone/>
+            </a:pPr>
+            <a:r>
+              <a:rPr lang="x-none" altLang="en-US" sz="1600" i="1">
+                <a:solidFill>
+                  <a:schemeClr val="accent6">
+                    <a:lumMod val="75000"/>
+                  </a:schemeClr>
+                </a:solidFill>
+                <a:latin typeface="Fira Code" panose="020B0609050000020004" charset="0"/>
+                <a:cs typeface="Fira Code" panose="020B0609050000020004" charset="0"/>
+              </a:rPr>
+              <a:t>Let's say we have a shapefile, mydata.shp, which we'd like to convert to a GeoJSON dataset. To do this, we would run:</a:t>
+            </a:r>
+            <a:endParaRPr lang="x-none" altLang="en-US" sz="1600" i="1">
+              <a:solidFill>
+                <a:schemeClr val="accent6">
+                  <a:lumMod val="75000"/>
+                </a:schemeClr>
+              </a:solidFill>
+              <a:latin typeface="Fira Code" panose="020B0609050000020004" charset="0"/>
+              <a:cs typeface="Fira Code" panose="020B0609050000020004" charset="0"/>
+            </a:endParaRPr>
+          </a:p>
+          <a:p>
+            <a:pPr marL="0" indent="0">
+              <a:buNone/>
+            </a:pPr>
+            <a:endParaRPr lang="x-none" altLang="en-US" sz="1600" i="1">
+              <a:solidFill>
+                <a:schemeClr val="accent6">
+                  <a:lumMod val="75000"/>
+                </a:schemeClr>
+              </a:solidFill>
+              <a:latin typeface="Fira Code" panose="020B0609050000020004" charset="0"/>
+              <a:cs typeface="Fira Code" panose="020B0609050000020004" charset="0"/>
+            </a:endParaRPr>
+          </a:p>
+          <a:p>
+            <a:pPr marL="0" indent="0">
+              <a:buNone/>
+            </a:pPr>
+            <a:r>
+              <a:rPr lang="x-none" altLang="en-US" sz="1600" i="1">
+                <a:solidFill>
+                  <a:schemeClr val="accent6">
+                    <a:lumMod val="75000"/>
+                  </a:schemeClr>
+                </a:solidFill>
+                <a:latin typeface="Fira Code" panose="020B0609050000020004" charset="0"/>
+                <a:cs typeface="Fira Code" panose="020B0609050000020004" charset="0"/>
+              </a:rPr>
+              <a:t>ogr2ogr -f GeoJSON myconverteddata.geojson mydata.shp</a:t>
+            </a:r>
+            <a:endParaRPr lang="x-none" altLang="en-US" sz="1600" i="1">
+              <a:solidFill>
+                <a:schemeClr val="accent6">
+                  <a:lumMod val="75000"/>
+                </a:schemeClr>
+              </a:solidFill>
+              <a:latin typeface="Fira Code" panose="020B0609050000020004" charset="0"/>
+              <a:cs typeface="Fira Code" panose="020B0609050000020004" charset="0"/>
+            </a:endParaRPr>
+          </a:p>
+          <a:p>
+            <a:pPr marL="0" indent="0">
+              <a:buNone/>
+            </a:pPr>
+            <a:endParaRPr lang="x-none" altLang="en-US" sz="1600" i="1">
+              <a:solidFill>
+                <a:schemeClr val="accent6">
+                  <a:lumMod val="75000"/>
+                </a:schemeClr>
+              </a:solidFill>
+              <a:latin typeface="Fira Code" panose="020B0609050000020004" charset="0"/>
+              <a:cs typeface="Fira Code" panose="020B0609050000020004" charset="0"/>
+            </a:endParaRPr>
+          </a:p>
+          <a:p>
+            <a:pPr marL="0" indent="0">
+              <a:buNone/>
+            </a:pPr>
+            <a:r>
+              <a:rPr lang="x-none" altLang="en-US" sz="1600" i="1">
+                <a:solidFill>
+                  <a:schemeClr val="accent6">
+                    <a:lumMod val="75000"/>
+                  </a:schemeClr>
+                </a:solidFill>
+                <a:latin typeface="Fira Code" panose="020B0609050000020004" charset="0"/>
+                <a:cs typeface="Fira Code" panose="020B0609050000020004" charset="0"/>
+              </a:rPr>
+              <a:t>Working with raster data</a:t>
+            </a:r>
+            <a:endParaRPr lang="x-none" altLang="en-US" sz="1600" i="1">
+              <a:solidFill>
+                <a:schemeClr val="accent6">
+                  <a:lumMod val="75000"/>
+                </a:schemeClr>
+              </a:solidFill>
+              <a:latin typeface="Fira Code" panose="020B0609050000020004" charset="0"/>
+              <a:cs typeface="Fira Code" panose="020B0609050000020004" charset="0"/>
+            </a:endParaRPr>
+          </a:p>
+          <a:p>
+            <a:pPr marL="0" indent="0">
+              <a:buNone/>
+            </a:pPr>
+            <a:endParaRPr lang="x-none" altLang="en-US" sz="1600" i="1">
+              <a:solidFill>
+                <a:schemeClr val="accent6">
+                  <a:lumMod val="75000"/>
+                </a:schemeClr>
+              </a:solidFill>
+              <a:latin typeface="Fira Code" panose="020B0609050000020004" charset="0"/>
+              <a:cs typeface="Fira Code" panose="020B0609050000020004" charset="0"/>
+            </a:endParaRPr>
+          </a:p>
+          <a:p>
+            <a:pPr marL="0" indent="0">
+              <a:buNone/>
+            </a:pPr>
+            <a:r>
+              <a:rPr lang="x-none" altLang="en-US" sz="1600" i="1">
+                <a:solidFill>
+                  <a:schemeClr val="accent6">
+                    <a:lumMod val="75000"/>
+                  </a:schemeClr>
+                </a:solidFill>
+                <a:latin typeface="Fira Code" panose="020B0609050000020004" charset="0"/>
+                <a:cs typeface="Fira Code" panose="020B0609050000020004" charset="0"/>
+              </a:rPr>
+              <a:t>Just as we learned that GDAL can read and write dozens of vector data types, the same is true for raster data. To see a full list of the raster data filetypes supported by your current GDAL installation, do:</a:t>
+            </a:r>
+            <a:endParaRPr lang="x-none" altLang="en-US" sz="1600" i="1">
+              <a:solidFill>
+                <a:schemeClr val="accent6">
+                  <a:lumMod val="75000"/>
+                </a:schemeClr>
+              </a:solidFill>
+              <a:latin typeface="Fira Code" panose="020B0609050000020004" charset="0"/>
+              <a:cs typeface="Fira Code" panose="020B0609050000020004" charset="0"/>
+            </a:endParaRPr>
+          </a:p>
+          <a:p>
+            <a:pPr marL="0" indent="0">
+              <a:buNone/>
+            </a:pPr>
+            <a:endParaRPr lang="x-none" altLang="en-US" sz="1600" i="1">
+              <a:solidFill>
+                <a:schemeClr val="accent6">
+                  <a:lumMod val="75000"/>
+                </a:schemeClr>
+              </a:solidFill>
+              <a:latin typeface="Fira Code" panose="020B0609050000020004" charset="0"/>
+              <a:cs typeface="Fira Code" panose="020B0609050000020004" charset="0"/>
+            </a:endParaRPr>
+          </a:p>
+          <a:p>
+            <a:pPr marL="0" indent="0">
+              <a:buNone/>
+            </a:pPr>
+            <a:r>
+              <a:rPr lang="x-none" altLang="en-US" sz="1600" i="1">
+                <a:solidFill>
+                  <a:schemeClr val="accent6">
+                    <a:lumMod val="75000"/>
+                  </a:schemeClr>
+                </a:solidFill>
+                <a:latin typeface="Fira Code" panose="020B0609050000020004" charset="0"/>
+                <a:cs typeface="Fira Code" panose="020B0609050000020004" charset="0"/>
+              </a:rPr>
+              <a:t>gdalinfo --formats</a:t>
+            </a:r>
+            <a:endParaRPr lang="x-none" altLang="en-US" sz="1600" i="1">
+              <a:solidFill>
+                <a:schemeClr val="accent6">
+                  <a:lumMod val="75000"/>
+                </a:schemeClr>
+              </a:solidFill>
+              <a:latin typeface="Fira Code" panose="020B0609050000020004" charset="0"/>
+              <a:cs typeface="Fira Code" panose="020B0609050000020004" charset="0"/>
+            </a:endParaRPr>
+          </a:p>
+          <a:p>
+            <a:pPr marL="0" indent="0">
+              <a:buNone/>
+            </a:pPr>
+            <a:endParaRPr lang="x-none" altLang="en-US" sz="1600" i="1">
+              <a:solidFill>
+                <a:schemeClr val="accent6">
+                  <a:lumMod val="75000"/>
+                </a:schemeClr>
+              </a:solidFill>
+              <a:latin typeface="Fira Code" panose="020B0609050000020004" charset="0"/>
+              <a:cs typeface="Fira Code" panose="020B0609050000020004" charset="0"/>
+            </a:endParaRPr>
+          </a:p>
+          <a:p>
+            <a:pPr marL="0" indent="0">
+              <a:buNone/>
+            </a:pPr>
+            <a:r>
+              <a:rPr lang="x-none" altLang="en-US" sz="1600" i="1">
+                <a:solidFill>
+                  <a:schemeClr val="accent6">
+                    <a:lumMod val="75000"/>
+                  </a:schemeClr>
+                </a:solidFill>
+                <a:latin typeface="Fira Code" panose="020B0609050000020004" charset="0"/>
+                <a:cs typeface="Fira Code" panose="020B0609050000020004" charset="0"/>
+              </a:rPr>
+              <a:t>For the following examples, we'll use GeoTIFF data for demonstration purposes.</a:t>
+            </a:r>
+            <a:endParaRPr lang="x-none" altLang="en-US" sz="1600" i="1">
+              <a:solidFill>
+                <a:schemeClr val="accent6">
+                  <a:lumMod val="75000"/>
+                </a:schemeClr>
+              </a:solidFill>
+              <a:latin typeface="Fira Code" panose="020B0609050000020004" charset="0"/>
+              <a:cs typeface="Fira Code" panose="020B0609050000020004" charset="0"/>
+            </a:endParaRPr>
+          </a:p>
+          <a:p>
+            <a:pPr marL="0" indent="0">
+              <a:buNone/>
+            </a:pPr>
+            <a:r>
+              <a:rPr lang="x-none" altLang="en-US" sz="1600" i="1">
+                <a:solidFill>
+                  <a:schemeClr val="accent6">
+                    <a:lumMod val="75000"/>
+                  </a:schemeClr>
+                </a:solidFill>
+                <a:latin typeface="Fira Code" panose="020B0609050000020004" charset="0"/>
+                <a:cs typeface="Fira Code" panose="020B0609050000020004" charset="0"/>
+              </a:rPr>
+              <a:t>Exploring data</a:t>
+            </a:r>
+            <a:endParaRPr lang="x-none" altLang="en-US" sz="1600" i="1">
+              <a:solidFill>
+                <a:schemeClr val="accent6">
+                  <a:lumMod val="75000"/>
+                </a:schemeClr>
+              </a:solidFill>
+              <a:latin typeface="Fira Code" panose="020B0609050000020004" charset="0"/>
+              <a:cs typeface="Fira Code" panose="020B0609050000020004" charset="0"/>
+            </a:endParaRPr>
+          </a:p>
+          <a:p>
+            <a:pPr marL="0" indent="0">
+              <a:buNone/>
+            </a:pPr>
+            <a:endParaRPr lang="x-none" altLang="en-US" sz="1600" i="1">
+              <a:solidFill>
+                <a:schemeClr val="accent6">
+                  <a:lumMod val="75000"/>
+                </a:schemeClr>
+              </a:solidFill>
+              <a:latin typeface="Fira Code" panose="020B0609050000020004" charset="0"/>
+              <a:cs typeface="Fira Code" panose="020B0609050000020004" charset="0"/>
+            </a:endParaRPr>
+          </a:p>
+          <a:p>
+            <a:pPr marL="0" indent="0">
+              <a:buNone/>
+            </a:pPr>
+            <a:r>
+              <a:rPr lang="x-none" altLang="en-US" sz="1600" i="1">
+                <a:solidFill>
+                  <a:schemeClr val="accent6">
+                    <a:lumMod val="75000"/>
+                  </a:schemeClr>
+                </a:solidFill>
+                <a:latin typeface="Fira Code" panose="020B0609050000020004" charset="0"/>
+                <a:cs typeface="Fira Code" panose="020B0609050000020004" charset="0"/>
+              </a:rPr>
+              <a:t>To get information about your dataset, do:</a:t>
+            </a:r>
+            <a:endParaRPr lang="x-none" altLang="en-US" sz="1600" i="1">
+              <a:solidFill>
+                <a:schemeClr val="accent6">
+                  <a:lumMod val="75000"/>
+                </a:schemeClr>
+              </a:solidFill>
+              <a:latin typeface="Fira Code" panose="020B0609050000020004" charset="0"/>
+              <a:cs typeface="Fira Code" panose="020B0609050000020004" charset="0"/>
+            </a:endParaRPr>
+          </a:p>
+          <a:p>
+            <a:pPr marL="0" indent="0">
+              <a:buNone/>
+            </a:pPr>
+            <a:endParaRPr lang="x-none" altLang="en-US" sz="1600" i="1">
+              <a:solidFill>
+                <a:schemeClr val="accent6">
+                  <a:lumMod val="75000"/>
+                </a:schemeClr>
+              </a:solidFill>
+              <a:latin typeface="Fira Code" panose="020B0609050000020004" charset="0"/>
+              <a:cs typeface="Fira Code" panose="020B0609050000020004" charset="0"/>
+            </a:endParaRPr>
+          </a:p>
+          <a:p>
+            <a:pPr marL="0" indent="0">
+              <a:buNone/>
+            </a:pPr>
+            <a:r>
+              <a:rPr lang="x-none" altLang="en-US" sz="1600" i="1">
+                <a:solidFill>
+                  <a:schemeClr val="accent6">
+                    <a:lumMod val="75000"/>
+                  </a:schemeClr>
+                </a:solidFill>
+                <a:latin typeface="Fira Code" panose="020B0609050000020004" charset="0"/>
+                <a:cs typeface="Fira Code" panose="020B0609050000020004" charset="0"/>
+              </a:rPr>
+              <a:t>ogrinfo mydata.tif</a:t>
+            </a:r>
+            <a:endParaRPr lang="x-none" altLang="en-US" sz="1600" i="1">
+              <a:solidFill>
+                <a:schemeClr val="accent6">
+                  <a:lumMod val="75000"/>
+                </a:schemeClr>
+              </a:solidFill>
+              <a:latin typeface="Fira Code" panose="020B0609050000020004" charset="0"/>
+              <a:cs typeface="Fira Code" panose="020B0609050000020004" charset="0"/>
+            </a:endParaRPr>
+          </a:p>
+          <a:p>
+            <a:pPr marL="0" indent="0">
+              <a:buNone/>
+            </a:pPr>
+            <a:endParaRPr lang="x-none" altLang="en-US" sz="1600" i="1">
+              <a:solidFill>
+                <a:schemeClr val="accent6">
+                  <a:lumMod val="75000"/>
+                </a:schemeClr>
+              </a:solidFill>
+              <a:latin typeface="Fira Code" panose="020B0609050000020004" charset="0"/>
+              <a:cs typeface="Fira Code" panose="020B0609050000020004" charset="0"/>
+            </a:endParaRPr>
+          </a:p>
+          <a:p>
+            <a:pPr marL="0" indent="0">
+              <a:buNone/>
+            </a:pPr>
+            <a:r>
+              <a:rPr lang="x-none" altLang="en-US" sz="1600" i="1">
+                <a:solidFill>
+                  <a:schemeClr val="accent6">
+                    <a:lumMod val="75000"/>
+                  </a:schemeClr>
+                </a:solidFill>
+                <a:latin typeface="Fira Code" panose="020B0609050000020004" charset="0"/>
+                <a:cs typeface="Fira Code" panose="020B0609050000020004" charset="0"/>
+              </a:rPr>
+              <a:t>Which will return something like this:</a:t>
+            </a:r>
+            <a:endParaRPr lang="x-none" altLang="en-US" sz="1600" i="1">
+              <a:solidFill>
+                <a:schemeClr val="accent6">
+                  <a:lumMod val="75000"/>
+                </a:schemeClr>
+              </a:solidFill>
+              <a:latin typeface="Fira Code" panose="020B0609050000020004" charset="0"/>
+              <a:cs typeface="Fira Code" panose="020B0609050000020004" charset="0"/>
+            </a:endParaRPr>
+          </a:p>
+          <a:p>
+            <a:pPr marL="0" indent="0">
+              <a:buNone/>
+            </a:pPr>
+            <a:endParaRPr lang="x-none" altLang="en-US" sz="1600" i="1">
+              <a:solidFill>
+                <a:schemeClr val="accent6">
+                  <a:lumMod val="75000"/>
+                </a:schemeClr>
+              </a:solidFill>
+              <a:latin typeface="Fira Code" panose="020B0609050000020004" charset="0"/>
+              <a:cs typeface="Fira Code" panose="020B0609050000020004" charset="0"/>
+            </a:endParaRPr>
+          </a:p>
+          <a:p>
+            <a:pPr marL="0" indent="0">
+              <a:buNone/>
+            </a:pPr>
+            <a:r>
+              <a:rPr lang="x-none" altLang="en-US" sz="1600" i="1">
+                <a:solidFill>
+                  <a:schemeClr val="accent6">
+                    <a:lumMod val="75000"/>
+                  </a:schemeClr>
+                </a:solidFill>
+                <a:latin typeface="Fira Code" panose="020B0609050000020004" charset="0"/>
+                <a:cs typeface="Fira Code" panose="020B0609050000020004" charset="0"/>
+              </a:rPr>
+              <a:t>Driver: GTiff/GeoTIFF</a:t>
+            </a:r>
+            <a:endParaRPr lang="x-none" altLang="en-US" sz="1600" i="1">
+              <a:solidFill>
+                <a:schemeClr val="accent6">
+                  <a:lumMod val="75000"/>
+                </a:schemeClr>
+              </a:solidFill>
+              <a:latin typeface="Fira Code" panose="020B0609050000020004" charset="0"/>
+              <a:cs typeface="Fira Code" panose="020B0609050000020004" charset="0"/>
+            </a:endParaRPr>
+          </a:p>
+          <a:p>
+            <a:pPr marL="0" indent="0">
+              <a:buNone/>
+            </a:pPr>
+            <a:r>
+              <a:rPr lang="x-none" altLang="en-US" sz="1600" i="1">
+                <a:solidFill>
+                  <a:schemeClr val="accent6">
+                    <a:lumMod val="75000"/>
+                  </a:schemeClr>
+                </a:solidFill>
+                <a:latin typeface="Fira Code" panose="020B0609050000020004" charset="0"/>
+                <a:cs typeface="Fira Code" panose="020B0609050000020004" charset="0"/>
+              </a:rPr>
+              <a:t>Files: mydata.tif</a:t>
+            </a:r>
+            <a:endParaRPr lang="x-none" altLang="en-US" sz="1600" i="1">
+              <a:solidFill>
+                <a:schemeClr val="accent6">
+                  <a:lumMod val="75000"/>
+                </a:schemeClr>
+              </a:solidFill>
+              <a:latin typeface="Fira Code" panose="020B0609050000020004" charset="0"/>
+              <a:cs typeface="Fira Code" panose="020B0609050000020004" charset="0"/>
+            </a:endParaRPr>
+          </a:p>
+          <a:p>
+            <a:pPr marL="0" indent="0">
+              <a:buNone/>
+            </a:pPr>
+            <a:r>
+              <a:rPr lang="x-none" altLang="en-US" sz="1600" i="1">
+                <a:solidFill>
+                  <a:schemeClr val="accent6">
+                    <a:lumMod val="75000"/>
+                  </a:schemeClr>
+                </a:solidFill>
+                <a:latin typeface="Fira Code" panose="020B0609050000020004" charset="0"/>
+                <a:cs typeface="Fira Code" panose="020B0609050000020004" charset="0"/>
+              </a:rPr>
+              <a:t>Size is 8879, 4392</a:t>
+            </a:r>
+            <a:endParaRPr lang="x-none" altLang="en-US" sz="1600" i="1">
+              <a:solidFill>
+                <a:schemeClr val="accent6">
+                  <a:lumMod val="75000"/>
+                </a:schemeClr>
+              </a:solidFill>
+              <a:latin typeface="Fira Code" panose="020B0609050000020004" charset="0"/>
+              <a:cs typeface="Fira Code" panose="020B0609050000020004" charset="0"/>
+            </a:endParaRPr>
+          </a:p>
+          <a:p>
+            <a:pPr marL="0" indent="0">
+              <a:buNone/>
+            </a:pPr>
+            <a:r>
+              <a:rPr lang="x-none" altLang="en-US" sz="1600" i="1">
+                <a:solidFill>
+                  <a:schemeClr val="accent6">
+                    <a:lumMod val="75000"/>
+                  </a:schemeClr>
+                </a:solidFill>
+                <a:latin typeface="Fira Code" panose="020B0609050000020004" charset="0"/>
+                <a:cs typeface="Fira Code" panose="020B0609050000020004" charset="0"/>
+              </a:rPr>
+              <a:t>Coordinate System is:</a:t>
+            </a:r>
+            <a:endParaRPr lang="x-none" altLang="en-US" sz="1600" i="1">
+              <a:solidFill>
+                <a:schemeClr val="accent6">
+                  <a:lumMod val="75000"/>
+                </a:schemeClr>
+              </a:solidFill>
+              <a:latin typeface="Fira Code" panose="020B0609050000020004" charset="0"/>
+              <a:cs typeface="Fira Code" panose="020B0609050000020004" charset="0"/>
+            </a:endParaRPr>
+          </a:p>
+          <a:p>
+            <a:pPr marL="0" indent="0">
+              <a:buNone/>
+            </a:pPr>
+            <a:r>
+              <a:rPr lang="x-none" altLang="en-US" sz="1600" i="1">
+                <a:solidFill>
+                  <a:schemeClr val="accent6">
+                    <a:lumMod val="75000"/>
+                  </a:schemeClr>
+                </a:solidFill>
+                <a:latin typeface="Fira Code" panose="020B0609050000020004" charset="0"/>
+                <a:cs typeface="Fira Code" panose="020B0609050000020004" charset="0"/>
+              </a:rPr>
+              <a:t>PROJCS["WGS 84 / UTM zone 38N",</a:t>
+            </a:r>
+            <a:endParaRPr lang="x-none" altLang="en-US" sz="1600" i="1">
+              <a:solidFill>
+                <a:schemeClr val="accent6">
+                  <a:lumMod val="75000"/>
+                </a:schemeClr>
+              </a:solidFill>
+              <a:latin typeface="Fira Code" panose="020B0609050000020004" charset="0"/>
+              <a:cs typeface="Fira Code" panose="020B0609050000020004" charset="0"/>
+            </a:endParaRPr>
+          </a:p>
+          <a:p>
+            <a:pPr marL="0" indent="0">
+              <a:buNone/>
+            </a:pPr>
+            <a:r>
+              <a:rPr lang="x-none" altLang="en-US" sz="1600" i="1">
+                <a:solidFill>
+                  <a:schemeClr val="accent6">
+                    <a:lumMod val="75000"/>
+                  </a:schemeClr>
+                </a:solidFill>
+                <a:latin typeface="Fira Code" panose="020B0609050000020004" charset="0"/>
+                <a:cs typeface="Fira Code" panose="020B0609050000020004" charset="0"/>
+              </a:rPr>
+              <a:t>GEOGCS["WGS 84",</a:t>
+            </a:r>
+            <a:endParaRPr lang="x-none" altLang="en-US" sz="1600" i="1">
+              <a:solidFill>
+                <a:schemeClr val="accent6">
+                  <a:lumMod val="75000"/>
+                </a:schemeClr>
+              </a:solidFill>
+              <a:latin typeface="Fira Code" panose="020B0609050000020004" charset="0"/>
+              <a:cs typeface="Fira Code" panose="020B0609050000020004" charset="0"/>
+            </a:endParaRPr>
+          </a:p>
+          <a:p>
+            <a:pPr marL="0" indent="0">
+              <a:buNone/>
+            </a:pPr>
+            <a:r>
+              <a:rPr lang="x-none" altLang="en-US" sz="1600" i="1">
+                <a:solidFill>
+                  <a:schemeClr val="accent6">
+                    <a:lumMod val="75000"/>
+                  </a:schemeClr>
+                </a:solidFill>
+                <a:latin typeface="Fira Code" panose="020B0609050000020004" charset="0"/>
+                <a:cs typeface="Fira Code" panose="020B0609050000020004" charset="0"/>
+              </a:rPr>
+              <a:t>DATUM["WGS_1984",</a:t>
+            </a:r>
+            <a:endParaRPr lang="x-none" altLang="en-US" sz="1600" i="1">
+              <a:solidFill>
+                <a:schemeClr val="accent6">
+                  <a:lumMod val="75000"/>
+                </a:schemeClr>
+              </a:solidFill>
+              <a:latin typeface="Fira Code" panose="020B0609050000020004" charset="0"/>
+              <a:cs typeface="Fira Code" panose="020B0609050000020004" charset="0"/>
+            </a:endParaRPr>
+          </a:p>
+          <a:p>
+            <a:pPr marL="0" indent="0">
+              <a:buNone/>
+            </a:pPr>
+            <a:r>
+              <a:rPr lang="x-none" altLang="en-US" sz="1600" i="1">
+                <a:solidFill>
+                  <a:schemeClr val="accent6">
+                    <a:lumMod val="75000"/>
+                  </a:schemeClr>
+                </a:solidFill>
+                <a:latin typeface="Fira Code" panose="020B0609050000020004" charset="0"/>
+                <a:cs typeface="Fira Code" panose="020B0609050000020004" charset="0"/>
+              </a:rPr>
+              <a:t>    SPHEROID["WGS 84",6378137,298.257223563,</a:t>
+            </a:r>
+            <a:endParaRPr lang="x-none" altLang="en-US" sz="1600" i="1">
+              <a:solidFill>
+                <a:schemeClr val="accent6">
+                  <a:lumMod val="75000"/>
+                </a:schemeClr>
+              </a:solidFill>
+              <a:latin typeface="Fira Code" panose="020B0609050000020004" charset="0"/>
+              <a:cs typeface="Fira Code" panose="020B0609050000020004" charset="0"/>
+            </a:endParaRPr>
+          </a:p>
+          <a:p>
+            <a:pPr marL="0" indent="0">
+              <a:buNone/>
+            </a:pPr>
+            <a:r>
+              <a:rPr lang="x-none" altLang="en-US" sz="1600" i="1">
+                <a:solidFill>
+                  <a:schemeClr val="accent6">
+                    <a:lumMod val="75000"/>
+                  </a:schemeClr>
+                </a:solidFill>
+                <a:latin typeface="Fira Code" panose="020B0609050000020004" charset="0"/>
+                <a:cs typeface="Fira Code" panose="020B0609050000020004" charset="0"/>
+              </a:rPr>
+              <a:t>        AUTHORITY["EPSG","7030"]],</a:t>
+            </a:r>
+            <a:endParaRPr lang="x-none" altLang="en-US" sz="1600" i="1">
+              <a:solidFill>
+                <a:schemeClr val="accent6">
+                  <a:lumMod val="75000"/>
+                </a:schemeClr>
+              </a:solidFill>
+              <a:latin typeface="Fira Code" panose="020B0609050000020004" charset="0"/>
+              <a:cs typeface="Fira Code" panose="020B0609050000020004" charset="0"/>
+            </a:endParaRPr>
+          </a:p>
+          <a:p>
+            <a:pPr marL="0" indent="0">
+              <a:buNone/>
+            </a:pPr>
+            <a:r>
+              <a:rPr lang="x-none" altLang="en-US" sz="1600" i="1">
+                <a:solidFill>
+                  <a:schemeClr val="accent6">
+                    <a:lumMod val="75000"/>
+                  </a:schemeClr>
+                </a:solidFill>
+                <a:latin typeface="Fira Code" panose="020B0609050000020004" charset="0"/>
+                <a:cs typeface="Fira Code" panose="020B0609050000020004" charset="0"/>
+              </a:rPr>
+              <a:t>    AUTHORITY["EPSG","6326"]],</a:t>
+            </a:r>
+            <a:endParaRPr lang="x-none" altLang="en-US" sz="1600" i="1">
+              <a:solidFill>
+                <a:schemeClr val="accent6">
+                  <a:lumMod val="75000"/>
+                </a:schemeClr>
+              </a:solidFill>
+              <a:latin typeface="Fira Code" panose="020B0609050000020004" charset="0"/>
+              <a:cs typeface="Fira Code" panose="020B0609050000020004" charset="0"/>
+            </a:endParaRPr>
+          </a:p>
+          <a:p>
+            <a:pPr marL="0" indent="0">
+              <a:buNone/>
+            </a:pPr>
+            <a:r>
+              <a:rPr lang="x-none" altLang="en-US" sz="1600" i="1">
+                <a:solidFill>
+                  <a:schemeClr val="accent6">
+                    <a:lumMod val="75000"/>
+                  </a:schemeClr>
+                </a:solidFill>
+                <a:latin typeface="Fira Code" panose="020B0609050000020004" charset="0"/>
+                <a:cs typeface="Fira Code" panose="020B0609050000020004" charset="0"/>
+              </a:rPr>
+              <a:t>PRIMEM["Greenwich",0,</a:t>
+            </a:r>
+            <a:endParaRPr lang="x-none" altLang="en-US" sz="1600" i="1">
+              <a:solidFill>
+                <a:schemeClr val="accent6">
+                  <a:lumMod val="75000"/>
+                </a:schemeClr>
+              </a:solidFill>
+              <a:latin typeface="Fira Code" panose="020B0609050000020004" charset="0"/>
+              <a:cs typeface="Fira Code" panose="020B0609050000020004" charset="0"/>
+            </a:endParaRPr>
+          </a:p>
+          <a:p>
+            <a:pPr marL="0" indent="0">
+              <a:buNone/>
+            </a:pPr>
+            <a:r>
+              <a:rPr lang="x-none" altLang="en-US" sz="1600" i="1">
+                <a:solidFill>
+                  <a:schemeClr val="accent6">
+                    <a:lumMod val="75000"/>
+                  </a:schemeClr>
+                </a:solidFill>
+                <a:latin typeface="Fira Code" panose="020B0609050000020004" charset="0"/>
+                <a:cs typeface="Fira Code" panose="020B0609050000020004" charset="0"/>
+              </a:rPr>
+              <a:t>    AUTHORITY["EPSG","8901"]],</a:t>
+            </a:r>
+            <a:endParaRPr lang="x-none" altLang="en-US" sz="1600" i="1">
+              <a:solidFill>
+                <a:schemeClr val="accent6">
+                  <a:lumMod val="75000"/>
+                </a:schemeClr>
+              </a:solidFill>
+              <a:latin typeface="Fira Code" panose="020B0609050000020004" charset="0"/>
+              <a:cs typeface="Fira Code" panose="020B0609050000020004" charset="0"/>
+            </a:endParaRPr>
+          </a:p>
+          <a:p>
+            <a:pPr marL="0" indent="0">
+              <a:buNone/>
+            </a:pPr>
+            <a:r>
+              <a:rPr lang="x-none" altLang="en-US" sz="1600" i="1">
+                <a:solidFill>
+                  <a:schemeClr val="accent6">
+                    <a:lumMod val="75000"/>
+                  </a:schemeClr>
+                </a:solidFill>
+                <a:latin typeface="Fira Code" panose="020B0609050000020004" charset="0"/>
+                <a:cs typeface="Fira Code" panose="020B0609050000020004" charset="0"/>
+              </a:rPr>
+              <a:t>UNIT["degree",0.0174532925199433,</a:t>
+            </a:r>
+            <a:endParaRPr lang="x-none" altLang="en-US" sz="1600" i="1">
+              <a:solidFill>
+                <a:schemeClr val="accent6">
+                  <a:lumMod val="75000"/>
+                </a:schemeClr>
+              </a:solidFill>
+              <a:latin typeface="Fira Code" panose="020B0609050000020004" charset="0"/>
+              <a:cs typeface="Fira Code" panose="020B0609050000020004" charset="0"/>
+            </a:endParaRPr>
+          </a:p>
+          <a:p>
+            <a:pPr marL="0" indent="0">
+              <a:buNone/>
+            </a:pPr>
+            <a:r>
+              <a:rPr lang="x-none" altLang="en-US" sz="1600" i="1">
+                <a:solidFill>
+                  <a:schemeClr val="accent6">
+                    <a:lumMod val="75000"/>
+                  </a:schemeClr>
+                </a:solidFill>
+                <a:latin typeface="Fira Code" panose="020B0609050000020004" charset="0"/>
+                <a:cs typeface="Fira Code" panose="020B0609050000020004" charset="0"/>
+              </a:rPr>
+              <a:t>    AUTHORITY["EPSG","9122"]],</a:t>
+            </a:r>
+            <a:endParaRPr lang="x-none" altLang="en-US" sz="1600" i="1">
+              <a:solidFill>
+                <a:schemeClr val="accent6">
+                  <a:lumMod val="75000"/>
+                </a:schemeClr>
+              </a:solidFill>
+              <a:latin typeface="Fira Code" panose="020B0609050000020004" charset="0"/>
+              <a:cs typeface="Fira Code" panose="020B0609050000020004" charset="0"/>
+            </a:endParaRPr>
+          </a:p>
+          <a:p>
+            <a:pPr marL="0" indent="0">
+              <a:buNone/>
+            </a:pPr>
+            <a:r>
+              <a:rPr lang="x-none" altLang="en-US" sz="1600" i="1">
+                <a:solidFill>
+                  <a:schemeClr val="accent6">
+                    <a:lumMod val="75000"/>
+                  </a:schemeClr>
+                </a:solidFill>
+                <a:latin typeface="Fira Code" panose="020B0609050000020004" charset="0"/>
+                <a:cs typeface="Fira Code" panose="020B0609050000020004" charset="0"/>
+              </a:rPr>
+              <a:t>AUTHORITY["EPSG","4326"]],</a:t>
+            </a:r>
+            <a:endParaRPr lang="x-none" altLang="en-US" sz="1600" i="1">
+              <a:solidFill>
+                <a:schemeClr val="accent6">
+                  <a:lumMod val="75000"/>
+                </a:schemeClr>
+              </a:solidFill>
+              <a:latin typeface="Fira Code" panose="020B0609050000020004" charset="0"/>
+              <a:cs typeface="Fira Code" panose="020B0609050000020004" charset="0"/>
+            </a:endParaRPr>
+          </a:p>
+          <a:p>
+            <a:pPr marL="0" indent="0">
+              <a:buNone/>
+            </a:pPr>
+            <a:r>
+              <a:rPr lang="x-none" altLang="en-US" sz="1600" i="1">
+                <a:solidFill>
+                  <a:schemeClr val="accent6">
+                    <a:lumMod val="75000"/>
+                  </a:schemeClr>
+                </a:solidFill>
+                <a:latin typeface="Fira Code" panose="020B0609050000020004" charset="0"/>
+                <a:cs typeface="Fira Code" panose="020B0609050000020004" charset="0"/>
+              </a:rPr>
+              <a:t>PROJECTION["Transverse_Mercator"],</a:t>
+            </a:r>
+            <a:endParaRPr lang="x-none" altLang="en-US" sz="1600" i="1">
+              <a:solidFill>
+                <a:schemeClr val="accent6">
+                  <a:lumMod val="75000"/>
+                </a:schemeClr>
+              </a:solidFill>
+              <a:latin typeface="Fira Code" panose="020B0609050000020004" charset="0"/>
+              <a:cs typeface="Fira Code" panose="020B0609050000020004" charset="0"/>
+            </a:endParaRPr>
+          </a:p>
+          <a:p>
+            <a:pPr marL="0" indent="0">
+              <a:buNone/>
+            </a:pPr>
+            <a:r>
+              <a:rPr lang="x-none" altLang="en-US" sz="1600" i="1">
+                <a:solidFill>
+                  <a:schemeClr val="accent6">
+                    <a:lumMod val="75000"/>
+                  </a:schemeClr>
+                </a:solidFill>
+                <a:latin typeface="Fira Code" panose="020B0609050000020004" charset="0"/>
+                <a:cs typeface="Fira Code" panose="020B0609050000020004" charset="0"/>
+              </a:rPr>
+              <a:t>PARAMETER["latitude_of_origin",0],</a:t>
+            </a:r>
+            <a:endParaRPr lang="x-none" altLang="en-US" sz="1600" i="1">
+              <a:solidFill>
+                <a:schemeClr val="accent6">
+                  <a:lumMod val="75000"/>
+                </a:schemeClr>
+              </a:solidFill>
+              <a:latin typeface="Fira Code" panose="020B0609050000020004" charset="0"/>
+              <a:cs typeface="Fira Code" panose="020B0609050000020004" charset="0"/>
+            </a:endParaRPr>
+          </a:p>
+          <a:p>
+            <a:pPr marL="0" indent="0">
+              <a:buNone/>
+            </a:pPr>
+            <a:r>
+              <a:rPr lang="x-none" altLang="en-US" sz="1600" i="1">
+                <a:solidFill>
+                  <a:schemeClr val="accent6">
+                    <a:lumMod val="75000"/>
+                  </a:schemeClr>
+                </a:solidFill>
+                <a:latin typeface="Fira Code" panose="020B0609050000020004" charset="0"/>
+                <a:cs typeface="Fira Code" panose="020B0609050000020004" charset="0"/>
+              </a:rPr>
+              <a:t>PARAMETER["central_meridian",45],</a:t>
+            </a:r>
+            <a:endParaRPr lang="x-none" altLang="en-US" sz="1600" i="1">
+              <a:solidFill>
+                <a:schemeClr val="accent6">
+                  <a:lumMod val="75000"/>
+                </a:schemeClr>
+              </a:solidFill>
+              <a:latin typeface="Fira Code" panose="020B0609050000020004" charset="0"/>
+              <a:cs typeface="Fira Code" panose="020B0609050000020004" charset="0"/>
+            </a:endParaRPr>
+          </a:p>
+          <a:p>
+            <a:pPr marL="0" indent="0">
+              <a:buNone/>
+            </a:pPr>
+            <a:r>
+              <a:rPr lang="x-none" altLang="en-US" sz="1600" i="1">
+                <a:solidFill>
+                  <a:schemeClr val="accent6">
+                    <a:lumMod val="75000"/>
+                  </a:schemeClr>
+                </a:solidFill>
+                <a:latin typeface="Fira Code" panose="020B0609050000020004" charset="0"/>
+                <a:cs typeface="Fira Code" panose="020B0609050000020004" charset="0"/>
+              </a:rPr>
+              <a:t>PARAMETER["scale_factor",0.9996],</a:t>
+            </a:r>
+            <a:endParaRPr lang="x-none" altLang="en-US" sz="1600" i="1">
+              <a:solidFill>
+                <a:schemeClr val="accent6">
+                  <a:lumMod val="75000"/>
+                </a:schemeClr>
+              </a:solidFill>
+              <a:latin typeface="Fira Code" panose="020B0609050000020004" charset="0"/>
+              <a:cs typeface="Fira Code" panose="020B0609050000020004" charset="0"/>
+            </a:endParaRPr>
+          </a:p>
+          <a:p>
+            <a:pPr marL="0" indent="0">
+              <a:buNone/>
+            </a:pPr>
+            <a:r>
+              <a:rPr lang="x-none" altLang="en-US" sz="1600" i="1">
+                <a:solidFill>
+                  <a:schemeClr val="accent6">
+                    <a:lumMod val="75000"/>
+                  </a:schemeClr>
+                </a:solidFill>
+                <a:latin typeface="Fira Code" panose="020B0609050000020004" charset="0"/>
+                <a:cs typeface="Fira Code" panose="020B0609050000020004" charset="0"/>
+              </a:rPr>
+              <a:t>PARAMETER["false_easting",500000],</a:t>
+            </a:r>
+            <a:endParaRPr lang="x-none" altLang="en-US" sz="1600" i="1">
+              <a:solidFill>
+                <a:schemeClr val="accent6">
+                  <a:lumMod val="75000"/>
+                </a:schemeClr>
+              </a:solidFill>
+              <a:latin typeface="Fira Code" panose="020B0609050000020004" charset="0"/>
+              <a:cs typeface="Fira Code" panose="020B0609050000020004" charset="0"/>
+            </a:endParaRPr>
+          </a:p>
+          <a:p>
+            <a:pPr marL="0" indent="0">
+              <a:buNone/>
+            </a:pPr>
+            <a:r>
+              <a:rPr lang="x-none" altLang="en-US" sz="1600" i="1">
+                <a:solidFill>
+                  <a:schemeClr val="accent6">
+                    <a:lumMod val="75000"/>
+                  </a:schemeClr>
+                </a:solidFill>
+                <a:latin typeface="Fira Code" panose="020B0609050000020004" charset="0"/>
+                <a:cs typeface="Fira Code" panose="020B0609050000020004" charset="0"/>
+              </a:rPr>
+              <a:t>PARAMETER["false_northing",0],</a:t>
+            </a:r>
+            <a:endParaRPr lang="x-none" altLang="en-US" sz="1600" i="1">
+              <a:solidFill>
+                <a:schemeClr val="accent6">
+                  <a:lumMod val="75000"/>
+                </a:schemeClr>
+              </a:solidFill>
+              <a:latin typeface="Fira Code" panose="020B0609050000020004" charset="0"/>
+              <a:cs typeface="Fira Code" panose="020B0609050000020004" charset="0"/>
+            </a:endParaRPr>
+          </a:p>
+          <a:p>
+            <a:pPr marL="0" indent="0">
+              <a:buNone/>
+            </a:pPr>
+            <a:r>
+              <a:rPr lang="x-none" altLang="en-US" sz="1600" i="1">
+                <a:solidFill>
+                  <a:schemeClr val="accent6">
+                    <a:lumMod val="75000"/>
+                  </a:schemeClr>
+                </a:solidFill>
+                <a:latin typeface="Fira Code" panose="020B0609050000020004" charset="0"/>
+                <a:cs typeface="Fira Code" panose="020B0609050000020004" charset="0"/>
+              </a:rPr>
+              <a:t>UNIT["metre",1,</a:t>
+            </a:r>
+            <a:endParaRPr lang="x-none" altLang="en-US" sz="1600" i="1">
+              <a:solidFill>
+                <a:schemeClr val="accent6">
+                  <a:lumMod val="75000"/>
+                </a:schemeClr>
+              </a:solidFill>
+              <a:latin typeface="Fira Code" panose="020B0609050000020004" charset="0"/>
+              <a:cs typeface="Fira Code" panose="020B0609050000020004" charset="0"/>
+            </a:endParaRPr>
+          </a:p>
+          <a:p>
+            <a:pPr marL="0" indent="0">
+              <a:buNone/>
+            </a:pPr>
+            <a:r>
+              <a:rPr lang="x-none" altLang="en-US" sz="1600" i="1">
+                <a:solidFill>
+                  <a:schemeClr val="accent6">
+                    <a:lumMod val="75000"/>
+                  </a:schemeClr>
+                </a:solidFill>
+                <a:latin typeface="Fira Code" panose="020B0609050000020004" charset="0"/>
+                <a:cs typeface="Fira Code" panose="020B0609050000020004" charset="0"/>
+              </a:rPr>
+              <a:t>AUTHORITY["EPSG","9001"]],</a:t>
+            </a:r>
+            <a:endParaRPr lang="x-none" altLang="en-US" sz="1600" i="1">
+              <a:solidFill>
+                <a:schemeClr val="accent6">
+                  <a:lumMod val="75000"/>
+                </a:schemeClr>
+              </a:solidFill>
+              <a:latin typeface="Fira Code" panose="020B0609050000020004" charset="0"/>
+              <a:cs typeface="Fira Code" panose="020B0609050000020004" charset="0"/>
+            </a:endParaRPr>
+          </a:p>
+          <a:p>
+            <a:pPr marL="0" indent="0">
+              <a:buNone/>
+            </a:pPr>
+            <a:r>
+              <a:rPr lang="x-none" altLang="en-US" sz="1600" i="1">
+                <a:solidFill>
+                  <a:schemeClr val="accent6">
+                    <a:lumMod val="75000"/>
+                  </a:schemeClr>
+                </a:solidFill>
+                <a:latin typeface="Fira Code" panose="020B0609050000020004" charset="0"/>
+                <a:cs typeface="Fira Code" panose="020B0609050000020004" charset="0"/>
+              </a:rPr>
+              <a:t>AXIS["Easting",EAST],</a:t>
+            </a:r>
+            <a:endParaRPr lang="x-none" altLang="en-US" sz="1600" i="1">
+              <a:solidFill>
+                <a:schemeClr val="accent6">
+                  <a:lumMod val="75000"/>
+                </a:schemeClr>
+              </a:solidFill>
+              <a:latin typeface="Fira Code" panose="020B0609050000020004" charset="0"/>
+              <a:cs typeface="Fira Code" panose="020B0609050000020004" charset="0"/>
+            </a:endParaRPr>
+          </a:p>
+          <a:p>
+            <a:pPr marL="0" indent="0">
+              <a:buNone/>
+            </a:pPr>
+            <a:r>
+              <a:rPr lang="x-none" altLang="en-US" sz="1600" i="1">
+                <a:solidFill>
+                  <a:schemeClr val="accent6">
+                    <a:lumMod val="75000"/>
+                  </a:schemeClr>
+                </a:solidFill>
+                <a:latin typeface="Fira Code" panose="020B0609050000020004" charset="0"/>
+                <a:cs typeface="Fira Code" panose="020B0609050000020004" charset="0"/>
+              </a:rPr>
+              <a:t>AXIS["Northing",NORTH],</a:t>
+            </a:r>
+            <a:endParaRPr lang="x-none" altLang="en-US" sz="1600" i="1">
+              <a:solidFill>
+                <a:schemeClr val="accent6">
+                  <a:lumMod val="75000"/>
+                </a:schemeClr>
+              </a:solidFill>
+              <a:latin typeface="Fira Code" panose="020B0609050000020004" charset="0"/>
+              <a:cs typeface="Fira Code" panose="020B0609050000020004" charset="0"/>
+            </a:endParaRPr>
+          </a:p>
+          <a:p>
+            <a:pPr marL="0" indent="0">
+              <a:buNone/>
+            </a:pPr>
+            <a:r>
+              <a:rPr lang="x-none" altLang="en-US" sz="1600" i="1">
+                <a:solidFill>
+                  <a:schemeClr val="accent6">
+                    <a:lumMod val="75000"/>
+                  </a:schemeClr>
+                </a:solidFill>
+                <a:latin typeface="Fira Code" panose="020B0609050000020004" charset="0"/>
+                <a:cs typeface="Fira Code" panose="020B0609050000020004" charset="0"/>
+              </a:rPr>
+              <a:t>AUTHORITY["EPSG","32638"]]</a:t>
+            </a:r>
+            <a:endParaRPr lang="x-none" altLang="en-US" sz="1600" i="1">
+              <a:solidFill>
+                <a:schemeClr val="accent6">
+                  <a:lumMod val="75000"/>
+                </a:schemeClr>
+              </a:solidFill>
+              <a:latin typeface="Fira Code" panose="020B0609050000020004" charset="0"/>
+              <a:cs typeface="Fira Code" panose="020B0609050000020004" charset="0"/>
+            </a:endParaRPr>
+          </a:p>
+          <a:p>
+            <a:pPr marL="0" indent="0">
+              <a:buNone/>
+            </a:pPr>
+            <a:r>
+              <a:rPr lang="x-none" altLang="en-US" sz="1600" i="1">
+                <a:solidFill>
+                  <a:schemeClr val="accent6">
+                    <a:lumMod val="75000"/>
+                  </a:schemeClr>
+                </a:solidFill>
+                <a:latin typeface="Fira Code" panose="020B0609050000020004" charset="0"/>
+                <a:cs typeface="Fira Code" panose="020B0609050000020004" charset="0"/>
+              </a:rPr>
+              <a:t>Origin = (494265.000000000000000,2729640.000000000000000)</a:t>
+            </a:r>
+            <a:endParaRPr lang="x-none" altLang="en-US" sz="1600" i="1">
+              <a:solidFill>
+                <a:schemeClr val="accent6">
+                  <a:lumMod val="75000"/>
+                </a:schemeClr>
+              </a:solidFill>
+              <a:latin typeface="Fira Code" panose="020B0609050000020004" charset="0"/>
+              <a:cs typeface="Fira Code" panose="020B0609050000020004" charset="0"/>
+            </a:endParaRPr>
+          </a:p>
+          <a:p>
+            <a:pPr marL="0" indent="0">
+              <a:buNone/>
+            </a:pPr>
+            <a:r>
+              <a:rPr lang="x-none" altLang="en-US" sz="1600" i="1">
+                <a:solidFill>
+                  <a:schemeClr val="accent6">
+                    <a:lumMod val="75000"/>
+                  </a:schemeClr>
+                </a:solidFill>
+                <a:latin typeface="Fira Code" panose="020B0609050000020004" charset="0"/>
+                <a:cs typeface="Fira Code" panose="020B0609050000020004" charset="0"/>
+              </a:rPr>
+              <a:t>Pixel Size = (3.000000000000000,-3.000000000000000)</a:t>
+            </a:r>
+            <a:endParaRPr lang="x-none" altLang="en-US" sz="1600" i="1">
+              <a:solidFill>
+                <a:schemeClr val="accent6">
+                  <a:lumMod val="75000"/>
+                </a:schemeClr>
+              </a:solidFill>
+              <a:latin typeface="Fira Code" panose="020B0609050000020004" charset="0"/>
+              <a:cs typeface="Fira Code" panose="020B0609050000020004" charset="0"/>
+            </a:endParaRPr>
+          </a:p>
+          <a:p>
+            <a:pPr marL="0" indent="0">
+              <a:buNone/>
+            </a:pPr>
+            <a:r>
+              <a:rPr lang="x-none" altLang="en-US" sz="1600" i="1">
+                <a:solidFill>
+                  <a:schemeClr val="accent6">
+                    <a:lumMod val="75000"/>
+                  </a:schemeClr>
+                </a:solidFill>
+                <a:latin typeface="Fira Code" panose="020B0609050000020004" charset="0"/>
+                <a:cs typeface="Fira Code" panose="020B0609050000020004" charset="0"/>
+              </a:rPr>
+              <a:t>Metadata:</a:t>
+            </a:r>
+            <a:endParaRPr lang="x-none" altLang="en-US" sz="1600" i="1">
+              <a:solidFill>
+                <a:schemeClr val="accent6">
+                  <a:lumMod val="75000"/>
+                </a:schemeClr>
+              </a:solidFill>
+              <a:latin typeface="Fira Code" panose="020B0609050000020004" charset="0"/>
+              <a:cs typeface="Fira Code" panose="020B0609050000020004" charset="0"/>
+            </a:endParaRPr>
+          </a:p>
+          <a:p>
+            <a:pPr marL="0" indent="0">
+              <a:buNone/>
+            </a:pPr>
+            <a:r>
+              <a:rPr lang="x-none" altLang="en-US" sz="1600" i="1">
+                <a:solidFill>
+                  <a:schemeClr val="accent6">
+                    <a:lumMod val="75000"/>
+                  </a:schemeClr>
+                </a:solidFill>
+                <a:latin typeface="Fira Code" panose="020B0609050000020004" charset="0"/>
+                <a:cs typeface="Fira Code" panose="020B0609050000020004" charset="0"/>
+              </a:rPr>
+              <a:t>AREA_OR_POINT=Area</a:t>
+            </a:r>
+            <a:endParaRPr lang="x-none" altLang="en-US" sz="1600" i="1">
+              <a:solidFill>
+                <a:schemeClr val="accent6">
+                  <a:lumMod val="75000"/>
+                </a:schemeClr>
+              </a:solidFill>
+              <a:latin typeface="Fira Code" panose="020B0609050000020004" charset="0"/>
+              <a:cs typeface="Fira Code" panose="020B0609050000020004" charset="0"/>
+            </a:endParaRPr>
+          </a:p>
+          <a:p>
+            <a:pPr marL="0" indent="0">
+              <a:buNone/>
+            </a:pPr>
+            <a:r>
+              <a:rPr lang="x-none" altLang="en-US" sz="1600" i="1">
+                <a:solidFill>
+                  <a:schemeClr val="accent6">
+                    <a:lumMod val="75000"/>
+                  </a:schemeClr>
+                </a:solidFill>
+                <a:latin typeface="Fira Code" panose="020B0609050000020004" charset="0"/>
+                <a:cs typeface="Fira Code" panose="020B0609050000020004" charset="0"/>
+              </a:rPr>
+              <a:t>TIFFTAG_DATETIME=2017:10:03 06:53:18</a:t>
+            </a:r>
+            <a:endParaRPr lang="x-none" altLang="en-US" sz="1600" i="1">
+              <a:solidFill>
+                <a:schemeClr val="accent6">
+                  <a:lumMod val="75000"/>
+                </a:schemeClr>
+              </a:solidFill>
+              <a:latin typeface="Fira Code" panose="020B0609050000020004" charset="0"/>
+              <a:cs typeface="Fira Code" panose="020B0609050000020004" charset="0"/>
+            </a:endParaRPr>
+          </a:p>
+          <a:p>
+            <a:pPr marL="0" indent="0">
+              <a:buNone/>
+            </a:pPr>
+            <a:r>
+              <a:rPr lang="x-none" altLang="en-US" sz="1600" i="1">
+                <a:solidFill>
+                  <a:schemeClr val="accent6">
+                    <a:lumMod val="75000"/>
+                  </a:schemeClr>
+                </a:solidFill>
+                <a:latin typeface="Fira Code" panose="020B0609050000020004" charset="0"/>
+                <a:cs typeface="Fira Code" panose="020B0609050000020004" charset="0"/>
+              </a:rPr>
+              <a:t>Image Structure Metadata:</a:t>
+            </a:r>
+            <a:endParaRPr lang="x-none" altLang="en-US" sz="1600" i="1">
+              <a:solidFill>
+                <a:schemeClr val="accent6">
+                  <a:lumMod val="75000"/>
+                </a:schemeClr>
+              </a:solidFill>
+              <a:latin typeface="Fira Code" panose="020B0609050000020004" charset="0"/>
+              <a:cs typeface="Fira Code" panose="020B0609050000020004" charset="0"/>
+            </a:endParaRPr>
+          </a:p>
+          <a:p>
+            <a:pPr marL="0" indent="0">
+              <a:buNone/>
+            </a:pPr>
+            <a:r>
+              <a:rPr lang="x-none" altLang="en-US" sz="1600" i="1">
+                <a:solidFill>
+                  <a:schemeClr val="accent6">
+                    <a:lumMod val="75000"/>
+                  </a:schemeClr>
+                </a:solidFill>
+                <a:latin typeface="Fira Code" panose="020B0609050000020004" charset="0"/>
+                <a:cs typeface="Fira Code" panose="020B0609050000020004" charset="0"/>
+              </a:rPr>
+              <a:t>COMPRESSION=LZW</a:t>
+            </a:r>
+            <a:endParaRPr lang="x-none" altLang="en-US" sz="1600" i="1">
+              <a:solidFill>
+                <a:schemeClr val="accent6">
+                  <a:lumMod val="75000"/>
+                </a:schemeClr>
+              </a:solidFill>
+              <a:latin typeface="Fira Code" panose="020B0609050000020004" charset="0"/>
+              <a:cs typeface="Fira Code" panose="020B0609050000020004" charset="0"/>
+            </a:endParaRPr>
+          </a:p>
+          <a:p>
+            <a:pPr marL="0" indent="0">
+              <a:buNone/>
+            </a:pPr>
+            <a:r>
+              <a:rPr lang="x-none" altLang="en-US" sz="1600" i="1">
+                <a:solidFill>
+                  <a:schemeClr val="accent6">
+                    <a:lumMod val="75000"/>
+                  </a:schemeClr>
+                </a:solidFill>
+                <a:latin typeface="Fira Code" panose="020B0609050000020004" charset="0"/>
+                <a:cs typeface="Fira Code" panose="020B0609050000020004" charset="0"/>
+              </a:rPr>
+              <a:t>INTERLEAVE=PIXEL</a:t>
+            </a:r>
+            <a:endParaRPr lang="x-none" altLang="en-US" sz="1600" i="1">
+              <a:solidFill>
+                <a:schemeClr val="accent6">
+                  <a:lumMod val="75000"/>
+                </a:schemeClr>
+              </a:solidFill>
+              <a:latin typeface="Fira Code" panose="020B0609050000020004" charset="0"/>
+              <a:cs typeface="Fira Code" panose="020B0609050000020004" charset="0"/>
+            </a:endParaRPr>
+          </a:p>
+          <a:p>
+            <a:pPr marL="0" indent="0">
+              <a:buNone/>
+            </a:pPr>
+            <a:r>
+              <a:rPr lang="x-none" altLang="en-US" sz="1600" i="1">
+                <a:solidFill>
+                  <a:schemeClr val="accent6">
+                    <a:lumMod val="75000"/>
+                  </a:schemeClr>
+                </a:solidFill>
+                <a:latin typeface="Fira Code" panose="020B0609050000020004" charset="0"/>
+                <a:cs typeface="Fira Code" panose="020B0609050000020004" charset="0"/>
+              </a:rPr>
+              <a:t>Corner Coordinates:</a:t>
+            </a:r>
+            <a:endParaRPr lang="x-none" altLang="en-US" sz="1600" i="1">
+              <a:solidFill>
+                <a:schemeClr val="accent6">
+                  <a:lumMod val="75000"/>
+                </a:schemeClr>
+              </a:solidFill>
+              <a:latin typeface="Fira Code" panose="020B0609050000020004" charset="0"/>
+              <a:cs typeface="Fira Code" panose="020B0609050000020004" charset="0"/>
+            </a:endParaRPr>
+          </a:p>
+          <a:p>
+            <a:pPr marL="0" indent="0">
+              <a:buNone/>
+            </a:pPr>
+            <a:r>
+              <a:rPr lang="x-none" altLang="en-US" sz="1600" i="1">
+                <a:solidFill>
+                  <a:schemeClr val="accent6">
+                    <a:lumMod val="75000"/>
+                  </a:schemeClr>
+                </a:solidFill>
+                <a:latin typeface="Fira Code" panose="020B0609050000020004" charset="0"/>
+                <a:cs typeface="Fira Code" panose="020B0609050000020004" charset="0"/>
+              </a:rPr>
+              <a:t>Upper Left  (  494265.000, 2729640.000) ( 44d56'35.92"E, 24d40'52.01"N)</a:t>
+            </a:r>
+            <a:endParaRPr lang="x-none" altLang="en-US" sz="1600" i="1">
+              <a:solidFill>
+                <a:schemeClr val="accent6">
+                  <a:lumMod val="75000"/>
+                </a:schemeClr>
+              </a:solidFill>
+              <a:latin typeface="Fira Code" panose="020B0609050000020004" charset="0"/>
+              <a:cs typeface="Fira Code" panose="020B0609050000020004" charset="0"/>
+            </a:endParaRPr>
+          </a:p>
+          <a:p>
+            <a:pPr marL="0" indent="0">
+              <a:buNone/>
+            </a:pPr>
+            <a:r>
+              <a:rPr lang="x-none" altLang="en-US" sz="1600" i="1">
+                <a:solidFill>
+                  <a:schemeClr val="accent6">
+                    <a:lumMod val="75000"/>
+                  </a:schemeClr>
+                </a:solidFill>
+                <a:latin typeface="Fira Code" panose="020B0609050000020004" charset="0"/>
+                <a:cs typeface="Fira Code" panose="020B0609050000020004" charset="0"/>
+              </a:rPr>
+              <a:t>Lower Left  (  494265.000, 2716464.000) ( 44d56'36.12"E, 24d33'43.62"N)</a:t>
+            </a:r>
+            <a:endParaRPr lang="x-none" altLang="en-US" sz="1600" i="1">
+              <a:solidFill>
+                <a:schemeClr val="accent6">
+                  <a:lumMod val="75000"/>
+                </a:schemeClr>
+              </a:solidFill>
+              <a:latin typeface="Fira Code" panose="020B0609050000020004" charset="0"/>
+              <a:cs typeface="Fira Code" panose="020B0609050000020004" charset="0"/>
+            </a:endParaRPr>
+          </a:p>
+          <a:p>
+            <a:pPr marL="0" indent="0">
+              <a:buNone/>
+            </a:pPr>
+            <a:r>
+              <a:rPr lang="x-none" altLang="en-US" sz="1600" i="1">
+                <a:solidFill>
+                  <a:schemeClr val="accent6">
+                    <a:lumMod val="75000"/>
+                  </a:schemeClr>
+                </a:solidFill>
+                <a:latin typeface="Fira Code" panose="020B0609050000020004" charset="0"/>
+                <a:cs typeface="Fira Code" panose="020B0609050000020004" charset="0"/>
+              </a:rPr>
+              <a:t>Upper Right (  520902.000, 2729640.000) ( 45d12'23.78"E, 24d40'51.54"N)</a:t>
+            </a:r>
+            <a:endParaRPr lang="x-none" altLang="en-US" sz="1600" i="1">
+              <a:solidFill>
+                <a:schemeClr val="accent6">
+                  <a:lumMod val="75000"/>
+                </a:schemeClr>
+              </a:solidFill>
+              <a:latin typeface="Fira Code" panose="020B0609050000020004" charset="0"/>
+              <a:cs typeface="Fira Code" panose="020B0609050000020004" charset="0"/>
+            </a:endParaRPr>
+          </a:p>
+          <a:p>
+            <a:pPr marL="0" indent="0">
+              <a:buNone/>
+            </a:pPr>
+            <a:r>
+              <a:rPr lang="x-none" altLang="en-US" sz="1600" i="1">
+                <a:solidFill>
+                  <a:schemeClr val="accent6">
+                    <a:lumMod val="75000"/>
+                  </a:schemeClr>
+                </a:solidFill>
+                <a:latin typeface="Fira Code" panose="020B0609050000020004" charset="0"/>
+                <a:cs typeface="Fira Code" panose="020B0609050000020004" charset="0"/>
+              </a:rPr>
+              <a:t>Lower Right (  520902.000, 2716464.000) ( 45d12'23.07"E, 24d33'43.14"N)</a:t>
+            </a:r>
+            <a:endParaRPr lang="x-none" altLang="en-US" sz="1600" i="1">
+              <a:solidFill>
+                <a:schemeClr val="accent6">
+                  <a:lumMod val="75000"/>
+                </a:schemeClr>
+              </a:solidFill>
+              <a:latin typeface="Fira Code" panose="020B0609050000020004" charset="0"/>
+              <a:cs typeface="Fira Code" panose="020B0609050000020004" charset="0"/>
+            </a:endParaRPr>
+          </a:p>
+          <a:p>
+            <a:pPr marL="0" indent="0">
+              <a:buNone/>
+            </a:pPr>
+            <a:r>
+              <a:rPr lang="x-none" altLang="en-US" sz="1600" i="1">
+                <a:solidFill>
+                  <a:schemeClr val="accent6">
+                    <a:lumMod val="75000"/>
+                  </a:schemeClr>
+                </a:solidFill>
+                <a:latin typeface="Fira Code" panose="020B0609050000020004" charset="0"/>
+                <a:cs typeface="Fira Code" panose="020B0609050000020004" charset="0"/>
+              </a:rPr>
+              <a:t>Center      (  507583.500, 2723052.000) ( 45d 4'29.72"E, 24d37'17.79"N)</a:t>
+            </a:r>
+            <a:endParaRPr lang="x-none" altLang="en-US" sz="1600" i="1">
+              <a:solidFill>
+                <a:schemeClr val="accent6">
+                  <a:lumMod val="75000"/>
+                </a:schemeClr>
+              </a:solidFill>
+              <a:latin typeface="Fira Code" panose="020B0609050000020004" charset="0"/>
+              <a:cs typeface="Fira Code" panose="020B0609050000020004" charset="0"/>
+            </a:endParaRPr>
+          </a:p>
+          <a:p>
+            <a:pPr marL="0" indent="0">
+              <a:buNone/>
+            </a:pPr>
+            <a:r>
+              <a:rPr lang="x-none" altLang="en-US" sz="1600" i="1">
+                <a:solidFill>
+                  <a:schemeClr val="accent6">
+                    <a:lumMod val="75000"/>
+                  </a:schemeClr>
+                </a:solidFill>
+                <a:latin typeface="Fira Code" panose="020B0609050000020004" charset="0"/>
+                <a:cs typeface="Fira Code" panose="020B0609050000020004" charset="0"/>
+              </a:rPr>
+              <a:t>Band 1 Block=256x256 Type=UInt16, ColorInterp=Red</a:t>
+            </a:r>
+            <a:endParaRPr lang="x-none" altLang="en-US" sz="1600" i="1">
+              <a:solidFill>
+                <a:schemeClr val="accent6">
+                  <a:lumMod val="75000"/>
+                </a:schemeClr>
+              </a:solidFill>
+              <a:latin typeface="Fira Code" panose="020B0609050000020004" charset="0"/>
+              <a:cs typeface="Fira Code" panose="020B0609050000020004" charset="0"/>
+            </a:endParaRPr>
+          </a:p>
+          <a:p>
+            <a:pPr marL="0" indent="0">
+              <a:buNone/>
+            </a:pPr>
+            <a:r>
+              <a:rPr lang="x-none" altLang="en-US" sz="1600" i="1">
+                <a:solidFill>
+                  <a:schemeClr val="accent6">
+                    <a:lumMod val="75000"/>
+                  </a:schemeClr>
+                </a:solidFill>
+                <a:latin typeface="Fira Code" panose="020B0609050000020004" charset="0"/>
+                <a:cs typeface="Fira Code" panose="020B0609050000020004" charset="0"/>
+              </a:rPr>
+              <a:t>NoData Value=0</a:t>
+            </a:r>
+            <a:endParaRPr lang="x-none" altLang="en-US" sz="1600" i="1">
+              <a:solidFill>
+                <a:schemeClr val="accent6">
+                  <a:lumMod val="75000"/>
+                </a:schemeClr>
+              </a:solidFill>
+              <a:latin typeface="Fira Code" panose="020B0609050000020004" charset="0"/>
+              <a:cs typeface="Fira Code" panose="020B0609050000020004" charset="0"/>
+            </a:endParaRPr>
+          </a:p>
+          <a:p>
+            <a:pPr marL="0" indent="0">
+              <a:buNone/>
+            </a:pPr>
+            <a:r>
+              <a:rPr lang="x-none" altLang="en-US" sz="1600" i="1">
+                <a:solidFill>
+                  <a:schemeClr val="accent6">
+                    <a:lumMod val="75000"/>
+                  </a:schemeClr>
+                </a:solidFill>
+                <a:latin typeface="Fira Code" panose="020B0609050000020004" charset="0"/>
+                <a:cs typeface="Fira Code" panose="020B0609050000020004" charset="0"/>
+              </a:rPr>
+              <a:t>Overviews: 2960x1464, 987x488, 329x163</a:t>
+            </a:r>
+            <a:endParaRPr lang="x-none" altLang="en-US" sz="1600" i="1">
+              <a:solidFill>
+                <a:schemeClr val="accent6">
+                  <a:lumMod val="75000"/>
+                </a:schemeClr>
+              </a:solidFill>
+              <a:latin typeface="Fira Code" panose="020B0609050000020004" charset="0"/>
+              <a:cs typeface="Fira Code" panose="020B0609050000020004" charset="0"/>
+            </a:endParaRPr>
+          </a:p>
+          <a:p>
+            <a:pPr marL="0" indent="0">
+              <a:buNone/>
+            </a:pPr>
+            <a:r>
+              <a:rPr lang="x-none" altLang="en-US" sz="1600" i="1">
+                <a:solidFill>
+                  <a:schemeClr val="accent6">
+                    <a:lumMod val="75000"/>
+                  </a:schemeClr>
+                </a:solidFill>
+                <a:latin typeface="Fira Code" panose="020B0609050000020004" charset="0"/>
+                <a:cs typeface="Fira Code" panose="020B0609050000020004" charset="0"/>
+              </a:rPr>
+              <a:t>Band 2 Block=256x256 Type=UInt16, ColorInterp=Green</a:t>
+            </a:r>
+            <a:endParaRPr lang="x-none" altLang="en-US" sz="1600" i="1">
+              <a:solidFill>
+                <a:schemeClr val="accent6">
+                  <a:lumMod val="75000"/>
+                </a:schemeClr>
+              </a:solidFill>
+              <a:latin typeface="Fira Code" panose="020B0609050000020004" charset="0"/>
+              <a:cs typeface="Fira Code" panose="020B0609050000020004" charset="0"/>
+            </a:endParaRPr>
+          </a:p>
+          <a:p>
+            <a:pPr marL="0" indent="0">
+              <a:buNone/>
+            </a:pPr>
+            <a:r>
+              <a:rPr lang="x-none" altLang="en-US" sz="1600" i="1">
+                <a:solidFill>
+                  <a:schemeClr val="accent6">
+                    <a:lumMod val="75000"/>
+                  </a:schemeClr>
+                </a:solidFill>
+                <a:latin typeface="Fira Code" panose="020B0609050000020004" charset="0"/>
+                <a:cs typeface="Fira Code" panose="020B0609050000020004" charset="0"/>
+              </a:rPr>
+              <a:t>NoData Value=0</a:t>
+            </a:r>
+            <a:endParaRPr lang="x-none" altLang="en-US" sz="1600" i="1">
+              <a:solidFill>
+                <a:schemeClr val="accent6">
+                  <a:lumMod val="75000"/>
+                </a:schemeClr>
+              </a:solidFill>
+              <a:latin typeface="Fira Code" panose="020B0609050000020004" charset="0"/>
+              <a:cs typeface="Fira Code" panose="020B0609050000020004" charset="0"/>
+            </a:endParaRPr>
+          </a:p>
+          <a:p>
+            <a:pPr marL="0" indent="0">
+              <a:buNone/>
+            </a:pPr>
+            <a:r>
+              <a:rPr lang="x-none" altLang="en-US" sz="1600" i="1">
+                <a:solidFill>
+                  <a:schemeClr val="accent6">
+                    <a:lumMod val="75000"/>
+                  </a:schemeClr>
+                </a:solidFill>
+                <a:latin typeface="Fira Code" panose="020B0609050000020004" charset="0"/>
+                <a:cs typeface="Fira Code" panose="020B0609050000020004" charset="0"/>
+              </a:rPr>
+              <a:t>Overviews: 2960x1464, 987x488, 329x163</a:t>
+            </a:r>
+            <a:endParaRPr lang="x-none" altLang="en-US" sz="1600" i="1">
+              <a:solidFill>
+                <a:schemeClr val="accent6">
+                  <a:lumMod val="75000"/>
+                </a:schemeClr>
+              </a:solidFill>
+              <a:latin typeface="Fira Code" panose="020B0609050000020004" charset="0"/>
+              <a:cs typeface="Fira Code" panose="020B0609050000020004" charset="0"/>
+            </a:endParaRPr>
+          </a:p>
+          <a:p>
+            <a:pPr marL="0" indent="0">
+              <a:buNone/>
+            </a:pPr>
+            <a:r>
+              <a:rPr lang="x-none" altLang="en-US" sz="1600" i="1">
+                <a:solidFill>
+                  <a:schemeClr val="accent6">
+                    <a:lumMod val="75000"/>
+                  </a:schemeClr>
+                </a:solidFill>
+                <a:latin typeface="Fira Code" panose="020B0609050000020004" charset="0"/>
+                <a:cs typeface="Fira Code" panose="020B0609050000020004" charset="0"/>
+              </a:rPr>
+              <a:t>Band 3 Block=256x256 Type=UInt16, ColorInterp=Blue</a:t>
+            </a:r>
+            <a:endParaRPr lang="x-none" altLang="en-US" sz="1600" i="1">
+              <a:solidFill>
+                <a:schemeClr val="accent6">
+                  <a:lumMod val="75000"/>
+                </a:schemeClr>
+              </a:solidFill>
+              <a:latin typeface="Fira Code" panose="020B0609050000020004" charset="0"/>
+              <a:cs typeface="Fira Code" panose="020B0609050000020004" charset="0"/>
+            </a:endParaRPr>
+          </a:p>
+          <a:p>
+            <a:pPr marL="0" indent="0">
+              <a:buNone/>
+            </a:pPr>
+            <a:r>
+              <a:rPr lang="x-none" altLang="en-US" sz="1600" i="1">
+                <a:solidFill>
+                  <a:schemeClr val="accent6">
+                    <a:lumMod val="75000"/>
+                  </a:schemeClr>
+                </a:solidFill>
+                <a:latin typeface="Fira Code" panose="020B0609050000020004" charset="0"/>
+                <a:cs typeface="Fira Code" panose="020B0609050000020004" charset="0"/>
+              </a:rPr>
+              <a:t>NoData Value=0</a:t>
+            </a:r>
+            <a:endParaRPr lang="x-none" altLang="en-US" sz="1600" i="1">
+              <a:solidFill>
+                <a:schemeClr val="accent6">
+                  <a:lumMod val="75000"/>
+                </a:schemeClr>
+              </a:solidFill>
+              <a:latin typeface="Fira Code" panose="020B0609050000020004" charset="0"/>
+              <a:cs typeface="Fira Code" panose="020B0609050000020004" charset="0"/>
+            </a:endParaRPr>
+          </a:p>
+          <a:p>
+            <a:pPr marL="0" indent="0">
+              <a:buNone/>
+            </a:pPr>
+            <a:r>
+              <a:rPr lang="x-none" altLang="en-US" sz="1600" i="1">
+                <a:solidFill>
+                  <a:schemeClr val="accent6">
+                    <a:lumMod val="75000"/>
+                  </a:schemeClr>
+                </a:solidFill>
+                <a:latin typeface="Fira Code" panose="020B0609050000020004" charset="0"/>
+                <a:cs typeface="Fira Code" panose="020B0609050000020004" charset="0"/>
+              </a:rPr>
+              <a:t>Overviews: 2960x1464, 987x488, 329x163</a:t>
+            </a:r>
+            <a:endParaRPr lang="x-none" altLang="en-US" sz="1600" i="1">
+              <a:solidFill>
+                <a:schemeClr val="accent6">
+                  <a:lumMod val="75000"/>
+                </a:schemeClr>
+              </a:solidFill>
+              <a:latin typeface="Fira Code" panose="020B0609050000020004" charset="0"/>
+              <a:cs typeface="Fira Code" panose="020B0609050000020004" charset="0"/>
+            </a:endParaRPr>
+          </a:p>
+          <a:p>
+            <a:pPr marL="0" indent="0">
+              <a:buNone/>
+            </a:pPr>
+            <a:r>
+              <a:rPr lang="x-none" altLang="en-US" sz="1600" i="1">
+                <a:solidFill>
+                  <a:schemeClr val="accent6">
+                    <a:lumMod val="75000"/>
+                  </a:schemeClr>
+                </a:solidFill>
+                <a:latin typeface="Fira Code" panose="020B0609050000020004" charset="0"/>
+                <a:cs typeface="Fira Code" panose="020B0609050000020004" charset="0"/>
+              </a:rPr>
+              <a:t>Band 4 Block=256x256 Type=UInt16, ColorInterp=Undefined</a:t>
+            </a:r>
+            <a:endParaRPr lang="x-none" altLang="en-US" sz="1600" i="1">
+              <a:solidFill>
+                <a:schemeClr val="accent6">
+                  <a:lumMod val="75000"/>
+                </a:schemeClr>
+              </a:solidFill>
+              <a:latin typeface="Fira Code" panose="020B0609050000020004" charset="0"/>
+              <a:cs typeface="Fira Code" panose="020B0609050000020004" charset="0"/>
+            </a:endParaRPr>
+          </a:p>
+          <a:p>
+            <a:pPr marL="0" indent="0">
+              <a:buNone/>
+            </a:pPr>
+            <a:r>
+              <a:rPr lang="x-none" altLang="en-US" sz="1600" i="1">
+                <a:solidFill>
+                  <a:schemeClr val="accent6">
+                    <a:lumMod val="75000"/>
+                  </a:schemeClr>
+                </a:solidFill>
+                <a:latin typeface="Fira Code" panose="020B0609050000020004" charset="0"/>
+                <a:cs typeface="Fira Code" panose="020B0609050000020004" charset="0"/>
+              </a:rPr>
+              <a:t>NoData Value=0</a:t>
+            </a:r>
+            <a:endParaRPr lang="x-none" altLang="en-US" sz="1600" i="1">
+              <a:solidFill>
+                <a:schemeClr val="accent6">
+                  <a:lumMod val="75000"/>
+                </a:schemeClr>
+              </a:solidFill>
+              <a:latin typeface="Fira Code" panose="020B0609050000020004" charset="0"/>
+              <a:cs typeface="Fira Code" panose="020B0609050000020004" charset="0"/>
+            </a:endParaRPr>
+          </a:p>
+          <a:p>
+            <a:pPr marL="0" indent="0">
+              <a:buNone/>
+            </a:pPr>
+            <a:r>
+              <a:rPr lang="x-none" altLang="en-US" sz="1600" i="1">
+                <a:solidFill>
+                  <a:schemeClr val="accent6">
+                    <a:lumMod val="75000"/>
+                  </a:schemeClr>
+                </a:solidFill>
+                <a:latin typeface="Fira Code" panose="020B0609050000020004" charset="0"/>
+                <a:cs typeface="Fira Code" panose="020B0609050000020004" charset="0"/>
+              </a:rPr>
+              <a:t>Overviews: 2960x1464, 987x488, 329x163</a:t>
+            </a:r>
+            <a:endParaRPr lang="x-none" altLang="en-US" sz="1600" i="1">
+              <a:solidFill>
+                <a:schemeClr val="accent6">
+                  <a:lumMod val="75000"/>
+                </a:schemeClr>
+              </a:solidFill>
+              <a:latin typeface="Fira Code" panose="020B0609050000020004" charset="0"/>
+              <a:cs typeface="Fira Code" panose="020B0609050000020004" charset="0"/>
+            </a:endParaRPr>
+          </a:p>
+          <a:p>
+            <a:pPr marL="0" indent="0">
+              <a:buNone/>
+            </a:pPr>
+            <a:endParaRPr lang="x-none" altLang="en-US" sz="1600" i="1">
+              <a:solidFill>
+                <a:schemeClr val="accent6">
+                  <a:lumMod val="75000"/>
+                </a:schemeClr>
+              </a:solidFill>
+              <a:latin typeface="Fira Code" panose="020B0609050000020004" charset="0"/>
+              <a:cs typeface="Fira Code" panose="020B0609050000020004" charset="0"/>
+            </a:endParaRPr>
+          </a:p>
+          <a:p>
+            <a:pPr marL="0" indent="0">
+              <a:buNone/>
+            </a:pPr>
+            <a:r>
+              <a:rPr lang="x-none" altLang="en-US" sz="1600" i="1">
+                <a:solidFill>
+                  <a:schemeClr val="accent6">
+                    <a:lumMod val="75000"/>
+                  </a:schemeClr>
+                </a:solidFill>
+                <a:latin typeface="Fira Code" panose="020B0609050000020004" charset="0"/>
+                <a:cs typeface="Fira Code" panose="020B0609050000020004" charset="0"/>
+              </a:rPr>
+              <a:t>What this tells you:</a:t>
+            </a:r>
+            <a:endParaRPr lang="x-none" altLang="en-US" sz="1600" i="1">
+              <a:solidFill>
+                <a:schemeClr val="accent6">
+                  <a:lumMod val="75000"/>
+                </a:schemeClr>
+              </a:solidFill>
+              <a:latin typeface="Fira Code" panose="020B0609050000020004" charset="0"/>
+              <a:cs typeface="Fira Code" panose="020B0609050000020004" charset="0"/>
+            </a:endParaRPr>
+          </a:p>
+          <a:p>
+            <a:pPr marL="0" indent="0">
+              <a:buNone/>
+            </a:pPr>
+            <a:r>
+              <a:rPr lang="x-none" altLang="en-US" sz="1600" i="1">
+                <a:solidFill>
+                  <a:schemeClr val="accent6">
+                    <a:lumMod val="75000"/>
+                  </a:schemeClr>
+                </a:solidFill>
+                <a:latin typeface="Fira Code" panose="020B0609050000020004" charset="0"/>
+                <a:cs typeface="Fira Code" panose="020B0609050000020004" charset="0"/>
+              </a:rPr>
+              <a:t>Converting data</a:t>
+            </a:r>
+            <a:endParaRPr lang="x-none" altLang="en-US" sz="1600" i="1">
+              <a:solidFill>
+                <a:schemeClr val="accent6">
+                  <a:lumMod val="75000"/>
+                </a:schemeClr>
+              </a:solidFill>
+              <a:latin typeface="Fira Code" panose="020B0609050000020004" charset="0"/>
+              <a:cs typeface="Fira Code" panose="020B0609050000020004" charset="0"/>
+            </a:endParaRPr>
+          </a:p>
+          <a:p>
+            <a:pPr marL="0" indent="0">
+              <a:buNone/>
+            </a:pPr>
+            <a:endParaRPr lang="x-none" altLang="en-US" sz="1600" i="1">
+              <a:solidFill>
+                <a:schemeClr val="accent6">
+                  <a:lumMod val="75000"/>
+                </a:schemeClr>
+              </a:solidFill>
+              <a:latin typeface="Fira Code" panose="020B0609050000020004" charset="0"/>
+              <a:cs typeface="Fira Code" panose="020B0609050000020004" charset="0"/>
+            </a:endParaRPr>
+          </a:p>
+          <a:p>
+            <a:pPr marL="0" indent="0">
+              <a:buNone/>
+            </a:pPr>
+            <a:r>
+              <a:rPr lang="x-none" altLang="en-US" sz="1600" i="1">
+                <a:solidFill>
+                  <a:schemeClr val="accent6">
+                    <a:lumMod val="75000"/>
+                  </a:schemeClr>
+                </a:solidFill>
+                <a:latin typeface="Fira Code" panose="020B0609050000020004" charset="0"/>
+                <a:cs typeface="Fira Code" panose="020B0609050000020004" charset="0"/>
+              </a:rPr>
+              <a:t>We can also use GDAL to convert raster data from one file format to another, just as we learned to do with vector data.</a:t>
+            </a:r>
+            <a:endParaRPr lang="x-none" altLang="en-US" sz="1600" i="1">
+              <a:solidFill>
+                <a:schemeClr val="accent6">
+                  <a:lumMod val="75000"/>
+                </a:schemeClr>
+              </a:solidFill>
+              <a:latin typeface="Fira Code" panose="020B0609050000020004" charset="0"/>
+              <a:cs typeface="Fira Code" panose="020B0609050000020004" charset="0"/>
+            </a:endParaRPr>
+          </a:p>
+          <a:p>
+            <a:pPr marL="0" indent="0">
+              <a:buNone/>
+            </a:pPr>
+            <a:endParaRPr lang="x-none" altLang="en-US" sz="1600" i="1">
+              <a:solidFill>
+                <a:schemeClr val="accent6">
+                  <a:lumMod val="75000"/>
+                </a:schemeClr>
+              </a:solidFill>
+              <a:latin typeface="Fira Code" panose="020B0609050000020004" charset="0"/>
+              <a:cs typeface="Fira Code" panose="020B0609050000020004" charset="0"/>
+            </a:endParaRPr>
+          </a:p>
+          <a:p>
+            <a:pPr marL="0" indent="0">
+              <a:buNone/>
+            </a:pPr>
+            <a:r>
+              <a:rPr lang="x-none" altLang="en-US" sz="1600" i="1">
+                <a:solidFill>
+                  <a:schemeClr val="accent6">
+                    <a:lumMod val="75000"/>
+                  </a:schemeClr>
+                </a:solidFill>
+                <a:latin typeface="Fira Code" panose="020B0609050000020004" charset="0"/>
+                <a:cs typeface="Fira Code" panose="020B0609050000020004" charset="0"/>
+              </a:rPr>
+              <a:t>To convert a raster dataset from one format to another, the basic command pattern is:</a:t>
+            </a:r>
+            <a:endParaRPr lang="x-none" altLang="en-US" sz="1600" i="1">
+              <a:solidFill>
+                <a:schemeClr val="accent6">
+                  <a:lumMod val="75000"/>
+                </a:schemeClr>
+              </a:solidFill>
+              <a:latin typeface="Fira Code" panose="020B0609050000020004" charset="0"/>
+              <a:cs typeface="Fira Code" panose="020B0609050000020004" charset="0"/>
+            </a:endParaRPr>
+          </a:p>
+          <a:p>
+            <a:pPr marL="0" indent="0">
+              <a:buNone/>
+            </a:pPr>
+            <a:endParaRPr lang="x-none" altLang="en-US" sz="1600" i="1">
+              <a:solidFill>
+                <a:schemeClr val="accent6">
+                  <a:lumMod val="75000"/>
+                </a:schemeClr>
+              </a:solidFill>
+              <a:latin typeface="Fira Code" panose="020B0609050000020004" charset="0"/>
+              <a:cs typeface="Fira Code" panose="020B0609050000020004" charset="0"/>
+            </a:endParaRPr>
+          </a:p>
+          <a:p>
+            <a:pPr marL="0" indent="0">
+              <a:buNone/>
+            </a:pPr>
+            <a:r>
+              <a:rPr lang="x-none" altLang="en-US" sz="1600" i="1">
+                <a:solidFill>
+                  <a:schemeClr val="accent6">
+                    <a:lumMod val="75000"/>
+                  </a:schemeClr>
+                </a:solidFill>
+                <a:latin typeface="Fira Code" panose="020B0609050000020004" charset="0"/>
+                <a:cs typeface="Fira Code" panose="020B0609050000020004" charset="0"/>
+              </a:rPr>
+              <a:t>gdal_translate -of &lt;output format&gt; &lt;source filename&gt; &lt;destination filename&gt;</a:t>
+            </a:r>
+            <a:endParaRPr lang="x-none" altLang="en-US" sz="1600" i="1">
+              <a:solidFill>
+                <a:schemeClr val="accent6">
+                  <a:lumMod val="75000"/>
+                </a:schemeClr>
+              </a:solidFill>
+              <a:latin typeface="Fira Code" panose="020B0609050000020004" charset="0"/>
+              <a:cs typeface="Fira Code" panose="020B0609050000020004" charset="0"/>
+            </a:endParaRPr>
+          </a:p>
+          <a:p>
+            <a:pPr marL="0" indent="0">
+              <a:buNone/>
+            </a:pPr>
+            <a:endParaRPr lang="x-none" altLang="en-US" sz="1600" i="1">
+              <a:solidFill>
+                <a:schemeClr val="accent6">
+                  <a:lumMod val="75000"/>
+                </a:schemeClr>
+              </a:solidFill>
+              <a:latin typeface="Fira Code" panose="020B0609050000020004" charset="0"/>
+              <a:cs typeface="Fira Code" panose="020B0609050000020004" charset="0"/>
+            </a:endParaRPr>
+          </a:p>
+          <a:p>
+            <a:pPr marL="0" indent="0">
+              <a:buNone/>
+            </a:pPr>
+            <a:r>
+              <a:rPr lang="x-none" altLang="en-US" sz="1600" i="1">
+                <a:solidFill>
+                  <a:schemeClr val="accent6">
+                    <a:lumMod val="75000"/>
+                  </a:schemeClr>
+                </a:solidFill>
+                <a:latin typeface="Fira Code" panose="020B0609050000020004" charset="0"/>
+                <a:cs typeface="Fira Code" panose="020B0609050000020004" charset="0"/>
+              </a:rPr>
+              <a:t>Note! this command is similar, but not quite the same, as ogr2ogr: notice the output format is indicated by -of, and the ordering of source &amp; destination filenames is reversed from the ogr2ogr command.</a:t>
+            </a:r>
+            <a:endParaRPr lang="x-none" altLang="en-US" sz="1600" i="1">
+              <a:solidFill>
+                <a:schemeClr val="accent6">
+                  <a:lumMod val="75000"/>
+                </a:schemeClr>
+              </a:solidFill>
+              <a:latin typeface="Fira Code" panose="020B0609050000020004" charset="0"/>
+              <a:cs typeface="Fira Code" panose="020B0609050000020004" charset="0"/>
+            </a:endParaRPr>
+          </a:p>
+          <a:p>
+            <a:pPr marL="0" indent="0">
+              <a:buNone/>
+            </a:pPr>
+            <a:endParaRPr lang="x-none" altLang="en-US" sz="1600" i="1">
+              <a:solidFill>
+                <a:schemeClr val="accent6">
+                  <a:lumMod val="75000"/>
+                </a:schemeClr>
+              </a:solidFill>
+              <a:latin typeface="Fira Code" panose="020B0609050000020004" charset="0"/>
+              <a:cs typeface="Fira Code" panose="020B0609050000020004" charset="0"/>
+            </a:endParaRPr>
+          </a:p>
+          <a:p>
+            <a:pPr marL="0" indent="0">
+              <a:buNone/>
+            </a:pPr>
+            <a:r>
+              <a:rPr lang="x-none" altLang="en-US" sz="1600" i="1">
+                <a:solidFill>
+                  <a:schemeClr val="accent6">
+                    <a:lumMod val="75000"/>
+                  </a:schemeClr>
+                </a:solidFill>
+                <a:latin typeface="Fira Code" panose="020B0609050000020004" charset="0"/>
+                <a:cs typeface="Fira Code" panose="020B0609050000020004" charset="0"/>
+              </a:rPr>
+              <a:t>To see a list of valid output formats, do:</a:t>
+            </a:r>
+            <a:endParaRPr lang="x-none" altLang="en-US" sz="1600" i="1">
+              <a:solidFill>
+                <a:schemeClr val="accent6">
+                  <a:lumMod val="75000"/>
+                </a:schemeClr>
+              </a:solidFill>
+              <a:latin typeface="Fira Code" panose="020B0609050000020004" charset="0"/>
+              <a:cs typeface="Fira Code" panose="020B0609050000020004" charset="0"/>
+            </a:endParaRPr>
+          </a:p>
+          <a:p>
+            <a:pPr marL="0" indent="0">
+              <a:buNone/>
+            </a:pPr>
+            <a:endParaRPr lang="x-none" altLang="en-US" sz="1600" i="1">
+              <a:solidFill>
+                <a:schemeClr val="accent6">
+                  <a:lumMod val="75000"/>
+                </a:schemeClr>
+              </a:solidFill>
+              <a:latin typeface="Fira Code" panose="020B0609050000020004" charset="0"/>
+              <a:cs typeface="Fira Code" panose="020B0609050000020004" charset="0"/>
+            </a:endParaRPr>
+          </a:p>
+          <a:p>
+            <a:pPr marL="0" indent="0">
+              <a:buNone/>
+            </a:pPr>
+            <a:r>
+              <a:rPr lang="x-none" altLang="en-US" sz="1600" i="1">
+                <a:solidFill>
+                  <a:schemeClr val="accent6">
+                    <a:lumMod val="75000"/>
+                  </a:schemeClr>
+                </a:solidFill>
+                <a:latin typeface="Fira Code" panose="020B0609050000020004" charset="0"/>
+                <a:cs typeface="Fira Code" panose="020B0609050000020004" charset="0"/>
+              </a:rPr>
+              <a:t>gdal_translate --formats</a:t>
+            </a:r>
+            <a:endParaRPr lang="x-none" altLang="en-US" sz="1600" i="1">
+              <a:solidFill>
+                <a:schemeClr val="accent6">
+                  <a:lumMod val="75000"/>
+                </a:schemeClr>
+              </a:solidFill>
+              <a:latin typeface="Fira Code" panose="020B0609050000020004" charset="0"/>
+              <a:cs typeface="Fira Code" panose="020B0609050000020004" charset="0"/>
+            </a:endParaRPr>
+          </a:p>
+          <a:p>
+            <a:pPr marL="0" indent="0">
+              <a:buNone/>
+            </a:pPr>
+            <a:endParaRPr lang="x-none" altLang="en-US" sz="1600" i="1">
+              <a:solidFill>
+                <a:schemeClr val="accent6">
+                  <a:lumMod val="75000"/>
+                </a:schemeClr>
+              </a:solidFill>
+              <a:latin typeface="Fira Code" panose="020B0609050000020004" charset="0"/>
+              <a:cs typeface="Fira Code" panose="020B0609050000020004" charset="0"/>
+            </a:endParaRPr>
+          </a:p>
+          <a:p>
+            <a:pPr marL="0" indent="0">
+              <a:buNone/>
+            </a:pPr>
+            <a:r>
+              <a:rPr lang="x-none" altLang="en-US" sz="1600" i="1">
+                <a:solidFill>
+                  <a:schemeClr val="accent6">
+                    <a:lumMod val="75000"/>
+                  </a:schemeClr>
+                </a:solidFill>
+                <a:latin typeface="Fira Code" panose="020B0609050000020004" charset="0"/>
+                <a:cs typeface="Fira Code" panose="020B0609050000020004" charset="0"/>
+              </a:rPr>
+              <a:t>As an example, let's transform a GeoTIFF raster dataset mydata.tif into a georeferenced PNG. To do that, we would run:</a:t>
+            </a:r>
+            <a:endParaRPr lang="x-none" altLang="en-US" sz="1600" i="1">
+              <a:solidFill>
+                <a:schemeClr val="accent6">
+                  <a:lumMod val="75000"/>
+                </a:schemeClr>
+              </a:solidFill>
+              <a:latin typeface="Fira Code" panose="020B0609050000020004" charset="0"/>
+              <a:cs typeface="Fira Code" panose="020B0609050000020004" charset="0"/>
+            </a:endParaRPr>
+          </a:p>
+          <a:p>
+            <a:pPr marL="0" indent="0">
+              <a:buNone/>
+            </a:pPr>
+            <a:endParaRPr lang="x-none" altLang="en-US" sz="1600" i="1">
+              <a:solidFill>
+                <a:schemeClr val="accent6">
+                  <a:lumMod val="75000"/>
+                </a:schemeClr>
+              </a:solidFill>
+              <a:latin typeface="Fira Code" panose="020B0609050000020004" charset="0"/>
+              <a:cs typeface="Fira Code" panose="020B0609050000020004" charset="0"/>
+            </a:endParaRPr>
+          </a:p>
+          <a:p>
+            <a:pPr marL="0" indent="0">
+              <a:buNone/>
+            </a:pPr>
+            <a:r>
+              <a:rPr lang="x-none" altLang="en-US" sz="1600" i="1">
+                <a:solidFill>
+                  <a:schemeClr val="accent6">
+                    <a:lumMod val="75000"/>
+                  </a:schemeClr>
+                </a:solidFill>
+                <a:latin typeface="Fira Code" panose="020B0609050000020004" charset="0"/>
+                <a:cs typeface="Fira Code" panose="020B0609050000020004" charset="0"/>
+              </a:rPr>
+              <a:t>gdal_translate -of png mydata.tif myconverteddata.png</a:t>
+            </a:r>
+            <a:endParaRPr lang="x-none" altLang="en-US" sz="1600" i="1">
+              <a:solidFill>
+                <a:schemeClr val="accent6">
+                  <a:lumMod val="75000"/>
+                </a:schemeClr>
+              </a:solidFill>
+              <a:latin typeface="Fira Code" panose="020B0609050000020004" charset="0"/>
+              <a:cs typeface="Fira Code" panose="020B0609050000020004" charset="0"/>
+            </a:endParaRPr>
+          </a:p>
+        </p:txBody>
+      </p:sp>
+    </p:spTree>
+  </p:cSld>
+  <p:clrMapOvr>
+    <a:masterClrMapping/>
+  </p:clrMapOvr>
+</p:sld>
+</file>
+
+<file path=ppt/slides/slide8.xml><?xml version="1.0" encoding="utf-8"?>
+<p:sld xmlns:a="http://schemas.openxmlformats.org/drawingml/2006/main" xmlns:r="http://schemas.openxmlformats.org/officeDocument/2006/relationships" xmlns:p="http://schemas.openxmlformats.org/presentationml/2006/main">
+  <p:cSld>
+    <p:bg>
+      <p:bgPr>
+        <a:solidFill>
+          <a:schemeClr val="tx1"/>
+        </a:solidFill>
+        <a:effectLst/>
+      </p:bgPr>
+    </p:bg>
+    <p:spTree>
+      <p:nvGrpSpPr>
+        <p:cNvPr id="1" name=""/>
+        <p:cNvGrpSpPr/>
+        <p:nvPr/>
+      </p:nvGrpSpPr>
+      <p:grpSpPr/>
+      <p:pic>
+        <p:nvPicPr>
           <p:cNvPr id="2" name="Picture 1" descr="grasshd_p"/>
           <p:cNvPicPr>
             <a:picLocks noChangeAspect="1"/>
@@ -6603,7 +11122,7 @@
 </p:sld>
 </file>
 
-<file path=ppt/slides/slide8.xml><?xml version="1.0" encoding="utf-8"?>
+<file path=ppt/slides/slide9.xml><?xml version="1.0" encoding="utf-8"?>
 <p:sld xmlns:a="http://schemas.openxmlformats.org/drawingml/2006/main" xmlns:r="http://schemas.openxmlformats.org/officeDocument/2006/relationships" xmlns:p="http://schemas.openxmlformats.org/presentationml/2006/main">
   <p:cSld>
     <p:bg>
@@ -7039,35 +11558,6 @@
           </a:p>
         </p:txBody>
       </p:sp>
-    </p:spTree>
-  </p:cSld>
-  <p:clrMapOvr>
-    <a:masterClrMapping/>
-  </p:clrMapOvr>
-</p:sld>
-</file>
-
-<file path=ppt/slides/slide9.xml><?xml version="1.0" encoding="utf-8"?>
-<p:sld xmlns:a="http://schemas.openxmlformats.org/drawingml/2006/main" xmlns:r="http://schemas.openxmlformats.org/officeDocument/2006/relationships" xmlns:p="http://schemas.openxmlformats.org/presentationml/2006/main">
-  <p:cSld>
-    <p:bg>
-      <p:bgPr>
-        <a:blipFill rotWithShape="1">
-          <a:blip r:embed="rId1"/>
-          <a:stretch>
-            <a:fillRect/>
-          </a:stretch>
-        </a:blipFill>
-        <a:effectLst/>
-      </p:bgPr>
-    </p:bg>
-    <p:spTree>
-      <p:nvGrpSpPr>
-        <p:cNvPr id="1" name=""/>
-        <p:cNvGrpSpPr/>
-        <p:nvPr/>
-      </p:nvGrpSpPr>
-      <p:grpSpPr/>
     </p:spTree>
   </p:cSld>
   <p:clrMapOvr>

--- a/Presentation.pptx
+++ b/Presentation.pptx
@@ -5,10 +5,10 @@
     <p:sldMasterId id="2147483648" r:id="rId1"/>
   </p:sldMasterIdLst>
   <p:notesMasterIdLst>
-    <p:notesMasterId r:id="rId14"/>
+    <p:notesMasterId r:id="rId15"/>
   </p:notesMasterIdLst>
   <p:handoutMasterIdLst>
-    <p:handoutMasterId r:id="rId15"/>
+    <p:handoutMasterId r:id="rId16"/>
   </p:handoutMasterIdLst>
   <p:sldIdLst>
     <p:sldId id="257" r:id="rId3"/>
@@ -20,8 +20,9 @@
     <p:sldId id="270" r:id="rId9"/>
     <p:sldId id="263" r:id="rId10"/>
     <p:sldId id="274" r:id="rId11"/>
-    <p:sldId id="260" r:id="rId12"/>
-    <p:sldId id="259" r:id="rId13"/>
+    <p:sldId id="277" r:id="rId12"/>
+    <p:sldId id="260" r:id="rId13"/>
+    <p:sldId id="278" r:id="rId14"/>
   </p:sldIdLst>
   <p:sldSz cx="12192000" cy="6858000"/>
   <p:notesSz cx="7103745" cy="10234295"/>
@@ -3549,6 +3550,627 @@
       <p:grpSpPr/>
       <p:pic>
         <p:nvPicPr>
+          <p:cNvPr id="3" name="Picture 2" descr="gdal_g"/>
+          <p:cNvPicPr>
+            <a:picLocks noChangeAspect="1"/>
+          </p:cNvPicPr>
+          <p:nvPr/>
+        </p:nvPicPr>
+        <p:blipFill>
+          <a:blip r:embed="rId1">
+            <a:clrChange>
+              <a:clrFrom>
+                <a:srgbClr val="6AEC50">
+                  <a:alpha val="100000"/>
+                </a:srgbClr>
+              </a:clrFrom>
+              <a:clrTo>
+                <a:srgbClr val="6AEC50">
+                  <a:alpha val="100000"/>
+                  <a:alpha val="0"/>
+                </a:srgbClr>
+              </a:clrTo>
+            </a:clrChange>
+            <a:lum bright="-100000" contrast="100000"/>
+          </a:blip>
+          <a:stretch>
+            <a:fillRect/>
+          </a:stretch>
+        </p:blipFill>
+        <p:spPr>
+          <a:xfrm>
+            <a:off x="80645" y="114935"/>
+            <a:ext cx="12030710" cy="6628130"/>
+          </a:xfrm>
+          <a:prstGeom prst="rect">
+            <a:avLst/>
+          </a:prstGeom>
+        </p:spPr>
+      </p:pic>
+      <p:sp>
+        <p:nvSpPr>
+          <p:cNvPr id="5" name="Title 4"/>
+          <p:cNvSpPr>
+            <a:spLocks noGrp="1"/>
+          </p:cNvSpPr>
+          <p:nvPr>
+            <p:ph type="title"/>
+          </p:nvPr>
+        </p:nvSpPr>
+        <p:spPr>
+          <a:xfrm>
+            <a:off x="80645" y="56515"/>
+            <a:ext cx="3331210" cy="894080"/>
+          </a:xfrm>
+        </p:spPr>
+        <p:txBody>
+          <a:bodyPr/>
+          <a:p>
+            <a:r>
+              <a:rPr lang="x-none" altLang="en-US">
+                <a:solidFill>
+                  <a:srgbClr val="53F22E"/>
+                </a:solidFill>
+                <a:effectLst>
+                  <a:outerShdw blurRad="38100" dist="19050" dir="2700000" algn="tl" rotWithShape="0">
+                    <a:schemeClr val="dk1">
+                      <a:alpha val="40000"/>
+                    </a:schemeClr>
+                  </a:outerShdw>
+                </a:effectLst>
+                <a:latin typeface="Fira Code" panose="020B0609050000020004" charset="0"/>
+                <a:cs typeface="Fira Code" panose="020B0609050000020004" charset="0"/>
+              </a:rPr>
+              <a:t> </a:t>
+            </a:r>
+            <a:endParaRPr lang="x-none" altLang="en-US">
+              <a:solidFill>
+                <a:srgbClr val="53F22E"/>
+              </a:solidFill>
+              <a:effectLst>
+                <a:outerShdw blurRad="38100" dist="19050" dir="2700000" algn="tl" rotWithShape="0">
+                  <a:schemeClr val="dk1">
+                    <a:alpha val="40000"/>
+                  </a:schemeClr>
+                </a:outerShdw>
+              </a:effectLst>
+              <a:latin typeface="Fira Code" panose="020B0609050000020004" charset="0"/>
+              <a:cs typeface="Fira Code" panose="020B0609050000020004" charset="0"/>
+            </a:endParaRPr>
+          </a:p>
+        </p:txBody>
+      </p:sp>
+      <p:pic>
+        <p:nvPicPr>
+          <p:cNvPr id="4" name="Picture 3" descr="gdal_g.png"/>
+          <p:cNvPicPr>
+            <a:picLocks noChangeAspect="1"/>
+          </p:cNvPicPr>
+          <p:nvPr/>
+        </p:nvPicPr>
+        <p:blipFill>
+          <a:blip r:embed="rId2">
+            <a:clrChange>
+              <a:clrFrom>
+                <a:srgbClr val="3DE555">
+                  <a:alpha val="100000"/>
+                </a:srgbClr>
+              </a:clrFrom>
+              <a:clrTo>
+                <a:srgbClr val="3DE555">
+                  <a:alpha val="100000"/>
+                  <a:alpha val="0"/>
+                </a:srgbClr>
+              </a:clrTo>
+            </a:clrChange>
+            <a:lum bright="-84000"/>
+          </a:blip>
+          <a:stretch>
+            <a:fillRect/>
+          </a:stretch>
+        </p:blipFill>
+        <p:spPr>
+          <a:xfrm>
+            <a:off x="2156460" y="114935"/>
+            <a:ext cx="8171180" cy="6757670"/>
+          </a:xfrm>
+          <a:prstGeom prst="rect">
+            <a:avLst/>
+          </a:prstGeom>
+        </p:spPr>
+      </p:pic>
+      <p:sp>
+        <p:nvSpPr>
+          <p:cNvPr id="8" name="Content Placeholder 7"/>
+          <p:cNvSpPr>
+            <a:spLocks noGrp="1"/>
+          </p:cNvSpPr>
+          <p:nvPr>
+            <p:ph sz="half" idx="2"/>
+          </p:nvPr>
+        </p:nvSpPr>
+        <p:spPr>
+          <a:xfrm>
+            <a:off x="175260" y="57150"/>
+            <a:ext cx="11710670" cy="6758940"/>
+          </a:xfrm>
+          <a:effectLst>
+            <a:outerShdw blurRad="50800" dist="50800" dir="5400000" sx="98000" sy="98000" algn="ctr" rotWithShape="0">
+              <a:srgbClr val="000000">
+                <a:alpha val="100000"/>
+              </a:srgbClr>
+            </a:outerShdw>
+          </a:effectLst>
+        </p:spPr>
+        <p:txBody>
+          <a:bodyPr>
+            <a:noAutofit/>
+          </a:bodyPr>
+          <a:p>
+            <a:pPr marL="0" indent="0">
+              <a:buNone/>
+            </a:pPr>
+            <a:r>
+              <a:rPr lang="x-none" altLang="en-US" sz="1200" u="sng">
+                <a:solidFill>
+                  <a:srgbClr val="92D050"/>
+                </a:solidFill>
+                <a:latin typeface="MathJax_Main" charset="0"/>
+                <a:cs typeface="MathJax_Main" charset="0"/>
+                <a:sym typeface="+mn-ea"/>
+              </a:rPr>
+              <a:t>Raster data:</a:t>
+            </a:r>
+            <a:r>
+              <a:rPr lang="x-none" altLang="en-US" sz="1200" i="1">
+                <a:solidFill>
+                  <a:schemeClr val="bg1">
+                    <a:lumMod val="75000"/>
+                  </a:schemeClr>
+                </a:solidFill>
+                <a:latin typeface="MathJax_Main" charset="0"/>
+                <a:cs typeface="MathJax_Main" charset="0"/>
+              </a:rPr>
+              <a:t>  </a:t>
+            </a:r>
+            <a:endParaRPr lang="x-none" altLang="en-US" sz="1200" i="1">
+              <a:solidFill>
+                <a:schemeClr val="accent6">
+                  <a:lumMod val="60000"/>
+                  <a:lumOff val="40000"/>
+                </a:schemeClr>
+              </a:solidFill>
+              <a:latin typeface="MathJax_Main" charset="0"/>
+              <a:cs typeface="MathJax_Main" charset="0"/>
+            </a:endParaRPr>
+          </a:p>
+          <a:p>
+            <a:pPr marL="0" indent="0">
+              <a:buNone/>
+            </a:pPr>
+            <a:r>
+              <a:rPr lang="x-none" altLang="en-US" sz="1200" i="1">
+                <a:solidFill>
+                  <a:schemeClr val="bg1">
+                    <a:lumMod val="75000"/>
+                  </a:schemeClr>
+                </a:solidFill>
+                <a:latin typeface="MathJax_Main" charset="0"/>
+                <a:cs typeface="MathJax_Main" charset="0"/>
+              </a:rPr>
+              <a:t>   </a:t>
+            </a:r>
+            <a:r>
+              <a:rPr lang="x-none" altLang="en-US" sz="1200" i="1">
+                <a:solidFill>
+                  <a:schemeClr val="accent6">
+                    <a:lumMod val="60000"/>
+                    <a:lumOff val="40000"/>
+                  </a:schemeClr>
+                </a:solidFill>
+                <a:latin typeface="MathJax_Main" charset="0"/>
+                <a:cs typeface="MathJax_Main" charset="0"/>
+              </a:rPr>
+              <a:t>  &gt; gdalinfo</a:t>
+            </a:r>
+            <a:r>
+              <a:rPr lang="x-none" altLang="en-US" sz="1200" i="1">
+                <a:solidFill>
+                  <a:schemeClr val="bg1">
+                    <a:lumMod val="75000"/>
+                  </a:schemeClr>
+                </a:solidFill>
+                <a:latin typeface="MathJax_Main" charset="0"/>
+                <a:cs typeface="MathJax_Main" charset="0"/>
+              </a:rPr>
+              <a:t> </a:t>
+            </a:r>
+            <a:r>
+              <a:rPr lang="x-none" altLang="en-US" sz="1200" i="1">
+                <a:solidFill>
+                  <a:srgbClr val="92D050"/>
+                </a:solidFill>
+                <a:latin typeface="MathJax_Main" charset="0"/>
+                <a:cs typeface="MathJax_Main" charset="0"/>
+              </a:rPr>
+              <a:t>--formats </a:t>
+            </a:r>
+            <a:r>
+              <a:rPr lang="x-none" altLang="en-US" sz="1200" i="1">
+                <a:solidFill>
+                  <a:schemeClr val="bg1">
+                    <a:lumMod val="75000"/>
+                  </a:schemeClr>
+                </a:solidFill>
+                <a:latin typeface="MathJax_Main" charset="0"/>
+                <a:cs typeface="MathJax_Main" charset="0"/>
+              </a:rPr>
+              <a:t>To get full list of supported raster formats</a:t>
+            </a:r>
+            <a:endParaRPr lang="x-none" altLang="en-US" sz="1200" i="1">
+              <a:solidFill>
+                <a:schemeClr val="bg1">
+                  <a:lumMod val="75000"/>
+                </a:schemeClr>
+              </a:solidFill>
+              <a:latin typeface="MathJax_Main" charset="0"/>
+              <a:cs typeface="MathJax_Main" charset="0"/>
+            </a:endParaRPr>
+          </a:p>
+          <a:p>
+            <a:pPr marL="0" indent="0">
+              <a:buNone/>
+            </a:pPr>
+            <a:r>
+              <a:rPr lang="x-none" altLang="en-US" sz="1200" i="1">
+                <a:solidFill>
+                  <a:schemeClr val="bg1">
+                    <a:lumMod val="75000"/>
+                  </a:schemeClr>
+                </a:solidFill>
+                <a:latin typeface="MathJax_Main" charset="0"/>
+                <a:cs typeface="MathJax_Main" charset="0"/>
+              </a:rPr>
+              <a:t>  </a:t>
+            </a:r>
+            <a:r>
+              <a:rPr lang="x-none" altLang="en-US" sz="1200" i="1">
+                <a:solidFill>
+                  <a:schemeClr val="accent6">
+                    <a:lumMod val="60000"/>
+                    <a:lumOff val="40000"/>
+                  </a:schemeClr>
+                </a:solidFill>
+                <a:latin typeface="MathJax_Main" charset="0"/>
+                <a:cs typeface="MathJax_Main" charset="0"/>
+              </a:rPr>
+              <a:t>   &gt; gdal_translate </a:t>
+            </a:r>
+            <a:r>
+              <a:rPr lang="x-none" altLang="en-US" sz="1200" i="1">
+                <a:solidFill>
+                  <a:srgbClr val="92D050"/>
+                </a:solidFill>
+                <a:latin typeface="MathJax_Main" charset="0"/>
+                <a:cs typeface="MathJax_Main" charset="0"/>
+              </a:rPr>
+              <a:t>--formats </a:t>
+            </a:r>
+            <a:r>
+              <a:rPr lang="x-none" altLang="en-US" sz="1200" i="1">
+                <a:solidFill>
+                  <a:schemeClr val="bg1">
+                    <a:lumMod val="75000"/>
+                  </a:schemeClr>
+                </a:solidFill>
+                <a:latin typeface="MathJax_Main" charset="0"/>
+                <a:cs typeface="MathJax_Main" charset="0"/>
+              </a:rPr>
+              <a:t>valid list of output formats</a:t>
+            </a:r>
+            <a:endParaRPr lang="x-none" altLang="en-US" sz="1200" i="1">
+              <a:solidFill>
+                <a:schemeClr val="bg1">
+                  <a:lumMod val="75000"/>
+                </a:schemeClr>
+              </a:solidFill>
+              <a:latin typeface="MathJax_Main" charset="0"/>
+              <a:cs typeface="MathJax_Main" charset="0"/>
+            </a:endParaRPr>
+          </a:p>
+          <a:p>
+            <a:pPr marL="0" indent="0">
+              <a:buNone/>
+            </a:pPr>
+            <a:r>
+              <a:rPr lang="x-none" altLang="en-US" sz="1200" i="1">
+                <a:solidFill>
+                  <a:schemeClr val="accent6">
+                    <a:lumMod val="60000"/>
+                    <a:lumOff val="40000"/>
+                  </a:schemeClr>
+                </a:solidFill>
+                <a:latin typeface="MathJax_Main" charset="0"/>
+                <a:cs typeface="MathJax_Main" charset="0"/>
+              </a:rPr>
+              <a:t>    &gt; gdalbuildvrt</a:t>
+            </a:r>
+            <a:endParaRPr lang="x-none" altLang="en-US" sz="1200" i="1">
+              <a:solidFill>
+                <a:schemeClr val="accent6">
+                  <a:lumMod val="60000"/>
+                  <a:lumOff val="40000"/>
+                </a:schemeClr>
+              </a:solidFill>
+              <a:latin typeface="MathJax_Main" charset="0"/>
+              <a:cs typeface="MathJax_Main" charset="0"/>
+            </a:endParaRPr>
+          </a:p>
+          <a:p>
+            <a:pPr marL="0" indent="0">
+              <a:buNone/>
+            </a:pPr>
+            <a:r>
+              <a:rPr lang="x-none" altLang="en-US" sz="1200" i="1">
+                <a:solidFill>
+                  <a:schemeClr val="accent6">
+                    <a:lumMod val="60000"/>
+                    <a:lumOff val="40000"/>
+                  </a:schemeClr>
+                </a:solidFill>
+                <a:latin typeface="MathJax_Main" charset="0"/>
+                <a:cs typeface="MathJax_Main" charset="0"/>
+              </a:rPr>
+              <a:t>   &gt; gdal_rasterize, gdal_calc</a:t>
+            </a:r>
+            <a:endParaRPr lang="x-none" altLang="en-US" sz="1200" i="1">
+              <a:solidFill>
+                <a:schemeClr val="bg1">
+                  <a:lumMod val="75000"/>
+                </a:schemeClr>
+              </a:solidFill>
+              <a:latin typeface="MathJax_Main" charset="0"/>
+              <a:cs typeface="MathJax_Main" charset="0"/>
+            </a:endParaRPr>
+          </a:p>
+          <a:p>
+            <a:pPr marL="0" indent="0">
+              <a:buNone/>
+            </a:pPr>
+            <a:r>
+              <a:rPr lang="x-none" altLang="en-US" sz="1200" i="1">
+                <a:solidFill>
+                  <a:schemeClr val="bg1">
+                    <a:lumMod val="75000"/>
+                  </a:schemeClr>
+                </a:solidFill>
+                <a:latin typeface="MathJax_Main" charset="0"/>
+                <a:cs typeface="MathJax_Main" charset="0"/>
+              </a:rPr>
+              <a:t>Ref:</a:t>
+            </a:r>
+            <a:endParaRPr lang="x-none" altLang="en-US" sz="1200" i="1">
+              <a:solidFill>
+                <a:schemeClr val="bg1">
+                  <a:lumMod val="75000"/>
+                </a:schemeClr>
+              </a:solidFill>
+              <a:latin typeface="MathJax_Main" charset="0"/>
+              <a:cs typeface="MathJax_Main" charset="0"/>
+            </a:endParaRPr>
+          </a:p>
+          <a:p>
+            <a:pPr marL="0" indent="0">
+              <a:buNone/>
+            </a:pPr>
+            <a:r>
+              <a:rPr lang="x-none" altLang="en-US" sz="1200" i="1">
+                <a:solidFill>
+                  <a:schemeClr val="bg1">
+                    <a:lumMod val="75000"/>
+                  </a:schemeClr>
+                </a:solidFill>
+                <a:latin typeface="MathJax_Main" charset="0"/>
+                <a:cs typeface="MathJax_Main" charset="0"/>
+              </a:rPr>
+              <a:t>Go through the resources below to explore further:</a:t>
+            </a:r>
+            <a:endParaRPr lang="x-none" altLang="en-US" sz="1200" i="1">
+              <a:solidFill>
+                <a:schemeClr val="bg1">
+                  <a:lumMod val="75000"/>
+                </a:schemeClr>
+              </a:solidFill>
+              <a:latin typeface="MathJax_Main" charset="0"/>
+              <a:cs typeface="MathJax_Main" charset="0"/>
+            </a:endParaRPr>
+          </a:p>
+          <a:p>
+            <a:pPr marL="0" indent="0">
+              <a:buNone/>
+            </a:pPr>
+            <a:r>
+              <a:rPr lang="x-none" altLang="en-US" sz="1200" i="1">
+                <a:solidFill>
+                  <a:schemeClr val="bg1">
+                    <a:lumMod val="75000"/>
+                  </a:schemeClr>
+                </a:solidFill>
+                <a:latin typeface="MathJax_Main" charset="0"/>
+                <a:cs typeface="MathJax_Main" charset="0"/>
+              </a:rPr>
+              <a:t>Geogirl's ogr tutorial series.</a:t>
+            </a:r>
+            <a:endParaRPr lang="x-none" altLang="en-US" sz="1200" i="1">
+              <a:solidFill>
+                <a:schemeClr val="bg1">
+                  <a:lumMod val="75000"/>
+                </a:schemeClr>
+              </a:solidFill>
+              <a:latin typeface="MathJax_Main" charset="0"/>
+              <a:cs typeface="MathJax_Main" charset="0"/>
+            </a:endParaRPr>
+          </a:p>
+          <a:p>
+            <a:pPr marL="0" indent="0">
+              <a:buNone/>
+            </a:pPr>
+            <a:r>
+              <a:rPr lang="x-none" altLang="en-US" sz="1200" i="1">
+                <a:solidFill>
+                  <a:schemeClr val="bg1">
+                    <a:lumMod val="75000"/>
+                  </a:schemeClr>
+                </a:solidFill>
+                <a:latin typeface="MathJax_Main" charset="0"/>
+                <a:cs typeface="MathJax_Main" charset="0"/>
+              </a:rPr>
+              <a:t>https://developers.planet.com/planetschool/getting-started-with-gdal/</a:t>
+            </a:r>
+            <a:endParaRPr lang="x-none" altLang="en-US" sz="1200" i="1">
+              <a:solidFill>
+                <a:schemeClr val="bg1">
+                  <a:lumMod val="75000"/>
+                </a:schemeClr>
+              </a:solidFill>
+              <a:latin typeface="MathJax_Main" charset="0"/>
+              <a:cs typeface="MathJax_Main" charset="0"/>
+            </a:endParaRPr>
+          </a:p>
+          <a:p>
+            <a:pPr marL="0" indent="0">
+              <a:buNone/>
+            </a:pPr>
+            <a:r>
+              <a:rPr lang="x-none" altLang="en-US" sz="1200" i="1">
+                <a:solidFill>
+                  <a:schemeClr val="bg1">
+                    <a:lumMod val="75000"/>
+                  </a:schemeClr>
+                </a:solidFill>
+                <a:latin typeface="MathJax_Main" charset="0"/>
+                <a:cs typeface="MathJax_Main" charset="0"/>
+              </a:rPr>
+              <a:t>https://www.youtube.com/watch?v=2Q1T96NJmuc&amp;ab_channel=MakingSenseRemotely</a:t>
+            </a:r>
+            <a:endParaRPr lang="x-none" altLang="en-US" sz="1200" i="1">
+              <a:solidFill>
+                <a:schemeClr val="bg1">
+                  <a:lumMod val="75000"/>
+                </a:schemeClr>
+              </a:solidFill>
+              <a:latin typeface="MathJax_Main" charset="0"/>
+              <a:cs typeface="MathJax_Main" charset="0"/>
+            </a:endParaRPr>
+          </a:p>
+          <a:p>
+            <a:pPr marL="0" indent="0">
+              <a:buNone/>
+            </a:pPr>
+            <a:r>
+              <a:rPr lang="x-none" altLang="en-US" sz="1200" i="1">
+                <a:solidFill>
+                  <a:schemeClr val="bg1">
+                    <a:lumMod val="75000"/>
+                  </a:schemeClr>
+                </a:solidFill>
+                <a:latin typeface="MathJax_Main" charset="0"/>
+                <a:cs typeface="MathJax_Main" charset="0"/>
+              </a:rPr>
+              <a:t>https://courses.spatialthoughts.com/gdal-tools.html</a:t>
+            </a:r>
+            <a:endParaRPr lang="x-none" altLang="en-US" sz="1200" i="1">
+              <a:solidFill>
+                <a:schemeClr val="bg1">
+                  <a:lumMod val="75000"/>
+                </a:schemeClr>
+              </a:solidFill>
+              <a:latin typeface="MathJax_Main" charset="0"/>
+              <a:cs typeface="MathJax_Main" charset="0"/>
+            </a:endParaRPr>
+          </a:p>
+          <a:p>
+            <a:pPr marL="0" indent="0">
+              <a:buNone/>
+            </a:pPr>
+            <a:r>
+              <a:rPr lang="x-none" altLang="en-US" sz="1200" i="1">
+                <a:solidFill>
+                  <a:schemeClr val="bg1">
+                    <a:lumMod val="75000"/>
+                  </a:schemeClr>
+                </a:solidFill>
+                <a:latin typeface="MathJax_Main" charset="0"/>
+                <a:cs typeface="MathJax_Main" charset="0"/>
+              </a:rPr>
+              <a:t>https://ocw.un-ihe.org/mod/book/view.php?id=6228</a:t>
+            </a:r>
+            <a:endParaRPr lang="x-none" altLang="en-US" sz="1200" i="1">
+              <a:solidFill>
+                <a:schemeClr val="bg1">
+                  <a:lumMod val="75000"/>
+                </a:schemeClr>
+              </a:solidFill>
+              <a:latin typeface="MathJax_Main" charset="0"/>
+              <a:cs typeface="MathJax_Main" charset="0"/>
+            </a:endParaRPr>
+          </a:p>
+        </p:txBody>
+      </p:sp>
+      <p:pic>
+        <p:nvPicPr>
+          <p:cNvPr id="9" name="Picture 8" descr="gdal_g.png"/>
+          <p:cNvPicPr>
+            <a:picLocks noChangeAspect="1"/>
+          </p:cNvPicPr>
+          <p:nvPr/>
+        </p:nvPicPr>
+        <p:blipFill>
+          <a:blip r:embed="rId2">
+            <a:lum bright="-18000"/>
+          </a:blip>
+          <a:stretch>
+            <a:fillRect/>
+          </a:stretch>
+        </p:blipFill>
+        <p:spPr>
+          <a:xfrm>
+            <a:off x="11407775" y="56515"/>
+            <a:ext cx="769620" cy="761365"/>
+          </a:xfrm>
+          <a:prstGeom prst="rect">
+            <a:avLst/>
+          </a:prstGeom>
+        </p:spPr>
+      </p:pic>
+    </p:spTree>
+  </p:cSld>
+  <p:clrMapOvr>
+    <a:masterClrMapping/>
+  </p:clrMapOvr>
+</p:sld>
+</file>
+
+<file path=ppt/slides/slide11.xml><?xml version="1.0" encoding="utf-8"?>
+<p:sld xmlns:a="http://schemas.openxmlformats.org/drawingml/2006/main" xmlns:r="http://schemas.openxmlformats.org/officeDocument/2006/relationships" xmlns:p="http://schemas.openxmlformats.org/presentationml/2006/main">
+  <p:cSld>
+    <p:bg>
+      <p:bgPr>
+        <a:solidFill>
+          <a:schemeClr val="tx1"/>
+        </a:solidFill>
+        <a:effectLst/>
+      </p:bgPr>
+    </p:bg>
+    <p:spTree>
+      <p:nvGrpSpPr>
+        <p:cNvPr id="1" name=""/>
+        <p:cNvGrpSpPr/>
+        <p:nvPr/>
+      </p:nvGrpSpPr>
+      <p:grpSpPr/>
+      <p:pic>
+        <p:nvPicPr>
           <p:cNvPr id="2" name="Picture 1" descr="grasshd_p"/>
           <p:cNvPicPr>
             <a:picLocks noChangeAspect="1"/>
@@ -3638,8 +4260,8 @@
         </p:nvSpPr>
         <p:spPr>
           <a:xfrm>
-            <a:off x="61595" y="1253490"/>
-            <a:ext cx="11824335" cy="5164455"/>
+            <a:off x="61595" y="114300"/>
+            <a:ext cx="11824335" cy="6734810"/>
           </a:xfrm>
           <a:effectLst>
             <a:outerShdw blurRad="50800" dist="50800" dir="5400000" sx="98000" sy="98000" algn="ctr" rotWithShape="0">
@@ -3665,17 +4287,17 @@
                     <a:lumOff val="60000"/>
                   </a:schemeClr>
                 </a:solidFill>
-                <a:latin typeface="Fira Code" panose="020B0609050000020004" charset="0"/>
-                <a:cs typeface="Fira Code" panose="020B0609050000020004" charset="0"/>
-              </a:rPr>
-              <a:t>Da Vince Koyo:</a:t>
+                <a:latin typeface="MathJax_Main" charset="0"/>
+                <a:cs typeface="MathJax_Main" charset="0"/>
+              </a:rPr>
+              <a:t>Grass GIS:</a:t>
             </a:r>
             <a:endParaRPr lang="x-none" altLang="en-US" sz="1800">
               <a:solidFill>
                 <a:schemeClr val="tx1"/>
               </a:solidFill>
-              <a:latin typeface="Fira Code" panose="020B0609050000020004" charset="0"/>
-              <a:cs typeface="Fira Code" panose="020B0609050000020004" charset="0"/>
+              <a:latin typeface="MathJax_Main" charset="0"/>
+              <a:cs typeface="MathJax_Main" charset="0"/>
             </a:endParaRPr>
           </a:p>
           <a:p>
@@ -3687,160 +4309,287 @@
                 <a:solidFill>
                   <a:srgbClr val="92D050"/>
                 </a:solidFill>
-                <a:latin typeface="Fira Code" panose="020B0609050000020004" charset="0"/>
-                <a:cs typeface="Fira Code" panose="020B0609050000020004" charset="0"/>
-              </a:rPr>
-              <a:t>Background: </a:t>
-            </a:r>
-            <a:r>
-              <a:rPr lang="x-none" altLang="en-US" sz="1800" i="1">
+                <a:latin typeface="MathJax_Main" charset="0"/>
+                <a:cs typeface="MathJax_Main" charset="0"/>
+              </a:rPr>
+              <a:t>Installation: </a:t>
+            </a:r>
+            <a:endParaRPr lang="x-none" altLang="en-US" sz="1800">
+              <a:solidFill>
+                <a:srgbClr val="92D050"/>
+              </a:solidFill>
+              <a:latin typeface="MathJax_Main" charset="0"/>
+              <a:cs typeface="MathJax_Main" charset="0"/>
+            </a:endParaRPr>
+          </a:p>
+          <a:p>
+            <a:pPr marL="0" indent="0">
+              <a:buNone/>
+            </a:pPr>
+            <a:r>
+              <a:rPr lang="x-none" altLang="en-US" sz="1600" i="1">
                 <a:solidFill>
                   <a:schemeClr val="accent6">
                     <a:lumMod val="75000"/>
                   </a:schemeClr>
                 </a:solidFill>
-                <a:latin typeface="Fira Code" panose="020B0609050000020004" charset="0"/>
-                <a:cs typeface="Fira Code" panose="020B0609050000020004" charset="0"/>
-              </a:rPr>
-              <a:t>Geospatial and remote sensing</a:t>
-            </a:r>
-            <a:r>
-              <a:rPr lang="x-none" altLang="en-US" sz="1800">
-                <a:solidFill>
-                  <a:schemeClr val="accent6">
-                    <a:lumMod val="75000"/>
-                  </a:schemeClr>
-                </a:solidFill>
-                <a:latin typeface="Fira Code" panose="020B0609050000020004" charset="0"/>
-                <a:cs typeface="Fira Code" panose="020B0609050000020004" charset="0"/>
-              </a:rPr>
-              <a:t>.</a:t>
-            </a:r>
-            <a:endParaRPr lang="x-none" altLang="en-US" sz="1800">
+                <a:latin typeface="MathJax_Main" charset="0"/>
+                <a:cs typeface="MathJax_Main" charset="0"/>
+              </a:rPr>
+              <a:t>https://grasswiki.osgeo.org/wiki/Installation_Guide</a:t>
+            </a:r>
+            <a:endParaRPr lang="x-none" altLang="en-US" sz="1600" i="1">
               <a:solidFill>
                 <a:schemeClr val="accent6">
                   <a:lumMod val="75000"/>
                 </a:schemeClr>
               </a:solidFill>
-              <a:latin typeface="Fira Code" panose="020B0609050000020004" charset="0"/>
-              <a:cs typeface="Fira Code" panose="020B0609050000020004" charset="0"/>
-            </a:endParaRPr>
-          </a:p>
-          <a:p>
-            <a:pPr marL="0" indent="0">
-              <a:buNone/>
-            </a:pPr>
-            <a:r>
-              <a:rPr lang="x-none" altLang="en-US" sz="1800">
-                <a:solidFill>
-                  <a:schemeClr val="accent6">
-                    <a:lumMod val="75000"/>
-                  </a:schemeClr>
-                </a:solidFill>
-                <a:latin typeface="Fira Code" panose="020B0609050000020004" charset="0"/>
-                <a:cs typeface="Fira Code" panose="020B0609050000020004" charset="0"/>
-              </a:rPr>
-              <a:t>formerly: </a:t>
-            </a:r>
-            <a:r>
-              <a:rPr lang="x-none" altLang="en-US" sz="1800" i="1">
-                <a:solidFill>
-                  <a:schemeClr val="accent6">
-                    <a:lumMod val="75000"/>
-                  </a:schemeClr>
-                </a:solidFill>
-                <a:latin typeface="Fira Code" panose="020B0609050000020004" charset="0"/>
-                <a:cs typeface="Fira Code" panose="020B0609050000020004" charset="0"/>
-              </a:rPr>
-              <a:t>Market and reasearch associate with focus on predictive modelling, location &amp; Business intelligence and forecasting products.</a:t>
-            </a:r>
-            <a:endParaRPr lang="x-none" altLang="en-US" sz="1800">
-              <a:solidFill>
-                <a:schemeClr val="accent6">
-                  <a:lumMod val="40000"/>
-                  <a:lumOff val="60000"/>
-                </a:schemeClr>
-              </a:solidFill>
-              <a:latin typeface="Fira Code" panose="020B0609050000020004" charset="0"/>
-              <a:cs typeface="Fira Code" panose="020B0609050000020004" charset="0"/>
-            </a:endParaRPr>
-          </a:p>
-          <a:p>
-            <a:pPr marL="0" indent="0">
-              <a:buNone/>
-            </a:pPr>
-            <a:r>
-              <a:rPr lang="x-none" altLang="en-US" sz="1800">
+              <a:latin typeface="MathJax_Main" charset="0"/>
+              <a:cs typeface="MathJax_Main" charset="0"/>
+            </a:endParaRPr>
+          </a:p>
+          <a:p>
+            <a:pPr marL="0" indent="0">
+              <a:buNone/>
+            </a:pPr>
+            <a:r>
+              <a:rPr lang="x-none" altLang="en-US" sz="1600" i="1">
                 <a:solidFill>
                   <a:srgbClr val="92D050"/>
                 </a:solidFill>
-                <a:latin typeface="Fira Code" panose="020B0609050000020004" charset="0"/>
-                <a:cs typeface="Fira Code" panose="020B0609050000020004" charset="0"/>
-              </a:rPr>
-              <a:t>currently: </a:t>
-            </a:r>
-            <a:r>
-              <a:rPr lang="x-none" altLang="en-US" sz="1800" i="1">
-                <a:solidFill>
-                  <a:schemeClr val="accent6">
-                    <a:lumMod val="75000"/>
-                  </a:schemeClr>
-                </a:solidFill>
-                <a:latin typeface="Fira Code" panose="020B0609050000020004" charset="0"/>
-                <a:cs typeface="Fira Code" panose="020B0609050000020004" charset="0"/>
-              </a:rPr>
-              <a:t>Consulting and studying</a:t>
-            </a:r>
-            <a:endParaRPr lang="x-none" altLang="en-US" sz="1800" i="1">
-              <a:solidFill>
-                <a:srgbClr val="92D050"/>
-              </a:solidFill>
-              <a:latin typeface="Fira Code" panose="020B0609050000020004" charset="0"/>
-              <a:cs typeface="Fira Code" panose="020B0609050000020004" charset="0"/>
-            </a:endParaRPr>
-          </a:p>
-          <a:p>
-            <a:pPr marL="0" indent="0">
-              <a:buNone/>
-            </a:pPr>
-            <a:r>
-              <a:rPr lang="x-none" altLang="en-US" sz="1800">
-                <a:solidFill>
-                  <a:srgbClr val="92D050"/>
-                </a:solidFill>
-                <a:latin typeface="Fira Code" panose="020B0609050000020004" charset="0"/>
-                <a:cs typeface="Fira Code" panose="020B0609050000020004" charset="0"/>
-              </a:rPr>
-              <a:t>Generally: </a:t>
-            </a:r>
-            <a:r>
-              <a:rPr lang="x-none" altLang="en-US" sz="1800" i="1">
-                <a:solidFill>
-                  <a:schemeClr val="accent6">
-                    <a:lumMod val="75000"/>
-                  </a:schemeClr>
-                </a:solidFill>
-                <a:latin typeface="Fira Code" panose="020B0609050000020004" charset="0"/>
-                <a:cs typeface="Fira Code" panose="020B0609050000020004" charset="0"/>
-              </a:rPr>
-              <a:t>A tinkerer and a virtuoso</a:t>
-            </a:r>
-            <a:r>
-              <a:rPr lang="x-none" altLang="en-US" sz="1800" i="1">
-                <a:solidFill>
-                  <a:schemeClr val="accent6">
-                    <a:lumMod val="75000"/>
-                  </a:schemeClr>
-                </a:solidFill>
-              </a:rPr>
-              <a:t> </a:t>
-            </a:r>
-            <a:endParaRPr lang="x-none" altLang="en-US" sz="1800" i="1">
+                <a:latin typeface="MathJax_Main" charset="0"/>
+                <a:cs typeface="MathJax_Main" charset="0"/>
+              </a:rPr>
+              <a:t>Windows: </a:t>
+            </a:r>
+            <a:r>
+              <a:rPr lang="x-none" altLang="en-US" sz="1600" i="1">
+                <a:solidFill>
+                  <a:schemeClr val="bg1">
+                    <a:lumMod val="75000"/>
+                  </a:schemeClr>
+                </a:solidFill>
+                <a:latin typeface="MathJax_Main" charset="0"/>
+                <a:cs typeface="MathJax_Main" charset="0"/>
+              </a:rPr>
+              <a:t>The easiest way is through OSGeo4W installer or winGrass stand alone installer</a:t>
+            </a:r>
+            <a:endParaRPr lang="x-none" altLang="en-US" sz="1600" i="1">
               <a:solidFill>
                 <a:schemeClr val="accent6">
                   <a:lumMod val="75000"/>
                 </a:schemeClr>
               </a:solidFill>
+              <a:latin typeface="MathJax_Main" charset="0"/>
+              <a:cs typeface="MathJax_Main" charset="0"/>
+            </a:endParaRPr>
+          </a:p>
+          <a:p>
+            <a:pPr marL="0" indent="0">
+              <a:buNone/>
+            </a:pPr>
+            <a:r>
+              <a:rPr lang="x-none" altLang="en-US" sz="1600" i="1">
+                <a:solidFill>
+                  <a:srgbClr val="92D050"/>
+                </a:solidFill>
+                <a:latin typeface="MathJax_Main" charset="0"/>
+                <a:cs typeface="MathJax_Main" charset="0"/>
+              </a:rPr>
+              <a:t>OSX:</a:t>
+            </a:r>
+            <a:r>
+              <a:rPr lang="x-none" altLang="en-US" sz="1600" i="1">
+                <a:solidFill>
+                  <a:schemeClr val="bg1">
+                    <a:lumMod val="75000"/>
+                  </a:schemeClr>
+                </a:solidFill>
+                <a:latin typeface="MathJax_Main" charset="0"/>
+                <a:cs typeface="MathJax_Main" charset="0"/>
+              </a:rPr>
+              <a:t> probably mac users know better. Check above link for the official *.dmg package</a:t>
+            </a:r>
+            <a:endParaRPr lang="x-none" altLang="en-US" sz="1600" i="1">
+              <a:solidFill>
+                <a:schemeClr val="bg1">
+                  <a:lumMod val="75000"/>
+                </a:schemeClr>
+              </a:solidFill>
+              <a:latin typeface="MathJax_Main" charset="0"/>
+              <a:cs typeface="MathJax_Main" charset="0"/>
+            </a:endParaRPr>
+          </a:p>
+          <a:p>
+            <a:pPr marL="0" indent="0">
+              <a:buNone/>
+            </a:pPr>
+            <a:r>
+              <a:rPr lang="x-none" altLang="en-US" sz="1600" i="1">
+                <a:solidFill>
+                  <a:srgbClr val="92D050"/>
+                </a:solidFill>
+                <a:latin typeface="MathJax_Main" charset="0"/>
+                <a:cs typeface="MathJax_Main" charset="0"/>
+              </a:rPr>
+              <a:t>Linux distro: </a:t>
+            </a:r>
+            <a:r>
+              <a:rPr lang="x-none" altLang="en-US" sz="1600" i="1">
+                <a:solidFill>
+                  <a:schemeClr val="bg1">
+                    <a:lumMod val="75000"/>
+                  </a:schemeClr>
+                </a:solidFill>
+                <a:latin typeface="MathJax_Main" charset="0"/>
+                <a:cs typeface="MathJax_Main" charset="0"/>
+              </a:rPr>
+              <a:t>Debian based -&gt; if you installed qgis using the official docs you probably have grass else: sudo apt install grass libgrass-dev grass-gu</a:t>
+            </a:r>
+            <a:r>
+              <a:rPr lang="x-none" altLang="en-US" sz="1600">
+                <a:solidFill>
+                  <a:schemeClr val="bg1">
+                    <a:lumMod val="75000"/>
+                  </a:schemeClr>
+                </a:solidFill>
+                <a:latin typeface="MathJax_Main" charset="0"/>
+                <a:cs typeface="MathJax_Main" charset="0"/>
+              </a:rPr>
+              <a:t>i grass-doc</a:t>
+            </a:r>
+            <a:endParaRPr lang="x-none" altLang="en-US" sz="1600">
+              <a:solidFill>
+                <a:schemeClr val="bg1">
+                  <a:lumMod val="75000"/>
+                </a:schemeClr>
+              </a:solidFill>
+              <a:latin typeface="MathJax_Main" charset="0"/>
+              <a:cs typeface="MathJax_Main" charset="0"/>
+            </a:endParaRPr>
+          </a:p>
+          <a:p>
+            <a:pPr marL="0" indent="0">
+              <a:buNone/>
+            </a:pPr>
+            <a:r>
+              <a:rPr lang="x-none" altLang="en-US" sz="1600">
+                <a:solidFill>
+                  <a:schemeClr val="accent6">
+                    <a:lumMod val="60000"/>
+                    <a:lumOff val="40000"/>
+                  </a:schemeClr>
+                </a:solidFill>
+                <a:latin typeface="MathJax_Main" charset="0"/>
+                <a:cs typeface="MathJax_Main" charset="0"/>
+              </a:rPr>
+              <a:t>grass learn:</a:t>
+            </a:r>
+            <a:endParaRPr lang="x-none" altLang="en-US" sz="1600">
+              <a:solidFill>
+                <a:schemeClr val="accent6">
+                  <a:lumMod val="60000"/>
+                  <a:lumOff val="40000"/>
+                </a:schemeClr>
+              </a:solidFill>
+              <a:latin typeface="MathJax_Main" charset="0"/>
+              <a:cs typeface="MathJax_Main" charset="0"/>
+            </a:endParaRPr>
+          </a:p>
+          <a:p>
+            <a:pPr marL="0" indent="0">
+              <a:buNone/>
+            </a:pPr>
+            <a:r>
+              <a:rPr lang="x-none" altLang="en-US" sz="1600">
+                <a:solidFill>
+                  <a:schemeClr val="accent6">
+                    <a:lumMod val="60000"/>
+                    <a:lumOff val="40000"/>
+                  </a:schemeClr>
+                </a:solidFill>
+                <a:latin typeface="MathJax_Main" charset="0"/>
+                <a:cs typeface="MathJax_Main" charset="0"/>
+              </a:rPr>
+              <a:t>https://grass.osgeo.org/learn/</a:t>
+            </a:r>
+            <a:endParaRPr lang="x-none" altLang="en-US" sz="1600">
+              <a:solidFill>
+                <a:schemeClr val="accent6">
+                  <a:lumMod val="60000"/>
+                  <a:lumOff val="40000"/>
+                </a:schemeClr>
+              </a:solidFill>
+              <a:latin typeface="MathJax_Main" charset="0"/>
+              <a:cs typeface="MathJax_Main" charset="0"/>
+            </a:endParaRPr>
+          </a:p>
+          <a:p>
+            <a:pPr marL="0" indent="0">
+              <a:buNone/>
+            </a:pPr>
+            <a:r>
+              <a:rPr lang="x-none" altLang="en-US" sz="1600">
+                <a:solidFill>
+                  <a:schemeClr val="accent6">
+                    <a:lumMod val="60000"/>
+                    <a:lumOff val="40000"/>
+                  </a:schemeClr>
+                </a:solidFill>
+                <a:latin typeface="MathJax_Main" charset="0"/>
+                <a:cs typeface="MathJax_Main" charset="0"/>
+              </a:rPr>
+              <a:t>https://ncsu-geoforall-lab.github.io/grass-intro-workshop/intro.html</a:t>
+            </a:r>
+            <a:endParaRPr lang="x-none" altLang="en-US" sz="1600">
+              <a:solidFill>
+                <a:schemeClr val="accent6">
+                  <a:lumMod val="60000"/>
+                  <a:lumOff val="40000"/>
+                </a:schemeClr>
+              </a:solidFill>
+              <a:latin typeface="MathJax_Main" charset="0"/>
+              <a:cs typeface="MathJax_Main" charset="0"/>
+            </a:endParaRPr>
+          </a:p>
+          <a:p>
+            <a:pPr marL="0" indent="0">
+              <a:buNone/>
+            </a:pPr>
+            <a:r>
+              <a:rPr lang="x-none" altLang="en-US" sz="1600" i="1">
+                <a:solidFill>
+                  <a:schemeClr val="bg1">
+                    <a:lumMod val="75000"/>
+                  </a:schemeClr>
+                </a:solidFill>
+                <a:latin typeface="MathJax_Main" charset="0"/>
+                <a:cs typeface="MathJax_Main" charset="0"/>
+              </a:rPr>
+              <a:t>https://baharmon.github.io/watersheds-in-grass</a:t>
+            </a:r>
+            <a:endParaRPr lang="x-none" altLang="en-US" sz="1600" i="1">
+              <a:solidFill>
+                <a:schemeClr val="bg1">
+                  <a:lumMod val="75000"/>
+                </a:schemeClr>
+              </a:solidFill>
+              <a:latin typeface="MathJax_Main" charset="0"/>
+              <a:cs typeface="MathJax_Main" charset="0"/>
+            </a:endParaRPr>
+          </a:p>
+          <a:p>
+            <a:pPr marL="0" indent="0">
+              <a:buNone/>
+            </a:pPr>
+            <a:endParaRPr lang="x-none" altLang="en-US" sz="1600" i="1">
+              <a:solidFill>
+                <a:schemeClr val="accent6">
+                  <a:lumMod val="75000"/>
+                </a:schemeClr>
+              </a:solidFill>
+              <a:latin typeface="MathJax_Main" charset="0"/>
+              <a:cs typeface="MathJax_Main" charset="0"/>
             </a:endParaRPr>
           </a:p>
         </p:txBody>
@@ -3877,17 +4626,14 @@
 </p:sld>
 </file>
 
-<file path=ppt/slides/slide11.xml><?xml version="1.0" encoding="utf-8"?>
+<file path=ppt/slides/slide12.xml><?xml version="1.0" encoding="utf-8"?>
 <p:sld xmlns:a="http://schemas.openxmlformats.org/drawingml/2006/main" xmlns:r="http://schemas.openxmlformats.org/officeDocument/2006/relationships" xmlns:p="http://schemas.openxmlformats.org/presentationml/2006/main">
   <p:cSld>
     <p:bg>
       <p:bgPr>
-        <a:blipFill rotWithShape="1">
-          <a:blip r:embed="rId1"/>
-          <a:stretch>
-            <a:fillRect/>
-          </a:stretch>
-        </a:blipFill>
+        <a:solidFill>
+          <a:schemeClr val="tx1"/>
+        </a:solidFill>
         <a:effectLst/>
       </p:bgPr>
     </p:bg>
@@ -3898,6 +4644,157 @@
         <p:nvPr/>
       </p:nvGrpSpPr>
       <p:grpSpPr/>
+      <p:pic>
+        <p:nvPicPr>
+          <p:cNvPr id="12" name="Picture 11" descr="drawing (copy)_1_1"/>
+          <p:cNvPicPr>
+            <a:picLocks noChangeAspect="1"/>
+          </p:cNvPicPr>
+          <p:nvPr/>
+        </p:nvPicPr>
+        <p:blipFill>
+          <a:blip r:embed="rId1">
+            <a:clrChange>
+              <a:clrFrom>
+                <a:srgbClr val="96FADD">
+                  <a:alpha val="100000"/>
+                </a:srgbClr>
+              </a:clrFrom>
+              <a:clrTo>
+                <a:srgbClr val="96FADD">
+                  <a:alpha val="100000"/>
+                  <a:alpha val="0"/>
+                </a:srgbClr>
+              </a:clrTo>
+            </a:clrChange>
+            <a:lum bright="-84000" contrast="-66000"/>
+          </a:blip>
+          <a:stretch>
+            <a:fillRect/>
+          </a:stretch>
+        </p:blipFill>
+        <p:spPr>
+          <a:xfrm>
+            <a:off x="2155825" y="25400"/>
+            <a:ext cx="9128125" cy="6807200"/>
+          </a:xfrm>
+          <a:prstGeom prst="rect">
+            <a:avLst/>
+          </a:prstGeom>
+          <a:noFill/>
+          <a:ln>
+            <a:noFill/>
+          </a:ln>
+          <a:effectLst/>
+        </p:spPr>
+      </p:pic>
+      <p:sp>
+        <p:nvSpPr>
+          <p:cNvPr id="2" name="Title 1"/>
+          <p:cNvSpPr>
+            <a:spLocks noGrp="1"/>
+          </p:cNvSpPr>
+          <p:nvPr>
+            <p:ph type="ctrTitle"/>
+          </p:nvPr>
+        </p:nvSpPr>
+        <p:spPr>
+          <a:xfrm>
+            <a:off x="2969260" y="603250"/>
+            <a:ext cx="9024620" cy="2997200"/>
+          </a:xfrm>
+          <a:noFill/>
+        </p:spPr>
+        <p:txBody>
+          <a:bodyPr>
+            <a:noAutofit/>
+          </a:bodyPr>
+          <a:p>
+            <a:pPr algn="r"/>
+            <a:r>
+              <a:rPr lang="x-none" altLang="en-US" b="1">
+                <a:ln w="10160">
+                  <a:solidFill>
+                    <a:srgbClr val="53F22E"/>
+                  </a:solidFill>
+                  <a:prstDash val="solid"/>
+                </a:ln>
+                <a:solidFill>
+                  <a:srgbClr val="53F22E"/>
+                </a:solidFill>
+                <a:effectLst>
+                  <a:outerShdw blurRad="38100" dist="22860" dir="5400000" algn="tl" rotWithShape="0">
+                    <a:srgbClr val="000000">
+                      <a:alpha val="30000"/>
+                    </a:srgbClr>
+                  </a:outerShdw>
+                </a:effectLst>
+                <a:latin typeface="MathJax_Main" charset="0"/>
+                <a:cs typeface="MathJax_Main" charset="0"/>
+              </a:rPr>
+              <a:t>Q&amp;A</a:t>
+            </a:r>
+            <a:endParaRPr lang="x-none" altLang="en-US" b="1">
+              <a:ln w="10160">
+                <a:solidFill>
+                  <a:srgbClr val="53F22E"/>
+                </a:solidFill>
+                <a:prstDash val="solid"/>
+              </a:ln>
+              <a:solidFill>
+                <a:srgbClr val="53F22E"/>
+              </a:solidFill>
+              <a:effectLst>
+                <a:outerShdw blurRad="38100" dist="22860" dir="5400000" algn="tl" rotWithShape="0">
+                  <a:srgbClr val="000000">
+                    <a:alpha val="30000"/>
+                  </a:srgbClr>
+                </a:outerShdw>
+              </a:effectLst>
+              <a:latin typeface="MathJax_Main" charset="0"/>
+              <a:cs typeface="MathJax_Main" charset="0"/>
+            </a:endParaRPr>
+          </a:p>
+        </p:txBody>
+      </p:sp>
+      <p:pic>
+        <p:nvPicPr>
+          <p:cNvPr id="11" name="Picture 10" descr="drawing (copy)_1_1"/>
+          <p:cNvPicPr>
+            <a:picLocks noChangeAspect="1"/>
+          </p:cNvPicPr>
+          <p:nvPr/>
+        </p:nvPicPr>
+        <p:blipFill>
+          <a:blip r:embed="rId1">
+            <a:lum bright="-48000"/>
+          </a:blip>
+          <a:stretch>
+            <a:fillRect/>
+          </a:stretch>
+        </p:blipFill>
+        <p:spPr>
+          <a:xfrm>
+            <a:off x="266065" y="25400"/>
+            <a:ext cx="5720715" cy="6503670"/>
+          </a:xfrm>
+          <a:prstGeom prst="rect">
+            <a:avLst/>
+          </a:prstGeom>
+          <a:effectLst>
+            <a:glow>
+              <a:schemeClr val="accent1">
+                <a:alpha val="40000"/>
+              </a:schemeClr>
+            </a:glow>
+            <a:outerShdw blurRad="50800" dist="50800" dir="5400000" sx="1000" sy="1000" algn="ctr" rotWithShape="0">
+              <a:srgbClr val="000000">
+                <a:alpha val="100000"/>
+              </a:srgbClr>
+            </a:outerShdw>
+          </a:effectLst>
+        </p:spPr>
+      </p:pic>
     </p:spTree>
   </p:cSld>
   <p:clrMapOvr>
@@ -4461,7 +5358,20 @@
             <a:pPr marL="0" indent="0">
               <a:buNone/>
             </a:pPr>
-            <a:endParaRPr lang="x-none" altLang="en-US" u="sng">
+            <a:r>
+              <a:rPr lang="x-none" altLang="en-US">
+                <a:solidFill>
+                  <a:srgbClr val="92D050"/>
+                </a:solidFill>
+                <a:latin typeface="MathJax_Main" charset="0"/>
+                <a:cs typeface="MathJax_Main" charset="0"/>
+              </a:rPr>
+              <a:t>your host</a:t>
+            </a:r>
+            <a:endParaRPr lang="x-none" altLang="en-US">
+              <a:solidFill>
+                <a:srgbClr val="92D050"/>
+              </a:solidFill>
               <a:latin typeface="MathJax_Main" charset="0"/>
               <a:cs typeface="MathJax_Main" charset="0"/>
             </a:endParaRPr>
@@ -4739,7 +5649,7 @@
                 <a:latin typeface="MathJax_Main" charset="0"/>
                 <a:cs typeface="MathJax_Main" charset="0"/>
               </a:rPr>
-              <a:t>None</a:t>
+              <a:t>None, Free agent</a:t>
             </a:r>
             <a:endParaRPr lang="x-none" altLang="en-US" sz="1800" i="1">
               <a:solidFill>
@@ -5276,7 +6186,7 @@
                 <a:latin typeface="MathJax_Main" charset="0"/>
                 <a:cs typeface="MathJax_Main" charset="0"/>
               </a:rPr>
-              <a:t>   &gt; Free and open source cross-platform and runs on major operating systems written in</a:t>
+              <a:t>  &gt; Free and open source cross-platform and runs on major operating systems written in</a:t>
             </a:r>
             <a:r>
               <a:rPr lang="x-none" altLang="en-US" sz="1600">
@@ -7981,8 +8891,8 @@
         </p:nvSpPr>
         <p:spPr>
           <a:xfrm>
-            <a:off x="175260" y="223520"/>
-            <a:ext cx="11710670" cy="6397625"/>
+            <a:off x="175260" y="57150"/>
+            <a:ext cx="11710670" cy="6758940"/>
           </a:xfrm>
           <a:effectLst>
             <a:outerShdw blurRad="50800" dist="50800" dir="5400000" sx="98000" sy="98000" algn="ctr" rotWithShape="0">
@@ -8001,18 +8911,29 @@
               <a:buNone/>
             </a:pPr>
             <a:r>
-              <a:rPr lang="x-none" altLang="en-US" sz="600" i="1">
-                <a:solidFill>
-                  <a:schemeClr val="bg1">
-                    <a:lumMod val="75000"/>
-                  </a:schemeClr>
-                </a:solidFill>
-                <a:latin typeface="MathJax_Main" charset="0"/>
-                <a:cs typeface="MathJax_Main" charset="0"/>
-              </a:rPr>
-              <a:t>Because GDAL is a CLI, all of your interaction with it will be via your command line (or Terminal). For Windows users who followed this tutorial's installation instructions, you'll use the OSGeo4W Shell here.</a:t>
-            </a:r>
-            <a:endParaRPr lang="x-none" altLang="en-US" sz="600" i="1">
+              <a:rPr lang="x-none" altLang="en-US" sz="1200" u="sng">
+                <a:solidFill>
+                  <a:srgbClr val="92D050"/>
+                </a:solidFill>
+                <a:latin typeface="MathJax_Main" charset="0"/>
+                <a:cs typeface="MathJax_Main" charset="0"/>
+                <a:sym typeface="+mn-ea"/>
+              </a:rPr>
+              <a:t>Common commands:</a:t>
+            </a:r>
+            <a:r>
+              <a:rPr lang="x-none" altLang="en-US" sz="1200" i="1">
+                <a:solidFill>
+                  <a:schemeClr val="bg1">
+                    <a:lumMod val="75000"/>
+                  </a:schemeClr>
+                </a:solidFill>
+                <a:latin typeface="MathJax_Main" charset="0"/>
+                <a:cs typeface="MathJax_Main" charset="0"/>
+              </a:rPr>
+              <a:t>  </a:t>
+            </a:r>
+            <a:endParaRPr lang="x-none" altLang="en-US" sz="1200" i="1">
               <a:solidFill>
                 <a:schemeClr val="bg1">
                   <a:lumMod val="75000"/>
@@ -8027,18 +8948,18 @@
               <a:buNone/>
             </a:pPr>
             <a:r>
-              <a:rPr lang="x-none" altLang="en-US" sz="600" i="1">
-                <a:solidFill>
-                  <a:schemeClr val="bg1">
-                    <a:lumMod val="75000"/>
-                  </a:schemeClr>
-                </a:solidFill>
-                <a:latin typeface="MathJax_Main" charset="0"/>
-                <a:cs typeface="MathJax_Main" charset="0"/>
-              </a:rPr>
-              <a:t>&gt;  ogrinfo Get information about a vector dataset</a:t>
-            </a:r>
-            <a:endParaRPr lang="x-none" altLang="en-US" sz="600" i="1">
+              <a:rPr lang="x-none" altLang="en-US" sz="1200" i="1">
+                <a:solidFill>
+                  <a:schemeClr val="bg1">
+                    <a:lumMod val="75000"/>
+                  </a:schemeClr>
+                </a:solidFill>
+                <a:latin typeface="MathJax_Main" charset="0"/>
+                <a:cs typeface="MathJax_Main" charset="0"/>
+              </a:rPr>
+              <a:t>      &gt; ogrinfo Get information about a vector dataset</a:t>
+            </a:r>
+            <a:endParaRPr lang="x-none" altLang="en-US" sz="1200" i="1">
               <a:solidFill>
                 <a:schemeClr val="bg1">
                   <a:lumMod val="75000"/>
@@ -8053,18 +8974,18 @@
               <a:buNone/>
             </a:pPr>
             <a:r>
-              <a:rPr lang="x-none" altLang="en-US" sz="600" i="1">
-                <a:solidFill>
-                  <a:schemeClr val="bg1">
-                    <a:lumMod val="75000"/>
-                  </a:schemeClr>
-                </a:solidFill>
-                <a:latin typeface="MathJax_Main" charset="0"/>
-                <a:cs typeface="MathJax_Main" charset="0"/>
-              </a:rPr>
-              <a:t>      gdalinfo Get information about a raster dataset</a:t>
-            </a:r>
-            <a:endParaRPr lang="x-none" altLang="en-US" sz="600" i="1">
+              <a:rPr lang="x-none" altLang="en-US" sz="1200" i="1">
+                <a:solidFill>
+                  <a:schemeClr val="bg1">
+                    <a:lumMod val="75000"/>
+                  </a:schemeClr>
+                </a:solidFill>
+                <a:latin typeface="MathJax_Main" charset="0"/>
+                <a:cs typeface="MathJax_Main" charset="0"/>
+              </a:rPr>
+              <a:t>      &gt; gdalinfo Get information about a raster dataset</a:t>
+            </a:r>
+            <a:endParaRPr lang="x-none" altLang="en-US" sz="1200" i="1">
               <a:solidFill>
                 <a:schemeClr val="bg1">
                   <a:lumMod val="75000"/>
@@ -8079,18 +9000,18 @@
               <a:buNone/>
             </a:pPr>
             <a:r>
-              <a:rPr lang="x-none" altLang="en-US" sz="600" i="1">
-                <a:solidFill>
-                  <a:schemeClr val="bg1">
-                    <a:lumMod val="75000"/>
-                  </a:schemeClr>
-                </a:solidFill>
-                <a:latin typeface="MathJax_Main" charset="0"/>
-                <a:cs typeface="MathJax_Main" charset="0"/>
-              </a:rPr>
-              <a:t>      ogr2ogr Convert vector data between file formats</a:t>
-            </a:r>
-            <a:endParaRPr lang="x-none" altLang="en-US" sz="600" i="1">
+              <a:rPr lang="x-none" altLang="en-US" sz="1200" i="1">
+                <a:solidFill>
+                  <a:schemeClr val="bg1">
+                    <a:lumMod val="75000"/>
+                  </a:schemeClr>
+                </a:solidFill>
+                <a:latin typeface="MathJax_Main" charset="0"/>
+                <a:cs typeface="MathJax_Main" charset="0"/>
+              </a:rPr>
+              <a:t>      &gt;  ogr2ogr Convert vector data between file formats</a:t>
+            </a:r>
+            <a:endParaRPr lang="x-none" altLang="en-US" sz="1200" i="1">
               <a:solidFill>
                 <a:schemeClr val="bg1">
                   <a:lumMod val="75000"/>
@@ -8105,18 +9026,18 @@
               <a:buNone/>
             </a:pPr>
             <a:r>
-              <a:rPr lang="x-none" altLang="en-US" sz="600" i="1">
-                <a:solidFill>
-                  <a:schemeClr val="bg1">
-                    <a:lumMod val="75000"/>
-                  </a:schemeClr>
-                </a:solidFill>
-                <a:latin typeface="MathJax_Main" charset="0"/>
-                <a:cs typeface="MathJax_Main" charset="0"/>
-              </a:rPr>
-              <a:t>What this tells you:</a:t>
-            </a:r>
-            <a:endParaRPr lang="x-none" altLang="en-US" sz="600" i="1">
+              <a:rPr lang="x-none" altLang="en-US" sz="1200" i="1">
+                <a:solidFill>
+                  <a:schemeClr val="bg1">
+                    <a:lumMod val="75000"/>
+                  </a:schemeClr>
+                </a:solidFill>
+                <a:latin typeface="MathJax_Main" charset="0"/>
+                <a:cs typeface="MathJax_Main" charset="0"/>
+              </a:rPr>
+              <a:t>      &gt; gdal_translate</a:t>
+            </a:r>
+            <a:endParaRPr lang="x-none" altLang="en-US" sz="1200" i="1">
               <a:solidFill>
                 <a:schemeClr val="bg1">
                   <a:lumMod val="75000"/>
@@ -8131,18 +9052,18 @@
               <a:buNone/>
             </a:pPr>
             <a:r>
-              <a:rPr lang="x-none" altLang="en-US" sz="600" i="1">
-                <a:solidFill>
-                  <a:schemeClr val="bg1">
-                    <a:lumMod val="75000"/>
-                  </a:schemeClr>
-                </a:solidFill>
-                <a:latin typeface="MathJax_Main" charset="0"/>
-                <a:cs typeface="MathJax_Main" charset="0"/>
-              </a:rPr>
-              <a:t>Converting data</a:t>
-            </a:r>
-            <a:endParaRPr lang="x-none" altLang="en-US" sz="600" i="1">
+              <a:rPr lang="x-none" altLang="en-US" sz="1200" i="1">
+                <a:solidFill>
+                  <a:schemeClr val="bg1">
+                    <a:lumMod val="75000"/>
+                  </a:schemeClr>
+                </a:solidFill>
+                <a:latin typeface="MathJax_Main" charset="0"/>
+                <a:cs typeface="MathJax_Main" charset="0"/>
+              </a:rPr>
+              <a:t>      &gt; gdal_merge</a:t>
+            </a:r>
+            <a:endParaRPr lang="x-none" altLang="en-US" sz="1200" i="1">
               <a:solidFill>
                 <a:schemeClr val="bg1">
                   <a:lumMod val="75000"/>
@@ -8157,18 +9078,16 @@
               <a:buNone/>
             </a:pPr>
             <a:r>
-              <a:rPr lang="x-none" altLang="en-US" sz="600" i="1">
-                <a:solidFill>
-                  <a:schemeClr val="bg1">
-                    <a:lumMod val="75000"/>
-                  </a:schemeClr>
-                </a:solidFill>
-                <a:latin typeface="MathJax_Main" charset="0"/>
-                <a:cs typeface="MathJax_Main" charset="0"/>
-              </a:rPr>
-              <a:t>We can also use GDAL to convert raster data from one file format to another, just as we learned to do with vector data.</a:t>
-            </a:r>
-            <a:endParaRPr lang="x-none" altLang="en-US" sz="600" i="1">
+              <a:rPr lang="x-none" altLang="en-US" sz="1200" i="1" u="sng">
+                <a:solidFill>
+                  <a:srgbClr val="92D050"/>
+                </a:solidFill>
+                <a:latin typeface="MathJax_Main" charset="0"/>
+                <a:cs typeface="MathJax_Main" charset="0"/>
+              </a:rPr>
+              <a:t>Vector Data:</a:t>
+            </a:r>
+            <a:endParaRPr lang="x-none" altLang="en-US" sz="1200" i="1">
               <a:solidFill>
                 <a:schemeClr val="bg1">
                   <a:lumMod val="75000"/>
@@ -8183,18 +9102,131 @@
               <a:buNone/>
             </a:pPr>
             <a:r>
-              <a:rPr lang="x-none" altLang="en-US" sz="600" i="1">
-                <a:solidFill>
-                  <a:schemeClr val="bg1">
-                    <a:lumMod val="75000"/>
-                  </a:schemeClr>
-                </a:solidFill>
-                <a:latin typeface="MathJax_Main" charset="0"/>
-                <a:cs typeface="MathJax_Main" charset="0"/>
-              </a:rPr>
-              <a:t>To convert a raster dataset from one format to another, the basic command pattern is:</a:t>
-            </a:r>
-            <a:endParaRPr lang="x-none" altLang="en-US" sz="600" i="1">
+              <a:rPr lang="x-none" altLang="en-US" sz="1200" i="1">
+                <a:solidFill>
+                  <a:schemeClr val="bg1">
+                    <a:lumMod val="75000"/>
+                  </a:schemeClr>
+                </a:solidFill>
+                <a:latin typeface="MathJax_Main" charset="0"/>
+                <a:cs typeface="MathJax_Main" charset="0"/>
+              </a:rPr>
+              <a:t>     </a:t>
+            </a:r>
+            <a:r>
+              <a:rPr lang="x-none" altLang="en-US" sz="1200" i="1">
+                <a:solidFill>
+                  <a:schemeClr val="accent6">
+                    <a:lumMod val="60000"/>
+                    <a:lumOff val="40000"/>
+                  </a:schemeClr>
+                </a:solidFill>
+                <a:latin typeface="MathJax_Main" charset="0"/>
+                <a:cs typeface="MathJax_Main" charset="0"/>
+              </a:rPr>
+              <a:t>&gt;</a:t>
+            </a:r>
+            <a:r>
+              <a:rPr lang="x-none" altLang="en-US" sz="1200" i="1">
+                <a:solidFill>
+                  <a:schemeClr val="bg1">
+                    <a:lumMod val="75000"/>
+                  </a:schemeClr>
+                </a:solidFill>
+                <a:latin typeface="MathJax_Main" charset="0"/>
+                <a:cs typeface="MathJax_Main" charset="0"/>
+              </a:rPr>
+              <a:t> </a:t>
+            </a:r>
+            <a:r>
+              <a:rPr lang="x-none" altLang="en-US" sz="1200" i="1">
+                <a:solidFill>
+                  <a:schemeClr val="accent6">
+                    <a:lumMod val="60000"/>
+                    <a:lumOff val="40000"/>
+                  </a:schemeClr>
+                </a:solidFill>
+                <a:latin typeface="MathJax_Main" charset="0"/>
+                <a:cs typeface="MathJax_Main" charset="0"/>
+              </a:rPr>
+              <a:t>ogrinfo </a:t>
+            </a:r>
+            <a:r>
+              <a:rPr lang="x-none" altLang="en-US" sz="1200" i="1">
+                <a:solidFill>
+                  <a:srgbClr val="53F22E"/>
+                </a:solidFill>
+                <a:latin typeface="MathJax_Main" charset="0"/>
+                <a:cs typeface="MathJax_Main" charset="0"/>
+              </a:rPr>
+              <a:t>--formats</a:t>
+            </a:r>
+            <a:r>
+              <a:rPr lang="x-none" altLang="en-US" sz="1200" i="1">
+                <a:solidFill>
+                  <a:schemeClr val="accent6">
+                    <a:lumMod val="60000"/>
+                    <a:lumOff val="40000"/>
+                  </a:schemeClr>
+                </a:solidFill>
+                <a:latin typeface="MathJax_Main" charset="0"/>
+                <a:cs typeface="MathJax_Main" charset="0"/>
+              </a:rPr>
+              <a:t>   </a:t>
+            </a:r>
+            <a:r>
+              <a:rPr lang="x-none" altLang="en-US" sz="1200" i="1">
+                <a:solidFill>
+                  <a:schemeClr val="bg1">
+                    <a:lumMod val="75000"/>
+                  </a:schemeClr>
+                </a:solidFill>
+                <a:latin typeface="MathJax_Main" charset="0"/>
+                <a:cs typeface="MathJax_Main" charset="0"/>
+              </a:rPr>
+              <a:t>To see full list of supported vector formats</a:t>
+            </a:r>
+            <a:endParaRPr lang="x-none" altLang="en-US" sz="1200" i="1">
+              <a:solidFill>
+                <a:schemeClr val="accent6">
+                  <a:lumMod val="60000"/>
+                  <a:lumOff val="40000"/>
+                </a:schemeClr>
+              </a:solidFill>
+              <a:latin typeface="MathJax_Main" charset="0"/>
+              <a:cs typeface="MathJax_Main" charset="0"/>
+            </a:endParaRPr>
+          </a:p>
+          <a:p>
+            <a:pPr marL="0" indent="0">
+              <a:buNone/>
+            </a:pPr>
+            <a:r>
+              <a:rPr lang="x-none" altLang="en-US" sz="1200" i="1">
+                <a:solidFill>
+                  <a:schemeClr val="accent6">
+                    <a:lumMod val="60000"/>
+                    <a:lumOff val="40000"/>
+                  </a:schemeClr>
+                </a:solidFill>
+                <a:latin typeface="MathJax_Main" charset="0"/>
+                <a:cs typeface="MathJax_Main" charset="0"/>
+              </a:rPr>
+              <a:t>     &gt;ogrinfo  [yourData]  </a:t>
+            </a:r>
+            <a:r>
+              <a:rPr lang="x-none" altLang="en-US" sz="1200" i="1">
+                <a:solidFill>
+                  <a:schemeClr val="bg1">
+                    <a:lumMod val="75000"/>
+                  </a:schemeClr>
+                </a:solidFill>
+                <a:latin typeface="MathJax_Main" charset="0"/>
+                <a:cs typeface="MathJax_Main" charset="0"/>
+              </a:rPr>
+              <a:t>To get basic information about your data</a:t>
+            </a:r>
+            <a:endParaRPr lang="x-none" altLang="en-US" sz="1200" i="1">
               <a:solidFill>
                 <a:schemeClr val="bg1">
                   <a:lumMod val="75000"/>
@@ -8209,18 +9241,91 @@
               <a:buNone/>
             </a:pPr>
             <a:r>
-              <a:rPr lang="x-none" altLang="en-US" sz="600" i="1">
-                <a:solidFill>
-                  <a:schemeClr val="bg1">
-                    <a:lumMod val="75000"/>
-                  </a:schemeClr>
-                </a:solidFill>
-                <a:latin typeface="MathJax_Main" charset="0"/>
-                <a:cs typeface="MathJax_Main" charset="0"/>
-              </a:rPr>
-              <a:t>gdal_translate -of &lt;output format&gt; &lt;source filename&gt; &lt;destination filename&gt;</a:t>
-            </a:r>
-            <a:endParaRPr lang="x-none" altLang="en-US" sz="600" i="1">
+              <a:rPr lang="x-none" altLang="en-US" sz="1200" i="1">
+                <a:solidFill>
+                  <a:schemeClr val="bg1">
+                    <a:lumMod val="75000"/>
+                  </a:schemeClr>
+                </a:solidFill>
+                <a:latin typeface="MathJax_Main" charset="0"/>
+                <a:cs typeface="MathJax_Main" charset="0"/>
+              </a:rPr>
+              <a:t>    </a:t>
+            </a:r>
+            <a:r>
+              <a:rPr lang="x-none" altLang="en-US" sz="1200" i="1">
+                <a:solidFill>
+                  <a:schemeClr val="accent6">
+                    <a:lumMod val="60000"/>
+                    <a:lumOff val="40000"/>
+                  </a:schemeClr>
+                </a:solidFill>
+                <a:latin typeface="MathJax_Main" charset="0"/>
+                <a:cs typeface="MathJax_Main" charset="0"/>
+              </a:rPr>
+              <a:t> &gt; ogrinfo  </a:t>
+            </a:r>
+            <a:r>
+              <a:rPr lang="x-none" altLang="en-US" sz="1200" i="1">
+                <a:solidFill>
+                  <a:srgbClr val="53F22E"/>
+                </a:solidFill>
+                <a:latin typeface="MathJax_Main" charset="0"/>
+                <a:cs typeface="MathJax_Main" charset="0"/>
+              </a:rPr>
+              <a:t>-so </a:t>
+            </a:r>
+            <a:r>
+              <a:rPr lang="x-none" altLang="en-US" sz="1200" i="1">
+                <a:solidFill>
+                  <a:schemeClr val="accent6">
+                    <a:lumMod val="60000"/>
+                    <a:lumOff val="40000"/>
+                  </a:schemeClr>
+                </a:solidFill>
+                <a:latin typeface="MathJax_Main" charset="0"/>
+                <a:cs typeface="MathJax_Main" charset="0"/>
+              </a:rPr>
+              <a:t>[yourData]</a:t>
+            </a:r>
+            <a:r>
+              <a:rPr lang="x-none" altLang="en-US" sz="1200" i="1">
+                <a:solidFill>
+                  <a:schemeClr val="bg1">
+                    <a:lumMod val="75000"/>
+                  </a:schemeClr>
+                </a:solidFill>
+                <a:latin typeface="MathJax_Main" charset="0"/>
+                <a:cs typeface="MathJax_Main" charset="0"/>
+              </a:rPr>
+              <a:t> </a:t>
+            </a:r>
+            <a:r>
+              <a:rPr lang="x-none" altLang="en-US" sz="1200" i="1">
+                <a:solidFill>
+                  <a:schemeClr val="accent6">
+                    <a:lumMod val="60000"/>
+                    <a:lumOff val="40000"/>
+                  </a:schemeClr>
+                </a:solidFill>
+                <a:latin typeface="MathJax_Main" charset="0"/>
+                <a:cs typeface="MathJax_Main" charset="0"/>
+              </a:rPr>
+              <a:t>[yourLayer]</a:t>
+            </a:r>
+            <a:r>
+              <a:rPr lang="x-none" altLang="en-US" sz="1200" i="1">
+                <a:solidFill>
+                  <a:schemeClr val="bg1">
+                    <a:lumMod val="75000"/>
+                  </a:schemeClr>
+                </a:solidFill>
+                <a:latin typeface="MathJax_Main" charset="0"/>
+                <a:cs typeface="MathJax_Main" charset="0"/>
+              </a:rPr>
+              <a:t> To get more info about your date</a:t>
+            </a:r>
+            <a:endParaRPr lang="x-none" altLang="en-US" sz="1200" i="1">
               <a:solidFill>
                 <a:schemeClr val="bg1">
                   <a:lumMod val="75000"/>
@@ -8235,18 +9340,66 @@
               <a:buNone/>
             </a:pPr>
             <a:r>
-              <a:rPr lang="x-none" altLang="en-US" sz="600" i="1">
-                <a:solidFill>
-                  <a:schemeClr val="bg1">
-                    <a:lumMod val="75000"/>
-                  </a:schemeClr>
-                </a:solidFill>
-                <a:latin typeface="MathJax_Main" charset="0"/>
-                <a:cs typeface="MathJax_Main" charset="0"/>
-              </a:rPr>
-              <a:t>Note! this command is similar, but not quite the same, as ogr2ogr: notice the output format is indicated by -of, and the ordering of source &amp; destination filenames is reversed from the ogr2ogr command.</a:t>
-            </a:r>
-            <a:endParaRPr lang="x-none" altLang="en-US" sz="600" i="1">
+              <a:rPr lang="x-none" altLang="en-US" sz="1200" i="1">
+                <a:solidFill>
+                  <a:schemeClr val="bg1">
+                    <a:lumMod val="75000"/>
+                  </a:schemeClr>
+                </a:solidFill>
+                <a:latin typeface="MathJax_Main" charset="0"/>
+                <a:cs typeface="MathJax_Main" charset="0"/>
+              </a:rPr>
+              <a:t>   </a:t>
+            </a:r>
+            <a:r>
+              <a:rPr lang="x-none" altLang="en-US" sz="1200" i="1">
+                <a:solidFill>
+                  <a:schemeClr val="accent6">
+                    <a:lumMod val="60000"/>
+                    <a:lumOff val="40000"/>
+                  </a:schemeClr>
+                </a:solidFill>
+                <a:latin typeface="MathJax_Main" charset="0"/>
+                <a:cs typeface="MathJax_Main" charset="0"/>
+              </a:rPr>
+              <a:t>  &gt;ogrinfo </a:t>
+            </a:r>
+            <a:r>
+              <a:rPr lang="x-none" altLang="en-US" sz="1200" i="1">
+                <a:solidFill>
+                  <a:srgbClr val="92D050"/>
+                </a:solidFill>
+                <a:latin typeface="MathJax_Main" charset="0"/>
+                <a:cs typeface="MathJax_Main" charset="0"/>
+              </a:rPr>
+              <a:t>-al </a:t>
+            </a:r>
+            <a:r>
+              <a:rPr lang="x-none" altLang="en-US" sz="1200" i="1">
+                <a:solidFill>
+                  <a:schemeClr val="accent6">
+                    <a:lumMod val="60000"/>
+                    <a:lumOff val="40000"/>
+                  </a:schemeClr>
+                </a:solidFill>
+                <a:latin typeface="MathJax_Main" charset="0"/>
+                <a:cs typeface="MathJax_Main" charset="0"/>
+              </a:rPr>
+              <a:t>[yourData] </a:t>
+            </a:r>
+            <a:r>
+              <a:rPr lang="x-none" altLang="en-US" sz="1200" i="1">
+                <a:solidFill>
+                  <a:schemeClr val="bg1">
+                    <a:lumMod val="75000"/>
+                  </a:schemeClr>
+                </a:solidFill>
+                <a:latin typeface="MathJax_Main" charset="0"/>
+                <a:cs typeface="MathJax_Main" charset="0"/>
+              </a:rPr>
+              <a:t> To list out all feature</a:t>
+            </a:r>
+            <a:endParaRPr lang="x-none" altLang="en-US" sz="1200" i="1">
               <a:solidFill>
                 <a:schemeClr val="bg1">
                   <a:lumMod val="75000"/>
@@ -8261,18 +9414,65 @@
               <a:buNone/>
             </a:pPr>
             <a:r>
-              <a:rPr lang="x-none" altLang="en-US" sz="600" i="1">
-                <a:solidFill>
-                  <a:schemeClr val="bg1">
-                    <a:lumMod val="75000"/>
-                  </a:schemeClr>
-                </a:solidFill>
-                <a:latin typeface="MathJax_Main" charset="0"/>
-                <a:cs typeface="MathJax_Main" charset="0"/>
-              </a:rPr>
-              <a:t>To see a list of valid output formats, do:</a:t>
-            </a:r>
-            <a:endParaRPr lang="x-none" altLang="en-US" sz="600" i="1">
+              <a:rPr lang="x-none" altLang="en-US" sz="1200" i="1">
+                <a:solidFill>
+                  <a:schemeClr val="bg1">
+                    <a:lumMod val="75000"/>
+                  </a:schemeClr>
+                </a:solidFill>
+                <a:latin typeface="MathJax_Main" charset="0"/>
+                <a:cs typeface="MathJax_Main" charset="0"/>
+              </a:rPr>
+              <a:t>     </a:t>
+            </a:r>
+            <a:r>
+              <a:rPr lang="x-none" altLang="en-US" sz="1200" i="1">
+                <a:solidFill>
+                  <a:schemeClr val="accent6">
+                    <a:lumMod val="60000"/>
+                    <a:lumOff val="40000"/>
+                  </a:schemeClr>
+                </a:solidFill>
+                <a:latin typeface="MathJax_Main" charset="0"/>
+                <a:cs typeface="MathJax_Main" charset="0"/>
+              </a:rPr>
+              <a:t>&gt; ogr2ogr</a:t>
+            </a:r>
+            <a:r>
+              <a:rPr lang="x-none" altLang="en-US" sz="1200" i="1">
+                <a:solidFill>
+                  <a:schemeClr val="bg1">
+                    <a:lumMod val="75000"/>
+                  </a:schemeClr>
+                </a:solidFill>
+                <a:latin typeface="MathJax_Main" charset="0"/>
+                <a:cs typeface="MathJax_Main" charset="0"/>
+              </a:rPr>
+              <a:t> </a:t>
+            </a:r>
+            <a:r>
+              <a:rPr lang="x-none" altLang="en-US" sz="1200" i="1">
+                <a:solidFill>
+                  <a:srgbClr val="53F22E"/>
+                </a:solidFill>
+                <a:latin typeface="MathJax_Main" charset="0"/>
+                <a:cs typeface="MathJax_Main" charset="0"/>
+              </a:rPr>
+              <a:t>--formats</a:t>
+            </a:r>
+            <a:r>
+              <a:rPr lang="x-none" altLang="en-US" sz="1200" i="1">
+                <a:solidFill>
+                  <a:schemeClr val="bg1">
+                    <a:lumMod val="75000"/>
+                  </a:schemeClr>
+                </a:solidFill>
+                <a:latin typeface="MathJax_Main" charset="0"/>
+                <a:cs typeface="MathJax_Main" charset="0"/>
+              </a:rPr>
+              <a:t> To get full list of output formats</a:t>
+            </a:r>
+            <a:endParaRPr lang="x-none" altLang="en-US" sz="1200" i="1">
               <a:solidFill>
                 <a:schemeClr val="bg1">
                   <a:lumMod val="75000"/>
@@ -8287,18 +9487,66 @@
               <a:buNone/>
             </a:pPr>
             <a:r>
-              <a:rPr lang="x-none" altLang="en-US" sz="600" i="1">
-                <a:solidFill>
-                  <a:schemeClr val="bg1">
-                    <a:lumMod val="75000"/>
-                  </a:schemeClr>
-                </a:solidFill>
-                <a:latin typeface="MathJax_Main" charset="0"/>
-                <a:cs typeface="MathJax_Main" charset="0"/>
-              </a:rPr>
-              <a:t>gdal_translate --formats</a:t>
-            </a:r>
-            <a:endParaRPr lang="x-none" altLang="en-US" sz="600" i="1">
+              <a:rPr lang="x-none" altLang="en-US" sz="1200" i="1">
+                <a:solidFill>
+                  <a:schemeClr val="bg1">
+                    <a:lumMod val="75000"/>
+                  </a:schemeClr>
+                </a:solidFill>
+                <a:latin typeface="MathJax_Main" charset="0"/>
+                <a:cs typeface="MathJax_Main" charset="0"/>
+              </a:rPr>
+              <a:t>   </a:t>
+            </a:r>
+            <a:r>
+              <a:rPr lang="x-none" altLang="en-US" sz="1200" i="1">
+                <a:solidFill>
+                  <a:schemeClr val="accent6">
+                    <a:lumMod val="60000"/>
+                    <a:lumOff val="40000"/>
+                  </a:schemeClr>
+                </a:solidFill>
+                <a:latin typeface="MathJax_Main" charset="0"/>
+                <a:cs typeface="MathJax_Main" charset="0"/>
+              </a:rPr>
+              <a:t>  &gt; ogr2ogr </a:t>
+            </a:r>
+            <a:r>
+              <a:rPr lang="x-none" altLang="en-US" sz="1200" i="1">
+                <a:solidFill>
+                  <a:srgbClr val="53F22E"/>
+                </a:solidFill>
+                <a:latin typeface="MathJax_Main" charset="0"/>
+                <a:cs typeface="MathJax_Main" charset="0"/>
+              </a:rPr>
+              <a:t>-f </a:t>
+            </a:r>
+            <a:r>
+              <a:rPr lang="x-none" altLang="en-US" sz="1200" i="1">
+                <a:solidFill>
+                  <a:schemeClr val="accent6">
+                    <a:lumMod val="60000"/>
+                    <a:lumOff val="40000"/>
+                  </a:schemeClr>
+                </a:solidFill>
+                <a:latin typeface="MathJax_Main" charset="0"/>
+                <a:cs typeface="MathJax_Main" charset="0"/>
+              </a:rPr>
+              <a:t>[outputFormat] [Destination fileName] [source fileName] </a:t>
+            </a:r>
+            <a:r>
+              <a:rPr lang="x-none" altLang="en-US" sz="1200" i="1">
+                <a:solidFill>
+                  <a:schemeClr val="bg1">
+                    <a:lumMod val="75000"/>
+                  </a:schemeClr>
+                </a:solidFill>
+                <a:latin typeface="MathJax_Main" charset="0"/>
+                <a:cs typeface="MathJax_Main" charset="0"/>
+              </a:rPr>
+              <a:t>To convert between vector data formats</a:t>
+            </a:r>
+            <a:endParaRPr lang="x-none" altLang="en-US" sz="1200" i="1">
               <a:solidFill>
                 <a:schemeClr val="bg1">
                   <a:lumMod val="75000"/>
@@ -8313,18 +9561,31 @@
               <a:buNone/>
             </a:pPr>
             <a:r>
-              <a:rPr lang="x-none" altLang="en-US" sz="600" i="1">
-                <a:solidFill>
-                  <a:schemeClr val="bg1">
-                    <a:lumMod val="75000"/>
-                  </a:schemeClr>
-                </a:solidFill>
-                <a:latin typeface="MathJax_Main" charset="0"/>
-                <a:cs typeface="MathJax_Main" charset="0"/>
-              </a:rPr>
-              <a:t>As an example, let's transform a GeoTIFF raster dataset mydata.tif into a georeferenced PNG. To do that, we would run:</a:t>
-            </a:r>
-            <a:endParaRPr lang="x-none" altLang="en-US" sz="600" i="1">
+              <a:rPr lang="x-none" altLang="en-US" sz="1200" i="1">
+                <a:solidFill>
+                  <a:schemeClr val="accent6">
+                    <a:lumMod val="60000"/>
+                    <a:lumOff val="40000"/>
+                  </a:schemeClr>
+                </a:solidFill>
+                <a:latin typeface="MathJax_Main" charset="0"/>
+                <a:cs typeface="MathJax_Main" charset="0"/>
+              </a:rPr>
+              <a:t>    &gt; query data using ogr:</a:t>
+            </a:r>
+            <a:r>
+              <a:rPr lang="x-none" altLang="en-US" sz="1200" i="1">
+                <a:solidFill>
+                  <a:schemeClr val="bg1">
+                    <a:lumMod val="75000"/>
+                  </a:schemeClr>
+                </a:solidFill>
+                <a:latin typeface="MathJax_Main" charset="0"/>
+                <a:cs typeface="MathJax_Main" charset="0"/>
+              </a:rPr>
+              <a:t> supports sqlite and OGR SQL dialect</a:t>
+            </a:r>
+            <a:endParaRPr lang="x-none" altLang="en-US" sz="1200" i="1">
               <a:solidFill>
                 <a:schemeClr val="bg1">
                   <a:lumMod val="75000"/>
@@ -8339,21 +9600,81 @@
               <a:buNone/>
             </a:pPr>
             <a:r>
-              <a:rPr lang="x-none" altLang="en-US" sz="600" i="1">
-                <a:solidFill>
-                  <a:schemeClr val="bg1">
-                    <a:lumMod val="75000"/>
-                  </a:schemeClr>
-                </a:solidFill>
-                <a:latin typeface="MathJax_Main" charset="0"/>
-                <a:cs typeface="MathJax_Main" charset="0"/>
-              </a:rPr>
-              <a:t>gdal_translate -of png mydata.tif myconverteddata.png</a:t>
-            </a:r>
-            <a:endParaRPr lang="x-none" altLang="en-US" sz="600" i="1">
-              <a:solidFill>
-                <a:schemeClr val="bg1">
-                  <a:lumMod val="75000"/>
+              <a:rPr lang="x-none" altLang="en-US" sz="1200" i="1">
+                <a:solidFill>
+                  <a:schemeClr val="bg1">
+                    <a:lumMod val="75000"/>
+                  </a:schemeClr>
+                </a:solidFill>
+                <a:latin typeface="MathJax_Main" charset="0"/>
+                <a:cs typeface="MathJax_Main" charset="0"/>
+              </a:rPr>
+              <a:t>   </a:t>
+            </a:r>
+            <a:r>
+              <a:rPr lang="x-none" altLang="en-US" sz="1200" i="1">
+                <a:solidFill>
+                  <a:schemeClr val="accent6">
+                    <a:lumMod val="60000"/>
+                    <a:lumOff val="40000"/>
+                  </a:schemeClr>
+                </a:solidFill>
+                <a:latin typeface="MathJax_Main" charset="0"/>
+                <a:cs typeface="MathJax_Main" charset="0"/>
+              </a:rPr>
+              <a:t>&gt; ogr2ogr  </a:t>
+            </a:r>
+            <a:r>
+              <a:rPr lang="x-none" altLang="en-US" sz="1200" i="1">
+                <a:solidFill>
+                  <a:srgbClr val="92D050"/>
+                </a:solidFill>
+                <a:latin typeface="MathJax_Main" charset="0"/>
+                <a:cs typeface="MathJax_Main" charset="0"/>
+              </a:rPr>
+              <a:t>-where</a:t>
+            </a:r>
+            <a:r>
+              <a:rPr lang="x-none" altLang="en-US" sz="1200" i="1">
+                <a:solidFill>
+                  <a:schemeClr val="accent6">
+                    <a:lumMod val="60000"/>
+                    <a:lumOff val="40000"/>
+                  </a:schemeClr>
+                </a:solidFill>
+                <a:latin typeface="MathJax_Main" charset="0"/>
+                <a:cs typeface="MathJax_Main" charset="0"/>
+              </a:rPr>
+              <a:t>”query” [output filename] [input filename] or  ogr2ogr </a:t>
+            </a:r>
+            <a:r>
+              <a:rPr lang="x-none" altLang="en-US" sz="1200" i="1">
+                <a:solidFill>
+                  <a:srgbClr val="92D050"/>
+                </a:solidFill>
+                <a:latin typeface="MathJax_Main" charset="0"/>
+                <a:cs typeface="MathJax_Main" charset="0"/>
+              </a:rPr>
+              <a:t>-sql </a:t>
+            </a:r>
+            <a:r>
+              <a:rPr lang="x-none" altLang="en-US" sz="1200" i="1">
+                <a:solidFill>
+                  <a:schemeClr val="accent6">
+                    <a:lumMod val="60000"/>
+                    <a:lumOff val="40000"/>
+                  </a:schemeClr>
+                </a:solidFill>
+                <a:latin typeface="MathJax_Main" charset="0"/>
+                <a:cs typeface="MathJax_Main" charset="0"/>
+              </a:rPr>
+              <a:t>“Sql query”</a:t>
+            </a:r>
+            <a:endParaRPr lang="x-none" altLang="en-US" sz="1200" i="1">
+              <a:solidFill>
+                <a:schemeClr val="accent6">
+                  <a:lumMod val="60000"/>
+                  <a:lumOff val="40000"/>
                 </a:schemeClr>
               </a:solidFill>
               <a:latin typeface="MathJax_Main" charset="0"/>
@@ -8365,43 +9686,46 @@
               <a:buNone/>
             </a:pPr>
             <a:r>
-              <a:rPr lang="x-none" altLang="en-US" sz="600" i="1">
-                <a:solidFill>
-                  <a:schemeClr val="bg1">
-                    <a:lumMod val="75000"/>
-                  </a:schemeClr>
-                </a:solidFill>
-                <a:latin typeface="MathJax_Main" charset="0"/>
-                <a:cs typeface="MathJax_Main" charset="0"/>
-              </a:rPr>
-              <a:t>      gdal_translate Convert raster data between file formats&gt; As a library, it presents a single raster abstract data model and single vector abstract data model to the calling application for all supported formats. It also comes with a variety of useful command line utilities for data translation and processing</a:t>
-            </a:r>
-            <a:r>
-              <a:rPr lang="x-none" altLang="en-US" sz="600" i="1">
+              <a:rPr lang="x-none" altLang="en-US" sz="1200" i="1">
+                <a:solidFill>
+                  <a:schemeClr val="accent6">
+                    <a:lumMod val="60000"/>
+                    <a:lumOff val="40000"/>
+                  </a:schemeClr>
+                </a:solidFill>
+                <a:latin typeface="MathJax_Main" charset="0"/>
+                <a:cs typeface="MathJax_Main" charset="0"/>
+              </a:rPr>
+              <a:t>   &gt; ogr2ogr  </a:t>
+            </a:r>
+            <a:r>
+              <a:rPr lang="x-none" altLang="en-US" sz="1200" i="1">
                 <a:solidFill>
                   <a:srgbClr val="92D050"/>
                 </a:solidFill>
                 <a:latin typeface="MathJax_Main" charset="0"/>
                 <a:cs typeface="MathJax_Main" charset="0"/>
               </a:rPr>
-              <a:t>( https://gdal.org/) </a:t>
-            </a:r>
-            <a:r>
-              <a:rPr lang="x-none" altLang="en-US" sz="600" i="1">
-                <a:solidFill>
-                  <a:schemeClr val="bg1">
-                    <a:lumMod val="75000"/>
-                  </a:schemeClr>
-                </a:solidFill>
-                <a:latin typeface="MathJax_Main" charset="0"/>
-                <a:cs typeface="MathJax_Main" charset="0"/>
-              </a:rPr>
-              <a:t>latest release GDAL/OGR 3.2.1</a:t>
-            </a:r>
-            <a:endParaRPr lang="x-none" altLang="en-US" sz="600" i="1">
-              <a:solidFill>
-                <a:schemeClr val="bg1">
-                  <a:lumMod val="75000"/>
+              <a:t>-t_srs [epsg:code] </a:t>
+            </a:r>
+            <a:r>
+              <a:rPr lang="x-none" altLang="en-US" sz="1200" i="1">
+                <a:solidFill>
+                  <a:schemeClr val="accent6">
+                    <a:lumMod val="60000"/>
+                    <a:lumOff val="40000"/>
+                  </a:schemeClr>
+                </a:solidFill>
+                <a:latin typeface="MathJax_Main" charset="0"/>
+                <a:cs typeface="MathJax_Main" charset="0"/>
+              </a:rPr>
+              <a:t>[output filename] [input filename]</a:t>
+            </a:r>
+            <a:endParaRPr lang="x-none" altLang="en-US" sz="1200" i="1">
+              <a:solidFill>
+                <a:schemeClr val="accent6">
+                  <a:lumMod val="60000"/>
+                  <a:lumOff val="40000"/>
                 </a:schemeClr>
               </a:solidFill>
               <a:latin typeface="MathJax_Main" charset="0"/>
@@ -8413,346 +9737,65 @@
               <a:buNone/>
             </a:pPr>
             <a:r>
-              <a:rPr lang="x-none" altLang="en-US" sz="600" i="1">
-                <a:solidFill>
-                  <a:schemeClr val="bg1">
-                    <a:lumMod val="75000"/>
-                  </a:schemeClr>
-                </a:solidFill>
-                <a:latin typeface="MathJax_Main" charset="0"/>
-                <a:cs typeface="MathJax_Main" charset="0"/>
-              </a:rPr>
-              <a:t>&gt; the capabilities are also accessible programmatically using the api.</a:t>
-            </a:r>
-            <a:endParaRPr lang="x-none" altLang="en-US" sz="600" i="1">
-              <a:solidFill>
-                <a:schemeClr val="bg1">
-                  <a:lumMod val="75000"/>
-                </a:schemeClr>
-              </a:solidFill>
-              <a:latin typeface="MathJax_Main" charset="0"/>
-              <a:cs typeface="MathJax_Main" charset="0"/>
-            </a:endParaRPr>
-          </a:p>
-          <a:p>
-            <a:pPr marL="0" indent="0">
-              <a:buNone/>
-            </a:pPr>
-            <a:r>
-              <a:rPr lang="x-none" altLang="en-US" sz="600" i="1">
-                <a:solidFill>
-                  <a:schemeClr val="bg1">
-                    <a:lumMod val="75000"/>
-                  </a:schemeClr>
-                </a:solidFill>
-                <a:latin typeface="MathJax_Main" charset="0"/>
-                <a:cs typeface="MathJax_Main" charset="0"/>
-              </a:rPr>
-              <a:t>&gt; support for a variety of raster formats</a:t>
-            </a:r>
-            <a:r>
-              <a:rPr lang="x-none" altLang="en-US" sz="600" i="1">
+              <a:rPr lang="x-none" altLang="en-US" sz="1200" i="1">
+                <a:solidFill>
+                  <a:schemeClr val="accent6">
+                    <a:lumMod val="60000"/>
+                    <a:lumOff val="40000"/>
+                  </a:schemeClr>
+                </a:solidFill>
+                <a:latin typeface="MathJax_Main" charset="0"/>
+                <a:cs typeface="MathJax_Main" charset="0"/>
+              </a:rPr>
+              <a:t>    &gt;ogr2ogr </a:t>
+            </a:r>
+            <a:r>
+              <a:rPr lang="x-none" altLang="en-US" sz="1200" i="1">
                 <a:solidFill>
                   <a:srgbClr val="92D050"/>
                 </a:solidFill>
                 <a:latin typeface="MathJax_Main" charset="0"/>
                 <a:cs typeface="MathJax_Main" charset="0"/>
               </a:rPr>
-              <a:t>(147 drivers)</a:t>
-            </a:r>
-            <a:r>
-              <a:rPr lang="x-none" altLang="en-US" sz="600" i="1">
-                <a:solidFill>
-                  <a:schemeClr val="bg1">
-                    <a:lumMod val="75000"/>
-                  </a:schemeClr>
-                </a:solidFill>
-                <a:latin typeface="MathJax_Main" charset="0"/>
-                <a:cs typeface="MathJax_Main" charset="0"/>
-              </a:rPr>
-              <a:t> and  vector formats</a:t>
-            </a:r>
-            <a:r>
-              <a:rPr lang="x-none" altLang="en-US" sz="600" i="1">
+              <a:t>-append -update</a:t>
+            </a:r>
+            <a:r>
+              <a:rPr lang="x-none" altLang="en-US" sz="1200" i="1">
+                <a:solidFill>
+                  <a:schemeClr val="accent6">
+                    <a:lumMod val="60000"/>
+                    <a:lumOff val="40000"/>
+                  </a:schemeClr>
+                </a:solidFill>
+                <a:latin typeface="MathJax_Main" charset="0"/>
+                <a:cs typeface="MathJax_Main" charset="0"/>
+              </a:rPr>
+              <a:t> [source file] [file to append] </a:t>
+            </a:r>
+            <a:r>
+              <a:rPr lang="x-none" altLang="en-US" sz="1200" i="1">
                 <a:solidFill>
                   <a:srgbClr val="92D050"/>
                 </a:solidFill>
                 <a:latin typeface="MathJax_Main" charset="0"/>
                 <a:cs typeface="MathJax_Main" charset="0"/>
               </a:rPr>
-              <a:t>(90 drivers)</a:t>
-            </a:r>
-            <a:r>
-              <a:rPr lang="x-none" altLang="en-US" sz="600" i="1">
-                <a:solidFill>
-                  <a:schemeClr val="bg1">
-                    <a:lumMod val="75000"/>
-                  </a:schemeClr>
-                </a:solidFill>
-                <a:latin typeface="MathJax_Main" charset="0"/>
-                <a:cs typeface="MathJax_Main" charset="0"/>
-              </a:rPr>
-              <a:t> at the time of writing</a:t>
-            </a:r>
-            <a:endParaRPr lang="x-none" altLang="en-US" sz="600" i="1">
-              <a:solidFill>
-                <a:schemeClr val="bg1">
-                  <a:lumMod val="75000"/>
-                </a:schemeClr>
-              </a:solidFill>
-              <a:latin typeface="MathJax_Main" charset="0"/>
-              <a:cs typeface="MathJax_Main" charset="0"/>
-            </a:endParaRPr>
-          </a:p>
-          <a:p>
-            <a:pPr marL="0" indent="0">
-              <a:buNone/>
-            </a:pPr>
-            <a:r>
-              <a:rPr lang="x-none" altLang="en-US" sz="700" u="sng">
-                <a:solidFill>
-                  <a:srgbClr val="92D050"/>
-                </a:solidFill>
-                <a:latin typeface="MathJax_Main" charset="0"/>
-                <a:cs typeface="MathJax_Main" charset="0"/>
-              </a:rPr>
-              <a:t>Installation:</a:t>
-            </a:r>
-            <a:endParaRPr lang="x-none" altLang="en-US" sz="600">
-              <a:solidFill>
-                <a:schemeClr val="bg1">
-                  <a:lumMod val="75000"/>
-                </a:schemeClr>
-              </a:solidFill>
-              <a:latin typeface="MathJax_Main" charset="0"/>
-              <a:cs typeface="MathJax_Main" charset="0"/>
-            </a:endParaRPr>
-          </a:p>
-          <a:p>
-            <a:pPr marL="0" indent="0">
-              <a:buNone/>
-            </a:pPr>
-            <a:r>
-              <a:rPr lang="x-none" altLang="en-US" sz="600" i="1">
-                <a:solidFill>
-                  <a:schemeClr val="bg1">
-                    <a:lumMod val="75000"/>
-                  </a:schemeClr>
-                </a:solidFill>
-                <a:latin typeface="MathJax_Main" charset="0"/>
-                <a:cs typeface="MathJax_Main" charset="0"/>
-              </a:rPr>
-              <a:t>Methods vary based on your operating system.</a:t>
-            </a:r>
-            <a:endParaRPr lang="x-none" altLang="en-US" sz="600" i="1">
-              <a:solidFill>
-                <a:schemeClr val="bg1">
-                  <a:lumMod val="75000"/>
-                </a:schemeClr>
-              </a:solidFill>
-              <a:latin typeface="MathJax_Main" charset="0"/>
-              <a:cs typeface="MathJax_Main" charset="0"/>
-            </a:endParaRPr>
-          </a:p>
-          <a:p>
-            <a:pPr marL="0" indent="0">
-              <a:buNone/>
-            </a:pPr>
-            <a:r>
-              <a:rPr lang="x-none" altLang="en-US" sz="600" i="1">
-                <a:solidFill>
-                  <a:schemeClr val="bg1">
-                    <a:lumMod val="75000"/>
-                  </a:schemeClr>
-                </a:solidFill>
-                <a:latin typeface="MathJax_Main" charset="0"/>
-                <a:cs typeface="MathJax_Main" charset="0"/>
-              </a:rPr>
-              <a:t>Conda: </a:t>
-            </a:r>
-            <a:r>
-              <a:rPr lang="x-none" altLang="en-US" sz="600" i="1">
+              <a:t>-nln </a:t>
+            </a:r>
+            <a:r>
+              <a:rPr lang="x-none" altLang="en-US" sz="1200" i="1">
                 <a:solidFill>
                   <a:schemeClr val="accent6">
-                    <a:lumMod val="40000"/>
-                    <a:lumOff val="60000"/>
-                  </a:schemeClr>
-                </a:solidFill>
-                <a:latin typeface="MathJax_Main" charset="0"/>
-                <a:cs typeface="MathJax_Main" charset="0"/>
-              </a:rPr>
-              <a:t>conda install -c conda-forge gdal=[version]  </a:t>
-            </a:r>
-            <a:r>
-              <a:rPr lang="x-none" altLang="en-US" sz="600" i="1">
-                <a:solidFill>
-                  <a:schemeClr val="bg1">
-                    <a:lumMod val="75000"/>
-                  </a:schemeClr>
-                </a:solidFill>
-                <a:latin typeface="MathJax_Main" charset="0"/>
-                <a:cs typeface="MathJax_Main" charset="0"/>
-              </a:rPr>
-              <a:t>should work across</a:t>
-            </a:r>
-            <a:endParaRPr lang="x-none" altLang="en-US" sz="600" i="1">
-              <a:solidFill>
-                <a:schemeClr val="bg1">
-                  <a:lumMod val="75000"/>
-                </a:schemeClr>
-              </a:solidFill>
-              <a:latin typeface="MathJax_Main" charset="0"/>
-              <a:cs typeface="MathJax_Main" charset="0"/>
-            </a:endParaRPr>
-          </a:p>
-          <a:p>
-            <a:pPr marL="0" indent="0">
-              <a:buNone/>
-            </a:pPr>
-            <a:r>
-              <a:rPr lang="x-none" altLang="en-US" sz="600" i="1">
-                <a:solidFill>
-                  <a:schemeClr val="bg1">
-                    <a:lumMod val="75000"/>
-                  </a:schemeClr>
-                </a:solidFill>
-                <a:latin typeface="MathJax_Main" charset="0"/>
-                <a:cs typeface="MathJax_Main" charset="0"/>
-              </a:rPr>
-              <a:t>OSX</a:t>
-            </a:r>
-            <a:r>
-              <a:rPr lang="x-none" altLang="en-US" sz="600" i="1">
-                <a:solidFill>
-                  <a:schemeClr val="accent6">
-                    <a:lumMod val="40000"/>
-                    <a:lumOff val="60000"/>
-                  </a:schemeClr>
-                </a:solidFill>
-                <a:latin typeface="MathJax_Main" charset="0"/>
-                <a:cs typeface="MathJax_Main" charset="0"/>
-              </a:rPr>
-              <a:t>: you know better than I do. </a:t>
-            </a:r>
-            <a:r>
-              <a:rPr lang="x-none" altLang="en-US" sz="600" i="1">
-                <a:solidFill>
-                  <a:srgbClr val="92D050"/>
-                </a:solidFill>
-                <a:latin typeface="MathJax_Main" charset="0"/>
-                <a:cs typeface="MathJax_Main" charset="0"/>
-              </a:rPr>
-              <a:t>(https://medium.com/planet-stories/a-gentle-introduction-to-gdal-part-1-a3253eb96082)</a:t>
-            </a:r>
-            <a:endParaRPr lang="x-none" altLang="en-US" sz="600" i="1">
-              <a:solidFill>
-                <a:srgbClr val="92D050"/>
-              </a:solidFill>
-              <a:latin typeface="MathJax_Main" charset="0"/>
-              <a:cs typeface="MathJax_Main" charset="0"/>
-            </a:endParaRPr>
-          </a:p>
-          <a:p>
-            <a:pPr marL="0" indent="0">
-              <a:buNone/>
-            </a:pPr>
-            <a:r>
-              <a:rPr lang="x-none" altLang="en-US" sz="600" i="1">
-                <a:solidFill>
-                  <a:schemeClr val="bg1">
-                    <a:lumMod val="75000"/>
-                  </a:schemeClr>
-                </a:solidFill>
-                <a:latin typeface="MathJax_Main" charset="0"/>
-                <a:cs typeface="MathJax_Main" charset="0"/>
-              </a:rPr>
-              <a:t>Windows</a:t>
-            </a:r>
-            <a:r>
-              <a:rPr lang="x-none" altLang="en-US" sz="600" i="1">
-                <a:solidFill>
-                  <a:srgbClr val="92D050"/>
-                </a:solidFill>
-                <a:latin typeface="MathJax_Main" charset="0"/>
-                <a:cs typeface="MathJax_Main" charset="0"/>
-              </a:rPr>
-              <a:t>: </a:t>
-            </a:r>
-            <a:r>
-              <a:rPr lang="x-none" altLang="en-US" sz="600" i="1">
-                <a:solidFill>
-                  <a:schemeClr val="bg1">
-                    <a:lumMod val="75000"/>
-                  </a:schemeClr>
-                </a:solidFill>
-                <a:latin typeface="MathJax_Main" charset="0"/>
-                <a:cs typeface="MathJax_Main" charset="0"/>
-              </a:rPr>
-              <a:t>through OSGeo4W graphical installer or follow</a:t>
-            </a:r>
-            <a:r>
-              <a:rPr lang="x-none" altLang="en-US" sz="600" i="1">
-                <a:solidFill>
-                  <a:srgbClr val="92D050"/>
-                </a:solidFill>
-                <a:latin typeface="MathJax_Main" charset="0"/>
-                <a:cs typeface="MathJax_Main" charset="0"/>
-              </a:rPr>
-              <a:t> (https://sandbox.idre.ucla.edu/sandbox/tutorials/installing-gdal-for-windows)</a:t>
-            </a:r>
-            <a:r>
-              <a:rPr lang="x-none" altLang="en-US" sz="600" i="1">
-                <a:solidFill>
-                  <a:schemeClr val="bg1">
-                    <a:lumMod val="75000"/>
-                  </a:schemeClr>
-                </a:solidFill>
-                <a:latin typeface="MathJax_Main" charset="0"/>
-                <a:cs typeface="MathJax_Main" charset="0"/>
-              </a:rPr>
-              <a:t> rem to use the right versions. </a:t>
-            </a:r>
-            <a:endParaRPr lang="x-none" altLang="en-US" sz="600" i="1">
-              <a:solidFill>
-                <a:schemeClr val="bg1">
-                  <a:lumMod val="75000"/>
-                </a:schemeClr>
-              </a:solidFill>
-              <a:latin typeface="MathJax_Main" charset="0"/>
-              <a:cs typeface="MathJax_Main" charset="0"/>
-            </a:endParaRPr>
-          </a:p>
-          <a:p>
-            <a:pPr marL="0" indent="0">
-              <a:buNone/>
-            </a:pPr>
-            <a:r>
-              <a:rPr lang="x-none" altLang="en-US" sz="600" i="1">
-                <a:solidFill>
-                  <a:schemeClr val="bg1">
-                    <a:lumMod val="75000"/>
-                  </a:schemeClr>
-                </a:solidFill>
-                <a:latin typeface="MathJax_Main" charset="0"/>
-                <a:cs typeface="MathJax_Main" charset="0"/>
-              </a:rPr>
-              <a:t>Linux distro:  pacman -S gdal,  sudo apt install gdal-bin libgdal-dev  “better try googling the solution that'll work for you”</a:t>
-            </a:r>
-            <a:endParaRPr lang="x-none" altLang="en-US" sz="600" i="1">
-              <a:solidFill>
-                <a:schemeClr val="bg1">
-                  <a:lumMod val="75000"/>
-                </a:schemeClr>
-              </a:solidFill>
-              <a:latin typeface="MathJax_Main" charset="0"/>
-              <a:cs typeface="MathJax_Main" charset="0"/>
-            </a:endParaRPr>
-          </a:p>
-          <a:p>
-            <a:pPr marL="0" indent="0">
-              <a:buNone/>
-            </a:pPr>
-            <a:endParaRPr lang="x-none" altLang="en-US" sz="600" i="1">
+                    <a:lumMod val="60000"/>
+                    <a:lumOff val="40000"/>
+                  </a:schemeClr>
+                </a:solidFill>
+                <a:latin typeface="MathJax_Main" charset="0"/>
+                <a:cs typeface="MathJax_Main" charset="0"/>
+              </a:rPr>
+              <a:t>[new file]</a:t>
+            </a:r>
+            <a:endParaRPr lang="x-none" altLang="en-US" sz="1200" i="1">
               <a:solidFill>
                 <a:schemeClr val="bg1">
                   <a:lumMod val="75000"/>
